--- a/Tesis.pptx
+++ b/Tesis.pptx
@@ -1,33 +1,41 @@
 
 <file path=ppt/presentation.xml><?xml version="1.0" encoding="utf-8"?>
-<p:presentation xmlns:a="http://schemas.openxmlformats.org/drawingml/2006/main" xmlns:r="http://schemas.openxmlformats.org/officeDocument/2006/relationships" xmlns:mc="http://schemas.openxmlformats.org/markup-compatibility/2006" xmlns:mv="urn:schemas-microsoft-com:mac:vml" xmlns:p="http://schemas.openxmlformats.org/presentationml/2006/main" xmlns:c="http://schemas.openxmlformats.org/drawingml/2006/chart" xmlns:dgm="http://schemas.openxmlformats.org/drawingml/2006/diagram" xmlns:o="urn:schemas-microsoft-com:office:office" xmlns:v="urn:schemas-microsoft-com:vml" xmlns:pvml="urn:schemas-microsoft-com:office:powerpoint" xmlns:com="http://schemas.openxmlformats.org/drawingml/2006/compatibility" xmlns:p14="http://schemas.microsoft.com/office/powerpoint/2010/main" xmlns:p15="http://schemas.microsoft.com/office/powerpoint/2012/main" xmlns:ahyp="http://schemas.microsoft.com/office/drawing/2018/hyperlinkcolor" autoCompressPictures="0" embedTrueTypeFonts="1" strictFirstAndLastChars="0" saveSubsetFonts="1">
+<p:presentation xmlns:a="http://schemas.openxmlformats.org/drawingml/2006/main" xmlns:r="http://schemas.openxmlformats.org/officeDocument/2006/relationships" xmlns:p="http://schemas.openxmlformats.org/presentationml/2006/main" strictFirstAndLastChars="0" embedTrueTypeFonts="1" saveSubsetFonts="1" autoCompressPictures="0">
   <p:sldMasterIdLst>
-    <p:sldMasterId id="2147483659" r:id="rId4"/>
+    <p:sldMasterId id="2147483659" r:id="rId1"/>
   </p:sldMasterIdLst>
   <p:notesMasterIdLst>
-    <p:notesMasterId r:id="rId5"/>
+    <p:notesMasterId r:id="rId9"/>
   </p:notesMasterIdLst>
   <p:sldIdLst>
-    <p:sldId id="256" r:id="rId6"/>
-    <p:sldId id="257" r:id="rId7"/>
-    <p:sldId id="258" r:id="rId8"/>
-    <p:sldId id="259" r:id="rId9"/>
-    <p:sldId id="260" r:id="rId10"/>
-    <p:sldId id="261" r:id="rId11"/>
+    <p:sldId id="256" r:id="rId2"/>
+    <p:sldId id="257" r:id="rId3"/>
+    <p:sldId id="262" r:id="rId4"/>
+    <p:sldId id="258" r:id="rId5"/>
+    <p:sldId id="259" r:id="rId6"/>
+    <p:sldId id="260" r:id="rId7"/>
+    <p:sldId id="261" r:id="rId8"/>
   </p:sldIdLst>
-  <p:sldSz cy="5143500" cx="9144000"/>
+  <p:sldSz cx="9144000" cy="5143500" type="screen16x9"/>
   <p:notesSz cx="6858000" cy="9144000"/>
   <p:embeddedFontLst>
     <p:embeddedFont>
-      <p:font typeface="Nunito"/>
-      <p:regular r:id="rId12"/>
-      <p:bold r:id="rId13"/>
-      <p:italic r:id="rId14"/>
-      <p:boldItalic r:id="rId15"/>
+      <p:font typeface="Georgia" panose="02040502050405020303" pitchFamily="18" charset="0"/>
+      <p:regular r:id="rId10"/>
+      <p:bold r:id="rId11"/>
+      <p:italic r:id="rId12"/>
+      <p:boldItalic r:id="rId13"/>
+    </p:embeddedFont>
+    <p:embeddedFont>
+      <p:font typeface="Nunito" pitchFamily="2" charset="0"/>
+      <p:regular r:id="rId14"/>
+      <p:bold r:id="rId15"/>
+      <p:italic r:id="rId16"/>
+      <p:boldItalic r:id="rId17"/>
     </p:embeddedFont>
   </p:embeddedFontLst>
   <p:defaultTextStyle>
-    <a:defPPr lvl="0" marR="0" rtl="0" algn="l">
+    <a:defPPr marR="0" lvl="0" algn="l" rtl="0">
       <a:lnSpc>
         <a:spcPct val="100000"/>
       </a:lnSpc>
@@ -38,7 +46,7 @@
         <a:spcPts val="0"/>
       </a:spcAft>
     </a:defPPr>
-    <a:lvl1pPr lvl="0" marR="0" rtl="0" algn="l">
+    <a:lvl1pPr marR="0" lvl="0" algn="l" rtl="0">
       <a:lnSpc>
         <a:spcPct val="100000"/>
       </a:lnSpc>
@@ -52,7 +60,7 @@
         <a:srgbClr val="000000"/>
       </a:buClr>
       <a:buFont typeface="Arial"/>
-      <a:defRPr b="0" i="0" sz="1400" u="none" cap="none" strike="noStrike">
+      <a:defRPr sz="1400" b="0" i="0" u="none" strike="noStrike" cap="none">
         <a:solidFill>
           <a:srgbClr val="000000"/>
         </a:solidFill>
@@ -62,7 +70,7 @@
         <a:sym typeface="Arial"/>
       </a:defRPr>
     </a:lvl1pPr>
-    <a:lvl2pPr lvl="1" marR="0" rtl="0" algn="l">
+    <a:lvl2pPr marR="0" lvl="1" algn="l" rtl="0">
       <a:lnSpc>
         <a:spcPct val="100000"/>
       </a:lnSpc>
@@ -76,7 +84,7 @@
         <a:srgbClr val="000000"/>
       </a:buClr>
       <a:buFont typeface="Arial"/>
-      <a:defRPr b="0" i="0" sz="1400" u="none" cap="none" strike="noStrike">
+      <a:defRPr sz="1400" b="0" i="0" u="none" strike="noStrike" cap="none">
         <a:solidFill>
           <a:srgbClr val="000000"/>
         </a:solidFill>
@@ -86,7 +94,7 @@
         <a:sym typeface="Arial"/>
       </a:defRPr>
     </a:lvl2pPr>
-    <a:lvl3pPr lvl="2" marR="0" rtl="0" algn="l">
+    <a:lvl3pPr marR="0" lvl="2" algn="l" rtl="0">
       <a:lnSpc>
         <a:spcPct val="100000"/>
       </a:lnSpc>
@@ -100,7 +108,7 @@
         <a:srgbClr val="000000"/>
       </a:buClr>
       <a:buFont typeface="Arial"/>
-      <a:defRPr b="0" i="0" sz="1400" u="none" cap="none" strike="noStrike">
+      <a:defRPr sz="1400" b="0" i="0" u="none" strike="noStrike" cap="none">
         <a:solidFill>
           <a:srgbClr val="000000"/>
         </a:solidFill>
@@ -110,7 +118,7 @@
         <a:sym typeface="Arial"/>
       </a:defRPr>
     </a:lvl3pPr>
-    <a:lvl4pPr lvl="3" marR="0" rtl="0" algn="l">
+    <a:lvl4pPr marR="0" lvl="3" algn="l" rtl="0">
       <a:lnSpc>
         <a:spcPct val="100000"/>
       </a:lnSpc>
@@ -124,7 +132,7 @@
         <a:srgbClr val="000000"/>
       </a:buClr>
       <a:buFont typeface="Arial"/>
-      <a:defRPr b="0" i="0" sz="1400" u="none" cap="none" strike="noStrike">
+      <a:defRPr sz="1400" b="0" i="0" u="none" strike="noStrike" cap="none">
         <a:solidFill>
           <a:srgbClr val="000000"/>
         </a:solidFill>
@@ -134,7 +142,7 @@
         <a:sym typeface="Arial"/>
       </a:defRPr>
     </a:lvl4pPr>
-    <a:lvl5pPr lvl="4" marR="0" rtl="0" algn="l">
+    <a:lvl5pPr marR="0" lvl="4" algn="l" rtl="0">
       <a:lnSpc>
         <a:spcPct val="100000"/>
       </a:lnSpc>
@@ -148,7 +156,7 @@
         <a:srgbClr val="000000"/>
       </a:buClr>
       <a:buFont typeface="Arial"/>
-      <a:defRPr b="0" i="0" sz="1400" u="none" cap="none" strike="noStrike">
+      <a:defRPr sz="1400" b="0" i="0" u="none" strike="noStrike" cap="none">
         <a:solidFill>
           <a:srgbClr val="000000"/>
         </a:solidFill>
@@ -158,7 +166,7 @@
         <a:sym typeface="Arial"/>
       </a:defRPr>
     </a:lvl5pPr>
-    <a:lvl6pPr lvl="5" marR="0" rtl="0" algn="l">
+    <a:lvl6pPr marR="0" lvl="5" algn="l" rtl="0">
       <a:lnSpc>
         <a:spcPct val="100000"/>
       </a:lnSpc>
@@ -172,7 +180,7 @@
         <a:srgbClr val="000000"/>
       </a:buClr>
       <a:buFont typeface="Arial"/>
-      <a:defRPr b="0" i="0" sz="1400" u="none" cap="none" strike="noStrike">
+      <a:defRPr sz="1400" b="0" i="0" u="none" strike="noStrike" cap="none">
         <a:solidFill>
           <a:srgbClr val="000000"/>
         </a:solidFill>
@@ -182,7 +190,7 @@
         <a:sym typeface="Arial"/>
       </a:defRPr>
     </a:lvl6pPr>
-    <a:lvl7pPr lvl="6" marR="0" rtl="0" algn="l">
+    <a:lvl7pPr marR="0" lvl="6" algn="l" rtl="0">
       <a:lnSpc>
         <a:spcPct val="100000"/>
       </a:lnSpc>
@@ -196,7 +204,7 @@
         <a:srgbClr val="000000"/>
       </a:buClr>
       <a:buFont typeface="Arial"/>
-      <a:defRPr b="0" i="0" sz="1400" u="none" cap="none" strike="noStrike">
+      <a:defRPr sz="1400" b="0" i="0" u="none" strike="noStrike" cap="none">
         <a:solidFill>
           <a:srgbClr val="000000"/>
         </a:solidFill>
@@ -206,7 +214,7 @@
         <a:sym typeface="Arial"/>
       </a:defRPr>
     </a:lvl7pPr>
-    <a:lvl8pPr lvl="7" marR="0" rtl="0" algn="l">
+    <a:lvl8pPr marR="0" lvl="7" algn="l" rtl="0">
       <a:lnSpc>
         <a:spcPct val="100000"/>
       </a:lnSpc>
@@ -220,7 +228,7 @@
         <a:srgbClr val="000000"/>
       </a:buClr>
       <a:buFont typeface="Arial"/>
-      <a:defRPr b="0" i="0" sz="1400" u="none" cap="none" strike="noStrike">
+      <a:defRPr sz="1400" b="0" i="0" u="none" strike="noStrike" cap="none">
         <a:solidFill>
           <a:srgbClr val="000000"/>
         </a:solidFill>
@@ -230,7 +238,7 @@
         <a:sym typeface="Arial"/>
       </a:defRPr>
     </a:lvl8pPr>
-    <a:lvl9pPr lvl="8" marR="0" rtl="0" algn="l">
+    <a:lvl9pPr marR="0" lvl="8" algn="l" rtl="0">
       <a:lnSpc>
         <a:spcPct val="100000"/>
       </a:lnSpc>
@@ -244,7 +252,7 @@
         <a:srgbClr val="000000"/>
       </a:buClr>
       <a:buFont typeface="Arial"/>
-      <a:defRPr b="0" i="0" sz="1400" u="none" cap="none" strike="noStrike">
+      <a:defRPr sz="1400" b="0" i="0" u="none" strike="noStrike" cap="none">
         <a:solidFill>
           <a:srgbClr val="000000"/>
         </a:solidFill>
@@ -257,7 +265,7 @@
   </p:defaultTextStyle>
   <p:extLst>
     <p:ext uri="{EFAFB233-063F-42B5-8137-9DF3F51BA10A}">
-      <p15:sldGuideLst>
+      <p15:sldGuideLst xmlns:p15="http://schemas.microsoft.com/office/powerpoint/2012/main">
         <p15:guide id="1" orient="horz" pos="1620">
           <p15:clr>
             <a:srgbClr val="747775"/>
@@ -275,11 +283,16 @@
 </file>
 
 <file path=ppt/notesMasters/notesMaster1.xml><?xml version="1.0" encoding="utf-8"?>
-<p:notesMaster xmlns:a="http://schemas.openxmlformats.org/drawingml/2006/main" xmlns:r="http://schemas.openxmlformats.org/officeDocument/2006/relationships" xmlns:mc="http://schemas.openxmlformats.org/markup-compatibility/2006" xmlns:mv="urn:schemas-microsoft-com:mac:vml" xmlns:p="http://schemas.openxmlformats.org/presentationml/2006/main" xmlns:c="http://schemas.openxmlformats.org/drawingml/2006/chart" xmlns:dgm="http://schemas.openxmlformats.org/drawingml/2006/diagram" xmlns:o="urn:schemas-microsoft-com:office:office" xmlns:v="urn:schemas-microsoft-com:vml" xmlns:pvml="urn:schemas-microsoft-com:office:powerpoint" xmlns:com="http://schemas.openxmlformats.org/drawingml/2006/compatibility" xmlns:p14="http://schemas.microsoft.com/office/powerpoint/2010/main" xmlns:p15="http://schemas.microsoft.com/office/powerpoint/2012/main" xmlns:ahyp="http://schemas.microsoft.com/office/drawing/2018/hyperlinkcolor">
+<p:notesMaster xmlns:a="http://schemas.openxmlformats.org/drawingml/2006/main" xmlns:r="http://schemas.openxmlformats.org/officeDocument/2006/relationships" xmlns:p="http://schemas.openxmlformats.org/presentationml/2006/main">
   <p:cSld>
+    <p:bg>
+      <p:bgRef idx="1001">
+        <a:schemeClr val="bg1"/>
+      </p:bgRef>
+    </p:bg>
     <p:spTree>
       <p:nvGrpSpPr>
-        <p:cNvPr id="2" name="Shape 2"/>
+        <p:cNvPr id="1" name="Shape 2"/>
         <p:cNvGrpSpPr/>
         <p:nvPr/>
       </p:nvGrpSpPr>
@@ -294,9 +307,11 @@
       <p:sp>
         <p:nvSpPr>
           <p:cNvPr id="3" name="Google Shape;3;n"/>
-          <p:cNvSpPr/>
+          <p:cNvSpPr>
+            <a:spLocks noGrp="1" noRot="1" noChangeAspect="1"/>
+          </p:cNvSpPr>
           <p:nvPr>
-            <p:ph idx="2" type="sldImg"/>
+            <p:ph type="sldImg" idx="2"/>
           </p:nvPr>
         </p:nvSpPr>
         <p:spPr>
@@ -305,9 +320,13 @@
             <a:ext cx="6096075" cy="3429000"/>
           </a:xfrm>
           <a:custGeom>
-            <a:rect b="b" l="l" r="r" t="t"/>
+            <a:avLst/>
+            <a:gdLst/>
+            <a:ahLst/>
+            <a:cxnLst/>
+            <a:rect l="l" t="t" r="r" b="b"/>
             <a:pathLst>
-              <a:path extrusionOk="0" h="120000" w="120000">
+              <a:path w="120000" h="120000" extrusionOk="0">
                 <a:moveTo>
                   <a:pt x="0" y="0"/>
                 </a:moveTo>
@@ -325,23 +344,25 @@
             </a:pathLst>
           </a:custGeom>
           <a:noFill/>
-          <a:ln cap="flat" cmpd="sng" w="9525">
+          <a:ln w="9525" cap="flat" cmpd="sng">
             <a:solidFill>
               <a:srgbClr val="000000"/>
             </a:solidFill>
             <a:prstDash val="solid"/>
             <a:round/>
-            <a:headEnd len="sm" w="sm" type="none"/>
-            <a:tailEnd len="sm" w="sm" type="none"/>
+            <a:headEnd type="none" w="sm" len="sm"/>
+            <a:tailEnd type="none" w="sm" len="sm"/>
           </a:ln>
         </p:spPr>
       </p:sp>
       <p:sp>
         <p:nvSpPr>
           <p:cNvPr id="4" name="Google Shape;4;n"/>
-          <p:cNvSpPr txBox="1"/>
+          <p:cNvSpPr txBox="1">
+            <a:spLocks noGrp="1"/>
+          </p:cNvSpPr>
           <p:nvPr>
-            <p:ph idx="1" type="body"/>
+            <p:ph type="body" idx="1"/>
           </p:nvPr>
         </p:nvSpPr>
         <p:spPr>
@@ -358,11 +379,11 @@
           </a:ln>
         </p:spPr>
         <p:txBody>
-          <a:bodyPr anchorCtr="0" anchor="t" bIns="91425" lIns="91425" spcFirstLastPara="1" rIns="91425" wrap="square" tIns="91425">
+          <a:bodyPr spcFirstLastPara="1" wrap="square" lIns="91425" tIns="91425" rIns="91425" bIns="91425" anchor="t" anchorCtr="0">
             <a:noAutofit/>
           </a:bodyPr>
           <a:lstStyle>
-            <a:lvl1pPr indent="-298450" lvl="0" marL="457200">
+            <a:lvl1pPr marL="457200" lvl="0" indent="-298450">
               <a:spcBef>
                 <a:spcPts val="0"/>
               </a:spcBef>
@@ -373,7 +394,7 @@
               <a:buChar char="●"/>
               <a:defRPr sz="1100"/>
             </a:lvl1pPr>
-            <a:lvl2pPr indent="-298450" lvl="1" marL="914400">
+            <a:lvl2pPr marL="914400" lvl="1" indent="-298450">
               <a:spcBef>
                 <a:spcPts val="0"/>
               </a:spcBef>
@@ -384,7 +405,7 @@
               <a:buChar char="○"/>
               <a:defRPr sz="1100"/>
             </a:lvl2pPr>
-            <a:lvl3pPr indent="-298450" lvl="2" marL="1371600">
+            <a:lvl3pPr marL="1371600" lvl="2" indent="-298450">
               <a:spcBef>
                 <a:spcPts val="0"/>
               </a:spcBef>
@@ -395,7 +416,7 @@
               <a:buChar char="■"/>
               <a:defRPr sz="1100"/>
             </a:lvl3pPr>
-            <a:lvl4pPr indent="-298450" lvl="3" marL="1828800">
+            <a:lvl4pPr marL="1828800" lvl="3" indent="-298450">
               <a:spcBef>
                 <a:spcPts val="0"/>
               </a:spcBef>
@@ -406,7 +427,7 @@
               <a:buChar char="●"/>
               <a:defRPr sz="1100"/>
             </a:lvl4pPr>
-            <a:lvl5pPr indent="-298450" lvl="4" marL="2286000">
+            <a:lvl5pPr marL="2286000" lvl="4" indent="-298450">
               <a:spcBef>
                 <a:spcPts val="0"/>
               </a:spcBef>
@@ -417,7 +438,7 @@
               <a:buChar char="○"/>
               <a:defRPr sz="1100"/>
             </a:lvl5pPr>
-            <a:lvl6pPr indent="-298450" lvl="5" marL="2743200">
+            <a:lvl6pPr marL="2743200" lvl="5" indent="-298450">
               <a:spcBef>
                 <a:spcPts val="0"/>
               </a:spcBef>
@@ -428,7 +449,7 @@
               <a:buChar char="■"/>
               <a:defRPr sz="1100"/>
             </a:lvl6pPr>
-            <a:lvl7pPr indent="-298450" lvl="6" marL="3200400">
+            <a:lvl7pPr marL="3200400" lvl="6" indent="-298450">
               <a:spcBef>
                 <a:spcPts val="0"/>
               </a:spcBef>
@@ -439,7 +460,7 @@
               <a:buChar char="●"/>
               <a:defRPr sz="1100"/>
             </a:lvl7pPr>
-            <a:lvl8pPr indent="-298450" lvl="7" marL="3657600">
+            <a:lvl8pPr marL="3657600" lvl="7" indent="-298450">
               <a:spcBef>
                 <a:spcPts val="0"/>
               </a:spcBef>
@@ -450,7 +471,7 @@
               <a:buChar char="○"/>
               <a:defRPr sz="1100"/>
             </a:lvl8pPr>
-            <a:lvl9pPr indent="-298450" lvl="8" marL="4114800">
+            <a:lvl9pPr marL="4114800" lvl="8" indent="-298450">
               <a:spcBef>
                 <a:spcPts val="0"/>
               </a:spcBef>
@@ -462,14 +483,16 @@
               <a:defRPr sz="1100"/>
             </a:lvl9pPr>
           </a:lstStyle>
-          <a:p/>
+          <a:p>
+            <a:endParaRPr/>
+          </a:p>
         </p:txBody>
       </p:sp>
     </p:spTree>
   </p:cSld>
-  <p:clrMap accent1="accent1" accent2="accent2" accent3="accent3" accent4="accent4" accent5="accent5" accent6="accent6" bg1="lt1" bg2="dk2" tx1="dk1" tx2="lt2" folHlink="folHlink" hlink="hlink"/>
+  <p:clrMap bg1="lt1" tx1="dk1" bg2="dk2" tx2="lt2" accent1="accent1" accent2="accent2" accent3="accent3" accent4="accent4" accent5="accent5" accent6="accent6" hlink="hlink" folHlink="folHlink"/>
   <p:notesStyle>
-    <a:defPPr lvl="0" marR="0" rtl="0" algn="l">
+    <a:defPPr marR="0" lvl="0" algn="l" rtl="0">
       <a:lnSpc>
         <a:spcPct val="100000"/>
       </a:lnSpc>
@@ -480,7 +503,7 @@
         <a:spcPts val="0"/>
       </a:spcAft>
     </a:defPPr>
-    <a:lvl1pPr lvl="0" marR="0" rtl="0" algn="l">
+    <a:lvl1pPr marR="0" lvl="0" algn="l" rtl="0">
       <a:lnSpc>
         <a:spcPct val="100000"/>
       </a:lnSpc>
@@ -494,7 +517,7 @@
         <a:srgbClr val="000000"/>
       </a:buClr>
       <a:buFont typeface="Arial"/>
-      <a:defRPr b="0" i="0" sz="1400" u="none" cap="none" strike="noStrike">
+      <a:defRPr sz="1400" b="0" i="0" u="none" strike="noStrike" cap="none">
         <a:solidFill>
           <a:srgbClr val="000000"/>
         </a:solidFill>
@@ -504,7 +527,7 @@
         <a:sym typeface="Arial"/>
       </a:defRPr>
     </a:lvl1pPr>
-    <a:lvl2pPr lvl="1" marR="0" rtl="0" algn="l">
+    <a:lvl2pPr marR="0" lvl="1" algn="l" rtl="0">
       <a:lnSpc>
         <a:spcPct val="100000"/>
       </a:lnSpc>
@@ -518,7 +541,7 @@
         <a:srgbClr val="000000"/>
       </a:buClr>
       <a:buFont typeface="Arial"/>
-      <a:defRPr b="0" i="0" sz="1400" u="none" cap="none" strike="noStrike">
+      <a:defRPr sz="1400" b="0" i="0" u="none" strike="noStrike" cap="none">
         <a:solidFill>
           <a:srgbClr val="000000"/>
         </a:solidFill>
@@ -528,7 +551,7 @@
         <a:sym typeface="Arial"/>
       </a:defRPr>
     </a:lvl2pPr>
-    <a:lvl3pPr lvl="2" marR="0" rtl="0" algn="l">
+    <a:lvl3pPr marR="0" lvl="2" algn="l" rtl="0">
       <a:lnSpc>
         <a:spcPct val="100000"/>
       </a:lnSpc>
@@ -542,7 +565,7 @@
         <a:srgbClr val="000000"/>
       </a:buClr>
       <a:buFont typeface="Arial"/>
-      <a:defRPr b="0" i="0" sz="1400" u="none" cap="none" strike="noStrike">
+      <a:defRPr sz="1400" b="0" i="0" u="none" strike="noStrike" cap="none">
         <a:solidFill>
           <a:srgbClr val="000000"/>
         </a:solidFill>
@@ -552,7 +575,7 @@
         <a:sym typeface="Arial"/>
       </a:defRPr>
     </a:lvl3pPr>
-    <a:lvl4pPr lvl="3" marR="0" rtl="0" algn="l">
+    <a:lvl4pPr marR="0" lvl="3" algn="l" rtl="0">
       <a:lnSpc>
         <a:spcPct val="100000"/>
       </a:lnSpc>
@@ -566,7 +589,7 @@
         <a:srgbClr val="000000"/>
       </a:buClr>
       <a:buFont typeface="Arial"/>
-      <a:defRPr b="0" i="0" sz="1400" u="none" cap="none" strike="noStrike">
+      <a:defRPr sz="1400" b="0" i="0" u="none" strike="noStrike" cap="none">
         <a:solidFill>
           <a:srgbClr val="000000"/>
         </a:solidFill>
@@ -576,7 +599,7 @@
         <a:sym typeface="Arial"/>
       </a:defRPr>
     </a:lvl4pPr>
-    <a:lvl5pPr lvl="4" marR="0" rtl="0" algn="l">
+    <a:lvl5pPr marR="0" lvl="4" algn="l" rtl="0">
       <a:lnSpc>
         <a:spcPct val="100000"/>
       </a:lnSpc>
@@ -590,7 +613,7 @@
         <a:srgbClr val="000000"/>
       </a:buClr>
       <a:buFont typeface="Arial"/>
-      <a:defRPr b="0" i="0" sz="1400" u="none" cap="none" strike="noStrike">
+      <a:defRPr sz="1400" b="0" i="0" u="none" strike="noStrike" cap="none">
         <a:solidFill>
           <a:srgbClr val="000000"/>
         </a:solidFill>
@@ -600,7 +623,7 @@
         <a:sym typeface="Arial"/>
       </a:defRPr>
     </a:lvl5pPr>
-    <a:lvl6pPr lvl="5" marR="0" rtl="0" algn="l">
+    <a:lvl6pPr marR="0" lvl="5" algn="l" rtl="0">
       <a:lnSpc>
         <a:spcPct val="100000"/>
       </a:lnSpc>
@@ -614,7 +637,7 @@
         <a:srgbClr val="000000"/>
       </a:buClr>
       <a:buFont typeface="Arial"/>
-      <a:defRPr b="0" i="0" sz="1400" u="none" cap="none" strike="noStrike">
+      <a:defRPr sz="1400" b="0" i="0" u="none" strike="noStrike" cap="none">
         <a:solidFill>
           <a:srgbClr val="000000"/>
         </a:solidFill>
@@ -624,7 +647,7 @@
         <a:sym typeface="Arial"/>
       </a:defRPr>
     </a:lvl6pPr>
-    <a:lvl7pPr lvl="6" marR="0" rtl="0" algn="l">
+    <a:lvl7pPr marR="0" lvl="6" algn="l" rtl="0">
       <a:lnSpc>
         <a:spcPct val="100000"/>
       </a:lnSpc>
@@ -638,7 +661,7 @@
         <a:srgbClr val="000000"/>
       </a:buClr>
       <a:buFont typeface="Arial"/>
-      <a:defRPr b="0" i="0" sz="1400" u="none" cap="none" strike="noStrike">
+      <a:defRPr sz="1400" b="0" i="0" u="none" strike="noStrike" cap="none">
         <a:solidFill>
           <a:srgbClr val="000000"/>
         </a:solidFill>
@@ -648,7 +671,7 @@
         <a:sym typeface="Arial"/>
       </a:defRPr>
     </a:lvl7pPr>
-    <a:lvl8pPr lvl="7" marR="0" rtl="0" algn="l">
+    <a:lvl8pPr marR="0" lvl="7" algn="l" rtl="0">
       <a:lnSpc>
         <a:spcPct val="100000"/>
       </a:lnSpc>
@@ -662,7 +685,7 @@
         <a:srgbClr val="000000"/>
       </a:buClr>
       <a:buFont typeface="Arial"/>
-      <a:defRPr b="0" i="0" sz="1400" u="none" cap="none" strike="noStrike">
+      <a:defRPr sz="1400" b="0" i="0" u="none" strike="noStrike" cap="none">
         <a:solidFill>
           <a:srgbClr val="000000"/>
         </a:solidFill>
@@ -672,7 +695,7 @@
         <a:sym typeface="Arial"/>
       </a:defRPr>
     </a:lvl8pPr>
-    <a:lvl9pPr lvl="8" marR="0" rtl="0" algn="l">
+    <a:lvl9pPr marR="0" lvl="8" algn="l" rtl="0">
       <a:lnSpc>
         <a:spcPct val="100000"/>
       </a:lnSpc>
@@ -686,7 +709,7 @@
         <a:srgbClr val="000000"/>
       </a:buClr>
       <a:buFont typeface="Arial"/>
-      <a:defRPr b="0" i="0" sz="1400" u="none" cap="none" strike="noStrike">
+      <a:defRPr sz="1400" b="0" i="0" u="none" strike="noStrike" cap="none">
         <a:solidFill>
           <a:srgbClr val="000000"/>
         </a:solidFill>
@@ -701,11 +724,11 @@
 </file>
 
 <file path=ppt/notesSlides/notesSlide1.xml><?xml version="1.0" encoding="utf-8"?>
-<p:notes xmlns:a="http://schemas.openxmlformats.org/drawingml/2006/main" xmlns:r="http://schemas.openxmlformats.org/officeDocument/2006/relationships" xmlns:mc="http://schemas.openxmlformats.org/markup-compatibility/2006" xmlns:mv="urn:schemas-microsoft-com:mac:vml" xmlns:p="http://schemas.openxmlformats.org/presentationml/2006/main" xmlns:c="http://schemas.openxmlformats.org/drawingml/2006/chart" xmlns:dgm="http://schemas.openxmlformats.org/drawingml/2006/diagram" xmlns:o="urn:schemas-microsoft-com:office:office" xmlns:v="urn:schemas-microsoft-com:vml" xmlns:pvml="urn:schemas-microsoft-com:office:powerpoint" xmlns:com="http://schemas.openxmlformats.org/drawingml/2006/compatibility" xmlns:p14="http://schemas.microsoft.com/office/powerpoint/2010/main" xmlns:p15="http://schemas.microsoft.com/office/powerpoint/2012/main" xmlns:ahyp="http://schemas.microsoft.com/office/drawing/2018/hyperlinkcolor" showMasterPhAnim="0" showMasterSp="0">
+<p:notes xmlns:a="http://schemas.openxmlformats.org/drawingml/2006/main" xmlns:r="http://schemas.openxmlformats.org/officeDocument/2006/relationships" xmlns:p="http://schemas.openxmlformats.org/presentationml/2006/main" showMasterSp="0" showMasterPhAnim="0">
   <p:cSld>
     <p:spTree>
       <p:nvGrpSpPr>
-        <p:cNvPr id="124" name="Shape 124"/>
+        <p:cNvPr id="1" name="Shape 124"/>
         <p:cNvGrpSpPr/>
         <p:nvPr/>
       </p:nvGrpSpPr>
@@ -720,9 +743,11 @@
       <p:sp>
         <p:nvSpPr>
           <p:cNvPr id="125" name="Google Shape;125;p:notes"/>
-          <p:cNvSpPr/>
+          <p:cNvSpPr>
+            <a:spLocks noGrp="1" noRot="1" noChangeAspect="1"/>
+          </p:cNvSpPr>
           <p:nvPr>
-            <p:ph idx="2" type="sldImg"/>
+            <p:ph type="sldImg" idx="2"/>
           </p:nvPr>
         </p:nvSpPr>
         <p:spPr>
@@ -731,9 +756,13 @@
             <a:ext cx="6096075" cy="3429000"/>
           </a:xfrm>
           <a:custGeom>
-            <a:rect b="b" l="l" r="r" t="t"/>
+            <a:avLst/>
+            <a:gdLst/>
+            <a:ahLst/>
+            <a:cxnLst/>
+            <a:rect l="l" t="t" r="r" b="b"/>
             <a:pathLst>
-              <a:path extrusionOk="0" h="120000" w="120000">
+              <a:path w="120000" h="120000" extrusionOk="0">
                 <a:moveTo>
                   <a:pt x="0" y="0"/>
                 </a:moveTo>
@@ -755,9 +784,11 @@
       <p:sp>
         <p:nvSpPr>
           <p:cNvPr id="126" name="Google Shape;126;p:notes"/>
-          <p:cNvSpPr txBox="1"/>
+          <p:cNvSpPr txBox="1">
+            <a:spLocks noGrp="1"/>
+          </p:cNvSpPr>
           <p:nvPr>
-            <p:ph idx="1" type="body"/>
+            <p:ph type="body" idx="1"/>
           </p:nvPr>
         </p:nvSpPr>
         <p:spPr>
@@ -770,12 +801,12 @@
           </a:prstGeom>
         </p:spPr>
         <p:txBody>
-          <a:bodyPr anchorCtr="0" anchor="t" bIns="91425" lIns="91425" spcFirstLastPara="1" rIns="91425" wrap="square" tIns="91425">
+          <a:bodyPr spcFirstLastPara="1" wrap="square" lIns="91425" tIns="91425" rIns="91425" bIns="91425" anchor="t" anchorCtr="0">
             <a:noAutofit/>
           </a:bodyPr>
           <a:lstStyle/>
           <a:p>
-            <a:pPr indent="0" lvl="0" marL="0" rtl="0" algn="l">
+            <a:pPr marL="0" lvl="0" indent="0" algn="l" rtl="0">
               <a:spcBef>
                 <a:spcPts val="0"/>
               </a:spcBef>
@@ -784,9 +815,6 @@
               </a:spcAft>
               <a:buNone/>
             </a:pPr>
-            <a:r>
-              <a:t/>
-            </a:r>
             <a:endParaRPr/>
           </a:p>
         </p:txBody>
@@ -800,11 +828,11 @@
 </file>
 
 <file path=ppt/notesSlides/notesSlide2.xml><?xml version="1.0" encoding="utf-8"?>
-<p:notes xmlns:a="http://schemas.openxmlformats.org/drawingml/2006/main" xmlns:r="http://schemas.openxmlformats.org/officeDocument/2006/relationships" xmlns:mc="http://schemas.openxmlformats.org/markup-compatibility/2006" xmlns:mv="urn:schemas-microsoft-com:mac:vml" xmlns:p="http://schemas.openxmlformats.org/presentationml/2006/main" xmlns:c="http://schemas.openxmlformats.org/drawingml/2006/chart" xmlns:dgm="http://schemas.openxmlformats.org/drawingml/2006/diagram" xmlns:o="urn:schemas-microsoft-com:office:office" xmlns:v="urn:schemas-microsoft-com:vml" xmlns:pvml="urn:schemas-microsoft-com:office:powerpoint" xmlns:com="http://schemas.openxmlformats.org/drawingml/2006/compatibility" xmlns:p14="http://schemas.microsoft.com/office/powerpoint/2010/main" xmlns:p15="http://schemas.microsoft.com/office/powerpoint/2012/main" xmlns:ahyp="http://schemas.microsoft.com/office/drawing/2018/hyperlinkcolor" showMasterPhAnim="0" showMasterSp="0">
+<p:notes xmlns:a="http://schemas.openxmlformats.org/drawingml/2006/main" xmlns:r="http://schemas.openxmlformats.org/officeDocument/2006/relationships" xmlns:p="http://schemas.openxmlformats.org/presentationml/2006/main" showMasterSp="0" showMasterPhAnim="0">
   <p:cSld>
     <p:spTree>
       <p:nvGrpSpPr>
-        <p:cNvPr id="129" name="Shape 129"/>
+        <p:cNvPr id="1" name="Shape 129"/>
         <p:cNvGrpSpPr/>
         <p:nvPr/>
       </p:nvGrpSpPr>
@@ -819,9 +847,11 @@
       <p:sp>
         <p:nvSpPr>
           <p:cNvPr id="130" name="Google Shape;130;g2ca28a8f128_0_0:notes"/>
-          <p:cNvSpPr/>
+          <p:cNvSpPr>
+            <a:spLocks noGrp="1" noRot="1" noChangeAspect="1"/>
+          </p:cNvSpPr>
           <p:nvPr>
-            <p:ph idx="2" type="sldImg"/>
+            <p:ph type="sldImg" idx="2"/>
           </p:nvPr>
         </p:nvSpPr>
         <p:spPr>
@@ -830,9 +860,13 @@
             <a:ext cx="6096000" cy="3429000"/>
           </a:xfrm>
           <a:custGeom>
-            <a:rect b="b" l="l" r="r" t="t"/>
+            <a:avLst/>
+            <a:gdLst/>
+            <a:ahLst/>
+            <a:cxnLst/>
+            <a:rect l="l" t="t" r="r" b="b"/>
             <a:pathLst>
-              <a:path extrusionOk="0" h="120000" w="120000">
+              <a:path w="120000" h="120000" extrusionOk="0">
                 <a:moveTo>
                   <a:pt x="0" y="0"/>
                 </a:moveTo>
@@ -854,9 +888,11 @@
       <p:sp>
         <p:nvSpPr>
           <p:cNvPr id="131" name="Google Shape;131;g2ca28a8f128_0_0:notes"/>
-          <p:cNvSpPr txBox="1"/>
+          <p:cNvSpPr txBox="1">
+            <a:spLocks noGrp="1"/>
+          </p:cNvSpPr>
           <p:nvPr>
-            <p:ph idx="1" type="body"/>
+            <p:ph type="body" idx="1"/>
           </p:nvPr>
         </p:nvSpPr>
         <p:spPr>
@@ -869,12 +905,12 @@
           </a:prstGeom>
         </p:spPr>
         <p:txBody>
-          <a:bodyPr anchorCtr="0" anchor="t" bIns="91425" lIns="91425" spcFirstLastPara="1" rIns="91425" wrap="square" tIns="91425">
+          <a:bodyPr spcFirstLastPara="1" wrap="square" lIns="91425" tIns="91425" rIns="91425" bIns="91425" anchor="t" anchorCtr="0">
             <a:noAutofit/>
           </a:bodyPr>
           <a:lstStyle/>
           <a:p>
-            <a:pPr indent="0" lvl="0" marL="0" rtl="0" algn="l">
+            <a:pPr marL="0" lvl="0" indent="0" algn="l" rtl="0">
               <a:spcBef>
                 <a:spcPts val="0"/>
               </a:spcBef>
@@ -883,9 +919,6 @@
               </a:spcAft>
               <a:buNone/>
             </a:pPr>
-            <a:r>
-              <a:t/>
-            </a:r>
             <a:endParaRPr/>
           </a:p>
         </p:txBody>
@@ -899,11 +932,11 @@
 </file>
 
 <file path=ppt/notesSlides/notesSlide3.xml><?xml version="1.0" encoding="utf-8"?>
-<p:notes xmlns:a="http://schemas.openxmlformats.org/drawingml/2006/main" xmlns:r="http://schemas.openxmlformats.org/officeDocument/2006/relationships" xmlns:mc="http://schemas.openxmlformats.org/markup-compatibility/2006" xmlns:mv="urn:schemas-microsoft-com:mac:vml" xmlns:p="http://schemas.openxmlformats.org/presentationml/2006/main" xmlns:c="http://schemas.openxmlformats.org/drawingml/2006/chart" xmlns:dgm="http://schemas.openxmlformats.org/drawingml/2006/diagram" xmlns:o="urn:schemas-microsoft-com:office:office" xmlns:v="urn:schemas-microsoft-com:vml" xmlns:pvml="urn:schemas-microsoft-com:office:powerpoint" xmlns:com="http://schemas.openxmlformats.org/drawingml/2006/compatibility" xmlns:p14="http://schemas.microsoft.com/office/powerpoint/2010/main" xmlns:p15="http://schemas.microsoft.com/office/powerpoint/2012/main" xmlns:ahyp="http://schemas.microsoft.com/office/drawing/2018/hyperlinkcolor" showMasterPhAnim="0" showMasterSp="0">
+<p:notes xmlns:a="http://schemas.openxmlformats.org/drawingml/2006/main" xmlns:r="http://schemas.openxmlformats.org/officeDocument/2006/relationships" xmlns:p="http://schemas.openxmlformats.org/presentationml/2006/main" showMasterSp="0" showMasterPhAnim="0">
   <p:cSld>
     <p:spTree>
       <p:nvGrpSpPr>
-        <p:cNvPr id="135" name="Shape 135"/>
+        <p:cNvPr id="1" name="Shape 135"/>
         <p:cNvGrpSpPr/>
         <p:nvPr/>
       </p:nvGrpSpPr>
@@ -918,20 +951,26 @@
       <p:sp>
         <p:nvSpPr>
           <p:cNvPr id="136" name="Google Shape;136;g2ca28a8f128_0_8:notes"/>
-          <p:cNvSpPr/>
+          <p:cNvSpPr>
+            <a:spLocks noGrp="1" noRot="1" noChangeAspect="1"/>
+          </p:cNvSpPr>
           <p:nvPr>
-            <p:ph idx="2" type="sldImg"/>
+            <p:ph type="sldImg" idx="2"/>
           </p:nvPr>
         </p:nvSpPr>
         <p:spPr>
           <a:xfrm>
-            <a:off x="381300" y="685800"/>
+            <a:off x="381000" y="685800"/>
             <a:ext cx="6096000" cy="3429000"/>
           </a:xfrm>
           <a:custGeom>
-            <a:rect b="b" l="l" r="r" t="t"/>
+            <a:avLst/>
+            <a:gdLst/>
+            <a:ahLst/>
+            <a:cxnLst/>
+            <a:rect l="l" t="t" r="r" b="b"/>
             <a:pathLst>
-              <a:path extrusionOk="0" h="120000" w="120000">
+              <a:path w="120000" h="120000" extrusionOk="0">
                 <a:moveTo>
                   <a:pt x="0" y="0"/>
                 </a:moveTo>
@@ -953,9 +992,11 @@
       <p:sp>
         <p:nvSpPr>
           <p:cNvPr id="137" name="Google Shape;137;g2ca28a8f128_0_8:notes"/>
-          <p:cNvSpPr txBox="1"/>
+          <p:cNvSpPr txBox="1">
+            <a:spLocks noGrp="1"/>
+          </p:cNvSpPr>
           <p:nvPr>
-            <p:ph idx="1" type="body"/>
+            <p:ph type="body" idx="1"/>
           </p:nvPr>
         </p:nvSpPr>
         <p:spPr>
@@ -968,12 +1009,12 @@
           </a:prstGeom>
         </p:spPr>
         <p:txBody>
-          <a:bodyPr anchorCtr="0" anchor="t" bIns="91425" lIns="91425" spcFirstLastPara="1" rIns="91425" wrap="square" tIns="91425">
+          <a:bodyPr spcFirstLastPara="1" wrap="square" lIns="91425" tIns="91425" rIns="91425" bIns="91425" anchor="t" anchorCtr="0">
             <a:noAutofit/>
           </a:bodyPr>
           <a:lstStyle/>
           <a:p>
-            <a:pPr indent="0" lvl="0" marL="0" rtl="0" algn="l">
+            <a:pPr marL="0" lvl="0" indent="0" algn="l" rtl="0">
               <a:spcBef>
                 <a:spcPts val="0"/>
               </a:spcBef>
@@ -983,10 +1024,10 @@
               <a:buNone/>
             </a:pPr>
             <a:r>
-              <a:rPr lang="es"/>
+              <a:rPr lang="es" dirty="0"/>
               <a:t>https://www.sciencedirect.com/science/article/pii/S0141933120308723</a:t>
             </a:r>
-            <a:endParaRPr/>
+            <a:endParaRPr dirty="0"/>
           </a:p>
         </p:txBody>
       </p:sp>
@@ -999,11 +1040,11 @@
 </file>
 
 <file path=ppt/notesSlides/notesSlide4.xml><?xml version="1.0" encoding="utf-8"?>
-<p:notes xmlns:a="http://schemas.openxmlformats.org/drawingml/2006/main" xmlns:r="http://schemas.openxmlformats.org/officeDocument/2006/relationships" xmlns:mc="http://schemas.openxmlformats.org/markup-compatibility/2006" xmlns:mv="urn:schemas-microsoft-com:mac:vml" xmlns:p="http://schemas.openxmlformats.org/presentationml/2006/main" xmlns:c="http://schemas.openxmlformats.org/drawingml/2006/chart" xmlns:dgm="http://schemas.openxmlformats.org/drawingml/2006/diagram" xmlns:o="urn:schemas-microsoft-com:office:office" xmlns:v="urn:schemas-microsoft-com:vml" xmlns:pvml="urn:schemas-microsoft-com:office:powerpoint" xmlns:com="http://schemas.openxmlformats.org/drawingml/2006/compatibility" xmlns:p14="http://schemas.microsoft.com/office/powerpoint/2010/main" xmlns:p15="http://schemas.microsoft.com/office/powerpoint/2012/main" xmlns:ahyp="http://schemas.microsoft.com/office/drawing/2018/hyperlinkcolor" showMasterPhAnim="0" showMasterSp="0">
+<p:notes xmlns:a="http://schemas.openxmlformats.org/drawingml/2006/main" xmlns:r="http://schemas.openxmlformats.org/officeDocument/2006/relationships" xmlns:p="http://schemas.openxmlformats.org/presentationml/2006/main" showMasterSp="0" showMasterPhAnim="0">
   <p:cSld>
     <p:spTree>
       <p:nvGrpSpPr>
-        <p:cNvPr id="144" name="Shape 144"/>
+        <p:cNvPr id="1" name="Shape 144"/>
         <p:cNvGrpSpPr/>
         <p:nvPr/>
       </p:nvGrpSpPr>
@@ -1018,20 +1059,26 @@
       <p:sp>
         <p:nvSpPr>
           <p:cNvPr id="145" name="Google Shape;145;g2cc393615ad_0_121:notes"/>
-          <p:cNvSpPr/>
+          <p:cNvSpPr>
+            <a:spLocks noGrp="1" noRot="1" noChangeAspect="1"/>
+          </p:cNvSpPr>
           <p:nvPr>
-            <p:ph idx="2" type="sldImg"/>
+            <p:ph type="sldImg" idx="2"/>
           </p:nvPr>
         </p:nvSpPr>
         <p:spPr>
           <a:xfrm>
-            <a:off x="381300" y="685800"/>
+            <a:off x="381000" y="685800"/>
             <a:ext cx="6096000" cy="3429000"/>
           </a:xfrm>
           <a:custGeom>
-            <a:rect b="b" l="l" r="r" t="t"/>
+            <a:avLst/>
+            <a:gdLst/>
+            <a:ahLst/>
+            <a:cxnLst/>
+            <a:rect l="l" t="t" r="r" b="b"/>
             <a:pathLst>
-              <a:path extrusionOk="0" h="120000" w="120000">
+              <a:path w="120000" h="120000" extrusionOk="0">
                 <a:moveTo>
                   <a:pt x="0" y="0"/>
                 </a:moveTo>
@@ -1053,9 +1100,11 @@
       <p:sp>
         <p:nvSpPr>
           <p:cNvPr id="146" name="Google Shape;146;g2cc393615ad_0_121:notes"/>
-          <p:cNvSpPr txBox="1"/>
+          <p:cNvSpPr txBox="1">
+            <a:spLocks noGrp="1"/>
+          </p:cNvSpPr>
           <p:nvPr>
-            <p:ph idx="1" type="body"/>
+            <p:ph type="body" idx="1"/>
           </p:nvPr>
         </p:nvSpPr>
         <p:spPr>
@@ -1068,12 +1117,12 @@
           </a:prstGeom>
         </p:spPr>
         <p:txBody>
-          <a:bodyPr anchorCtr="0" anchor="t" bIns="91425" lIns="91425" spcFirstLastPara="1" rIns="91425" wrap="square" tIns="91425">
+          <a:bodyPr spcFirstLastPara="1" wrap="square" lIns="91425" tIns="91425" rIns="91425" bIns="91425" anchor="t" anchorCtr="0">
             <a:noAutofit/>
           </a:bodyPr>
           <a:lstStyle/>
           <a:p>
-            <a:pPr indent="0" lvl="0" marL="0" rtl="0" algn="l">
+            <a:pPr marL="0" lvl="0" indent="0" algn="l" rtl="0">
               <a:spcBef>
                 <a:spcPts val="0"/>
               </a:spcBef>
@@ -1087,14 +1136,14 @@
                 <a:solidFill>
                   <a:schemeClr val="hlink"/>
                 </a:solidFill>
-                <a:hlinkClick r:id="rId2"/>
+                <a:hlinkClick r:id="rId3"/>
               </a:rPr>
               <a:t>https://www.sciencedirect.com/science/article/pii/S2772528621000340</a:t>
             </a:r>
             <a:endParaRPr sz="1200"/>
           </a:p>
           <a:p>
-            <a:pPr indent="0" lvl="0" marL="0" rtl="0" algn="l">
+            <a:pPr marL="0" lvl="0" indent="0" algn="l" rtl="0">
               <a:spcBef>
                 <a:spcPts val="0"/>
               </a:spcBef>
@@ -1103,13 +1152,10 @@
               </a:spcAft>
               <a:buNone/>
             </a:pPr>
-            <a:r>
-              <a:t/>
-            </a:r>
             <a:endParaRPr sz="1200"/>
           </a:p>
           <a:p>
-            <a:pPr indent="-304800" lvl="0" marL="457200" rtl="0" algn="l">
+            <a:pPr marL="457200" lvl="0" indent="-304800" algn="l" rtl="0">
               <a:spcBef>
                 <a:spcPts val="0"/>
               </a:spcBef>
@@ -1146,7 +1192,7 @@
             </a:endParaRPr>
           </a:p>
           <a:p>
-            <a:pPr indent="0" lvl="0" marL="0" rtl="0" algn="l">
+            <a:pPr marL="0" lvl="0" indent="0" algn="l" rtl="0">
               <a:spcBef>
                 <a:spcPts val="0"/>
               </a:spcBef>
@@ -1209,11 +1255,11 @@
 </file>
 
 <file path=ppt/notesSlides/notesSlide5.xml><?xml version="1.0" encoding="utf-8"?>
-<p:notes xmlns:a="http://schemas.openxmlformats.org/drawingml/2006/main" xmlns:r="http://schemas.openxmlformats.org/officeDocument/2006/relationships" xmlns:mc="http://schemas.openxmlformats.org/markup-compatibility/2006" xmlns:mv="urn:schemas-microsoft-com:mac:vml" xmlns:p="http://schemas.openxmlformats.org/presentationml/2006/main" xmlns:c="http://schemas.openxmlformats.org/drawingml/2006/chart" xmlns:dgm="http://schemas.openxmlformats.org/drawingml/2006/diagram" xmlns:o="urn:schemas-microsoft-com:office:office" xmlns:v="urn:schemas-microsoft-com:vml" xmlns:pvml="urn:schemas-microsoft-com:office:powerpoint" xmlns:com="http://schemas.openxmlformats.org/drawingml/2006/compatibility" xmlns:p14="http://schemas.microsoft.com/office/powerpoint/2010/main" xmlns:p15="http://schemas.microsoft.com/office/powerpoint/2012/main" xmlns:ahyp="http://schemas.microsoft.com/office/drawing/2018/hyperlinkcolor" showMasterPhAnim="0" showMasterSp="0">
+<p:notes xmlns:a="http://schemas.openxmlformats.org/drawingml/2006/main" xmlns:r="http://schemas.openxmlformats.org/officeDocument/2006/relationships" xmlns:p="http://schemas.openxmlformats.org/presentationml/2006/main" showMasterSp="0" showMasterPhAnim="0">
   <p:cSld>
     <p:spTree>
       <p:nvGrpSpPr>
-        <p:cNvPr id="152" name="Shape 152"/>
+        <p:cNvPr id="1" name="Shape 152"/>
         <p:cNvGrpSpPr/>
         <p:nvPr/>
       </p:nvGrpSpPr>
@@ -1228,9 +1274,11 @@
       <p:sp>
         <p:nvSpPr>
           <p:cNvPr id="153" name="Google Shape;153;g2ca28a8f128_0_30:notes"/>
-          <p:cNvSpPr/>
+          <p:cNvSpPr>
+            <a:spLocks noGrp="1" noRot="1" noChangeAspect="1"/>
+          </p:cNvSpPr>
           <p:nvPr>
-            <p:ph idx="2" type="sldImg"/>
+            <p:ph type="sldImg" idx="2"/>
           </p:nvPr>
         </p:nvSpPr>
         <p:spPr>
@@ -1239,9 +1287,13 @@
             <a:ext cx="6096000" cy="3429000"/>
           </a:xfrm>
           <a:custGeom>
-            <a:rect b="b" l="l" r="r" t="t"/>
+            <a:avLst/>
+            <a:gdLst/>
+            <a:ahLst/>
+            <a:cxnLst/>
+            <a:rect l="l" t="t" r="r" b="b"/>
             <a:pathLst>
-              <a:path extrusionOk="0" h="120000" w="120000">
+              <a:path w="120000" h="120000" extrusionOk="0">
                 <a:moveTo>
                   <a:pt x="0" y="0"/>
                 </a:moveTo>
@@ -1263,9 +1315,11 @@
       <p:sp>
         <p:nvSpPr>
           <p:cNvPr id="154" name="Google Shape;154;g2ca28a8f128_0_30:notes"/>
-          <p:cNvSpPr txBox="1"/>
+          <p:cNvSpPr txBox="1">
+            <a:spLocks noGrp="1"/>
+          </p:cNvSpPr>
           <p:nvPr>
-            <p:ph idx="1" type="body"/>
+            <p:ph type="body" idx="1"/>
           </p:nvPr>
         </p:nvSpPr>
         <p:spPr>
@@ -1278,12 +1332,12 @@
           </a:prstGeom>
         </p:spPr>
         <p:txBody>
-          <a:bodyPr anchorCtr="0" anchor="t" bIns="91425" lIns="91425" spcFirstLastPara="1" rIns="91425" wrap="square" tIns="91425">
+          <a:bodyPr spcFirstLastPara="1" wrap="square" lIns="91425" tIns="91425" rIns="91425" bIns="91425" anchor="t" anchorCtr="0">
             <a:noAutofit/>
           </a:bodyPr>
           <a:lstStyle/>
           <a:p>
-            <a:pPr indent="0" lvl="0" marL="0" rtl="0" algn="l">
+            <a:pPr marL="0" lvl="0" indent="0" algn="l" rtl="0">
               <a:spcBef>
                 <a:spcPts val="0"/>
               </a:spcBef>
@@ -1292,9 +1346,6 @@
               </a:spcAft>
               <a:buNone/>
             </a:pPr>
-            <a:r>
-              <a:t/>
-            </a:r>
             <a:endParaRPr/>
           </a:p>
         </p:txBody>
@@ -1308,11 +1359,11 @@
 </file>
 
 <file path=ppt/notesSlides/notesSlide6.xml><?xml version="1.0" encoding="utf-8"?>
-<p:notes xmlns:a="http://schemas.openxmlformats.org/drawingml/2006/main" xmlns:r="http://schemas.openxmlformats.org/officeDocument/2006/relationships" xmlns:mc="http://schemas.openxmlformats.org/markup-compatibility/2006" xmlns:mv="urn:schemas-microsoft-com:mac:vml" xmlns:p="http://schemas.openxmlformats.org/presentationml/2006/main" xmlns:c="http://schemas.openxmlformats.org/drawingml/2006/chart" xmlns:dgm="http://schemas.openxmlformats.org/drawingml/2006/diagram" xmlns:o="urn:schemas-microsoft-com:office:office" xmlns:v="urn:schemas-microsoft-com:vml" xmlns:pvml="urn:schemas-microsoft-com:office:powerpoint" xmlns:com="http://schemas.openxmlformats.org/drawingml/2006/compatibility" xmlns:p14="http://schemas.microsoft.com/office/powerpoint/2010/main" xmlns:p15="http://schemas.microsoft.com/office/powerpoint/2012/main" xmlns:ahyp="http://schemas.microsoft.com/office/drawing/2018/hyperlinkcolor" showMasterPhAnim="0" showMasterSp="0">
+<p:notes xmlns:a="http://schemas.openxmlformats.org/drawingml/2006/main" xmlns:r="http://schemas.openxmlformats.org/officeDocument/2006/relationships" xmlns:p="http://schemas.openxmlformats.org/presentationml/2006/main" showMasterSp="0" showMasterPhAnim="0">
   <p:cSld>
     <p:spTree>
       <p:nvGrpSpPr>
-        <p:cNvPr id="158" name="Shape 158"/>
+        <p:cNvPr id="1" name="Shape 158"/>
         <p:cNvGrpSpPr/>
         <p:nvPr/>
       </p:nvGrpSpPr>
@@ -1327,20 +1378,26 @@
       <p:sp>
         <p:nvSpPr>
           <p:cNvPr id="159" name="Google Shape;159;g2cc7645822e_0_11:notes"/>
-          <p:cNvSpPr/>
+          <p:cNvSpPr>
+            <a:spLocks noGrp="1" noRot="1" noChangeAspect="1"/>
+          </p:cNvSpPr>
           <p:nvPr>
-            <p:ph idx="2" type="sldImg"/>
+            <p:ph type="sldImg" idx="2"/>
           </p:nvPr>
         </p:nvSpPr>
         <p:spPr>
           <a:xfrm>
-            <a:off x="381300" y="685800"/>
+            <a:off x="381000" y="685800"/>
             <a:ext cx="6096000" cy="3429000"/>
           </a:xfrm>
           <a:custGeom>
-            <a:rect b="b" l="l" r="r" t="t"/>
+            <a:avLst/>
+            <a:gdLst/>
+            <a:ahLst/>
+            <a:cxnLst/>
+            <a:rect l="l" t="t" r="r" b="b"/>
             <a:pathLst>
-              <a:path extrusionOk="0" h="120000" w="120000">
+              <a:path w="120000" h="120000" extrusionOk="0">
                 <a:moveTo>
                   <a:pt x="0" y="0"/>
                 </a:moveTo>
@@ -1362,9 +1419,11 @@
       <p:sp>
         <p:nvSpPr>
           <p:cNvPr id="160" name="Google Shape;160;g2cc7645822e_0_11:notes"/>
-          <p:cNvSpPr txBox="1"/>
+          <p:cNvSpPr txBox="1">
+            <a:spLocks noGrp="1"/>
+          </p:cNvSpPr>
           <p:nvPr>
-            <p:ph idx="1" type="body"/>
+            <p:ph type="body" idx="1"/>
           </p:nvPr>
         </p:nvSpPr>
         <p:spPr>
@@ -1377,12 +1436,12 @@
           </a:prstGeom>
         </p:spPr>
         <p:txBody>
-          <a:bodyPr anchorCtr="0" anchor="t" bIns="91425" lIns="91425" spcFirstLastPara="1" rIns="91425" wrap="square" tIns="91425">
+          <a:bodyPr spcFirstLastPara="1" wrap="square" lIns="91425" tIns="91425" rIns="91425" bIns="91425" anchor="t" anchorCtr="0">
             <a:noAutofit/>
           </a:bodyPr>
           <a:lstStyle/>
           <a:p>
-            <a:pPr indent="0" lvl="0" marL="0" rtl="0" algn="l">
+            <a:pPr marL="0" lvl="0" indent="0" algn="l" rtl="0">
               <a:spcBef>
                 <a:spcPts val="0"/>
               </a:spcBef>
@@ -1396,14 +1455,14 @@
                 <a:solidFill>
                   <a:schemeClr val="hlink"/>
                 </a:solidFill>
-                <a:hlinkClick r:id="rId2"/>
+                <a:hlinkClick r:id="rId3"/>
               </a:rPr>
               <a:t>https://www.kaggle.com/datasets/wanderdust/skin-lesion-analysis-toward-melanoma-detection</a:t>
             </a:r>
             <a:endParaRPr/>
           </a:p>
           <a:p>
-            <a:pPr indent="0" lvl="0" marL="0" rtl="0" algn="l">
+            <a:pPr marL="0" lvl="0" indent="0" algn="l" rtl="0">
               <a:spcBef>
                 <a:spcPts val="0"/>
               </a:spcBef>
@@ -1412,13 +1471,10 @@
               </a:spcAft>
               <a:buNone/>
             </a:pPr>
-            <a:r>
-              <a:t/>
-            </a:r>
             <a:endParaRPr/>
           </a:p>
           <a:p>
-            <a:pPr indent="0" lvl="0" marL="0" rtl="0" algn="l">
+            <a:pPr marL="0" lvl="0" indent="0" algn="l" rtl="0">
               <a:lnSpc>
                 <a:spcPct val="115000"/>
               </a:lnSpc>
@@ -1439,7 +1495,7 @@
                 <a:ea typeface="Calibri"/>
                 <a:cs typeface="Calibri"/>
                 <a:sym typeface="Calibri"/>
-                <a:hlinkClick r:id="rId3"/>
+                <a:hlinkClick r:id="rId4"/>
               </a:rPr>
               <a:t>https://www.kaggle.com/datasets/bhanuprasanna/isic-2019</a:t>
             </a:r>
@@ -1454,7 +1510,7 @@
             </a:endParaRPr>
           </a:p>
           <a:p>
-            <a:pPr indent="0" lvl="0" marL="0" rtl="0" algn="l">
+            <a:pPr marL="0" lvl="0" indent="0" algn="l" rtl="0">
               <a:lnSpc>
                 <a:spcPct val="115000"/>
               </a:lnSpc>
@@ -1489,7 +1545,7 @@
             </a:endParaRPr>
           </a:p>
           <a:p>
-            <a:pPr indent="0" lvl="0" marL="0" rtl="0" algn="l">
+            <a:pPr marL="0" lvl="0" indent="0" algn="l" rtl="0">
               <a:lnSpc>
                 <a:spcPct val="115000"/>
               </a:lnSpc>
@@ -1501,9 +1557,6 @@
               </a:spcAft>
               <a:buNone/>
             </a:pPr>
-            <a:r>
-              <a:t/>
-            </a:r>
             <a:endParaRPr sz="1300">
               <a:solidFill>
                 <a:srgbClr val="233A44"/>
@@ -1515,7 +1568,7 @@
             </a:endParaRPr>
           </a:p>
           <a:p>
-            <a:pPr indent="0" lvl="0" marL="0" rtl="0" algn="l">
+            <a:pPr marL="0" lvl="0" indent="0" algn="l" rtl="0">
               <a:lnSpc>
                 <a:spcPct val="115000"/>
               </a:lnSpc>
@@ -1527,9 +1580,6 @@
               </a:spcAft>
               <a:buNone/>
             </a:pPr>
-            <a:r>
-              <a:t/>
-            </a:r>
             <a:endParaRPr sz="1300">
               <a:solidFill>
                 <a:srgbClr val="233A44"/>
@@ -1541,7 +1591,7 @@
             </a:endParaRPr>
           </a:p>
           <a:p>
-            <a:pPr indent="0" lvl="0" marL="0" rtl="0" algn="l">
+            <a:pPr marL="0" lvl="0" indent="0" algn="l" rtl="0">
               <a:lnSpc>
                 <a:spcPct val="115000"/>
               </a:lnSpc>
@@ -1558,9 +1608,6 @@
               <a:buFont typeface="Arial"/>
               <a:buNone/>
             </a:pPr>
-            <a:r>
-              <a:t/>
-            </a:r>
             <a:endParaRPr sz="1300">
               <a:solidFill>
                 <a:srgbClr val="233A44"/>
@@ -1572,7 +1619,7 @@
             </a:endParaRPr>
           </a:p>
           <a:p>
-            <a:pPr indent="0" lvl="0" marL="0" rtl="0" algn="l">
+            <a:pPr marL="0" lvl="0" indent="0" algn="l" rtl="0">
               <a:spcBef>
                 <a:spcPts val="1200"/>
               </a:spcBef>
@@ -1581,13 +1628,10 @@
               </a:spcAft>
               <a:buNone/>
             </a:pPr>
-            <a:r>
-              <a:t/>
-            </a:r>
             <a:endParaRPr/>
           </a:p>
           <a:p>
-            <a:pPr indent="0" lvl="0" marL="0" rtl="0" algn="l">
+            <a:pPr marL="0" lvl="0" indent="0" algn="l" rtl="0">
               <a:spcBef>
                 <a:spcPts val="0"/>
               </a:spcBef>
@@ -1596,9 +1640,6 @@
               </a:spcAft>
               <a:buNone/>
             </a:pPr>
-            <a:r>
-              <a:t/>
-            </a:r>
             <a:endParaRPr/>
           </a:p>
         </p:txBody>
@@ -1612,18 +1653,19 @@
 </file>
 
 <file path=ppt/slideLayouts/slideLayout1.xml><?xml version="1.0" encoding="utf-8"?>
-<p:sldLayout xmlns:a="http://schemas.openxmlformats.org/drawingml/2006/main" xmlns:r="http://schemas.openxmlformats.org/officeDocument/2006/relationships" xmlns:mc="http://schemas.openxmlformats.org/markup-compatibility/2006" xmlns:mv="urn:schemas-microsoft-com:mac:vml" xmlns:p="http://schemas.openxmlformats.org/presentationml/2006/main" xmlns:c="http://schemas.openxmlformats.org/drawingml/2006/chart" xmlns:dgm="http://schemas.openxmlformats.org/drawingml/2006/diagram" xmlns:o="urn:schemas-microsoft-com:office:office" xmlns:v="urn:schemas-microsoft-com:vml" xmlns:pvml="urn:schemas-microsoft-com:office:powerpoint" xmlns:com="http://schemas.openxmlformats.org/drawingml/2006/compatibility" xmlns:p14="http://schemas.microsoft.com/office/powerpoint/2010/main" xmlns:p15="http://schemas.microsoft.com/office/powerpoint/2012/main" xmlns:ahyp="http://schemas.microsoft.com/office/drawing/2018/hyperlinkcolor" matchingName="Title slide" type="title">
+<p:sldLayout xmlns:a="http://schemas.openxmlformats.org/drawingml/2006/main" xmlns:r="http://schemas.openxmlformats.org/officeDocument/2006/relationships" xmlns:p="http://schemas.openxmlformats.org/presentationml/2006/main" matchingName="Title slide" type="title">
   <p:cSld name="TITLE">
     <p:bg>
       <p:bgPr>
         <a:solidFill>
           <a:schemeClr val="accent6"/>
         </a:solidFill>
+        <a:effectLst/>
       </p:bgPr>
     </p:bg>
     <p:spTree>
       <p:nvGrpSpPr>
-        <p:cNvPr id="9" name="Shape 9"/>
+        <p:cNvPr id="1" name="Shape 9"/>
         <p:cNvGrpSpPr/>
         <p:nvPr/>
       </p:nvGrpSpPr>
@@ -1657,12 +1699,12 @@
           </a:ln>
         </p:spPr>
         <p:txBody>
-          <a:bodyPr anchorCtr="0" anchor="ctr" bIns="91425" lIns="91425" spcFirstLastPara="1" rIns="91425" wrap="square" tIns="91425">
+          <a:bodyPr spcFirstLastPara="1" wrap="square" lIns="91425" tIns="91425" rIns="91425" bIns="91425" anchor="ctr" anchorCtr="0">
             <a:noAutofit/>
           </a:bodyPr>
           <a:lstStyle/>
           <a:p>
-            <a:pPr indent="0" lvl="0" marL="0" rtl="0" algn="l">
+            <a:pPr marL="0" lvl="0" indent="0" algn="l" rtl="0">
               <a:spcBef>
                 <a:spcPts val="0"/>
               </a:spcBef>
@@ -1671,9 +1713,6 @@
               </a:spcAft>
               <a:buNone/>
             </a:pPr>
-            <a:r>
-              <a:t/>
-            </a:r>
             <a:endParaRPr/>
           </a:p>
         </p:txBody>
@@ -1700,12 +1739,12 @@
           </a:ln>
         </p:spPr>
         <p:txBody>
-          <a:bodyPr anchorCtr="0" anchor="ctr" bIns="91425" lIns="91425" spcFirstLastPara="1" rIns="91425" wrap="square" tIns="91425">
+          <a:bodyPr spcFirstLastPara="1" wrap="square" lIns="91425" tIns="91425" rIns="91425" bIns="91425" anchor="ctr" anchorCtr="0">
             <a:noAutofit/>
           </a:bodyPr>
           <a:lstStyle/>
           <a:p>
-            <a:pPr indent="0" lvl="0" marL="0" rtl="0" algn="l">
+            <a:pPr marL="0" lvl="0" indent="0" algn="l" rtl="0">
               <a:spcBef>
                 <a:spcPts val="0"/>
               </a:spcBef>
@@ -1714,9 +1753,6 @@
               </a:spcAft>
               <a:buNone/>
             </a:pPr>
-            <a:r>
-              <a:t/>
-            </a:r>
             <a:endParaRPr/>
           </a:p>
         </p:txBody>
@@ -1743,12 +1779,12 @@
           </a:ln>
         </p:spPr>
         <p:txBody>
-          <a:bodyPr anchorCtr="0" anchor="ctr" bIns="91425" lIns="91425" spcFirstLastPara="1" rIns="91425" wrap="square" tIns="91425">
+          <a:bodyPr spcFirstLastPara="1" wrap="square" lIns="91425" tIns="91425" rIns="91425" bIns="91425" anchor="ctr" anchorCtr="0">
             <a:noAutofit/>
           </a:bodyPr>
           <a:lstStyle/>
           <a:p>
-            <a:pPr indent="0" lvl="0" marL="0" rtl="0" algn="l">
+            <a:pPr marL="0" lvl="0" indent="0" algn="l" rtl="0">
               <a:spcBef>
                 <a:spcPts val="0"/>
               </a:spcBef>
@@ -1757,9 +1793,6 @@
               </a:spcAft>
               <a:buNone/>
             </a:pPr>
-            <a:r>
-              <a:t/>
-            </a:r>
             <a:endParaRPr/>
           </a:p>
         </p:txBody>
@@ -1785,7 +1818,7 @@
             <a:noFill/>
           </a:ln>
           <a:effectLst>
-            <a:outerShdw blurRad="228600" sx="101000" rotWithShape="0" algn="ctr" sy="101000">
+            <a:outerShdw blurRad="228600" sx="101000" sy="101000" algn="ctr" rotWithShape="0">
               <a:srgbClr val="000000">
                 <a:alpha val="40000"/>
               </a:srgbClr>
@@ -1793,12 +1826,12 @@
           </a:effectLst>
         </p:spPr>
         <p:txBody>
-          <a:bodyPr anchorCtr="0" anchor="ctr" bIns="91425" lIns="91425" spcFirstLastPara="1" rIns="91425" wrap="square" tIns="91425">
+          <a:bodyPr spcFirstLastPara="1" wrap="square" lIns="91425" tIns="91425" rIns="91425" bIns="91425" anchor="ctr" anchorCtr="0">
             <a:noAutofit/>
           </a:bodyPr>
           <a:lstStyle/>
           <a:p>
-            <a:pPr indent="0" lvl="0" marL="0" rtl="0" algn="l">
+            <a:pPr marL="0" lvl="0" indent="0" algn="l" rtl="0">
               <a:spcBef>
                 <a:spcPts val="0"/>
               </a:spcBef>
@@ -1807,9 +1840,6 @@
               </a:spcAft>
               <a:buNone/>
             </a:pPr>
-            <a:r>
-              <a:t/>
-            </a:r>
             <a:endParaRPr/>
           </a:p>
         </p:txBody>
@@ -1841,7 +1871,7 @@
             </a:xfrm>
             <a:prstGeom prst="parallelogram">
               <a:avLst>
-                <a:gd fmla="val 153193" name="adj"/>
+                <a:gd name="adj" fmla="val 153193"/>
               </a:avLst>
             </a:prstGeom>
             <a:solidFill>
@@ -1852,12 +1882,12 @@
             </a:ln>
           </p:spPr>
           <p:txBody>
-            <a:bodyPr anchorCtr="0" anchor="ctr" bIns="91425" lIns="91425" spcFirstLastPara="1" rIns="91425" wrap="square" tIns="91425">
+            <a:bodyPr spcFirstLastPara="1" wrap="square" lIns="91425" tIns="91425" rIns="91425" bIns="91425" anchor="ctr" anchorCtr="0">
               <a:noAutofit/>
             </a:bodyPr>
             <a:lstStyle/>
             <a:p>
-              <a:pPr indent="0" lvl="0" marL="0" rtl="0" algn="l">
+              <a:pPr marL="0" lvl="0" indent="0" algn="l" rtl="0">
                 <a:spcBef>
                   <a:spcPts val="0"/>
                 </a:spcBef>
@@ -1866,9 +1896,6 @@
                 </a:spcAft>
                 <a:buNone/>
               </a:pPr>
-              <a:r>
-                <a:t/>
-              </a:r>
               <a:endParaRPr/>
             </a:p>
           </p:txBody>
@@ -1886,7 +1913,7 @@
             </a:xfrm>
             <a:prstGeom prst="parallelogram">
               <a:avLst>
-                <a:gd fmla="val 153193" name="adj"/>
+                <a:gd name="adj" fmla="val 153193"/>
               </a:avLst>
             </a:prstGeom>
             <a:solidFill>
@@ -1897,12 +1924,12 @@
             </a:ln>
           </p:spPr>
           <p:txBody>
-            <a:bodyPr anchorCtr="0" anchor="ctr" bIns="91425" lIns="91425" spcFirstLastPara="1" rIns="91425" wrap="square" tIns="91425">
+            <a:bodyPr spcFirstLastPara="1" wrap="square" lIns="91425" tIns="91425" rIns="91425" bIns="91425" anchor="ctr" anchorCtr="0">
               <a:noAutofit/>
             </a:bodyPr>
             <a:lstStyle/>
             <a:p>
-              <a:pPr indent="0" lvl="0" marL="0" rtl="0" algn="l">
+              <a:pPr marL="0" lvl="0" indent="0" algn="l" rtl="0">
                 <a:spcBef>
                   <a:spcPts val="0"/>
                 </a:spcBef>
@@ -1911,9 +1938,6 @@
                 </a:spcAft>
                 <a:buNone/>
               </a:pPr>
-              <a:r>
-                <a:t/>
-              </a:r>
               <a:endParaRPr/>
             </a:p>
           </p:txBody>
@@ -1931,7 +1955,7 @@
             </a:xfrm>
             <a:prstGeom prst="parallelogram">
               <a:avLst>
-                <a:gd fmla="val 153193" name="adj"/>
+                <a:gd name="adj" fmla="val 153193"/>
               </a:avLst>
             </a:prstGeom>
             <a:solidFill>
@@ -1942,12 +1966,12 @@
             </a:ln>
           </p:spPr>
           <p:txBody>
-            <a:bodyPr anchorCtr="0" anchor="ctr" bIns="91425" lIns="91425" spcFirstLastPara="1" rIns="91425" wrap="square" tIns="91425">
+            <a:bodyPr spcFirstLastPara="1" wrap="square" lIns="91425" tIns="91425" rIns="91425" bIns="91425" anchor="ctr" anchorCtr="0">
               <a:noAutofit/>
             </a:bodyPr>
             <a:lstStyle/>
             <a:p>
-              <a:pPr indent="0" lvl="0" marL="0" rtl="0" algn="l">
+              <a:pPr marL="0" lvl="0" indent="0" algn="l" rtl="0">
                 <a:spcBef>
                   <a:spcPts val="0"/>
                 </a:spcBef>
@@ -1956,9 +1980,6 @@
                 </a:spcAft>
                 <a:buNone/>
               </a:pPr>
-              <a:r>
-                <a:t/>
-              </a:r>
               <a:endParaRPr/>
             </a:p>
           </p:txBody>
@@ -1991,7 +2012,7 @@
             </a:xfrm>
             <a:prstGeom prst="parallelogram">
               <a:avLst>
-                <a:gd fmla="val 153193" name="adj"/>
+                <a:gd name="adj" fmla="val 153193"/>
               </a:avLst>
             </a:prstGeom>
             <a:solidFill>
@@ -2002,12 +2023,12 @@
             </a:ln>
           </p:spPr>
           <p:txBody>
-            <a:bodyPr anchorCtr="0" anchor="ctr" bIns="91425" lIns="91425" spcFirstLastPara="1" rIns="91425" wrap="square" tIns="91425">
+            <a:bodyPr spcFirstLastPara="1" wrap="square" lIns="91425" tIns="91425" rIns="91425" bIns="91425" anchor="ctr" anchorCtr="0">
               <a:noAutofit/>
             </a:bodyPr>
             <a:lstStyle/>
             <a:p>
-              <a:pPr indent="0" lvl="0" marL="0" rtl="0" algn="l">
+              <a:pPr marL="0" lvl="0" indent="0" algn="l" rtl="0">
                 <a:spcBef>
                   <a:spcPts val="0"/>
                 </a:spcBef>
@@ -2016,9 +2037,6 @@
                 </a:spcAft>
                 <a:buNone/>
               </a:pPr>
-              <a:r>
-                <a:t/>
-              </a:r>
               <a:endParaRPr/>
             </a:p>
           </p:txBody>
@@ -2036,7 +2054,7 @@
             </a:xfrm>
             <a:prstGeom prst="parallelogram">
               <a:avLst>
-                <a:gd fmla="val 153193" name="adj"/>
+                <a:gd name="adj" fmla="val 153193"/>
               </a:avLst>
             </a:prstGeom>
             <a:solidFill>
@@ -2047,12 +2065,12 @@
             </a:ln>
           </p:spPr>
           <p:txBody>
-            <a:bodyPr anchorCtr="0" anchor="ctr" bIns="91425" lIns="91425" spcFirstLastPara="1" rIns="91425" wrap="square" tIns="91425">
+            <a:bodyPr spcFirstLastPara="1" wrap="square" lIns="91425" tIns="91425" rIns="91425" bIns="91425" anchor="ctr" anchorCtr="0">
               <a:noAutofit/>
             </a:bodyPr>
             <a:lstStyle/>
             <a:p>
-              <a:pPr indent="0" lvl="0" marL="0" rtl="0" algn="l">
+              <a:pPr marL="0" lvl="0" indent="0" algn="l" rtl="0">
                 <a:spcBef>
                   <a:spcPts val="0"/>
                 </a:spcBef>
@@ -2061,9 +2079,6 @@
                 </a:spcAft>
                 <a:buNone/>
               </a:pPr>
-              <a:r>
-                <a:t/>
-              </a:r>
               <a:endParaRPr/>
             </a:p>
           </p:txBody>
@@ -2081,7 +2096,7 @@
             </a:xfrm>
             <a:prstGeom prst="parallelogram">
               <a:avLst>
-                <a:gd fmla="val 153193" name="adj"/>
+                <a:gd name="adj" fmla="val 153193"/>
               </a:avLst>
             </a:prstGeom>
             <a:solidFill>
@@ -2092,12 +2107,12 @@
             </a:ln>
           </p:spPr>
           <p:txBody>
-            <a:bodyPr anchorCtr="0" anchor="ctr" bIns="91425" lIns="91425" spcFirstLastPara="1" rIns="91425" wrap="square" tIns="91425">
+            <a:bodyPr spcFirstLastPara="1" wrap="square" lIns="91425" tIns="91425" rIns="91425" bIns="91425" anchor="ctr" anchorCtr="0">
               <a:noAutofit/>
             </a:bodyPr>
             <a:lstStyle/>
             <a:p>
-              <a:pPr indent="0" lvl="0" marL="0" rtl="0" algn="l">
+              <a:pPr marL="0" lvl="0" indent="0" algn="l" rtl="0">
                 <a:spcBef>
                   <a:spcPts val="0"/>
                 </a:spcBef>
@@ -2106,9 +2121,6 @@
                 </a:spcAft>
                 <a:buNone/>
               </a:pPr>
-              <a:r>
-                <a:t/>
-              </a:r>
               <a:endParaRPr/>
             </a:p>
           </p:txBody>
@@ -2141,7 +2153,7 @@
             </a:xfrm>
             <a:prstGeom prst="parallelogram">
               <a:avLst>
-                <a:gd fmla="val 158024" name="adj"/>
+                <a:gd name="adj" fmla="val 158024"/>
               </a:avLst>
             </a:prstGeom>
             <a:solidFill>
@@ -2152,12 +2164,12 @@
             </a:ln>
           </p:spPr>
           <p:txBody>
-            <a:bodyPr anchorCtr="0" anchor="ctr" bIns="91425" lIns="91425" spcFirstLastPara="1" rIns="91425" wrap="square" tIns="91425">
+            <a:bodyPr spcFirstLastPara="1" wrap="square" lIns="91425" tIns="91425" rIns="91425" bIns="91425" anchor="ctr" anchorCtr="0">
               <a:noAutofit/>
             </a:bodyPr>
             <a:lstStyle/>
             <a:p>
-              <a:pPr indent="0" lvl="0" marL="0" rtl="0" algn="l">
+              <a:pPr marL="0" lvl="0" indent="0" algn="l" rtl="0">
                 <a:spcBef>
                   <a:spcPts val="0"/>
                 </a:spcBef>
@@ -2166,9 +2178,6 @@
                 </a:spcAft>
                 <a:buNone/>
               </a:pPr>
-              <a:r>
-                <a:t/>
-              </a:r>
               <a:endParaRPr/>
             </a:p>
           </p:txBody>
@@ -2186,7 +2195,7 @@
             </a:xfrm>
             <a:prstGeom prst="parallelogram">
               <a:avLst>
-                <a:gd fmla="val 158024" name="adj"/>
+                <a:gd name="adj" fmla="val 158024"/>
               </a:avLst>
             </a:prstGeom>
             <a:solidFill>
@@ -2197,12 +2206,12 @@
             </a:ln>
           </p:spPr>
           <p:txBody>
-            <a:bodyPr anchorCtr="0" anchor="ctr" bIns="91425" lIns="91425" spcFirstLastPara="1" rIns="91425" wrap="square" tIns="91425">
+            <a:bodyPr spcFirstLastPara="1" wrap="square" lIns="91425" tIns="91425" rIns="91425" bIns="91425" anchor="ctr" anchorCtr="0">
               <a:noAutofit/>
             </a:bodyPr>
             <a:lstStyle/>
             <a:p>
-              <a:pPr indent="0" lvl="0" marL="0" rtl="0" algn="l">
+              <a:pPr marL="0" lvl="0" indent="0" algn="l" rtl="0">
                 <a:spcBef>
                   <a:spcPts val="0"/>
                 </a:spcBef>
@@ -2211,9 +2220,6 @@
                 </a:spcAft>
                 <a:buNone/>
               </a:pPr>
-              <a:r>
-                <a:t/>
-              </a:r>
               <a:endParaRPr/>
             </a:p>
           </p:txBody>
@@ -2231,7 +2237,7 @@
             </a:xfrm>
             <a:prstGeom prst="parallelogram">
               <a:avLst>
-                <a:gd fmla="val 158024" name="adj"/>
+                <a:gd name="adj" fmla="val 158024"/>
               </a:avLst>
             </a:prstGeom>
             <a:solidFill>
@@ -2242,12 +2248,12 @@
             </a:ln>
           </p:spPr>
           <p:txBody>
-            <a:bodyPr anchorCtr="0" anchor="ctr" bIns="91425" lIns="91425" spcFirstLastPara="1" rIns="91425" wrap="square" tIns="91425">
+            <a:bodyPr spcFirstLastPara="1" wrap="square" lIns="91425" tIns="91425" rIns="91425" bIns="91425" anchor="ctr" anchorCtr="0">
               <a:noAutofit/>
             </a:bodyPr>
             <a:lstStyle/>
             <a:p>
-              <a:pPr indent="0" lvl="0" marL="0" rtl="0" algn="l">
+              <a:pPr marL="0" lvl="0" indent="0" algn="l" rtl="0">
                 <a:spcBef>
                   <a:spcPts val="0"/>
                 </a:spcBef>
@@ -2256,9 +2262,6 @@
                 </a:spcAft>
                 <a:buNone/>
               </a:pPr>
-              <a:r>
-                <a:t/>
-              </a:r>
               <a:endParaRPr/>
             </a:p>
           </p:txBody>
@@ -2291,7 +2294,7 @@
             </a:xfrm>
             <a:prstGeom prst="parallelogram">
               <a:avLst>
-                <a:gd fmla="val 158024" name="adj"/>
+                <a:gd name="adj" fmla="val 158024"/>
               </a:avLst>
             </a:prstGeom>
             <a:solidFill>
@@ -2302,12 +2305,12 @@
             </a:ln>
           </p:spPr>
           <p:txBody>
-            <a:bodyPr anchorCtr="0" anchor="ctr" bIns="91425" lIns="91425" spcFirstLastPara="1" rIns="91425" wrap="square" tIns="91425">
+            <a:bodyPr spcFirstLastPara="1" wrap="square" lIns="91425" tIns="91425" rIns="91425" bIns="91425" anchor="ctr" anchorCtr="0">
               <a:noAutofit/>
             </a:bodyPr>
             <a:lstStyle/>
             <a:p>
-              <a:pPr indent="0" lvl="0" marL="0" rtl="0" algn="l">
+              <a:pPr marL="0" lvl="0" indent="0" algn="l" rtl="0">
                 <a:spcBef>
                   <a:spcPts val="0"/>
                 </a:spcBef>
@@ -2316,9 +2319,6 @@
                 </a:spcAft>
                 <a:buNone/>
               </a:pPr>
-              <a:r>
-                <a:t/>
-              </a:r>
               <a:endParaRPr/>
             </a:p>
           </p:txBody>
@@ -2336,7 +2336,7 @@
             </a:xfrm>
             <a:prstGeom prst="parallelogram">
               <a:avLst>
-                <a:gd fmla="val 158024" name="adj"/>
+                <a:gd name="adj" fmla="val 158024"/>
               </a:avLst>
             </a:prstGeom>
             <a:solidFill>
@@ -2347,12 +2347,12 @@
             </a:ln>
           </p:spPr>
           <p:txBody>
-            <a:bodyPr anchorCtr="0" anchor="ctr" bIns="91425" lIns="91425" spcFirstLastPara="1" rIns="91425" wrap="square" tIns="91425">
+            <a:bodyPr spcFirstLastPara="1" wrap="square" lIns="91425" tIns="91425" rIns="91425" bIns="91425" anchor="ctr" anchorCtr="0">
               <a:noAutofit/>
             </a:bodyPr>
             <a:lstStyle/>
             <a:p>
-              <a:pPr indent="0" lvl="0" marL="0" rtl="0" algn="l">
+              <a:pPr marL="0" lvl="0" indent="0" algn="l" rtl="0">
                 <a:spcBef>
                   <a:spcPts val="0"/>
                 </a:spcBef>
@@ -2361,9 +2361,6 @@
                 </a:spcAft>
                 <a:buNone/>
               </a:pPr>
-              <a:r>
-                <a:t/>
-              </a:r>
               <a:endParaRPr/>
             </a:p>
           </p:txBody>
@@ -2381,7 +2378,7 @@
             </a:xfrm>
             <a:prstGeom prst="parallelogram">
               <a:avLst>
-                <a:gd fmla="val 158024" name="adj"/>
+                <a:gd name="adj" fmla="val 158024"/>
               </a:avLst>
             </a:prstGeom>
             <a:solidFill>
@@ -2392,12 +2389,12 @@
             </a:ln>
           </p:spPr>
           <p:txBody>
-            <a:bodyPr anchorCtr="0" anchor="ctr" bIns="91425" lIns="91425" spcFirstLastPara="1" rIns="91425" wrap="square" tIns="91425">
+            <a:bodyPr spcFirstLastPara="1" wrap="square" lIns="91425" tIns="91425" rIns="91425" bIns="91425" anchor="ctr" anchorCtr="0">
               <a:noAutofit/>
             </a:bodyPr>
             <a:lstStyle/>
             <a:p>
-              <a:pPr indent="0" lvl="0" marL="0" rtl="0" algn="l">
+              <a:pPr marL="0" lvl="0" indent="0" algn="l" rtl="0">
                 <a:spcBef>
                   <a:spcPts val="0"/>
                 </a:spcBef>
@@ -2406,9 +2403,6 @@
                 </a:spcAft>
                 <a:buNone/>
               </a:pPr>
-              <a:r>
-                <a:t/>
-              </a:r>
               <a:endParaRPr/>
             </a:p>
           </p:txBody>
@@ -2441,7 +2435,7 @@
             </a:xfrm>
             <a:prstGeom prst="parallelogram">
               <a:avLst>
-                <a:gd fmla="val 158024" name="adj"/>
+                <a:gd name="adj" fmla="val 158024"/>
               </a:avLst>
             </a:prstGeom>
             <a:solidFill>
@@ -2452,12 +2446,12 @@
             </a:ln>
           </p:spPr>
           <p:txBody>
-            <a:bodyPr anchorCtr="0" anchor="ctr" bIns="91425" lIns="91425" spcFirstLastPara="1" rIns="91425" wrap="square" tIns="91425">
+            <a:bodyPr spcFirstLastPara="1" wrap="square" lIns="91425" tIns="91425" rIns="91425" bIns="91425" anchor="ctr" anchorCtr="0">
               <a:noAutofit/>
             </a:bodyPr>
             <a:lstStyle/>
             <a:p>
-              <a:pPr indent="0" lvl="0" marL="0" rtl="0" algn="l">
+              <a:pPr marL="0" lvl="0" indent="0" algn="l" rtl="0">
                 <a:spcBef>
                   <a:spcPts val="0"/>
                 </a:spcBef>
@@ -2466,9 +2460,6 @@
                 </a:spcAft>
                 <a:buNone/>
               </a:pPr>
-              <a:r>
-                <a:t/>
-              </a:r>
               <a:endParaRPr/>
             </a:p>
           </p:txBody>
@@ -2486,7 +2477,7 @@
             </a:xfrm>
             <a:prstGeom prst="parallelogram">
               <a:avLst>
-                <a:gd fmla="val 158024" name="adj"/>
+                <a:gd name="adj" fmla="val 158024"/>
               </a:avLst>
             </a:prstGeom>
             <a:solidFill>
@@ -2497,12 +2488,12 @@
             </a:ln>
           </p:spPr>
           <p:txBody>
-            <a:bodyPr anchorCtr="0" anchor="ctr" bIns="91425" lIns="91425" spcFirstLastPara="1" rIns="91425" wrap="square" tIns="91425">
+            <a:bodyPr spcFirstLastPara="1" wrap="square" lIns="91425" tIns="91425" rIns="91425" bIns="91425" anchor="ctr" anchorCtr="0">
               <a:noAutofit/>
             </a:bodyPr>
             <a:lstStyle/>
             <a:p>
-              <a:pPr indent="0" lvl="0" marL="0" rtl="0" algn="l">
+              <a:pPr marL="0" lvl="0" indent="0" algn="l" rtl="0">
                 <a:spcBef>
                   <a:spcPts val="0"/>
                 </a:spcBef>
@@ -2511,9 +2502,6 @@
                 </a:spcAft>
                 <a:buNone/>
               </a:pPr>
-              <a:r>
-                <a:t/>
-              </a:r>
               <a:endParaRPr/>
             </a:p>
           </p:txBody>
@@ -2531,7 +2519,7 @@
             </a:xfrm>
             <a:prstGeom prst="parallelogram">
               <a:avLst>
-                <a:gd fmla="val 158024" name="adj"/>
+                <a:gd name="adj" fmla="val 158024"/>
               </a:avLst>
             </a:prstGeom>
             <a:solidFill>
@@ -2542,12 +2530,12 @@
             </a:ln>
           </p:spPr>
           <p:txBody>
-            <a:bodyPr anchorCtr="0" anchor="ctr" bIns="91425" lIns="91425" spcFirstLastPara="1" rIns="91425" wrap="square" tIns="91425">
+            <a:bodyPr spcFirstLastPara="1" wrap="square" lIns="91425" tIns="91425" rIns="91425" bIns="91425" anchor="ctr" anchorCtr="0">
               <a:noAutofit/>
             </a:bodyPr>
             <a:lstStyle/>
             <a:p>
-              <a:pPr indent="0" lvl="0" marL="0" rtl="0" algn="l">
+              <a:pPr marL="0" lvl="0" indent="0" algn="l" rtl="0">
                 <a:spcBef>
                   <a:spcPts val="0"/>
                 </a:spcBef>
@@ -2556,9 +2544,6 @@
                 </a:spcAft>
                 <a:buNone/>
               </a:pPr>
-              <a:r>
-                <a:t/>
-              </a:r>
               <a:endParaRPr/>
             </a:p>
           </p:txBody>
@@ -2567,7 +2552,9 @@
       <p:sp>
         <p:nvSpPr>
           <p:cNvPr id="34" name="Google Shape;34;p2"/>
-          <p:cNvSpPr txBox="1"/>
+          <p:cNvSpPr txBox="1">
+            <a:spLocks noGrp="1"/>
+          </p:cNvSpPr>
           <p:nvPr>
             <p:ph type="ctrTitle"/>
           </p:nvPr>
@@ -2582,7 +2569,7 @@
           </a:prstGeom>
         </p:spPr>
         <p:txBody>
-          <a:bodyPr anchorCtr="0" anchor="ctr" bIns="91425" lIns="91425" spcFirstLastPara="1" rIns="91425" wrap="square" tIns="91425">
+          <a:bodyPr spcFirstLastPara="1" wrap="square" lIns="91425" tIns="91425" rIns="91425" bIns="91425" anchor="ctr" anchorCtr="0">
             <a:normAutofit/>
           </a:bodyPr>
           <a:lstStyle>
@@ -2686,15 +2673,19 @@
               <a:defRPr sz="3800"/>
             </a:lvl9pPr>
           </a:lstStyle>
-          <a:p/>
+          <a:p>
+            <a:endParaRPr/>
+          </a:p>
         </p:txBody>
       </p:sp>
       <p:sp>
         <p:nvSpPr>
           <p:cNvPr id="35" name="Google Shape;35;p2"/>
-          <p:cNvSpPr txBox="1"/>
+          <p:cNvSpPr txBox="1">
+            <a:spLocks noGrp="1"/>
+          </p:cNvSpPr>
           <p:nvPr>
-            <p:ph idx="1" type="subTitle"/>
+            <p:ph type="subTitle" idx="1"/>
           </p:nvPr>
         </p:nvSpPr>
         <p:spPr>
@@ -2707,7 +2698,7 @@
           </a:prstGeom>
         </p:spPr>
         <p:txBody>
-          <a:bodyPr anchorCtr="0" anchor="t" bIns="91425" lIns="91425" spcFirstLastPara="1" rIns="91425" wrap="square" tIns="91425">
+          <a:bodyPr spcFirstLastPara="1" wrap="square" lIns="91425" tIns="91425" rIns="91425" bIns="91425" anchor="t" anchorCtr="0">
             <a:normAutofit/>
           </a:bodyPr>
           <a:lstStyle>
@@ -2901,15 +2892,19 @@
               </a:defRPr>
             </a:lvl9pPr>
           </a:lstStyle>
-          <a:p/>
+          <a:p>
+            <a:endParaRPr/>
+          </a:p>
         </p:txBody>
       </p:sp>
       <p:sp>
         <p:nvSpPr>
           <p:cNvPr id="36" name="Google Shape;36;p2"/>
-          <p:cNvSpPr txBox="1"/>
+          <p:cNvSpPr txBox="1">
+            <a:spLocks noGrp="1"/>
+          </p:cNvSpPr>
           <p:nvPr>
-            <p:ph idx="12" type="sldNum"/>
+            <p:ph type="sldNum" idx="12"/>
           </p:nvPr>
         </p:nvSpPr>
         <p:spPr>
@@ -2922,7 +2917,7 @@
           </a:prstGeom>
         </p:spPr>
         <p:txBody>
-          <a:bodyPr anchorCtr="0" anchor="ctr" bIns="91425" lIns="91425" spcFirstLastPara="1" rIns="91425" wrap="square" tIns="91425">
+          <a:bodyPr spcFirstLastPara="1" wrap="square" lIns="91425" tIns="91425" rIns="91425" bIns="91425" anchor="ctr" anchorCtr="0">
             <a:normAutofit/>
           </a:bodyPr>
           <a:lstStyle>
@@ -2964,7 +2959,7 @@
             </a:lvl9pPr>
           </a:lstStyle>
           <a:p>
-            <a:pPr indent="0" lvl="0" marL="0" rtl="0" algn="r">
+            <a:pPr marL="0" lvl="0" indent="0" algn="r" rtl="0">
               <a:spcBef>
                 <a:spcPts val="0"/>
               </a:spcBef>
@@ -2975,7 +2970,7 @@
             </a:pPr>
             <a:fld id="{00000000-1234-1234-1234-123412341234}" type="slidenum">
               <a:rPr lang="es"/>
-              <a:t>‹#›</a:t>
+              <a:t>‹Nº›</a:t>
             </a:fld>
             <a:endParaRPr/>
           </a:p>
@@ -2990,18 +2985,19 @@
 </file>
 
 <file path=ppt/slideLayouts/slideLayout10.xml><?xml version="1.0" encoding="utf-8"?>
-<p:sldLayout xmlns:a="http://schemas.openxmlformats.org/drawingml/2006/main" xmlns:r="http://schemas.openxmlformats.org/officeDocument/2006/relationships" xmlns:mc="http://schemas.openxmlformats.org/markup-compatibility/2006" xmlns:mv="urn:schemas-microsoft-com:mac:vml" xmlns:p="http://schemas.openxmlformats.org/presentationml/2006/main" xmlns:c="http://schemas.openxmlformats.org/drawingml/2006/chart" xmlns:dgm="http://schemas.openxmlformats.org/drawingml/2006/diagram" xmlns:o="urn:schemas-microsoft-com:office:office" xmlns:v="urn:schemas-microsoft-com:vml" xmlns:pvml="urn:schemas-microsoft-com:office:powerpoint" xmlns:com="http://schemas.openxmlformats.org/drawingml/2006/compatibility" xmlns:p14="http://schemas.microsoft.com/office/powerpoint/2010/main" xmlns:p15="http://schemas.microsoft.com/office/powerpoint/2012/main" xmlns:ahyp="http://schemas.microsoft.com/office/drawing/2018/hyperlinkcolor" matchingName="Big number">
+<p:sldLayout xmlns:a="http://schemas.openxmlformats.org/drawingml/2006/main" xmlns:r="http://schemas.openxmlformats.org/officeDocument/2006/relationships" xmlns:p="http://schemas.openxmlformats.org/presentationml/2006/main" matchingName="Big number">
   <p:cSld name="BIG_NUMBER">
     <p:bg>
       <p:bgPr>
         <a:solidFill>
           <a:schemeClr val="accent3"/>
         </a:solidFill>
+        <a:effectLst/>
       </p:bgPr>
     </p:bg>
     <p:spTree>
       <p:nvGrpSpPr>
-        <p:cNvPr id="109" name="Shape 109"/>
+        <p:cNvPr id="1" name="Shape 109"/>
         <p:cNvGrpSpPr/>
         <p:nvPr/>
       </p:nvGrpSpPr>
@@ -3035,12 +3031,12 @@
           </a:ln>
         </p:spPr>
         <p:txBody>
-          <a:bodyPr anchorCtr="0" anchor="ctr" bIns="91425" lIns="91425" spcFirstLastPara="1" rIns="91425" wrap="square" tIns="91425">
+          <a:bodyPr spcFirstLastPara="1" wrap="square" lIns="91425" tIns="91425" rIns="91425" bIns="91425" anchor="ctr" anchorCtr="0">
             <a:noAutofit/>
           </a:bodyPr>
           <a:lstStyle/>
           <a:p>
-            <a:pPr indent="0" lvl="0" marL="0" rtl="0" algn="l">
+            <a:pPr marL="0" lvl="0" indent="0" algn="l" rtl="0">
               <a:spcBef>
                 <a:spcPts val="0"/>
               </a:spcBef>
@@ -3049,9 +3045,6 @@
               </a:spcAft>
               <a:buNone/>
             </a:pPr>
-            <a:r>
-              <a:t/>
-            </a:r>
             <a:endParaRPr/>
           </a:p>
         </p:txBody>
@@ -3083,7 +3076,7 @@
             </a:xfrm>
             <a:prstGeom prst="parallelogram">
               <a:avLst>
-                <a:gd fmla="val 158024" name="adj"/>
+                <a:gd name="adj" fmla="val 158024"/>
               </a:avLst>
             </a:prstGeom>
             <a:solidFill>
@@ -3094,12 +3087,12 @@
             </a:ln>
           </p:spPr>
           <p:txBody>
-            <a:bodyPr anchorCtr="0" anchor="ctr" bIns="91425" lIns="91425" spcFirstLastPara="1" rIns="91425" wrap="square" tIns="91425">
+            <a:bodyPr spcFirstLastPara="1" wrap="square" lIns="91425" tIns="91425" rIns="91425" bIns="91425" anchor="ctr" anchorCtr="0">
               <a:noAutofit/>
             </a:bodyPr>
             <a:lstStyle/>
             <a:p>
-              <a:pPr indent="0" lvl="0" marL="0" rtl="0" algn="l">
+              <a:pPr marL="0" lvl="0" indent="0" algn="l" rtl="0">
                 <a:spcBef>
                   <a:spcPts val="0"/>
                 </a:spcBef>
@@ -3108,9 +3101,6 @@
                 </a:spcAft>
                 <a:buNone/>
               </a:pPr>
-              <a:r>
-                <a:t/>
-              </a:r>
               <a:endParaRPr/>
             </a:p>
           </p:txBody>
@@ -3128,7 +3118,7 @@
             </a:xfrm>
             <a:prstGeom prst="parallelogram">
               <a:avLst>
-                <a:gd fmla="val 158024" name="adj"/>
+                <a:gd name="adj" fmla="val 158024"/>
               </a:avLst>
             </a:prstGeom>
             <a:solidFill>
@@ -3139,12 +3129,12 @@
             </a:ln>
           </p:spPr>
           <p:txBody>
-            <a:bodyPr anchorCtr="0" anchor="ctr" bIns="91425" lIns="91425" spcFirstLastPara="1" rIns="91425" wrap="square" tIns="91425">
+            <a:bodyPr spcFirstLastPara="1" wrap="square" lIns="91425" tIns="91425" rIns="91425" bIns="91425" anchor="ctr" anchorCtr="0">
               <a:noAutofit/>
             </a:bodyPr>
             <a:lstStyle/>
             <a:p>
-              <a:pPr indent="0" lvl="0" marL="0" rtl="0" algn="l">
+              <a:pPr marL="0" lvl="0" indent="0" algn="l" rtl="0">
                 <a:spcBef>
                   <a:spcPts val="0"/>
                 </a:spcBef>
@@ -3153,9 +3143,6 @@
                 </a:spcAft>
                 <a:buNone/>
               </a:pPr>
-              <a:r>
-                <a:t/>
-              </a:r>
               <a:endParaRPr/>
             </a:p>
           </p:txBody>
@@ -3173,7 +3160,7 @@
             </a:xfrm>
             <a:prstGeom prst="parallelogram">
               <a:avLst>
-                <a:gd fmla="val 158024" name="adj"/>
+                <a:gd name="adj" fmla="val 158024"/>
               </a:avLst>
             </a:prstGeom>
             <a:solidFill>
@@ -3184,12 +3171,12 @@
             </a:ln>
           </p:spPr>
           <p:txBody>
-            <a:bodyPr anchorCtr="0" anchor="ctr" bIns="91425" lIns="91425" spcFirstLastPara="1" rIns="91425" wrap="square" tIns="91425">
+            <a:bodyPr spcFirstLastPara="1" wrap="square" lIns="91425" tIns="91425" rIns="91425" bIns="91425" anchor="ctr" anchorCtr="0">
               <a:noAutofit/>
             </a:bodyPr>
             <a:lstStyle/>
             <a:p>
-              <a:pPr indent="0" lvl="0" marL="0" rtl="0" algn="l">
+              <a:pPr marL="0" lvl="0" indent="0" algn="l" rtl="0">
                 <a:spcBef>
                   <a:spcPts val="0"/>
                 </a:spcBef>
@@ -3198,9 +3185,6 @@
                 </a:spcAft>
                 <a:buNone/>
               </a:pPr>
-              <a:r>
-                <a:t/>
-              </a:r>
               <a:endParaRPr/>
             </a:p>
           </p:txBody>
@@ -3233,7 +3217,7 @@
             </a:xfrm>
             <a:prstGeom prst="parallelogram">
               <a:avLst>
-                <a:gd fmla="val 158024" name="adj"/>
+                <a:gd name="adj" fmla="val 158024"/>
               </a:avLst>
             </a:prstGeom>
             <a:solidFill>
@@ -3244,12 +3228,12 @@
             </a:ln>
           </p:spPr>
           <p:txBody>
-            <a:bodyPr anchorCtr="0" anchor="ctr" bIns="91425" lIns="91425" spcFirstLastPara="1" rIns="91425" wrap="square" tIns="91425">
+            <a:bodyPr spcFirstLastPara="1" wrap="square" lIns="91425" tIns="91425" rIns="91425" bIns="91425" anchor="ctr" anchorCtr="0">
               <a:noAutofit/>
             </a:bodyPr>
             <a:lstStyle/>
             <a:p>
-              <a:pPr indent="0" lvl="0" marL="0" rtl="0" algn="l">
+              <a:pPr marL="0" lvl="0" indent="0" algn="l" rtl="0">
                 <a:spcBef>
                   <a:spcPts val="0"/>
                 </a:spcBef>
@@ -3258,9 +3242,6 @@
                 </a:spcAft>
                 <a:buNone/>
               </a:pPr>
-              <a:r>
-                <a:t/>
-              </a:r>
               <a:endParaRPr/>
             </a:p>
           </p:txBody>
@@ -3278,7 +3259,7 @@
             </a:xfrm>
             <a:prstGeom prst="parallelogram">
               <a:avLst>
-                <a:gd fmla="val 158024" name="adj"/>
+                <a:gd name="adj" fmla="val 158024"/>
               </a:avLst>
             </a:prstGeom>
             <a:solidFill>
@@ -3289,12 +3270,12 @@
             </a:ln>
           </p:spPr>
           <p:txBody>
-            <a:bodyPr anchorCtr="0" anchor="ctr" bIns="91425" lIns="91425" spcFirstLastPara="1" rIns="91425" wrap="square" tIns="91425">
+            <a:bodyPr spcFirstLastPara="1" wrap="square" lIns="91425" tIns="91425" rIns="91425" bIns="91425" anchor="ctr" anchorCtr="0">
               <a:noAutofit/>
             </a:bodyPr>
             <a:lstStyle/>
             <a:p>
-              <a:pPr indent="0" lvl="0" marL="0" rtl="0" algn="l">
+              <a:pPr marL="0" lvl="0" indent="0" algn="l" rtl="0">
                 <a:spcBef>
                   <a:spcPts val="0"/>
                 </a:spcBef>
@@ -3303,9 +3284,6 @@
                 </a:spcAft>
                 <a:buNone/>
               </a:pPr>
-              <a:r>
-                <a:t/>
-              </a:r>
               <a:endParaRPr/>
             </a:p>
           </p:txBody>
@@ -3323,7 +3301,7 @@
             </a:xfrm>
             <a:prstGeom prst="parallelogram">
               <a:avLst>
-                <a:gd fmla="val 158024" name="adj"/>
+                <a:gd name="adj" fmla="val 158024"/>
               </a:avLst>
             </a:prstGeom>
             <a:solidFill>
@@ -3334,12 +3312,12 @@
             </a:ln>
           </p:spPr>
           <p:txBody>
-            <a:bodyPr anchorCtr="0" anchor="ctr" bIns="91425" lIns="91425" spcFirstLastPara="1" rIns="91425" wrap="square" tIns="91425">
+            <a:bodyPr spcFirstLastPara="1" wrap="square" lIns="91425" tIns="91425" rIns="91425" bIns="91425" anchor="ctr" anchorCtr="0">
               <a:noAutofit/>
             </a:bodyPr>
             <a:lstStyle/>
             <a:p>
-              <a:pPr indent="0" lvl="0" marL="0" rtl="0" algn="l">
+              <a:pPr marL="0" lvl="0" indent="0" algn="l" rtl="0">
                 <a:spcBef>
                   <a:spcPts val="0"/>
                 </a:spcBef>
@@ -3348,9 +3326,6 @@
                 </a:spcAft>
                 <a:buNone/>
               </a:pPr>
-              <a:r>
-                <a:t/>
-              </a:r>
               <a:endParaRPr/>
             </a:p>
           </p:txBody>
@@ -3359,9 +3334,11 @@
       <p:sp>
         <p:nvSpPr>
           <p:cNvPr id="119" name="Google Shape;119;p11"/>
-          <p:cNvSpPr txBox="1"/>
+          <p:cNvSpPr txBox="1">
+            <a:spLocks noGrp="1"/>
+          </p:cNvSpPr>
           <p:nvPr>
-            <p:ph hasCustomPrompt="1" type="title"/>
+            <p:ph type="title" hasCustomPrompt="1"/>
           </p:nvPr>
         </p:nvSpPr>
         <p:spPr>
@@ -3374,7 +3351,7 @@
           </a:prstGeom>
         </p:spPr>
         <p:txBody>
-          <a:bodyPr anchorCtr="0" anchor="ctr" bIns="91425" lIns="91425" spcFirstLastPara="1" rIns="91425" wrap="square" tIns="91425">
+          <a:bodyPr spcFirstLastPara="1" wrap="square" lIns="91425" tIns="91425" rIns="91425" bIns="91425" anchor="ctr" anchorCtr="0">
             <a:normAutofit/>
           </a:bodyPr>
           <a:lstStyle>
@@ -3551,9 +3528,11 @@
       <p:sp>
         <p:nvSpPr>
           <p:cNvPr id="120" name="Google Shape;120;p11"/>
-          <p:cNvSpPr txBox="1"/>
+          <p:cNvSpPr txBox="1">
+            <a:spLocks noGrp="1"/>
+          </p:cNvSpPr>
           <p:nvPr>
-            <p:ph idx="1" type="body"/>
+            <p:ph type="body" idx="1"/>
           </p:nvPr>
         </p:nvSpPr>
         <p:spPr>
@@ -3566,11 +3545,11 @@
           </a:prstGeom>
         </p:spPr>
         <p:txBody>
-          <a:bodyPr anchorCtr="0" anchor="t" bIns="91425" lIns="91425" spcFirstLastPara="1" rIns="91425" wrap="square" tIns="91425">
+          <a:bodyPr spcFirstLastPara="1" wrap="square" lIns="91425" tIns="91425" rIns="91425" bIns="91425" anchor="t" anchorCtr="0">
             <a:normAutofit/>
           </a:bodyPr>
           <a:lstStyle>
-            <a:lvl1pPr indent="-311150" lvl="0" marL="457200" algn="ctr">
+            <a:lvl1pPr marL="457200" lvl="0" indent="-311150" algn="ctr">
               <a:spcBef>
                 <a:spcPts val="0"/>
               </a:spcBef>
@@ -3581,7 +3560,7 @@
               <a:buChar char="●"/>
               <a:defRPr/>
             </a:lvl1pPr>
-            <a:lvl2pPr indent="-298450" lvl="1" marL="914400" algn="ctr">
+            <a:lvl2pPr marL="914400" lvl="1" indent="-298450" algn="ctr">
               <a:spcBef>
                 <a:spcPts val="0"/>
               </a:spcBef>
@@ -3592,7 +3571,7 @@
               <a:buChar char="○"/>
               <a:defRPr/>
             </a:lvl2pPr>
-            <a:lvl3pPr indent="-298450" lvl="2" marL="1371600" algn="ctr">
+            <a:lvl3pPr marL="1371600" lvl="2" indent="-298450" algn="ctr">
               <a:spcBef>
                 <a:spcPts val="0"/>
               </a:spcBef>
@@ -3603,7 +3582,7 @@
               <a:buChar char="■"/>
               <a:defRPr/>
             </a:lvl3pPr>
-            <a:lvl4pPr indent="-298450" lvl="3" marL="1828800" algn="ctr">
+            <a:lvl4pPr marL="1828800" lvl="3" indent="-298450" algn="ctr">
               <a:spcBef>
                 <a:spcPts val="0"/>
               </a:spcBef>
@@ -3614,7 +3593,7 @@
               <a:buChar char="●"/>
               <a:defRPr/>
             </a:lvl4pPr>
-            <a:lvl5pPr indent="-298450" lvl="4" marL="2286000" algn="ctr">
+            <a:lvl5pPr marL="2286000" lvl="4" indent="-298450" algn="ctr">
               <a:spcBef>
                 <a:spcPts val="0"/>
               </a:spcBef>
@@ -3625,7 +3604,7 @@
               <a:buChar char="○"/>
               <a:defRPr/>
             </a:lvl5pPr>
-            <a:lvl6pPr indent="-298450" lvl="5" marL="2743200" algn="ctr">
+            <a:lvl6pPr marL="2743200" lvl="5" indent="-298450" algn="ctr">
               <a:spcBef>
                 <a:spcPts val="0"/>
               </a:spcBef>
@@ -3636,7 +3615,7 @@
               <a:buChar char="■"/>
               <a:defRPr/>
             </a:lvl6pPr>
-            <a:lvl7pPr indent="-298450" lvl="6" marL="3200400" algn="ctr">
+            <a:lvl7pPr marL="3200400" lvl="6" indent="-298450" algn="ctr">
               <a:spcBef>
                 <a:spcPts val="0"/>
               </a:spcBef>
@@ -3647,7 +3626,7 @@
               <a:buChar char="●"/>
               <a:defRPr/>
             </a:lvl7pPr>
-            <a:lvl8pPr indent="-298450" lvl="7" marL="3657600" algn="ctr">
+            <a:lvl8pPr marL="3657600" lvl="7" indent="-298450" algn="ctr">
               <a:spcBef>
                 <a:spcPts val="0"/>
               </a:spcBef>
@@ -3658,7 +3637,7 @@
               <a:buChar char="○"/>
               <a:defRPr/>
             </a:lvl8pPr>
-            <a:lvl9pPr indent="-298450" lvl="8" marL="4114800" algn="ctr">
+            <a:lvl9pPr marL="4114800" lvl="8" indent="-298450" algn="ctr">
               <a:spcBef>
                 <a:spcPts val="0"/>
               </a:spcBef>
@@ -3670,15 +3649,19 @@
               <a:defRPr/>
             </a:lvl9pPr>
           </a:lstStyle>
-          <a:p/>
+          <a:p>
+            <a:endParaRPr/>
+          </a:p>
         </p:txBody>
       </p:sp>
       <p:sp>
         <p:nvSpPr>
           <p:cNvPr id="121" name="Google Shape;121;p11"/>
-          <p:cNvSpPr txBox="1"/>
+          <p:cNvSpPr txBox="1">
+            <a:spLocks noGrp="1"/>
+          </p:cNvSpPr>
           <p:nvPr>
-            <p:ph idx="12" type="sldNum"/>
+            <p:ph type="sldNum" idx="12"/>
           </p:nvPr>
         </p:nvSpPr>
         <p:spPr>
@@ -3691,7 +3674,7 @@
           </a:prstGeom>
         </p:spPr>
         <p:txBody>
-          <a:bodyPr anchorCtr="0" anchor="ctr" bIns="91425" lIns="91425" spcFirstLastPara="1" rIns="91425" wrap="square" tIns="91425">
+          <a:bodyPr spcFirstLastPara="1" wrap="square" lIns="91425" tIns="91425" rIns="91425" bIns="91425" anchor="ctr" anchorCtr="0">
             <a:normAutofit/>
           </a:bodyPr>
           <a:lstStyle>
@@ -3733,7 +3716,7 @@
             </a:lvl9pPr>
           </a:lstStyle>
           <a:p>
-            <a:pPr indent="0" lvl="0" marL="0" rtl="0" algn="r">
+            <a:pPr marL="0" lvl="0" indent="0" algn="r" rtl="0">
               <a:spcBef>
                 <a:spcPts val="0"/>
               </a:spcBef>
@@ -3744,7 +3727,7 @@
             </a:pPr>
             <a:fld id="{00000000-1234-1234-1234-123412341234}" type="slidenum">
               <a:rPr lang="es"/>
-              <a:t>‹#›</a:t>
+              <a:t>‹Nº›</a:t>
             </a:fld>
             <a:endParaRPr/>
           </a:p>
@@ -3759,11 +3742,11 @@
 </file>
 
 <file path=ppt/slideLayouts/slideLayout11.xml><?xml version="1.0" encoding="utf-8"?>
-<p:sldLayout xmlns:a="http://schemas.openxmlformats.org/drawingml/2006/main" xmlns:r="http://schemas.openxmlformats.org/officeDocument/2006/relationships" xmlns:mc="http://schemas.openxmlformats.org/markup-compatibility/2006" xmlns:mv="urn:schemas-microsoft-com:mac:vml" xmlns:p="http://schemas.openxmlformats.org/presentationml/2006/main" xmlns:c="http://schemas.openxmlformats.org/drawingml/2006/chart" xmlns:dgm="http://schemas.openxmlformats.org/drawingml/2006/diagram" xmlns:o="urn:schemas-microsoft-com:office:office" xmlns:v="urn:schemas-microsoft-com:vml" xmlns:pvml="urn:schemas-microsoft-com:office:powerpoint" xmlns:com="http://schemas.openxmlformats.org/drawingml/2006/compatibility" xmlns:p14="http://schemas.microsoft.com/office/powerpoint/2010/main" xmlns:p15="http://schemas.microsoft.com/office/powerpoint/2012/main" xmlns:ahyp="http://schemas.microsoft.com/office/drawing/2018/hyperlinkcolor" matchingName="Blank" type="blank">
+<p:sldLayout xmlns:a="http://schemas.openxmlformats.org/drawingml/2006/main" xmlns:r="http://schemas.openxmlformats.org/officeDocument/2006/relationships" xmlns:p="http://schemas.openxmlformats.org/presentationml/2006/main" matchingName="Blank" type="blank">
   <p:cSld name="BLANK">
     <p:spTree>
       <p:nvGrpSpPr>
-        <p:cNvPr id="122" name="Shape 122"/>
+        <p:cNvPr id="1" name="Shape 122"/>
         <p:cNvGrpSpPr/>
         <p:nvPr/>
       </p:nvGrpSpPr>
@@ -3778,9 +3761,11 @@
       <p:sp>
         <p:nvSpPr>
           <p:cNvPr id="123" name="Google Shape;123;p12"/>
-          <p:cNvSpPr txBox="1"/>
+          <p:cNvSpPr txBox="1">
+            <a:spLocks noGrp="1"/>
+          </p:cNvSpPr>
           <p:nvPr>
-            <p:ph idx="12" type="sldNum"/>
+            <p:ph type="sldNum" idx="12"/>
           </p:nvPr>
         </p:nvSpPr>
         <p:spPr>
@@ -3793,7 +3778,7 @@
           </a:prstGeom>
         </p:spPr>
         <p:txBody>
-          <a:bodyPr anchorCtr="0" anchor="ctr" bIns="91425" lIns="91425" spcFirstLastPara="1" rIns="91425" wrap="square" tIns="91425">
+          <a:bodyPr spcFirstLastPara="1" wrap="square" lIns="91425" tIns="91425" rIns="91425" bIns="91425" anchor="ctr" anchorCtr="0">
             <a:normAutofit/>
           </a:bodyPr>
           <a:lstStyle>
@@ -3835,7 +3820,7 @@
             </a:lvl9pPr>
           </a:lstStyle>
           <a:p>
-            <a:pPr indent="0" lvl="0" marL="0" rtl="0" algn="r">
+            <a:pPr marL="0" lvl="0" indent="0" algn="r" rtl="0">
               <a:spcBef>
                 <a:spcPts val="0"/>
               </a:spcBef>
@@ -3846,7 +3831,7 @@
             </a:pPr>
             <a:fld id="{00000000-1234-1234-1234-123412341234}" type="slidenum">
               <a:rPr lang="es"/>
-              <a:t>‹#›</a:t>
+              <a:t>‹Nº›</a:t>
             </a:fld>
             <a:endParaRPr/>
           </a:p>
@@ -3861,18 +3846,19 @@
 </file>
 
 <file path=ppt/slideLayouts/slideLayout2.xml><?xml version="1.0" encoding="utf-8"?>
-<p:sldLayout xmlns:a="http://schemas.openxmlformats.org/drawingml/2006/main" xmlns:r="http://schemas.openxmlformats.org/officeDocument/2006/relationships" xmlns:mc="http://schemas.openxmlformats.org/markup-compatibility/2006" xmlns:mv="urn:schemas-microsoft-com:mac:vml" xmlns:p="http://schemas.openxmlformats.org/presentationml/2006/main" xmlns:c="http://schemas.openxmlformats.org/drawingml/2006/chart" xmlns:dgm="http://schemas.openxmlformats.org/drawingml/2006/diagram" xmlns:o="urn:schemas-microsoft-com:office:office" xmlns:v="urn:schemas-microsoft-com:vml" xmlns:pvml="urn:schemas-microsoft-com:office:powerpoint" xmlns:com="http://schemas.openxmlformats.org/drawingml/2006/compatibility" xmlns:p14="http://schemas.microsoft.com/office/powerpoint/2010/main" xmlns:p15="http://schemas.microsoft.com/office/powerpoint/2012/main" xmlns:ahyp="http://schemas.microsoft.com/office/drawing/2018/hyperlinkcolor" matchingName="Section header" type="secHead">
+<p:sldLayout xmlns:a="http://schemas.openxmlformats.org/drawingml/2006/main" xmlns:r="http://schemas.openxmlformats.org/officeDocument/2006/relationships" xmlns:p="http://schemas.openxmlformats.org/presentationml/2006/main" matchingName="Section header" type="secHead">
   <p:cSld name="SECTION_HEADER">
     <p:bg>
       <p:bgPr>
         <a:solidFill>
           <a:schemeClr val="accent3"/>
         </a:solidFill>
+        <a:effectLst/>
       </p:bgPr>
     </p:bg>
     <p:spTree>
       <p:nvGrpSpPr>
-        <p:cNvPr id="37" name="Shape 37"/>
+        <p:cNvPr id="1" name="Shape 37"/>
         <p:cNvGrpSpPr/>
         <p:nvPr/>
       </p:nvGrpSpPr>
@@ -3906,12 +3892,12 @@
           </a:ln>
         </p:spPr>
         <p:txBody>
-          <a:bodyPr anchorCtr="0" anchor="ctr" bIns="91425" lIns="91425" spcFirstLastPara="1" rIns="91425" wrap="square" tIns="91425">
+          <a:bodyPr spcFirstLastPara="1" wrap="square" lIns="91425" tIns="91425" rIns="91425" bIns="91425" anchor="ctr" anchorCtr="0">
             <a:noAutofit/>
           </a:bodyPr>
           <a:lstStyle/>
           <a:p>
-            <a:pPr indent="0" lvl="0" marL="0" rtl="0" algn="l">
+            <a:pPr marL="0" lvl="0" indent="0" algn="l" rtl="0">
               <a:spcBef>
                 <a:spcPts val="0"/>
               </a:spcBef>
@@ -3920,9 +3906,6 @@
               </a:spcAft>
               <a:buNone/>
             </a:pPr>
-            <a:r>
-              <a:t/>
-            </a:r>
             <a:endParaRPr/>
           </a:p>
         </p:txBody>
@@ -3954,7 +3937,7 @@
             </a:xfrm>
             <a:prstGeom prst="parallelogram">
               <a:avLst>
-                <a:gd fmla="val 158024" name="adj"/>
+                <a:gd name="adj" fmla="val 158024"/>
               </a:avLst>
             </a:prstGeom>
             <a:solidFill>
@@ -3965,12 +3948,12 @@
             </a:ln>
           </p:spPr>
           <p:txBody>
-            <a:bodyPr anchorCtr="0" anchor="ctr" bIns="91425" lIns="91425" spcFirstLastPara="1" rIns="91425" wrap="square" tIns="91425">
+            <a:bodyPr spcFirstLastPara="1" wrap="square" lIns="91425" tIns="91425" rIns="91425" bIns="91425" anchor="ctr" anchorCtr="0">
               <a:noAutofit/>
             </a:bodyPr>
             <a:lstStyle/>
             <a:p>
-              <a:pPr indent="0" lvl="0" marL="0" rtl="0" algn="l">
+              <a:pPr marL="0" lvl="0" indent="0" algn="l" rtl="0">
                 <a:spcBef>
                   <a:spcPts val="0"/>
                 </a:spcBef>
@@ -3979,9 +3962,6 @@
                 </a:spcAft>
                 <a:buNone/>
               </a:pPr>
-              <a:r>
-                <a:t/>
-              </a:r>
               <a:endParaRPr/>
             </a:p>
           </p:txBody>
@@ -3999,7 +3979,7 @@
             </a:xfrm>
             <a:prstGeom prst="parallelogram">
               <a:avLst>
-                <a:gd fmla="val 158024" name="adj"/>
+                <a:gd name="adj" fmla="val 158024"/>
               </a:avLst>
             </a:prstGeom>
             <a:solidFill>
@@ -4010,12 +3990,12 @@
             </a:ln>
           </p:spPr>
           <p:txBody>
-            <a:bodyPr anchorCtr="0" anchor="ctr" bIns="91425" lIns="91425" spcFirstLastPara="1" rIns="91425" wrap="square" tIns="91425">
+            <a:bodyPr spcFirstLastPara="1" wrap="square" lIns="91425" tIns="91425" rIns="91425" bIns="91425" anchor="ctr" anchorCtr="0">
               <a:noAutofit/>
             </a:bodyPr>
             <a:lstStyle/>
             <a:p>
-              <a:pPr indent="0" lvl="0" marL="0" rtl="0" algn="l">
+              <a:pPr marL="0" lvl="0" indent="0" algn="l" rtl="0">
                 <a:spcBef>
                   <a:spcPts val="0"/>
                 </a:spcBef>
@@ -4024,9 +4004,6 @@
                 </a:spcAft>
                 <a:buNone/>
               </a:pPr>
-              <a:r>
-                <a:t/>
-              </a:r>
               <a:endParaRPr/>
             </a:p>
           </p:txBody>
@@ -4044,7 +4021,7 @@
             </a:xfrm>
             <a:prstGeom prst="parallelogram">
               <a:avLst>
-                <a:gd fmla="val 158024" name="adj"/>
+                <a:gd name="adj" fmla="val 158024"/>
               </a:avLst>
             </a:prstGeom>
             <a:solidFill>
@@ -4055,12 +4032,12 @@
             </a:ln>
           </p:spPr>
           <p:txBody>
-            <a:bodyPr anchorCtr="0" anchor="ctr" bIns="91425" lIns="91425" spcFirstLastPara="1" rIns="91425" wrap="square" tIns="91425">
+            <a:bodyPr spcFirstLastPara="1" wrap="square" lIns="91425" tIns="91425" rIns="91425" bIns="91425" anchor="ctr" anchorCtr="0">
               <a:noAutofit/>
             </a:bodyPr>
             <a:lstStyle/>
             <a:p>
-              <a:pPr indent="0" lvl="0" marL="0" rtl="0" algn="l">
+              <a:pPr marL="0" lvl="0" indent="0" algn="l" rtl="0">
                 <a:spcBef>
                   <a:spcPts val="0"/>
                 </a:spcBef>
@@ -4069,9 +4046,6 @@
                 </a:spcAft>
                 <a:buNone/>
               </a:pPr>
-              <a:r>
-                <a:t/>
-              </a:r>
               <a:endParaRPr/>
             </a:p>
           </p:txBody>
@@ -4104,7 +4078,7 @@
             </a:xfrm>
             <a:prstGeom prst="parallelogram">
               <a:avLst>
-                <a:gd fmla="val 158024" name="adj"/>
+                <a:gd name="adj" fmla="val 158024"/>
               </a:avLst>
             </a:prstGeom>
             <a:solidFill>
@@ -4115,12 +4089,12 @@
             </a:ln>
           </p:spPr>
           <p:txBody>
-            <a:bodyPr anchorCtr="0" anchor="ctr" bIns="91425" lIns="91425" spcFirstLastPara="1" rIns="91425" wrap="square" tIns="91425">
+            <a:bodyPr spcFirstLastPara="1" wrap="square" lIns="91425" tIns="91425" rIns="91425" bIns="91425" anchor="ctr" anchorCtr="0">
               <a:noAutofit/>
             </a:bodyPr>
             <a:lstStyle/>
             <a:p>
-              <a:pPr indent="0" lvl="0" marL="0" rtl="0" algn="l">
+              <a:pPr marL="0" lvl="0" indent="0" algn="l" rtl="0">
                 <a:spcBef>
                   <a:spcPts val="0"/>
                 </a:spcBef>
@@ -4129,9 +4103,6 @@
                 </a:spcAft>
                 <a:buNone/>
               </a:pPr>
-              <a:r>
-                <a:t/>
-              </a:r>
               <a:endParaRPr/>
             </a:p>
           </p:txBody>
@@ -4149,7 +4120,7 @@
             </a:xfrm>
             <a:prstGeom prst="parallelogram">
               <a:avLst>
-                <a:gd fmla="val 158024" name="adj"/>
+                <a:gd name="adj" fmla="val 158024"/>
               </a:avLst>
             </a:prstGeom>
             <a:solidFill>
@@ -4160,12 +4131,12 @@
             </a:ln>
           </p:spPr>
           <p:txBody>
-            <a:bodyPr anchorCtr="0" anchor="ctr" bIns="91425" lIns="91425" spcFirstLastPara="1" rIns="91425" wrap="square" tIns="91425">
+            <a:bodyPr spcFirstLastPara="1" wrap="square" lIns="91425" tIns="91425" rIns="91425" bIns="91425" anchor="ctr" anchorCtr="0">
               <a:noAutofit/>
             </a:bodyPr>
             <a:lstStyle/>
             <a:p>
-              <a:pPr indent="0" lvl="0" marL="0" rtl="0" algn="l">
+              <a:pPr marL="0" lvl="0" indent="0" algn="l" rtl="0">
                 <a:spcBef>
                   <a:spcPts val="0"/>
                 </a:spcBef>
@@ -4174,9 +4145,6 @@
                 </a:spcAft>
                 <a:buNone/>
               </a:pPr>
-              <a:r>
-                <a:t/>
-              </a:r>
               <a:endParaRPr/>
             </a:p>
           </p:txBody>
@@ -4194,7 +4162,7 @@
             </a:xfrm>
             <a:prstGeom prst="parallelogram">
               <a:avLst>
-                <a:gd fmla="val 158024" name="adj"/>
+                <a:gd name="adj" fmla="val 158024"/>
               </a:avLst>
             </a:prstGeom>
             <a:solidFill>
@@ -4205,12 +4173,12 @@
             </a:ln>
           </p:spPr>
           <p:txBody>
-            <a:bodyPr anchorCtr="0" anchor="ctr" bIns="91425" lIns="91425" spcFirstLastPara="1" rIns="91425" wrap="square" tIns="91425">
+            <a:bodyPr spcFirstLastPara="1" wrap="square" lIns="91425" tIns="91425" rIns="91425" bIns="91425" anchor="ctr" anchorCtr="0">
               <a:noAutofit/>
             </a:bodyPr>
             <a:lstStyle/>
             <a:p>
-              <a:pPr indent="0" lvl="0" marL="0" rtl="0" algn="l">
+              <a:pPr marL="0" lvl="0" indent="0" algn="l" rtl="0">
                 <a:spcBef>
                   <a:spcPts val="0"/>
                 </a:spcBef>
@@ -4219,9 +4187,6 @@
                 </a:spcAft>
                 <a:buNone/>
               </a:pPr>
-              <a:r>
-                <a:t/>
-              </a:r>
               <a:endParaRPr/>
             </a:p>
           </p:txBody>
@@ -4230,7 +4195,9 @@
       <p:sp>
         <p:nvSpPr>
           <p:cNvPr id="47" name="Google Shape;47;p3"/>
-          <p:cNvSpPr txBox="1"/>
+          <p:cNvSpPr txBox="1">
+            <a:spLocks noGrp="1"/>
+          </p:cNvSpPr>
           <p:nvPr>
             <p:ph type="title"/>
           </p:nvPr>
@@ -4245,7 +4212,7 @@
           </a:prstGeom>
         </p:spPr>
         <p:txBody>
-          <a:bodyPr anchorCtr="0" anchor="ctr" bIns="91425" lIns="91425" spcFirstLastPara="1" rIns="91425" wrap="square" tIns="91425">
+          <a:bodyPr spcFirstLastPara="1" wrap="square" lIns="91425" tIns="91425" rIns="91425" bIns="91425" anchor="ctr" anchorCtr="0">
             <a:normAutofit/>
           </a:bodyPr>
           <a:lstStyle>
@@ -4412,15 +4379,19 @@
               </a:defRPr>
             </a:lvl9pPr>
           </a:lstStyle>
-          <a:p/>
+          <a:p>
+            <a:endParaRPr/>
+          </a:p>
         </p:txBody>
       </p:sp>
       <p:sp>
         <p:nvSpPr>
           <p:cNvPr id="48" name="Google Shape;48;p3"/>
-          <p:cNvSpPr txBox="1"/>
+          <p:cNvSpPr txBox="1">
+            <a:spLocks noGrp="1"/>
+          </p:cNvSpPr>
           <p:nvPr>
-            <p:ph idx="12" type="sldNum"/>
+            <p:ph type="sldNum" idx="12"/>
           </p:nvPr>
         </p:nvSpPr>
         <p:spPr>
@@ -4433,7 +4404,7 @@
           </a:prstGeom>
         </p:spPr>
         <p:txBody>
-          <a:bodyPr anchorCtr="0" anchor="ctr" bIns="91425" lIns="91425" spcFirstLastPara="1" rIns="91425" wrap="square" tIns="91425">
+          <a:bodyPr spcFirstLastPara="1" wrap="square" lIns="91425" tIns="91425" rIns="91425" bIns="91425" anchor="ctr" anchorCtr="0">
             <a:normAutofit/>
           </a:bodyPr>
           <a:lstStyle>
@@ -4475,7 +4446,7 @@
             </a:lvl9pPr>
           </a:lstStyle>
           <a:p>
-            <a:pPr indent="0" lvl="0" marL="0" rtl="0" algn="r">
+            <a:pPr marL="0" lvl="0" indent="0" algn="r" rtl="0">
               <a:spcBef>
                 <a:spcPts val="0"/>
               </a:spcBef>
@@ -4486,7 +4457,7 @@
             </a:pPr>
             <a:fld id="{00000000-1234-1234-1234-123412341234}" type="slidenum">
               <a:rPr lang="es"/>
-              <a:t>‹#›</a:t>
+              <a:t>‹Nº›</a:t>
             </a:fld>
             <a:endParaRPr/>
           </a:p>
@@ -4501,18 +4472,19 @@
 </file>
 
 <file path=ppt/slideLayouts/slideLayout3.xml><?xml version="1.0" encoding="utf-8"?>
-<p:sldLayout xmlns:a="http://schemas.openxmlformats.org/drawingml/2006/main" xmlns:r="http://schemas.openxmlformats.org/officeDocument/2006/relationships" xmlns:mc="http://schemas.openxmlformats.org/markup-compatibility/2006" xmlns:mv="urn:schemas-microsoft-com:mac:vml" xmlns:p="http://schemas.openxmlformats.org/presentationml/2006/main" xmlns:c="http://schemas.openxmlformats.org/drawingml/2006/chart" xmlns:dgm="http://schemas.openxmlformats.org/drawingml/2006/diagram" xmlns:o="urn:schemas-microsoft-com:office:office" xmlns:v="urn:schemas-microsoft-com:vml" xmlns:pvml="urn:schemas-microsoft-com:office:powerpoint" xmlns:com="http://schemas.openxmlformats.org/drawingml/2006/compatibility" xmlns:p14="http://schemas.microsoft.com/office/powerpoint/2010/main" xmlns:p15="http://schemas.microsoft.com/office/powerpoint/2012/main" xmlns:ahyp="http://schemas.microsoft.com/office/drawing/2018/hyperlinkcolor" matchingName="Title and body" type="tx">
+<p:sldLayout xmlns:a="http://schemas.openxmlformats.org/drawingml/2006/main" xmlns:r="http://schemas.openxmlformats.org/officeDocument/2006/relationships" xmlns:p="http://schemas.openxmlformats.org/presentationml/2006/main" matchingName="Title and body" type="tx">
   <p:cSld name="TITLE_AND_BODY">
     <p:bg>
       <p:bgPr>
         <a:solidFill>
           <a:schemeClr val="dk2"/>
         </a:solidFill>
+        <a:effectLst/>
       </p:bgPr>
     </p:bg>
     <p:spTree>
       <p:nvGrpSpPr>
-        <p:cNvPr id="49" name="Shape 49"/>
+        <p:cNvPr id="1" name="Shape 49"/>
         <p:cNvGrpSpPr/>
         <p:nvPr/>
       </p:nvGrpSpPr>
@@ -4546,12 +4518,12 @@
           </a:ln>
         </p:spPr>
         <p:txBody>
-          <a:bodyPr anchorCtr="0" anchor="ctr" bIns="91425" lIns="91425" spcFirstLastPara="1" rIns="91425" wrap="square" tIns="91425">
+          <a:bodyPr spcFirstLastPara="1" wrap="square" lIns="91425" tIns="91425" rIns="91425" bIns="91425" anchor="ctr" anchorCtr="0">
             <a:noAutofit/>
           </a:bodyPr>
           <a:lstStyle/>
           <a:p>
-            <a:pPr indent="0" lvl="0" marL="0" rtl="0" algn="l">
+            <a:pPr marL="0" lvl="0" indent="0" algn="l" rtl="0">
               <a:spcBef>
                 <a:spcPts val="0"/>
               </a:spcBef>
@@ -4560,9 +4532,6 @@
               </a:spcAft>
               <a:buNone/>
             </a:pPr>
-            <a:r>
-              <a:t/>
-            </a:r>
             <a:endParaRPr/>
           </a:p>
         </p:txBody>
@@ -4589,12 +4558,12 @@
           </a:ln>
         </p:spPr>
         <p:txBody>
-          <a:bodyPr anchorCtr="0" anchor="ctr" bIns="91425" lIns="91425" spcFirstLastPara="1" rIns="91425" wrap="square" tIns="91425">
+          <a:bodyPr spcFirstLastPara="1" wrap="square" lIns="91425" tIns="91425" rIns="91425" bIns="91425" anchor="ctr" anchorCtr="0">
             <a:noAutofit/>
           </a:bodyPr>
           <a:lstStyle/>
           <a:p>
-            <a:pPr indent="0" lvl="0" marL="0" rtl="0" algn="l">
+            <a:pPr marL="0" lvl="0" indent="0" algn="l" rtl="0">
               <a:spcBef>
                 <a:spcPts val="0"/>
               </a:spcBef>
@@ -4603,9 +4572,6 @@
               </a:spcAft>
               <a:buNone/>
             </a:pPr>
-            <a:r>
-              <a:t/>
-            </a:r>
             <a:endParaRPr/>
           </a:p>
         </p:txBody>
@@ -4631,7 +4597,7 @@
             <a:noFill/>
           </a:ln>
           <a:effectLst>
-            <a:outerShdw blurRad="228600" sx="101000" rotWithShape="0" algn="ctr" sy="101000">
+            <a:outerShdw blurRad="228600" sx="101000" sy="101000" algn="ctr" rotWithShape="0">
               <a:srgbClr val="000000">
                 <a:alpha val="40000"/>
               </a:srgbClr>
@@ -4639,12 +4605,12 @@
           </a:effectLst>
         </p:spPr>
         <p:txBody>
-          <a:bodyPr anchorCtr="0" anchor="ctr" bIns="91425" lIns="91425" spcFirstLastPara="1" rIns="91425" wrap="square" tIns="91425">
+          <a:bodyPr spcFirstLastPara="1" wrap="square" lIns="91425" tIns="91425" rIns="91425" bIns="91425" anchor="ctr" anchorCtr="0">
             <a:noAutofit/>
           </a:bodyPr>
           <a:lstStyle/>
           <a:p>
-            <a:pPr indent="0" lvl="0" marL="0" rtl="0" algn="l">
+            <a:pPr marL="0" lvl="0" indent="0" algn="l" rtl="0">
               <a:spcBef>
                 <a:spcPts val="0"/>
               </a:spcBef>
@@ -4653,9 +4619,6 @@
               </a:spcAft>
               <a:buNone/>
             </a:pPr>
-            <a:r>
-              <a:t/>
-            </a:r>
             <a:endParaRPr/>
           </a:p>
         </p:txBody>
@@ -4663,7 +4626,9 @@
       <p:sp>
         <p:nvSpPr>
           <p:cNvPr id="53" name="Google Shape;53;p4"/>
-          <p:cNvSpPr txBox="1"/>
+          <p:cNvSpPr txBox="1">
+            <a:spLocks noGrp="1"/>
+          </p:cNvSpPr>
           <p:nvPr>
             <p:ph type="title"/>
           </p:nvPr>
@@ -4678,7 +4643,7 @@
           </a:prstGeom>
         </p:spPr>
         <p:txBody>
-          <a:bodyPr anchorCtr="0" anchor="t" bIns="91425" lIns="91425" spcFirstLastPara="1" rIns="91425" wrap="square" tIns="91425">
+          <a:bodyPr spcFirstLastPara="1" wrap="square" lIns="91425" tIns="91425" rIns="91425" bIns="91425" anchor="t" anchorCtr="0">
             <a:normAutofit/>
           </a:bodyPr>
           <a:lstStyle>
@@ -4782,15 +4747,19 @@
               <a:defRPr sz="3000"/>
             </a:lvl9pPr>
           </a:lstStyle>
-          <a:p/>
+          <a:p>
+            <a:endParaRPr/>
+          </a:p>
         </p:txBody>
       </p:sp>
       <p:sp>
         <p:nvSpPr>
           <p:cNvPr id="54" name="Google Shape;54;p4"/>
-          <p:cNvSpPr txBox="1"/>
+          <p:cNvSpPr txBox="1">
+            <a:spLocks noGrp="1"/>
+          </p:cNvSpPr>
           <p:nvPr>
-            <p:ph idx="1" type="body"/>
+            <p:ph type="body" idx="1"/>
           </p:nvPr>
         </p:nvSpPr>
         <p:spPr>
@@ -4803,11 +4772,11 @@
           </a:prstGeom>
         </p:spPr>
         <p:txBody>
-          <a:bodyPr anchorCtr="0" anchor="t" bIns="91425" lIns="91425" spcFirstLastPara="1" rIns="91425" wrap="square" tIns="91425">
+          <a:bodyPr spcFirstLastPara="1" wrap="square" lIns="91425" tIns="91425" rIns="91425" bIns="91425" anchor="t" anchorCtr="0">
             <a:normAutofit/>
           </a:bodyPr>
           <a:lstStyle>
-            <a:lvl1pPr indent="-311150" lvl="0" marL="457200">
+            <a:lvl1pPr marL="457200" lvl="0" indent="-311150">
               <a:spcBef>
                 <a:spcPts val="0"/>
               </a:spcBef>
@@ -4818,7 +4787,7 @@
               <a:buChar char="●"/>
               <a:defRPr/>
             </a:lvl1pPr>
-            <a:lvl2pPr indent="-298450" lvl="1" marL="914400">
+            <a:lvl2pPr marL="914400" lvl="1" indent="-298450">
               <a:spcBef>
                 <a:spcPts val="0"/>
               </a:spcBef>
@@ -4829,7 +4798,7 @@
               <a:buChar char="○"/>
               <a:defRPr/>
             </a:lvl2pPr>
-            <a:lvl3pPr indent="-298450" lvl="2" marL="1371600">
+            <a:lvl3pPr marL="1371600" lvl="2" indent="-298450">
               <a:spcBef>
                 <a:spcPts val="0"/>
               </a:spcBef>
@@ -4840,7 +4809,7 @@
               <a:buChar char="■"/>
               <a:defRPr/>
             </a:lvl3pPr>
-            <a:lvl4pPr indent="-298450" lvl="3" marL="1828800">
+            <a:lvl4pPr marL="1828800" lvl="3" indent="-298450">
               <a:spcBef>
                 <a:spcPts val="0"/>
               </a:spcBef>
@@ -4851,7 +4820,7 @@
               <a:buChar char="●"/>
               <a:defRPr/>
             </a:lvl4pPr>
-            <a:lvl5pPr indent="-298450" lvl="4" marL="2286000">
+            <a:lvl5pPr marL="2286000" lvl="4" indent="-298450">
               <a:spcBef>
                 <a:spcPts val="0"/>
               </a:spcBef>
@@ -4862,7 +4831,7 @@
               <a:buChar char="○"/>
               <a:defRPr/>
             </a:lvl5pPr>
-            <a:lvl6pPr indent="-298450" lvl="5" marL="2743200">
+            <a:lvl6pPr marL="2743200" lvl="5" indent="-298450">
               <a:spcBef>
                 <a:spcPts val="0"/>
               </a:spcBef>
@@ -4873,7 +4842,7 @@
               <a:buChar char="■"/>
               <a:defRPr/>
             </a:lvl6pPr>
-            <a:lvl7pPr indent="-298450" lvl="6" marL="3200400">
+            <a:lvl7pPr marL="3200400" lvl="6" indent="-298450">
               <a:spcBef>
                 <a:spcPts val="0"/>
               </a:spcBef>
@@ -4884,7 +4853,7 @@
               <a:buChar char="●"/>
               <a:defRPr/>
             </a:lvl7pPr>
-            <a:lvl8pPr indent="-298450" lvl="7" marL="3657600">
+            <a:lvl8pPr marL="3657600" lvl="7" indent="-298450">
               <a:spcBef>
                 <a:spcPts val="0"/>
               </a:spcBef>
@@ -4895,7 +4864,7 @@
               <a:buChar char="○"/>
               <a:defRPr/>
             </a:lvl8pPr>
-            <a:lvl9pPr indent="-298450" lvl="8" marL="4114800">
+            <a:lvl9pPr marL="4114800" lvl="8" indent="-298450">
               <a:spcBef>
                 <a:spcPts val="0"/>
               </a:spcBef>
@@ -4907,15 +4876,19 @@
               <a:defRPr/>
             </a:lvl9pPr>
           </a:lstStyle>
-          <a:p/>
+          <a:p>
+            <a:endParaRPr/>
+          </a:p>
         </p:txBody>
       </p:sp>
       <p:sp>
         <p:nvSpPr>
           <p:cNvPr id="55" name="Google Shape;55;p4"/>
-          <p:cNvSpPr txBox="1"/>
+          <p:cNvSpPr txBox="1">
+            <a:spLocks noGrp="1"/>
+          </p:cNvSpPr>
           <p:nvPr>
-            <p:ph idx="12" type="sldNum"/>
+            <p:ph type="sldNum" idx="12"/>
           </p:nvPr>
         </p:nvSpPr>
         <p:spPr>
@@ -4928,7 +4901,7 @@
           </a:prstGeom>
         </p:spPr>
         <p:txBody>
-          <a:bodyPr anchorCtr="0" anchor="ctr" bIns="91425" lIns="91425" spcFirstLastPara="1" rIns="91425" wrap="square" tIns="91425">
+          <a:bodyPr spcFirstLastPara="1" wrap="square" lIns="91425" tIns="91425" rIns="91425" bIns="91425" anchor="ctr" anchorCtr="0">
             <a:normAutofit/>
           </a:bodyPr>
           <a:lstStyle>
@@ -4970,7 +4943,7 @@
             </a:lvl9pPr>
           </a:lstStyle>
           <a:p>
-            <a:pPr indent="0" lvl="0" marL="0" rtl="0" algn="r">
+            <a:pPr marL="0" lvl="0" indent="0" algn="r" rtl="0">
               <a:spcBef>
                 <a:spcPts val="0"/>
               </a:spcBef>
@@ -4981,7 +4954,7 @@
             </a:pPr>
             <a:fld id="{00000000-1234-1234-1234-123412341234}" type="slidenum">
               <a:rPr lang="es"/>
-              <a:t>‹#›</a:t>
+              <a:t>‹Nº›</a:t>
             </a:fld>
             <a:endParaRPr/>
           </a:p>
@@ -4996,18 +4969,19 @@
 </file>
 
 <file path=ppt/slideLayouts/slideLayout4.xml><?xml version="1.0" encoding="utf-8"?>
-<p:sldLayout xmlns:a="http://schemas.openxmlformats.org/drawingml/2006/main" xmlns:r="http://schemas.openxmlformats.org/officeDocument/2006/relationships" xmlns:mc="http://schemas.openxmlformats.org/markup-compatibility/2006" xmlns:mv="urn:schemas-microsoft-com:mac:vml" xmlns:p="http://schemas.openxmlformats.org/presentationml/2006/main" xmlns:c="http://schemas.openxmlformats.org/drawingml/2006/chart" xmlns:dgm="http://schemas.openxmlformats.org/drawingml/2006/diagram" xmlns:o="urn:schemas-microsoft-com:office:office" xmlns:v="urn:schemas-microsoft-com:vml" xmlns:pvml="urn:schemas-microsoft-com:office:powerpoint" xmlns:com="http://schemas.openxmlformats.org/drawingml/2006/compatibility" xmlns:p14="http://schemas.microsoft.com/office/powerpoint/2010/main" xmlns:p15="http://schemas.microsoft.com/office/powerpoint/2012/main" xmlns:ahyp="http://schemas.microsoft.com/office/drawing/2018/hyperlinkcolor" matchingName="Title and two columns" type="twoColTx">
+<p:sldLayout xmlns:a="http://schemas.openxmlformats.org/drawingml/2006/main" xmlns:r="http://schemas.openxmlformats.org/officeDocument/2006/relationships" xmlns:p="http://schemas.openxmlformats.org/presentationml/2006/main" matchingName="Title and two columns" type="twoColTx">
   <p:cSld name="TITLE_AND_TWO_COLUMNS">
     <p:bg>
       <p:bgPr>
         <a:solidFill>
           <a:schemeClr val="dk2"/>
         </a:solidFill>
+        <a:effectLst/>
       </p:bgPr>
     </p:bg>
     <p:spTree>
       <p:nvGrpSpPr>
-        <p:cNvPr id="56" name="Shape 56"/>
+        <p:cNvPr id="1" name="Shape 56"/>
         <p:cNvGrpSpPr/>
         <p:nvPr/>
       </p:nvGrpSpPr>
@@ -5041,12 +5015,12 @@
           </a:ln>
         </p:spPr>
         <p:txBody>
-          <a:bodyPr anchorCtr="0" anchor="ctr" bIns="91425" lIns="91425" spcFirstLastPara="1" rIns="91425" wrap="square" tIns="91425">
+          <a:bodyPr spcFirstLastPara="1" wrap="square" lIns="91425" tIns="91425" rIns="91425" bIns="91425" anchor="ctr" anchorCtr="0">
             <a:noAutofit/>
           </a:bodyPr>
           <a:lstStyle/>
           <a:p>
-            <a:pPr indent="0" lvl="0" marL="0" rtl="0" algn="l">
+            <a:pPr marL="0" lvl="0" indent="0" algn="l" rtl="0">
               <a:spcBef>
                 <a:spcPts val="0"/>
               </a:spcBef>
@@ -5055,9 +5029,6 @@
               </a:spcAft>
               <a:buNone/>
             </a:pPr>
-            <a:r>
-              <a:t/>
-            </a:r>
             <a:endParaRPr/>
           </a:p>
         </p:txBody>
@@ -5084,12 +5055,12 @@
           </a:ln>
         </p:spPr>
         <p:txBody>
-          <a:bodyPr anchorCtr="0" anchor="ctr" bIns="91425" lIns="91425" spcFirstLastPara="1" rIns="91425" wrap="square" tIns="91425">
+          <a:bodyPr spcFirstLastPara="1" wrap="square" lIns="91425" tIns="91425" rIns="91425" bIns="91425" anchor="ctr" anchorCtr="0">
             <a:noAutofit/>
           </a:bodyPr>
           <a:lstStyle/>
           <a:p>
-            <a:pPr indent="0" lvl="0" marL="0" rtl="0" algn="l">
+            <a:pPr marL="0" lvl="0" indent="0" algn="l" rtl="0">
               <a:spcBef>
                 <a:spcPts val="0"/>
               </a:spcBef>
@@ -5098,9 +5069,6 @@
               </a:spcAft>
               <a:buNone/>
             </a:pPr>
-            <a:r>
-              <a:t/>
-            </a:r>
             <a:endParaRPr/>
           </a:p>
         </p:txBody>
@@ -5126,7 +5094,7 @@
             <a:noFill/>
           </a:ln>
           <a:effectLst>
-            <a:outerShdw blurRad="228600" sx="101000" rotWithShape="0" algn="ctr" sy="101000">
+            <a:outerShdw blurRad="228600" sx="101000" sy="101000" algn="ctr" rotWithShape="0">
               <a:srgbClr val="000000">
                 <a:alpha val="40000"/>
               </a:srgbClr>
@@ -5134,12 +5102,12 @@
           </a:effectLst>
         </p:spPr>
         <p:txBody>
-          <a:bodyPr anchorCtr="0" anchor="ctr" bIns="91425" lIns="91425" spcFirstLastPara="1" rIns="91425" wrap="square" tIns="91425">
+          <a:bodyPr spcFirstLastPara="1" wrap="square" lIns="91425" tIns="91425" rIns="91425" bIns="91425" anchor="ctr" anchorCtr="0">
             <a:noAutofit/>
           </a:bodyPr>
           <a:lstStyle/>
           <a:p>
-            <a:pPr indent="0" lvl="0" marL="0" rtl="0" algn="l">
+            <a:pPr marL="0" lvl="0" indent="0" algn="l" rtl="0">
               <a:spcBef>
                 <a:spcPts val="0"/>
               </a:spcBef>
@@ -5148,9 +5116,6 @@
               </a:spcAft>
               <a:buNone/>
             </a:pPr>
-            <a:r>
-              <a:t/>
-            </a:r>
             <a:endParaRPr/>
           </a:p>
         </p:txBody>
@@ -5158,7 +5123,9 @@
       <p:sp>
         <p:nvSpPr>
           <p:cNvPr id="60" name="Google Shape;60;p5"/>
-          <p:cNvSpPr txBox="1"/>
+          <p:cNvSpPr txBox="1">
+            <a:spLocks noGrp="1"/>
+          </p:cNvSpPr>
           <p:nvPr>
             <p:ph type="title"/>
           </p:nvPr>
@@ -5173,7 +5140,7 @@
           </a:prstGeom>
         </p:spPr>
         <p:txBody>
-          <a:bodyPr anchorCtr="0" anchor="t" bIns="91425" lIns="91425" spcFirstLastPara="1" rIns="91425" wrap="square" tIns="91425">
+          <a:bodyPr spcFirstLastPara="1" wrap="square" lIns="91425" tIns="91425" rIns="91425" bIns="91425" anchor="t" anchorCtr="0">
             <a:normAutofit/>
           </a:bodyPr>
           <a:lstStyle>
@@ -5277,15 +5244,19 @@
               <a:defRPr sz="3000"/>
             </a:lvl9pPr>
           </a:lstStyle>
-          <a:p/>
+          <a:p>
+            <a:endParaRPr/>
+          </a:p>
         </p:txBody>
       </p:sp>
       <p:sp>
         <p:nvSpPr>
           <p:cNvPr id="61" name="Google Shape;61;p5"/>
-          <p:cNvSpPr txBox="1"/>
+          <p:cNvSpPr txBox="1">
+            <a:spLocks noGrp="1"/>
+          </p:cNvSpPr>
           <p:nvPr>
-            <p:ph idx="1" type="body"/>
+            <p:ph type="body" idx="1"/>
           </p:nvPr>
         </p:nvSpPr>
         <p:spPr>
@@ -5298,11 +5269,11 @@
           </a:prstGeom>
         </p:spPr>
         <p:txBody>
-          <a:bodyPr anchorCtr="0" anchor="t" bIns="91425" lIns="91425" spcFirstLastPara="1" rIns="91425" wrap="square" tIns="91425">
+          <a:bodyPr spcFirstLastPara="1" wrap="square" lIns="91425" tIns="91425" rIns="91425" bIns="91425" anchor="t" anchorCtr="0">
             <a:normAutofit/>
           </a:bodyPr>
           <a:lstStyle>
-            <a:lvl1pPr indent="-311150" lvl="0" marL="457200">
+            <a:lvl1pPr marL="457200" lvl="0" indent="-311150">
               <a:spcBef>
                 <a:spcPts val="0"/>
               </a:spcBef>
@@ -5313,7 +5284,7 @@
               <a:buChar char="●"/>
               <a:defRPr/>
             </a:lvl1pPr>
-            <a:lvl2pPr indent="-298450" lvl="1" marL="914400">
+            <a:lvl2pPr marL="914400" lvl="1" indent="-298450">
               <a:spcBef>
                 <a:spcPts val="0"/>
               </a:spcBef>
@@ -5324,7 +5295,7 @@
               <a:buChar char="○"/>
               <a:defRPr/>
             </a:lvl2pPr>
-            <a:lvl3pPr indent="-298450" lvl="2" marL="1371600">
+            <a:lvl3pPr marL="1371600" lvl="2" indent="-298450">
               <a:spcBef>
                 <a:spcPts val="0"/>
               </a:spcBef>
@@ -5335,7 +5306,7 @@
               <a:buChar char="■"/>
               <a:defRPr/>
             </a:lvl3pPr>
-            <a:lvl4pPr indent="-298450" lvl="3" marL="1828800">
+            <a:lvl4pPr marL="1828800" lvl="3" indent="-298450">
               <a:spcBef>
                 <a:spcPts val="0"/>
               </a:spcBef>
@@ -5346,7 +5317,7 @@
               <a:buChar char="●"/>
               <a:defRPr/>
             </a:lvl4pPr>
-            <a:lvl5pPr indent="-298450" lvl="4" marL="2286000">
+            <a:lvl5pPr marL="2286000" lvl="4" indent="-298450">
               <a:spcBef>
                 <a:spcPts val="0"/>
               </a:spcBef>
@@ -5357,7 +5328,7 @@
               <a:buChar char="○"/>
               <a:defRPr/>
             </a:lvl5pPr>
-            <a:lvl6pPr indent="-298450" lvl="5" marL="2743200">
+            <a:lvl6pPr marL="2743200" lvl="5" indent="-298450">
               <a:spcBef>
                 <a:spcPts val="0"/>
               </a:spcBef>
@@ -5368,7 +5339,7 @@
               <a:buChar char="■"/>
               <a:defRPr/>
             </a:lvl6pPr>
-            <a:lvl7pPr indent="-298450" lvl="6" marL="3200400">
+            <a:lvl7pPr marL="3200400" lvl="6" indent="-298450">
               <a:spcBef>
                 <a:spcPts val="0"/>
               </a:spcBef>
@@ -5379,7 +5350,7 @@
               <a:buChar char="●"/>
               <a:defRPr/>
             </a:lvl7pPr>
-            <a:lvl8pPr indent="-298450" lvl="7" marL="3657600">
+            <a:lvl8pPr marL="3657600" lvl="7" indent="-298450">
               <a:spcBef>
                 <a:spcPts val="0"/>
               </a:spcBef>
@@ -5390,7 +5361,7 @@
               <a:buChar char="○"/>
               <a:defRPr/>
             </a:lvl8pPr>
-            <a:lvl9pPr indent="-298450" lvl="8" marL="4114800">
+            <a:lvl9pPr marL="4114800" lvl="8" indent="-298450">
               <a:spcBef>
                 <a:spcPts val="0"/>
               </a:spcBef>
@@ -5402,15 +5373,19 @@
               <a:defRPr/>
             </a:lvl9pPr>
           </a:lstStyle>
-          <a:p/>
+          <a:p>
+            <a:endParaRPr/>
+          </a:p>
         </p:txBody>
       </p:sp>
       <p:sp>
         <p:nvSpPr>
           <p:cNvPr id="62" name="Google Shape;62;p5"/>
-          <p:cNvSpPr txBox="1"/>
+          <p:cNvSpPr txBox="1">
+            <a:spLocks noGrp="1"/>
+          </p:cNvSpPr>
           <p:nvPr>
-            <p:ph idx="2" type="body"/>
+            <p:ph type="body" idx="2"/>
           </p:nvPr>
         </p:nvSpPr>
         <p:spPr>
@@ -5423,11 +5398,11 @@
           </a:prstGeom>
         </p:spPr>
         <p:txBody>
-          <a:bodyPr anchorCtr="0" anchor="t" bIns="91425" lIns="91425" spcFirstLastPara="1" rIns="91425" wrap="square" tIns="91425">
+          <a:bodyPr spcFirstLastPara="1" wrap="square" lIns="91425" tIns="91425" rIns="91425" bIns="91425" anchor="t" anchorCtr="0">
             <a:normAutofit/>
           </a:bodyPr>
           <a:lstStyle>
-            <a:lvl1pPr indent="-311150" lvl="0" marL="457200">
+            <a:lvl1pPr marL="457200" lvl="0" indent="-311150">
               <a:spcBef>
                 <a:spcPts val="0"/>
               </a:spcBef>
@@ -5438,7 +5413,7 @@
               <a:buChar char="●"/>
               <a:defRPr/>
             </a:lvl1pPr>
-            <a:lvl2pPr indent="-298450" lvl="1" marL="914400">
+            <a:lvl2pPr marL="914400" lvl="1" indent="-298450">
               <a:spcBef>
                 <a:spcPts val="0"/>
               </a:spcBef>
@@ -5449,7 +5424,7 @@
               <a:buChar char="○"/>
               <a:defRPr/>
             </a:lvl2pPr>
-            <a:lvl3pPr indent="-298450" lvl="2" marL="1371600">
+            <a:lvl3pPr marL="1371600" lvl="2" indent="-298450">
               <a:spcBef>
                 <a:spcPts val="0"/>
               </a:spcBef>
@@ -5460,7 +5435,7 @@
               <a:buChar char="■"/>
               <a:defRPr/>
             </a:lvl3pPr>
-            <a:lvl4pPr indent="-298450" lvl="3" marL="1828800">
+            <a:lvl4pPr marL="1828800" lvl="3" indent="-298450">
               <a:spcBef>
                 <a:spcPts val="0"/>
               </a:spcBef>
@@ -5471,7 +5446,7 @@
               <a:buChar char="●"/>
               <a:defRPr/>
             </a:lvl4pPr>
-            <a:lvl5pPr indent="-298450" lvl="4" marL="2286000">
+            <a:lvl5pPr marL="2286000" lvl="4" indent="-298450">
               <a:spcBef>
                 <a:spcPts val="0"/>
               </a:spcBef>
@@ -5482,7 +5457,7 @@
               <a:buChar char="○"/>
               <a:defRPr/>
             </a:lvl5pPr>
-            <a:lvl6pPr indent="-298450" lvl="5" marL="2743200">
+            <a:lvl6pPr marL="2743200" lvl="5" indent="-298450">
               <a:spcBef>
                 <a:spcPts val="0"/>
               </a:spcBef>
@@ -5493,7 +5468,7 @@
               <a:buChar char="■"/>
               <a:defRPr/>
             </a:lvl6pPr>
-            <a:lvl7pPr indent="-298450" lvl="6" marL="3200400">
+            <a:lvl7pPr marL="3200400" lvl="6" indent="-298450">
               <a:spcBef>
                 <a:spcPts val="0"/>
               </a:spcBef>
@@ -5504,7 +5479,7 @@
               <a:buChar char="●"/>
               <a:defRPr/>
             </a:lvl7pPr>
-            <a:lvl8pPr indent="-298450" lvl="7" marL="3657600">
+            <a:lvl8pPr marL="3657600" lvl="7" indent="-298450">
               <a:spcBef>
                 <a:spcPts val="0"/>
               </a:spcBef>
@@ -5515,7 +5490,7 @@
               <a:buChar char="○"/>
               <a:defRPr/>
             </a:lvl8pPr>
-            <a:lvl9pPr indent="-298450" lvl="8" marL="4114800">
+            <a:lvl9pPr marL="4114800" lvl="8" indent="-298450">
               <a:spcBef>
                 <a:spcPts val="0"/>
               </a:spcBef>
@@ -5527,15 +5502,19 @@
               <a:defRPr/>
             </a:lvl9pPr>
           </a:lstStyle>
-          <a:p/>
+          <a:p>
+            <a:endParaRPr/>
+          </a:p>
         </p:txBody>
       </p:sp>
       <p:sp>
         <p:nvSpPr>
           <p:cNvPr id="63" name="Google Shape;63;p5"/>
-          <p:cNvSpPr txBox="1"/>
+          <p:cNvSpPr txBox="1">
+            <a:spLocks noGrp="1"/>
+          </p:cNvSpPr>
           <p:nvPr>
-            <p:ph idx="12" type="sldNum"/>
+            <p:ph type="sldNum" idx="12"/>
           </p:nvPr>
         </p:nvSpPr>
         <p:spPr>
@@ -5548,7 +5527,7 @@
           </a:prstGeom>
         </p:spPr>
         <p:txBody>
-          <a:bodyPr anchorCtr="0" anchor="ctr" bIns="91425" lIns="91425" spcFirstLastPara="1" rIns="91425" wrap="square" tIns="91425">
+          <a:bodyPr spcFirstLastPara="1" wrap="square" lIns="91425" tIns="91425" rIns="91425" bIns="91425" anchor="ctr" anchorCtr="0">
             <a:normAutofit/>
           </a:bodyPr>
           <a:lstStyle>
@@ -5590,7 +5569,7 @@
             </a:lvl9pPr>
           </a:lstStyle>
           <a:p>
-            <a:pPr indent="0" lvl="0" marL="0" rtl="0" algn="r">
+            <a:pPr marL="0" lvl="0" indent="0" algn="r" rtl="0">
               <a:spcBef>
                 <a:spcPts val="0"/>
               </a:spcBef>
@@ -5601,7 +5580,7 @@
             </a:pPr>
             <a:fld id="{00000000-1234-1234-1234-123412341234}" type="slidenum">
               <a:rPr lang="es"/>
-              <a:t>‹#›</a:t>
+              <a:t>‹Nº›</a:t>
             </a:fld>
             <a:endParaRPr/>
           </a:p>
@@ -5616,18 +5595,19 @@
 </file>
 
 <file path=ppt/slideLayouts/slideLayout5.xml><?xml version="1.0" encoding="utf-8"?>
-<p:sldLayout xmlns:a="http://schemas.openxmlformats.org/drawingml/2006/main" xmlns:r="http://schemas.openxmlformats.org/officeDocument/2006/relationships" xmlns:mc="http://schemas.openxmlformats.org/markup-compatibility/2006" xmlns:mv="urn:schemas-microsoft-com:mac:vml" xmlns:p="http://schemas.openxmlformats.org/presentationml/2006/main" xmlns:c="http://schemas.openxmlformats.org/drawingml/2006/chart" xmlns:dgm="http://schemas.openxmlformats.org/drawingml/2006/diagram" xmlns:o="urn:schemas-microsoft-com:office:office" xmlns:v="urn:schemas-microsoft-com:vml" xmlns:pvml="urn:schemas-microsoft-com:office:powerpoint" xmlns:com="http://schemas.openxmlformats.org/drawingml/2006/compatibility" xmlns:p14="http://schemas.microsoft.com/office/powerpoint/2010/main" xmlns:p15="http://schemas.microsoft.com/office/powerpoint/2012/main" xmlns:ahyp="http://schemas.microsoft.com/office/drawing/2018/hyperlinkcolor" matchingName="Title only" type="titleOnly">
+<p:sldLayout xmlns:a="http://schemas.openxmlformats.org/drawingml/2006/main" xmlns:r="http://schemas.openxmlformats.org/officeDocument/2006/relationships" xmlns:p="http://schemas.openxmlformats.org/presentationml/2006/main" matchingName="Title only" type="titleOnly">
   <p:cSld name="TITLE_ONLY">
     <p:bg>
       <p:bgPr>
         <a:solidFill>
           <a:schemeClr val="dk2"/>
         </a:solidFill>
+        <a:effectLst/>
       </p:bgPr>
     </p:bg>
     <p:spTree>
       <p:nvGrpSpPr>
-        <p:cNvPr id="64" name="Shape 64"/>
+        <p:cNvPr id="1" name="Shape 64"/>
         <p:cNvGrpSpPr/>
         <p:nvPr/>
       </p:nvGrpSpPr>
@@ -5661,12 +5641,12 @@
           </a:ln>
         </p:spPr>
         <p:txBody>
-          <a:bodyPr anchorCtr="0" anchor="ctr" bIns="91425" lIns="91425" spcFirstLastPara="1" rIns="91425" wrap="square" tIns="91425">
+          <a:bodyPr spcFirstLastPara="1" wrap="square" lIns="91425" tIns="91425" rIns="91425" bIns="91425" anchor="ctr" anchorCtr="0">
             <a:noAutofit/>
           </a:bodyPr>
           <a:lstStyle/>
           <a:p>
-            <a:pPr indent="0" lvl="0" marL="0" rtl="0" algn="l">
+            <a:pPr marL="0" lvl="0" indent="0" algn="l" rtl="0">
               <a:spcBef>
                 <a:spcPts val="0"/>
               </a:spcBef>
@@ -5675,9 +5655,6 @@
               </a:spcAft>
               <a:buNone/>
             </a:pPr>
-            <a:r>
-              <a:t/>
-            </a:r>
             <a:endParaRPr/>
           </a:p>
         </p:txBody>
@@ -5704,12 +5681,12 @@
           </a:ln>
         </p:spPr>
         <p:txBody>
-          <a:bodyPr anchorCtr="0" anchor="ctr" bIns="91425" lIns="91425" spcFirstLastPara="1" rIns="91425" wrap="square" tIns="91425">
+          <a:bodyPr spcFirstLastPara="1" wrap="square" lIns="91425" tIns="91425" rIns="91425" bIns="91425" anchor="ctr" anchorCtr="0">
             <a:noAutofit/>
           </a:bodyPr>
           <a:lstStyle/>
           <a:p>
-            <a:pPr indent="0" lvl="0" marL="0" rtl="0" algn="l">
+            <a:pPr marL="0" lvl="0" indent="0" algn="l" rtl="0">
               <a:spcBef>
                 <a:spcPts val="0"/>
               </a:spcBef>
@@ -5718,9 +5695,6 @@
               </a:spcAft>
               <a:buNone/>
             </a:pPr>
-            <a:r>
-              <a:t/>
-            </a:r>
             <a:endParaRPr/>
           </a:p>
         </p:txBody>
@@ -5746,7 +5720,7 @@
             <a:noFill/>
           </a:ln>
           <a:effectLst>
-            <a:outerShdw blurRad="228600" sx="101000" rotWithShape="0" algn="ctr" sy="101000">
+            <a:outerShdw blurRad="228600" sx="101000" sy="101000" algn="ctr" rotWithShape="0">
               <a:srgbClr val="000000">
                 <a:alpha val="40000"/>
               </a:srgbClr>
@@ -5754,12 +5728,12 @@
           </a:effectLst>
         </p:spPr>
         <p:txBody>
-          <a:bodyPr anchorCtr="0" anchor="ctr" bIns="91425" lIns="91425" spcFirstLastPara="1" rIns="91425" wrap="square" tIns="91425">
+          <a:bodyPr spcFirstLastPara="1" wrap="square" lIns="91425" tIns="91425" rIns="91425" bIns="91425" anchor="ctr" anchorCtr="0">
             <a:noAutofit/>
           </a:bodyPr>
           <a:lstStyle/>
           <a:p>
-            <a:pPr indent="0" lvl="0" marL="0" rtl="0" algn="l">
+            <a:pPr marL="0" lvl="0" indent="0" algn="l" rtl="0">
               <a:spcBef>
                 <a:spcPts val="0"/>
               </a:spcBef>
@@ -5768,9 +5742,6 @@
               </a:spcAft>
               <a:buNone/>
             </a:pPr>
-            <a:r>
-              <a:t/>
-            </a:r>
             <a:endParaRPr/>
           </a:p>
         </p:txBody>
@@ -5778,7 +5749,9 @@
       <p:sp>
         <p:nvSpPr>
           <p:cNvPr id="68" name="Google Shape;68;p6"/>
-          <p:cNvSpPr txBox="1"/>
+          <p:cNvSpPr txBox="1">
+            <a:spLocks noGrp="1"/>
+          </p:cNvSpPr>
           <p:nvPr>
             <p:ph type="title"/>
           </p:nvPr>
@@ -5793,7 +5766,7 @@
           </a:prstGeom>
         </p:spPr>
         <p:txBody>
-          <a:bodyPr anchorCtr="0" anchor="t" bIns="91425" lIns="91425" spcFirstLastPara="1" rIns="91425" wrap="square" tIns="91425">
+          <a:bodyPr spcFirstLastPara="1" wrap="square" lIns="91425" tIns="91425" rIns="91425" bIns="91425" anchor="t" anchorCtr="0">
             <a:normAutofit/>
           </a:bodyPr>
           <a:lstStyle>
@@ -5897,15 +5870,19 @@
               <a:defRPr sz="3000"/>
             </a:lvl9pPr>
           </a:lstStyle>
-          <a:p/>
+          <a:p>
+            <a:endParaRPr/>
+          </a:p>
         </p:txBody>
       </p:sp>
       <p:sp>
         <p:nvSpPr>
           <p:cNvPr id="69" name="Google Shape;69;p6"/>
-          <p:cNvSpPr txBox="1"/>
+          <p:cNvSpPr txBox="1">
+            <a:spLocks noGrp="1"/>
+          </p:cNvSpPr>
           <p:nvPr>
-            <p:ph idx="12" type="sldNum"/>
+            <p:ph type="sldNum" idx="12"/>
           </p:nvPr>
         </p:nvSpPr>
         <p:spPr>
@@ -5918,7 +5895,7 @@
           </a:prstGeom>
         </p:spPr>
         <p:txBody>
-          <a:bodyPr anchorCtr="0" anchor="ctr" bIns="91425" lIns="91425" spcFirstLastPara="1" rIns="91425" wrap="square" tIns="91425">
+          <a:bodyPr spcFirstLastPara="1" wrap="square" lIns="91425" tIns="91425" rIns="91425" bIns="91425" anchor="ctr" anchorCtr="0">
             <a:normAutofit/>
           </a:bodyPr>
           <a:lstStyle>
@@ -5960,7 +5937,7 @@
             </a:lvl9pPr>
           </a:lstStyle>
           <a:p>
-            <a:pPr indent="0" lvl="0" marL="0" rtl="0" algn="r">
+            <a:pPr marL="0" lvl="0" indent="0" algn="r" rtl="0">
               <a:spcBef>
                 <a:spcPts val="0"/>
               </a:spcBef>
@@ -5971,7 +5948,7 @@
             </a:pPr>
             <a:fld id="{00000000-1234-1234-1234-123412341234}" type="slidenum">
               <a:rPr lang="es"/>
-              <a:t>‹#›</a:t>
+              <a:t>‹Nº›</a:t>
             </a:fld>
             <a:endParaRPr/>
           </a:p>
@@ -5986,18 +5963,19 @@
 </file>
 
 <file path=ppt/slideLayouts/slideLayout6.xml><?xml version="1.0" encoding="utf-8"?>
-<p:sldLayout xmlns:a="http://schemas.openxmlformats.org/drawingml/2006/main" xmlns:r="http://schemas.openxmlformats.org/officeDocument/2006/relationships" xmlns:mc="http://schemas.openxmlformats.org/markup-compatibility/2006" xmlns:mv="urn:schemas-microsoft-com:mac:vml" xmlns:p="http://schemas.openxmlformats.org/presentationml/2006/main" xmlns:c="http://schemas.openxmlformats.org/drawingml/2006/chart" xmlns:dgm="http://schemas.openxmlformats.org/drawingml/2006/diagram" xmlns:o="urn:schemas-microsoft-com:office:office" xmlns:v="urn:schemas-microsoft-com:vml" xmlns:pvml="urn:schemas-microsoft-com:office:powerpoint" xmlns:com="http://schemas.openxmlformats.org/drawingml/2006/compatibility" xmlns:p14="http://schemas.microsoft.com/office/powerpoint/2010/main" xmlns:p15="http://schemas.microsoft.com/office/powerpoint/2012/main" xmlns:ahyp="http://schemas.microsoft.com/office/drawing/2018/hyperlinkcolor" matchingName="One column text">
+<p:sldLayout xmlns:a="http://schemas.openxmlformats.org/drawingml/2006/main" xmlns:r="http://schemas.openxmlformats.org/officeDocument/2006/relationships" xmlns:p="http://schemas.openxmlformats.org/presentationml/2006/main" matchingName="One column text">
   <p:cSld name="ONE_COLUMN_TEXT">
     <p:bg>
       <p:bgPr>
         <a:solidFill>
           <a:schemeClr val="accent3"/>
         </a:solidFill>
+        <a:effectLst/>
       </p:bgPr>
     </p:bg>
     <p:spTree>
       <p:nvGrpSpPr>
-        <p:cNvPr id="70" name="Shape 70"/>
+        <p:cNvPr id="1" name="Shape 70"/>
         <p:cNvGrpSpPr/>
         <p:nvPr/>
       </p:nvGrpSpPr>
@@ -6031,12 +6009,12 @@
           </a:ln>
         </p:spPr>
         <p:txBody>
-          <a:bodyPr anchorCtr="0" anchor="ctr" bIns="91425" lIns="91425" spcFirstLastPara="1" rIns="91425" wrap="square" tIns="91425">
+          <a:bodyPr spcFirstLastPara="1" wrap="square" lIns="91425" tIns="91425" rIns="91425" bIns="91425" anchor="ctr" anchorCtr="0">
             <a:noAutofit/>
           </a:bodyPr>
           <a:lstStyle/>
           <a:p>
-            <a:pPr indent="0" lvl="0" marL="0" rtl="0" algn="l">
+            <a:pPr marL="0" lvl="0" indent="0" algn="l" rtl="0">
               <a:spcBef>
                 <a:spcPts val="0"/>
               </a:spcBef>
@@ -6045,9 +6023,6 @@
               </a:spcAft>
               <a:buNone/>
             </a:pPr>
-            <a:r>
-              <a:t/>
-            </a:r>
             <a:endParaRPr/>
           </a:p>
         </p:txBody>
@@ -6074,12 +6049,12 @@
           </a:ln>
         </p:spPr>
         <p:txBody>
-          <a:bodyPr anchorCtr="0" anchor="ctr" bIns="91425" lIns="91425" spcFirstLastPara="1" rIns="91425" wrap="square" tIns="91425">
+          <a:bodyPr spcFirstLastPara="1" wrap="square" lIns="91425" tIns="91425" rIns="91425" bIns="91425" anchor="ctr" anchorCtr="0">
             <a:noAutofit/>
           </a:bodyPr>
           <a:lstStyle/>
           <a:p>
-            <a:pPr indent="0" lvl="0" marL="0" rtl="0" algn="l">
+            <a:pPr marL="0" lvl="0" indent="0" algn="l" rtl="0">
               <a:spcBef>
                 <a:spcPts val="0"/>
               </a:spcBef>
@@ -6088,9 +6063,6 @@
               </a:spcAft>
               <a:buNone/>
             </a:pPr>
-            <a:r>
-              <a:t/>
-            </a:r>
             <a:endParaRPr/>
           </a:p>
         </p:txBody>
@@ -6116,7 +6088,7 @@
             <a:noFill/>
           </a:ln>
           <a:effectLst>
-            <a:outerShdw blurRad="228600" sx="101000" rotWithShape="0" algn="ctr" sy="101000">
+            <a:outerShdw blurRad="228600" sx="101000" sy="101000" algn="ctr" rotWithShape="0">
               <a:srgbClr val="000000">
                 <a:alpha val="40000"/>
               </a:srgbClr>
@@ -6124,12 +6096,12 @@
           </a:effectLst>
         </p:spPr>
         <p:txBody>
-          <a:bodyPr anchorCtr="0" anchor="ctr" bIns="91425" lIns="91425" spcFirstLastPara="1" rIns="91425" wrap="square" tIns="91425">
+          <a:bodyPr spcFirstLastPara="1" wrap="square" lIns="91425" tIns="91425" rIns="91425" bIns="91425" anchor="ctr" anchorCtr="0">
             <a:noAutofit/>
           </a:bodyPr>
           <a:lstStyle/>
           <a:p>
-            <a:pPr indent="0" lvl="0" marL="0" rtl="0" algn="l">
+            <a:pPr marL="0" lvl="0" indent="0" algn="l" rtl="0">
               <a:spcBef>
                 <a:spcPts val="0"/>
               </a:spcBef>
@@ -6138,9 +6110,6 @@
               </a:spcAft>
               <a:buNone/>
             </a:pPr>
-            <a:r>
-              <a:t/>
-            </a:r>
             <a:endParaRPr/>
           </a:p>
         </p:txBody>
@@ -6148,7 +6117,9 @@
       <p:sp>
         <p:nvSpPr>
           <p:cNvPr id="74" name="Google Shape;74;p7"/>
-          <p:cNvSpPr txBox="1"/>
+          <p:cNvSpPr txBox="1">
+            <a:spLocks noGrp="1"/>
+          </p:cNvSpPr>
           <p:nvPr>
             <p:ph type="title"/>
           </p:nvPr>
@@ -6163,7 +6134,7 @@
           </a:prstGeom>
         </p:spPr>
         <p:txBody>
-          <a:bodyPr anchorCtr="0" anchor="t" bIns="91425" lIns="91425" spcFirstLastPara="1" rIns="91425" wrap="square" tIns="91425">
+          <a:bodyPr spcFirstLastPara="1" wrap="square" lIns="91425" tIns="91425" rIns="91425" bIns="91425" anchor="t" anchorCtr="0">
             <a:normAutofit/>
           </a:bodyPr>
           <a:lstStyle>
@@ -6267,15 +6238,19 @@
               <a:defRPr sz="3000"/>
             </a:lvl9pPr>
           </a:lstStyle>
-          <a:p/>
+          <a:p>
+            <a:endParaRPr/>
+          </a:p>
         </p:txBody>
       </p:sp>
       <p:sp>
         <p:nvSpPr>
           <p:cNvPr id="75" name="Google Shape;75;p7"/>
-          <p:cNvSpPr txBox="1"/>
+          <p:cNvSpPr txBox="1">
+            <a:spLocks noGrp="1"/>
+          </p:cNvSpPr>
           <p:nvPr>
-            <p:ph idx="1" type="body"/>
+            <p:ph type="body" idx="1"/>
           </p:nvPr>
         </p:nvSpPr>
         <p:spPr>
@@ -6288,11 +6263,11 @@
           </a:prstGeom>
         </p:spPr>
         <p:txBody>
-          <a:bodyPr anchorCtr="0" anchor="t" bIns="91425" lIns="91425" spcFirstLastPara="1" rIns="91425" wrap="square" tIns="91425">
+          <a:bodyPr spcFirstLastPara="1" wrap="square" lIns="91425" tIns="91425" rIns="91425" bIns="91425" anchor="t" anchorCtr="0">
             <a:normAutofit/>
           </a:bodyPr>
           <a:lstStyle>
-            <a:lvl1pPr indent="-311150" lvl="0" marL="457200">
+            <a:lvl1pPr marL="457200" lvl="0" indent="-311150">
               <a:spcBef>
                 <a:spcPts val="0"/>
               </a:spcBef>
@@ -6303,7 +6278,7 @@
               <a:buChar char="●"/>
               <a:defRPr/>
             </a:lvl1pPr>
-            <a:lvl2pPr indent="-298450" lvl="1" marL="914400">
+            <a:lvl2pPr marL="914400" lvl="1" indent="-298450">
               <a:spcBef>
                 <a:spcPts val="0"/>
               </a:spcBef>
@@ -6314,7 +6289,7 @@
               <a:buChar char="○"/>
               <a:defRPr/>
             </a:lvl2pPr>
-            <a:lvl3pPr indent="-298450" lvl="2" marL="1371600">
+            <a:lvl3pPr marL="1371600" lvl="2" indent="-298450">
               <a:spcBef>
                 <a:spcPts val="0"/>
               </a:spcBef>
@@ -6325,7 +6300,7 @@
               <a:buChar char="■"/>
               <a:defRPr/>
             </a:lvl3pPr>
-            <a:lvl4pPr indent="-298450" lvl="3" marL="1828800">
+            <a:lvl4pPr marL="1828800" lvl="3" indent="-298450">
               <a:spcBef>
                 <a:spcPts val="0"/>
               </a:spcBef>
@@ -6336,7 +6311,7 @@
               <a:buChar char="●"/>
               <a:defRPr/>
             </a:lvl4pPr>
-            <a:lvl5pPr indent="-298450" lvl="4" marL="2286000">
+            <a:lvl5pPr marL="2286000" lvl="4" indent="-298450">
               <a:spcBef>
                 <a:spcPts val="0"/>
               </a:spcBef>
@@ -6347,7 +6322,7 @@
               <a:buChar char="○"/>
               <a:defRPr/>
             </a:lvl5pPr>
-            <a:lvl6pPr indent="-298450" lvl="5" marL="2743200">
+            <a:lvl6pPr marL="2743200" lvl="5" indent="-298450">
               <a:spcBef>
                 <a:spcPts val="0"/>
               </a:spcBef>
@@ -6358,7 +6333,7 @@
               <a:buChar char="■"/>
               <a:defRPr/>
             </a:lvl6pPr>
-            <a:lvl7pPr indent="-298450" lvl="6" marL="3200400">
+            <a:lvl7pPr marL="3200400" lvl="6" indent="-298450">
               <a:spcBef>
                 <a:spcPts val="0"/>
               </a:spcBef>
@@ -6369,7 +6344,7 @@
               <a:buChar char="●"/>
               <a:defRPr/>
             </a:lvl7pPr>
-            <a:lvl8pPr indent="-298450" lvl="7" marL="3657600">
+            <a:lvl8pPr marL="3657600" lvl="7" indent="-298450">
               <a:spcBef>
                 <a:spcPts val="0"/>
               </a:spcBef>
@@ -6380,7 +6355,7 @@
               <a:buChar char="○"/>
               <a:defRPr/>
             </a:lvl8pPr>
-            <a:lvl9pPr indent="-298450" lvl="8" marL="4114800">
+            <a:lvl9pPr marL="4114800" lvl="8" indent="-298450">
               <a:spcBef>
                 <a:spcPts val="0"/>
               </a:spcBef>
@@ -6392,15 +6367,19 @@
               <a:defRPr/>
             </a:lvl9pPr>
           </a:lstStyle>
-          <a:p/>
+          <a:p>
+            <a:endParaRPr/>
+          </a:p>
         </p:txBody>
       </p:sp>
       <p:sp>
         <p:nvSpPr>
           <p:cNvPr id="76" name="Google Shape;76;p7"/>
-          <p:cNvSpPr txBox="1"/>
+          <p:cNvSpPr txBox="1">
+            <a:spLocks noGrp="1"/>
+          </p:cNvSpPr>
           <p:nvPr>
-            <p:ph idx="12" type="sldNum"/>
+            <p:ph type="sldNum" idx="12"/>
           </p:nvPr>
         </p:nvSpPr>
         <p:spPr>
@@ -6413,7 +6392,7 @@
           </a:prstGeom>
         </p:spPr>
         <p:txBody>
-          <a:bodyPr anchorCtr="0" anchor="ctr" bIns="91425" lIns="91425" spcFirstLastPara="1" rIns="91425" wrap="square" tIns="91425">
+          <a:bodyPr spcFirstLastPara="1" wrap="square" lIns="91425" tIns="91425" rIns="91425" bIns="91425" anchor="ctr" anchorCtr="0">
             <a:normAutofit/>
           </a:bodyPr>
           <a:lstStyle>
@@ -6455,7 +6434,7 @@
             </a:lvl9pPr>
           </a:lstStyle>
           <a:p>
-            <a:pPr indent="0" lvl="0" marL="0" rtl="0" algn="r">
+            <a:pPr marL="0" lvl="0" indent="0" algn="r" rtl="0">
               <a:spcBef>
                 <a:spcPts val="0"/>
               </a:spcBef>
@@ -6466,7 +6445,7 @@
             </a:pPr>
             <a:fld id="{00000000-1234-1234-1234-123412341234}" type="slidenum">
               <a:rPr lang="es"/>
-              <a:t>‹#›</a:t>
+              <a:t>‹Nº›</a:t>
             </a:fld>
             <a:endParaRPr/>
           </a:p>
@@ -6481,18 +6460,19 @@
 </file>
 
 <file path=ppt/slideLayouts/slideLayout7.xml><?xml version="1.0" encoding="utf-8"?>
-<p:sldLayout xmlns:a="http://schemas.openxmlformats.org/drawingml/2006/main" xmlns:r="http://schemas.openxmlformats.org/officeDocument/2006/relationships" xmlns:mc="http://schemas.openxmlformats.org/markup-compatibility/2006" xmlns:mv="urn:schemas-microsoft-com:mac:vml" xmlns:p="http://schemas.openxmlformats.org/presentationml/2006/main" xmlns:c="http://schemas.openxmlformats.org/drawingml/2006/chart" xmlns:dgm="http://schemas.openxmlformats.org/drawingml/2006/diagram" xmlns:o="urn:schemas-microsoft-com:office:office" xmlns:v="urn:schemas-microsoft-com:vml" xmlns:pvml="urn:schemas-microsoft-com:office:powerpoint" xmlns:com="http://schemas.openxmlformats.org/drawingml/2006/compatibility" xmlns:p14="http://schemas.microsoft.com/office/powerpoint/2010/main" xmlns:p15="http://schemas.microsoft.com/office/powerpoint/2012/main" xmlns:ahyp="http://schemas.microsoft.com/office/drawing/2018/hyperlinkcolor" matchingName="Main point">
+<p:sldLayout xmlns:a="http://schemas.openxmlformats.org/drawingml/2006/main" xmlns:r="http://schemas.openxmlformats.org/officeDocument/2006/relationships" xmlns:p="http://schemas.openxmlformats.org/presentationml/2006/main" matchingName="Main point">
   <p:cSld name="MAIN_POINT">
     <p:bg>
       <p:bgPr>
         <a:solidFill>
           <a:schemeClr val="accent1"/>
         </a:solidFill>
+        <a:effectLst/>
       </p:bgPr>
     </p:bg>
     <p:spTree>
       <p:nvGrpSpPr>
-        <p:cNvPr id="77" name="Shape 77"/>
+        <p:cNvPr id="1" name="Shape 77"/>
         <p:cNvGrpSpPr/>
         <p:nvPr/>
       </p:nvGrpSpPr>
@@ -6526,12 +6506,12 @@
           </a:ln>
         </p:spPr>
         <p:txBody>
-          <a:bodyPr anchorCtr="0" anchor="ctr" bIns="91425" lIns="91425" spcFirstLastPara="1" rIns="91425" wrap="square" tIns="91425">
+          <a:bodyPr spcFirstLastPara="1" wrap="square" lIns="91425" tIns="91425" rIns="91425" bIns="91425" anchor="ctr" anchorCtr="0">
             <a:noAutofit/>
           </a:bodyPr>
           <a:lstStyle/>
           <a:p>
-            <a:pPr indent="0" lvl="0" marL="0" rtl="0" algn="l">
+            <a:pPr marL="0" lvl="0" indent="0" algn="l" rtl="0">
               <a:spcBef>
                 <a:spcPts val="0"/>
               </a:spcBef>
@@ -6540,9 +6520,6 @@
               </a:spcAft>
               <a:buNone/>
             </a:pPr>
-            <a:r>
-              <a:t/>
-            </a:r>
             <a:endParaRPr/>
           </a:p>
         </p:txBody>
@@ -6569,12 +6546,12 @@
           </a:ln>
         </p:spPr>
         <p:txBody>
-          <a:bodyPr anchorCtr="0" anchor="ctr" bIns="91425" lIns="91425" spcFirstLastPara="1" rIns="91425" wrap="square" tIns="91425">
+          <a:bodyPr spcFirstLastPara="1" wrap="square" lIns="91425" tIns="91425" rIns="91425" bIns="91425" anchor="ctr" anchorCtr="0">
             <a:noAutofit/>
           </a:bodyPr>
           <a:lstStyle/>
           <a:p>
-            <a:pPr indent="0" lvl="0" marL="0" rtl="0" algn="l">
+            <a:pPr marL="0" lvl="0" indent="0" algn="l" rtl="0">
               <a:spcBef>
                 <a:spcPts val="0"/>
               </a:spcBef>
@@ -6583,9 +6560,6 @@
               </a:spcAft>
               <a:buNone/>
             </a:pPr>
-            <a:r>
-              <a:t/>
-            </a:r>
             <a:endParaRPr/>
           </a:p>
         </p:txBody>
@@ -6617,7 +6591,7 @@
             </a:xfrm>
             <a:prstGeom prst="parallelogram">
               <a:avLst>
-                <a:gd fmla="val 153193" name="adj"/>
+                <a:gd name="adj" fmla="val 153193"/>
               </a:avLst>
             </a:prstGeom>
             <a:solidFill>
@@ -6628,12 +6602,12 @@
             </a:ln>
           </p:spPr>
           <p:txBody>
-            <a:bodyPr anchorCtr="0" anchor="ctr" bIns="91425" lIns="91425" spcFirstLastPara="1" rIns="91425" wrap="square" tIns="91425">
+            <a:bodyPr spcFirstLastPara="1" wrap="square" lIns="91425" tIns="91425" rIns="91425" bIns="91425" anchor="ctr" anchorCtr="0">
               <a:noAutofit/>
             </a:bodyPr>
             <a:lstStyle/>
             <a:p>
-              <a:pPr indent="0" lvl="0" marL="0" rtl="0" algn="l">
+              <a:pPr marL="0" lvl="0" indent="0" algn="l" rtl="0">
                 <a:spcBef>
                   <a:spcPts val="0"/>
                 </a:spcBef>
@@ -6642,9 +6616,6 @@
                 </a:spcAft>
                 <a:buNone/>
               </a:pPr>
-              <a:r>
-                <a:t/>
-              </a:r>
               <a:endParaRPr/>
             </a:p>
           </p:txBody>
@@ -6662,7 +6633,7 @@
             </a:xfrm>
             <a:prstGeom prst="parallelogram">
               <a:avLst>
-                <a:gd fmla="val 153193" name="adj"/>
+                <a:gd name="adj" fmla="val 153193"/>
               </a:avLst>
             </a:prstGeom>
             <a:solidFill>
@@ -6673,12 +6644,12 @@
             </a:ln>
           </p:spPr>
           <p:txBody>
-            <a:bodyPr anchorCtr="0" anchor="ctr" bIns="91425" lIns="91425" spcFirstLastPara="1" rIns="91425" wrap="square" tIns="91425">
+            <a:bodyPr spcFirstLastPara="1" wrap="square" lIns="91425" tIns="91425" rIns="91425" bIns="91425" anchor="ctr" anchorCtr="0">
               <a:noAutofit/>
             </a:bodyPr>
             <a:lstStyle/>
             <a:p>
-              <a:pPr indent="0" lvl="0" marL="0" rtl="0" algn="l">
+              <a:pPr marL="0" lvl="0" indent="0" algn="l" rtl="0">
                 <a:spcBef>
                   <a:spcPts val="0"/>
                 </a:spcBef>
@@ -6687,9 +6658,6 @@
                 </a:spcAft>
                 <a:buNone/>
               </a:pPr>
-              <a:r>
-                <a:t/>
-              </a:r>
               <a:endParaRPr/>
             </a:p>
           </p:txBody>
@@ -6707,7 +6675,7 @@
             </a:xfrm>
             <a:prstGeom prst="parallelogram">
               <a:avLst>
-                <a:gd fmla="val 153193" name="adj"/>
+                <a:gd name="adj" fmla="val 153193"/>
               </a:avLst>
             </a:prstGeom>
             <a:solidFill>
@@ -6718,12 +6686,12 @@
             </a:ln>
           </p:spPr>
           <p:txBody>
-            <a:bodyPr anchorCtr="0" anchor="ctr" bIns="91425" lIns="91425" spcFirstLastPara="1" rIns="91425" wrap="square" tIns="91425">
+            <a:bodyPr spcFirstLastPara="1" wrap="square" lIns="91425" tIns="91425" rIns="91425" bIns="91425" anchor="ctr" anchorCtr="0">
               <a:noAutofit/>
             </a:bodyPr>
             <a:lstStyle/>
             <a:p>
-              <a:pPr indent="0" lvl="0" marL="0" rtl="0" algn="l">
+              <a:pPr marL="0" lvl="0" indent="0" algn="l" rtl="0">
                 <a:spcBef>
                   <a:spcPts val="0"/>
                 </a:spcBef>
@@ -6732,9 +6700,6 @@
                 </a:spcAft>
                 <a:buNone/>
               </a:pPr>
-              <a:r>
-                <a:t/>
-              </a:r>
               <a:endParaRPr/>
             </a:p>
           </p:txBody>
@@ -6761,7 +6726,7 @@
             <a:noFill/>
           </a:ln>
           <a:effectLst>
-            <a:outerShdw blurRad="228600" sx="101000" rotWithShape="0" algn="ctr" sy="101000">
+            <a:outerShdw blurRad="228600" sx="101000" sy="101000" algn="ctr" rotWithShape="0">
               <a:srgbClr val="000000">
                 <a:alpha val="40000"/>
               </a:srgbClr>
@@ -6769,12 +6734,12 @@
           </a:effectLst>
         </p:spPr>
         <p:txBody>
-          <a:bodyPr anchorCtr="0" anchor="ctr" bIns="91425" lIns="91425" spcFirstLastPara="1" rIns="91425" wrap="square" tIns="91425">
+          <a:bodyPr spcFirstLastPara="1" wrap="square" lIns="91425" tIns="91425" rIns="91425" bIns="91425" anchor="ctr" anchorCtr="0">
             <a:noAutofit/>
           </a:bodyPr>
           <a:lstStyle/>
           <a:p>
-            <a:pPr indent="0" lvl="0" marL="0" rtl="0" algn="l">
+            <a:pPr marL="0" lvl="0" indent="0" algn="l" rtl="0">
               <a:spcBef>
                 <a:spcPts val="0"/>
               </a:spcBef>
@@ -6783,9 +6748,6 @@
               </a:spcAft>
               <a:buNone/>
             </a:pPr>
-            <a:r>
-              <a:t/>
-            </a:r>
             <a:endParaRPr/>
           </a:p>
         </p:txBody>
@@ -6817,7 +6779,7 @@
             </a:xfrm>
             <a:prstGeom prst="parallelogram">
               <a:avLst>
-                <a:gd fmla="val 158024" name="adj"/>
+                <a:gd name="adj" fmla="val 158024"/>
               </a:avLst>
             </a:prstGeom>
             <a:solidFill>
@@ -6828,12 +6790,12 @@
             </a:ln>
           </p:spPr>
           <p:txBody>
-            <a:bodyPr anchorCtr="0" anchor="ctr" bIns="91425" lIns="91425" spcFirstLastPara="1" rIns="91425" wrap="square" tIns="91425">
+            <a:bodyPr spcFirstLastPara="1" wrap="square" lIns="91425" tIns="91425" rIns="91425" bIns="91425" anchor="ctr" anchorCtr="0">
               <a:noAutofit/>
             </a:bodyPr>
             <a:lstStyle/>
             <a:p>
-              <a:pPr indent="0" lvl="0" marL="0" rtl="0" algn="l">
+              <a:pPr marL="0" lvl="0" indent="0" algn="l" rtl="0">
                 <a:spcBef>
                   <a:spcPts val="0"/>
                 </a:spcBef>
@@ -6842,9 +6804,6 @@
                 </a:spcAft>
                 <a:buNone/>
               </a:pPr>
-              <a:r>
-                <a:t/>
-              </a:r>
               <a:endParaRPr/>
             </a:p>
           </p:txBody>
@@ -6862,7 +6821,7 @@
             </a:xfrm>
             <a:prstGeom prst="parallelogram">
               <a:avLst>
-                <a:gd fmla="val 158024" name="adj"/>
+                <a:gd name="adj" fmla="val 158024"/>
               </a:avLst>
             </a:prstGeom>
             <a:solidFill>
@@ -6873,12 +6832,12 @@
             </a:ln>
           </p:spPr>
           <p:txBody>
-            <a:bodyPr anchorCtr="0" anchor="ctr" bIns="91425" lIns="91425" spcFirstLastPara="1" rIns="91425" wrap="square" tIns="91425">
+            <a:bodyPr spcFirstLastPara="1" wrap="square" lIns="91425" tIns="91425" rIns="91425" bIns="91425" anchor="ctr" anchorCtr="0">
               <a:noAutofit/>
             </a:bodyPr>
             <a:lstStyle/>
             <a:p>
-              <a:pPr indent="0" lvl="0" marL="0" rtl="0" algn="l">
+              <a:pPr marL="0" lvl="0" indent="0" algn="l" rtl="0">
                 <a:spcBef>
                   <a:spcPts val="0"/>
                 </a:spcBef>
@@ -6887,9 +6846,6 @@
                 </a:spcAft>
                 <a:buNone/>
               </a:pPr>
-              <a:r>
-                <a:t/>
-              </a:r>
               <a:endParaRPr/>
             </a:p>
           </p:txBody>
@@ -6907,7 +6863,7 @@
             </a:xfrm>
             <a:prstGeom prst="parallelogram">
               <a:avLst>
-                <a:gd fmla="val 158024" name="adj"/>
+                <a:gd name="adj" fmla="val 158024"/>
               </a:avLst>
             </a:prstGeom>
             <a:solidFill>
@@ -6918,12 +6874,12 @@
             </a:ln>
           </p:spPr>
           <p:txBody>
-            <a:bodyPr anchorCtr="0" anchor="ctr" bIns="91425" lIns="91425" spcFirstLastPara="1" rIns="91425" wrap="square" tIns="91425">
+            <a:bodyPr spcFirstLastPara="1" wrap="square" lIns="91425" tIns="91425" rIns="91425" bIns="91425" anchor="ctr" anchorCtr="0">
               <a:noAutofit/>
             </a:bodyPr>
             <a:lstStyle/>
             <a:p>
-              <a:pPr indent="0" lvl="0" marL="0" rtl="0" algn="l">
+              <a:pPr marL="0" lvl="0" indent="0" algn="l" rtl="0">
                 <a:spcBef>
                   <a:spcPts val="0"/>
                 </a:spcBef>
@@ -6932,9 +6888,6 @@
                 </a:spcAft>
                 <a:buNone/>
               </a:pPr>
-              <a:r>
-                <a:t/>
-              </a:r>
               <a:endParaRPr/>
             </a:p>
           </p:txBody>
@@ -6967,7 +6920,7 @@
             </a:xfrm>
             <a:prstGeom prst="parallelogram">
               <a:avLst>
-                <a:gd fmla="val 158024" name="adj"/>
+                <a:gd name="adj" fmla="val 158024"/>
               </a:avLst>
             </a:prstGeom>
             <a:solidFill>
@@ -6978,12 +6931,12 @@
             </a:ln>
           </p:spPr>
           <p:txBody>
-            <a:bodyPr anchorCtr="0" anchor="ctr" bIns="91425" lIns="91425" spcFirstLastPara="1" rIns="91425" wrap="square" tIns="91425">
+            <a:bodyPr spcFirstLastPara="1" wrap="square" lIns="91425" tIns="91425" rIns="91425" bIns="91425" anchor="ctr" anchorCtr="0">
               <a:noAutofit/>
             </a:bodyPr>
             <a:lstStyle/>
             <a:p>
-              <a:pPr indent="0" lvl="0" marL="0" rtl="0" algn="l">
+              <a:pPr marL="0" lvl="0" indent="0" algn="l" rtl="0">
                 <a:spcBef>
                   <a:spcPts val="0"/>
                 </a:spcBef>
@@ -6992,9 +6945,6 @@
                 </a:spcAft>
                 <a:buNone/>
               </a:pPr>
-              <a:r>
-                <a:t/>
-              </a:r>
               <a:endParaRPr/>
             </a:p>
           </p:txBody>
@@ -7012,7 +6962,7 @@
             </a:xfrm>
             <a:prstGeom prst="parallelogram">
               <a:avLst>
-                <a:gd fmla="val 158024" name="adj"/>
+                <a:gd name="adj" fmla="val 158024"/>
               </a:avLst>
             </a:prstGeom>
             <a:solidFill>
@@ -7023,12 +6973,12 @@
             </a:ln>
           </p:spPr>
           <p:txBody>
-            <a:bodyPr anchorCtr="0" anchor="ctr" bIns="91425" lIns="91425" spcFirstLastPara="1" rIns="91425" wrap="square" tIns="91425">
+            <a:bodyPr spcFirstLastPara="1" wrap="square" lIns="91425" tIns="91425" rIns="91425" bIns="91425" anchor="ctr" anchorCtr="0">
               <a:noAutofit/>
             </a:bodyPr>
             <a:lstStyle/>
             <a:p>
-              <a:pPr indent="0" lvl="0" marL="0" rtl="0" algn="l">
+              <a:pPr marL="0" lvl="0" indent="0" algn="l" rtl="0">
                 <a:spcBef>
                   <a:spcPts val="0"/>
                 </a:spcBef>
@@ -7037,9 +6987,6 @@
                 </a:spcAft>
                 <a:buNone/>
               </a:pPr>
-              <a:r>
-                <a:t/>
-              </a:r>
               <a:endParaRPr/>
             </a:p>
           </p:txBody>
@@ -7057,7 +7004,7 @@
             </a:xfrm>
             <a:prstGeom prst="parallelogram">
               <a:avLst>
-                <a:gd fmla="val 158024" name="adj"/>
+                <a:gd name="adj" fmla="val 158024"/>
               </a:avLst>
             </a:prstGeom>
             <a:solidFill>
@@ -7068,12 +7015,12 @@
             </a:ln>
           </p:spPr>
           <p:txBody>
-            <a:bodyPr anchorCtr="0" anchor="ctr" bIns="91425" lIns="91425" spcFirstLastPara="1" rIns="91425" wrap="square" tIns="91425">
+            <a:bodyPr spcFirstLastPara="1" wrap="square" lIns="91425" tIns="91425" rIns="91425" bIns="91425" anchor="ctr" anchorCtr="0">
               <a:noAutofit/>
             </a:bodyPr>
             <a:lstStyle/>
             <a:p>
-              <a:pPr indent="0" lvl="0" marL="0" rtl="0" algn="l">
+              <a:pPr marL="0" lvl="0" indent="0" algn="l" rtl="0">
                 <a:spcBef>
                   <a:spcPts val="0"/>
                 </a:spcBef>
@@ -7082,9 +7029,6 @@
                 </a:spcAft>
                 <a:buNone/>
               </a:pPr>
-              <a:r>
-                <a:t/>
-              </a:r>
               <a:endParaRPr/>
             </a:p>
           </p:txBody>
@@ -7093,7 +7037,9 @@
       <p:sp>
         <p:nvSpPr>
           <p:cNvPr id="93" name="Google Shape;93;p8"/>
-          <p:cNvSpPr txBox="1"/>
+          <p:cNvSpPr txBox="1">
+            <a:spLocks noGrp="1"/>
+          </p:cNvSpPr>
           <p:nvPr>
             <p:ph type="title"/>
           </p:nvPr>
@@ -7108,7 +7054,7 @@
           </a:prstGeom>
         </p:spPr>
         <p:txBody>
-          <a:bodyPr anchorCtr="0" anchor="ctr" bIns="91425" lIns="91425" spcFirstLastPara="1" rIns="91425" wrap="square" tIns="91425">
+          <a:bodyPr spcFirstLastPara="1" wrap="square" lIns="91425" tIns="91425" rIns="91425" bIns="91425" anchor="ctr" anchorCtr="0">
             <a:normAutofit/>
           </a:bodyPr>
           <a:lstStyle>
@@ -7212,15 +7158,19 @@
               <a:defRPr sz="3200"/>
             </a:lvl9pPr>
           </a:lstStyle>
-          <a:p/>
+          <a:p>
+            <a:endParaRPr/>
+          </a:p>
         </p:txBody>
       </p:sp>
       <p:sp>
         <p:nvSpPr>
           <p:cNvPr id="94" name="Google Shape;94;p8"/>
-          <p:cNvSpPr txBox="1"/>
+          <p:cNvSpPr txBox="1">
+            <a:spLocks noGrp="1"/>
+          </p:cNvSpPr>
           <p:nvPr>
-            <p:ph idx="12" type="sldNum"/>
+            <p:ph type="sldNum" idx="12"/>
           </p:nvPr>
         </p:nvSpPr>
         <p:spPr>
@@ -7233,7 +7183,7 @@
           </a:prstGeom>
         </p:spPr>
         <p:txBody>
-          <a:bodyPr anchorCtr="0" anchor="ctr" bIns="91425" lIns="91425" spcFirstLastPara="1" rIns="91425" wrap="square" tIns="91425">
+          <a:bodyPr spcFirstLastPara="1" wrap="square" lIns="91425" tIns="91425" rIns="91425" bIns="91425" anchor="ctr" anchorCtr="0">
             <a:normAutofit/>
           </a:bodyPr>
           <a:lstStyle>
@@ -7275,7 +7225,7 @@
             </a:lvl9pPr>
           </a:lstStyle>
           <a:p>
-            <a:pPr indent="0" lvl="0" marL="0" rtl="0" algn="r">
+            <a:pPr marL="0" lvl="0" indent="0" algn="r" rtl="0">
               <a:spcBef>
                 <a:spcPts val="0"/>
               </a:spcBef>
@@ -7286,7 +7236,7 @@
             </a:pPr>
             <a:fld id="{00000000-1234-1234-1234-123412341234}" type="slidenum">
               <a:rPr lang="es"/>
-              <a:t>‹#›</a:t>
+              <a:t>‹Nº›</a:t>
             </a:fld>
             <a:endParaRPr/>
           </a:p>
@@ -7301,18 +7251,19 @@
 </file>
 
 <file path=ppt/slideLayouts/slideLayout8.xml><?xml version="1.0" encoding="utf-8"?>
-<p:sldLayout xmlns:a="http://schemas.openxmlformats.org/drawingml/2006/main" xmlns:r="http://schemas.openxmlformats.org/officeDocument/2006/relationships" xmlns:mc="http://schemas.openxmlformats.org/markup-compatibility/2006" xmlns:mv="urn:schemas-microsoft-com:mac:vml" xmlns:p="http://schemas.openxmlformats.org/presentationml/2006/main" xmlns:c="http://schemas.openxmlformats.org/drawingml/2006/chart" xmlns:dgm="http://schemas.openxmlformats.org/drawingml/2006/diagram" xmlns:o="urn:schemas-microsoft-com:office:office" xmlns:v="urn:schemas-microsoft-com:vml" xmlns:pvml="urn:schemas-microsoft-com:office:powerpoint" xmlns:com="http://schemas.openxmlformats.org/drawingml/2006/compatibility" xmlns:p14="http://schemas.microsoft.com/office/powerpoint/2010/main" xmlns:p15="http://schemas.microsoft.com/office/powerpoint/2012/main" xmlns:ahyp="http://schemas.microsoft.com/office/drawing/2018/hyperlinkcolor" matchingName="Section title and description">
+<p:sldLayout xmlns:a="http://schemas.openxmlformats.org/drawingml/2006/main" xmlns:r="http://schemas.openxmlformats.org/officeDocument/2006/relationships" xmlns:p="http://schemas.openxmlformats.org/presentationml/2006/main" matchingName="Section title and description">
   <p:cSld name="SECTION_TITLE_AND_DESCRIPTION">
     <p:bg>
       <p:bgPr>
         <a:solidFill>
           <a:schemeClr val="dk2"/>
         </a:solidFill>
+        <a:effectLst/>
       </p:bgPr>
     </p:bg>
     <p:spTree>
       <p:nvGrpSpPr>
-        <p:cNvPr id="95" name="Shape 95"/>
+        <p:cNvPr id="1" name="Shape 95"/>
         <p:cNvGrpSpPr/>
         <p:nvPr/>
       </p:nvGrpSpPr>
@@ -7346,12 +7297,12 @@
           </a:ln>
         </p:spPr>
         <p:txBody>
-          <a:bodyPr anchorCtr="0" anchor="ctr" bIns="91425" lIns="91425" spcFirstLastPara="1" rIns="91425" wrap="square" tIns="91425">
+          <a:bodyPr spcFirstLastPara="1" wrap="square" lIns="91425" tIns="91425" rIns="91425" bIns="91425" anchor="ctr" anchorCtr="0">
             <a:noAutofit/>
           </a:bodyPr>
           <a:lstStyle/>
           <a:p>
-            <a:pPr indent="0" lvl="0" marL="0" rtl="0" algn="l">
+            <a:pPr marL="0" lvl="0" indent="0" algn="l" rtl="0">
               <a:spcBef>
                 <a:spcPts val="0"/>
               </a:spcBef>
@@ -7360,9 +7311,6 @@
               </a:spcAft>
               <a:buNone/>
             </a:pPr>
-            <a:r>
-              <a:t/>
-            </a:r>
             <a:endParaRPr/>
           </a:p>
         </p:txBody>
@@ -7389,12 +7337,12 @@
           </a:ln>
         </p:spPr>
         <p:txBody>
-          <a:bodyPr anchorCtr="0" anchor="ctr" bIns="91425" lIns="91425" spcFirstLastPara="1" rIns="91425" wrap="square" tIns="91425">
+          <a:bodyPr spcFirstLastPara="1" wrap="square" lIns="91425" tIns="91425" rIns="91425" bIns="91425" anchor="ctr" anchorCtr="0">
             <a:noAutofit/>
           </a:bodyPr>
           <a:lstStyle/>
           <a:p>
-            <a:pPr indent="0" lvl="0" marL="0" rtl="0" algn="l">
+            <a:pPr marL="0" lvl="0" indent="0" algn="l" rtl="0">
               <a:spcBef>
                 <a:spcPts val="0"/>
               </a:spcBef>
@@ -7403,9 +7351,6 @@
               </a:spcAft>
               <a:buNone/>
             </a:pPr>
-            <a:r>
-              <a:t/>
-            </a:r>
             <a:endParaRPr/>
           </a:p>
         </p:txBody>
@@ -7431,7 +7376,7 @@
             <a:noFill/>
           </a:ln>
           <a:effectLst>
-            <a:outerShdw blurRad="228600" sx="101000" rotWithShape="0" algn="ctr" sy="101000">
+            <a:outerShdw blurRad="228600" sx="101000" sy="101000" algn="ctr" rotWithShape="0">
               <a:srgbClr val="000000">
                 <a:alpha val="40000"/>
               </a:srgbClr>
@@ -7439,12 +7384,12 @@
           </a:effectLst>
         </p:spPr>
         <p:txBody>
-          <a:bodyPr anchorCtr="0" anchor="ctr" bIns="91425" lIns="91425" spcFirstLastPara="1" rIns="91425" wrap="square" tIns="91425">
+          <a:bodyPr spcFirstLastPara="1" wrap="square" lIns="91425" tIns="91425" rIns="91425" bIns="91425" anchor="ctr" anchorCtr="0">
             <a:noAutofit/>
           </a:bodyPr>
           <a:lstStyle/>
           <a:p>
-            <a:pPr indent="0" lvl="0" marL="0" rtl="0" algn="l">
+            <a:pPr marL="0" lvl="0" indent="0" algn="l" rtl="0">
               <a:spcBef>
                 <a:spcPts val="0"/>
               </a:spcBef>
@@ -7453,9 +7398,6 @@
               </a:spcAft>
               <a:buNone/>
             </a:pPr>
-            <a:r>
-              <a:t/>
-            </a:r>
             <a:endParaRPr/>
           </a:p>
         </p:txBody>
@@ -7463,7 +7405,9 @@
       <p:sp>
         <p:nvSpPr>
           <p:cNvPr id="99" name="Google Shape;99;p9"/>
-          <p:cNvSpPr txBox="1"/>
+          <p:cNvSpPr txBox="1">
+            <a:spLocks noGrp="1"/>
+          </p:cNvSpPr>
           <p:nvPr>
             <p:ph type="title"/>
           </p:nvPr>
@@ -7478,7 +7422,7 @@
           </a:prstGeom>
         </p:spPr>
         <p:txBody>
-          <a:bodyPr anchorCtr="0" anchor="t" bIns="91425" lIns="91425" spcFirstLastPara="1" rIns="91425" wrap="square" tIns="91425">
+          <a:bodyPr spcFirstLastPara="1" wrap="square" lIns="91425" tIns="91425" rIns="91425" bIns="91425" anchor="t" anchorCtr="0">
             <a:normAutofit/>
           </a:bodyPr>
           <a:lstStyle>
@@ -7582,15 +7526,19 @@
               <a:defRPr sz="3000"/>
             </a:lvl9pPr>
           </a:lstStyle>
-          <a:p/>
+          <a:p>
+            <a:endParaRPr/>
+          </a:p>
         </p:txBody>
       </p:sp>
       <p:sp>
         <p:nvSpPr>
           <p:cNvPr id="100" name="Google Shape;100;p9"/>
-          <p:cNvSpPr txBox="1"/>
+          <p:cNvSpPr txBox="1">
+            <a:spLocks noGrp="1"/>
+          </p:cNvSpPr>
           <p:nvPr>
-            <p:ph idx="1" type="subTitle"/>
+            <p:ph type="subTitle" idx="1"/>
           </p:nvPr>
         </p:nvSpPr>
         <p:spPr>
@@ -7603,7 +7551,7 @@
           </a:prstGeom>
         </p:spPr>
         <p:txBody>
-          <a:bodyPr anchorCtr="0" anchor="t" bIns="91425" lIns="91425" spcFirstLastPara="1" rIns="91425" wrap="square" tIns="91425">
+          <a:bodyPr spcFirstLastPara="1" wrap="square" lIns="91425" tIns="91425" rIns="91425" bIns="91425" anchor="t" anchorCtr="0">
             <a:normAutofit/>
           </a:bodyPr>
           <a:lstStyle>
@@ -7797,15 +7745,19 @@
               </a:defRPr>
             </a:lvl9pPr>
           </a:lstStyle>
-          <a:p/>
+          <a:p>
+            <a:endParaRPr/>
+          </a:p>
         </p:txBody>
       </p:sp>
       <p:sp>
         <p:nvSpPr>
           <p:cNvPr id="101" name="Google Shape;101;p9"/>
-          <p:cNvSpPr txBox="1"/>
+          <p:cNvSpPr txBox="1">
+            <a:spLocks noGrp="1"/>
+          </p:cNvSpPr>
           <p:nvPr>
-            <p:ph idx="2" type="body"/>
+            <p:ph type="body" idx="2"/>
           </p:nvPr>
         </p:nvSpPr>
         <p:spPr>
@@ -7818,11 +7770,11 @@
           </a:prstGeom>
         </p:spPr>
         <p:txBody>
-          <a:bodyPr anchorCtr="0" anchor="t" bIns="91425" lIns="91425" spcFirstLastPara="1" rIns="91425" wrap="square" tIns="91425">
+          <a:bodyPr spcFirstLastPara="1" wrap="square" lIns="91425" tIns="91425" rIns="91425" bIns="91425" anchor="t" anchorCtr="0">
             <a:normAutofit/>
           </a:bodyPr>
           <a:lstStyle>
-            <a:lvl1pPr indent="-311150" lvl="0" marL="457200">
+            <a:lvl1pPr marL="457200" lvl="0" indent="-311150">
               <a:spcBef>
                 <a:spcPts val="0"/>
               </a:spcBef>
@@ -7833,7 +7785,7 @@
               <a:buChar char="●"/>
               <a:defRPr/>
             </a:lvl1pPr>
-            <a:lvl2pPr indent="-298450" lvl="1" marL="914400">
+            <a:lvl2pPr marL="914400" lvl="1" indent="-298450">
               <a:spcBef>
                 <a:spcPts val="0"/>
               </a:spcBef>
@@ -7844,7 +7796,7 @@
               <a:buChar char="○"/>
               <a:defRPr/>
             </a:lvl2pPr>
-            <a:lvl3pPr indent="-298450" lvl="2" marL="1371600">
+            <a:lvl3pPr marL="1371600" lvl="2" indent="-298450">
               <a:spcBef>
                 <a:spcPts val="0"/>
               </a:spcBef>
@@ -7855,7 +7807,7 @@
               <a:buChar char="■"/>
               <a:defRPr/>
             </a:lvl3pPr>
-            <a:lvl4pPr indent="-298450" lvl="3" marL="1828800">
+            <a:lvl4pPr marL="1828800" lvl="3" indent="-298450">
               <a:spcBef>
                 <a:spcPts val="0"/>
               </a:spcBef>
@@ -7866,7 +7818,7 @@
               <a:buChar char="●"/>
               <a:defRPr/>
             </a:lvl4pPr>
-            <a:lvl5pPr indent="-298450" lvl="4" marL="2286000">
+            <a:lvl5pPr marL="2286000" lvl="4" indent="-298450">
               <a:spcBef>
                 <a:spcPts val="0"/>
               </a:spcBef>
@@ -7877,7 +7829,7 @@
               <a:buChar char="○"/>
               <a:defRPr/>
             </a:lvl5pPr>
-            <a:lvl6pPr indent="-298450" lvl="5" marL="2743200">
+            <a:lvl6pPr marL="2743200" lvl="5" indent="-298450">
               <a:spcBef>
                 <a:spcPts val="0"/>
               </a:spcBef>
@@ -7888,7 +7840,7 @@
               <a:buChar char="■"/>
               <a:defRPr/>
             </a:lvl6pPr>
-            <a:lvl7pPr indent="-298450" lvl="6" marL="3200400">
+            <a:lvl7pPr marL="3200400" lvl="6" indent="-298450">
               <a:spcBef>
                 <a:spcPts val="0"/>
               </a:spcBef>
@@ -7899,7 +7851,7 @@
               <a:buChar char="●"/>
               <a:defRPr/>
             </a:lvl7pPr>
-            <a:lvl8pPr indent="-298450" lvl="7" marL="3657600">
+            <a:lvl8pPr marL="3657600" lvl="7" indent="-298450">
               <a:spcBef>
                 <a:spcPts val="0"/>
               </a:spcBef>
@@ -7910,7 +7862,7 @@
               <a:buChar char="○"/>
               <a:defRPr/>
             </a:lvl8pPr>
-            <a:lvl9pPr indent="-298450" lvl="8" marL="4114800">
+            <a:lvl9pPr marL="4114800" lvl="8" indent="-298450">
               <a:spcBef>
                 <a:spcPts val="0"/>
               </a:spcBef>
@@ -7922,15 +7874,19 @@
               <a:defRPr/>
             </a:lvl9pPr>
           </a:lstStyle>
-          <a:p/>
+          <a:p>
+            <a:endParaRPr/>
+          </a:p>
         </p:txBody>
       </p:sp>
       <p:sp>
         <p:nvSpPr>
           <p:cNvPr id="102" name="Google Shape;102;p9"/>
-          <p:cNvSpPr txBox="1"/>
+          <p:cNvSpPr txBox="1">
+            <a:spLocks noGrp="1"/>
+          </p:cNvSpPr>
           <p:nvPr>
-            <p:ph idx="12" type="sldNum"/>
+            <p:ph type="sldNum" idx="12"/>
           </p:nvPr>
         </p:nvSpPr>
         <p:spPr>
@@ -7943,7 +7899,7 @@
           </a:prstGeom>
         </p:spPr>
         <p:txBody>
-          <a:bodyPr anchorCtr="0" anchor="ctr" bIns="91425" lIns="91425" spcFirstLastPara="1" rIns="91425" wrap="square" tIns="91425">
+          <a:bodyPr spcFirstLastPara="1" wrap="square" lIns="91425" tIns="91425" rIns="91425" bIns="91425" anchor="ctr" anchorCtr="0">
             <a:normAutofit/>
           </a:bodyPr>
           <a:lstStyle>
@@ -7985,7 +7941,7 @@
             </a:lvl9pPr>
           </a:lstStyle>
           <a:p>
-            <a:pPr indent="0" lvl="0" marL="0" rtl="0" algn="r">
+            <a:pPr marL="0" lvl="0" indent="0" algn="r" rtl="0">
               <a:spcBef>
                 <a:spcPts val="0"/>
               </a:spcBef>
@@ -7996,7 +7952,7 @@
             </a:pPr>
             <a:fld id="{00000000-1234-1234-1234-123412341234}" type="slidenum">
               <a:rPr lang="es"/>
-              <a:t>‹#›</a:t>
+              <a:t>‹Nº›</a:t>
             </a:fld>
             <a:endParaRPr/>
           </a:p>
@@ -8011,18 +7967,19 @@
 </file>
 
 <file path=ppt/slideLayouts/slideLayout9.xml><?xml version="1.0" encoding="utf-8"?>
-<p:sldLayout xmlns:a="http://schemas.openxmlformats.org/drawingml/2006/main" xmlns:r="http://schemas.openxmlformats.org/officeDocument/2006/relationships" xmlns:mc="http://schemas.openxmlformats.org/markup-compatibility/2006" xmlns:mv="urn:schemas-microsoft-com:mac:vml" xmlns:p="http://schemas.openxmlformats.org/presentationml/2006/main" xmlns:c="http://schemas.openxmlformats.org/drawingml/2006/chart" xmlns:dgm="http://schemas.openxmlformats.org/drawingml/2006/diagram" xmlns:o="urn:schemas-microsoft-com:office:office" xmlns:v="urn:schemas-microsoft-com:vml" xmlns:pvml="urn:schemas-microsoft-com:office:powerpoint" xmlns:com="http://schemas.openxmlformats.org/drawingml/2006/compatibility" xmlns:p14="http://schemas.microsoft.com/office/powerpoint/2010/main" xmlns:p15="http://schemas.microsoft.com/office/powerpoint/2012/main" xmlns:ahyp="http://schemas.microsoft.com/office/drawing/2018/hyperlinkcolor" matchingName="Caption">
+<p:sldLayout xmlns:a="http://schemas.openxmlformats.org/drawingml/2006/main" xmlns:r="http://schemas.openxmlformats.org/officeDocument/2006/relationships" xmlns:p="http://schemas.openxmlformats.org/presentationml/2006/main" matchingName="Caption">
   <p:cSld name="CAPTION_ONLY">
     <p:bg>
       <p:bgPr>
         <a:solidFill>
           <a:schemeClr val="accent1"/>
         </a:solidFill>
+        <a:effectLst/>
       </p:bgPr>
     </p:bg>
     <p:spTree>
       <p:nvGrpSpPr>
-        <p:cNvPr id="103" name="Shape 103"/>
+        <p:cNvPr id="1" name="Shape 103"/>
         <p:cNvGrpSpPr/>
         <p:nvPr/>
       </p:nvGrpSpPr>
@@ -8056,12 +8013,12 @@
           </a:ln>
         </p:spPr>
         <p:txBody>
-          <a:bodyPr anchorCtr="0" anchor="ctr" bIns="91425" lIns="91425" spcFirstLastPara="1" rIns="91425" wrap="square" tIns="91425">
+          <a:bodyPr spcFirstLastPara="1" wrap="square" lIns="91425" tIns="91425" rIns="91425" bIns="91425" anchor="ctr" anchorCtr="0">
             <a:noAutofit/>
           </a:bodyPr>
           <a:lstStyle/>
           <a:p>
-            <a:pPr indent="0" lvl="0" marL="0" rtl="0" algn="l">
+            <a:pPr marL="0" lvl="0" indent="0" algn="l" rtl="0">
               <a:spcBef>
                 <a:spcPts val="0"/>
               </a:spcBef>
@@ -8070,9 +8027,6 @@
               </a:spcAft>
               <a:buNone/>
             </a:pPr>
-            <a:r>
-              <a:t/>
-            </a:r>
             <a:endParaRPr/>
           </a:p>
         </p:txBody>
@@ -8099,12 +8053,12 @@
           </a:ln>
         </p:spPr>
         <p:txBody>
-          <a:bodyPr anchorCtr="0" anchor="ctr" bIns="91425" lIns="91425" spcFirstLastPara="1" rIns="91425" wrap="square" tIns="91425">
+          <a:bodyPr spcFirstLastPara="1" wrap="square" lIns="91425" tIns="91425" rIns="91425" bIns="91425" anchor="ctr" anchorCtr="0">
             <a:noAutofit/>
           </a:bodyPr>
           <a:lstStyle/>
           <a:p>
-            <a:pPr indent="0" lvl="0" marL="0" rtl="0" algn="l">
+            <a:pPr marL="0" lvl="0" indent="0" algn="l" rtl="0">
               <a:spcBef>
                 <a:spcPts val="0"/>
               </a:spcBef>
@@ -8113,9 +8067,6 @@
               </a:spcAft>
               <a:buNone/>
             </a:pPr>
-            <a:r>
-              <a:t/>
-            </a:r>
             <a:endParaRPr/>
           </a:p>
         </p:txBody>
@@ -8141,7 +8092,7 @@
             <a:noFill/>
           </a:ln>
           <a:effectLst>
-            <a:outerShdw blurRad="228600" sx="101000" rotWithShape="0" algn="ctr" sy="101000">
+            <a:outerShdw blurRad="228600" sx="101000" sy="101000" algn="ctr" rotWithShape="0">
               <a:srgbClr val="000000">
                 <a:alpha val="40000"/>
               </a:srgbClr>
@@ -8149,12 +8100,12 @@
           </a:effectLst>
         </p:spPr>
         <p:txBody>
-          <a:bodyPr anchorCtr="0" anchor="ctr" bIns="91425" lIns="91425" spcFirstLastPara="1" rIns="91425" wrap="square" tIns="91425">
+          <a:bodyPr spcFirstLastPara="1" wrap="square" lIns="91425" tIns="91425" rIns="91425" bIns="91425" anchor="ctr" anchorCtr="0">
             <a:noAutofit/>
           </a:bodyPr>
           <a:lstStyle/>
           <a:p>
-            <a:pPr indent="0" lvl="0" marL="0" rtl="0" algn="l">
+            <a:pPr marL="0" lvl="0" indent="0" algn="l" rtl="0">
               <a:spcBef>
                 <a:spcPts val="0"/>
               </a:spcBef>
@@ -8163,9 +8114,6 @@
               </a:spcAft>
               <a:buNone/>
             </a:pPr>
-            <a:r>
-              <a:t/>
-            </a:r>
             <a:endParaRPr/>
           </a:p>
         </p:txBody>
@@ -8173,9 +8121,11 @@
       <p:sp>
         <p:nvSpPr>
           <p:cNvPr id="107" name="Google Shape;107;p10"/>
-          <p:cNvSpPr txBox="1"/>
+          <p:cNvSpPr txBox="1">
+            <a:spLocks noGrp="1"/>
+          </p:cNvSpPr>
           <p:nvPr>
-            <p:ph idx="1" type="body"/>
+            <p:ph type="body" idx="1"/>
           </p:nvPr>
         </p:nvSpPr>
         <p:spPr>
@@ -8188,11 +8138,11 @@
           </a:prstGeom>
         </p:spPr>
         <p:txBody>
-          <a:bodyPr anchorCtr="0" anchor="b" bIns="91425" lIns="91425" spcFirstLastPara="1" rIns="91425" wrap="square" tIns="91425">
+          <a:bodyPr spcFirstLastPara="1" wrap="square" lIns="91425" tIns="91425" rIns="91425" bIns="91425" anchor="b" anchorCtr="0">
             <a:normAutofit/>
           </a:bodyPr>
           <a:lstStyle>
-            <a:lvl1pPr indent="-228600" lvl="0" marL="457200">
+            <a:lvl1pPr marL="457200" lvl="0" indent="-228600">
               <a:lnSpc>
                 <a:spcPct val="100000"/>
               </a:lnSpc>
@@ -8207,15 +8157,19 @@
               <a:defRPr/>
             </a:lvl1pPr>
           </a:lstStyle>
-          <a:p/>
+          <a:p>
+            <a:endParaRPr/>
+          </a:p>
         </p:txBody>
       </p:sp>
       <p:sp>
         <p:nvSpPr>
           <p:cNvPr id="108" name="Google Shape;108;p10"/>
-          <p:cNvSpPr txBox="1"/>
+          <p:cNvSpPr txBox="1">
+            <a:spLocks noGrp="1"/>
+          </p:cNvSpPr>
           <p:nvPr>
-            <p:ph idx="12" type="sldNum"/>
+            <p:ph type="sldNum" idx="12"/>
           </p:nvPr>
         </p:nvSpPr>
         <p:spPr>
@@ -8228,7 +8182,7 @@
           </a:prstGeom>
         </p:spPr>
         <p:txBody>
-          <a:bodyPr anchorCtr="0" anchor="ctr" bIns="91425" lIns="91425" spcFirstLastPara="1" rIns="91425" wrap="square" tIns="91425">
+          <a:bodyPr spcFirstLastPara="1" wrap="square" lIns="91425" tIns="91425" rIns="91425" bIns="91425" anchor="ctr" anchorCtr="0">
             <a:normAutofit/>
           </a:bodyPr>
           <a:lstStyle>
@@ -8270,7 +8224,7 @@
             </a:lvl9pPr>
           </a:lstStyle>
           <a:p>
-            <a:pPr indent="0" lvl="0" marL="0" rtl="0" algn="r">
+            <a:pPr marL="0" lvl="0" indent="0" algn="r" rtl="0">
               <a:spcBef>
                 <a:spcPts val="0"/>
               </a:spcBef>
@@ -8281,7 +8235,7 @@
             </a:pPr>
             <a:fld id="{00000000-1234-1234-1234-123412341234}" type="slidenum">
               <a:rPr lang="es"/>
-              <a:t>‹#›</a:t>
+              <a:t>‹Nº›</a:t>
             </a:fld>
             <a:endParaRPr/>
           </a:p>
@@ -8296,18 +8250,19 @@
 </file>
 
 <file path=ppt/slideMasters/slideMaster1.xml><?xml version="1.0" encoding="utf-8"?>
-<p:sldMaster xmlns:a="http://schemas.openxmlformats.org/drawingml/2006/main" xmlns:r="http://schemas.openxmlformats.org/officeDocument/2006/relationships" xmlns:mc="http://schemas.openxmlformats.org/markup-compatibility/2006" xmlns:mv="urn:schemas-microsoft-com:mac:vml" xmlns:p="http://schemas.openxmlformats.org/presentationml/2006/main" xmlns:c="http://schemas.openxmlformats.org/drawingml/2006/chart" xmlns:dgm="http://schemas.openxmlformats.org/drawingml/2006/diagram" xmlns:o="urn:schemas-microsoft-com:office:office" xmlns:v="urn:schemas-microsoft-com:vml" xmlns:pvml="urn:schemas-microsoft-com:office:powerpoint" xmlns:com="http://schemas.openxmlformats.org/drawingml/2006/compatibility" xmlns:p14="http://schemas.microsoft.com/office/powerpoint/2010/main" xmlns:p15="http://schemas.microsoft.com/office/powerpoint/2012/main" xmlns:ahyp="http://schemas.microsoft.com/office/drawing/2018/hyperlinkcolor">
+<p:sldMaster xmlns:a="http://schemas.openxmlformats.org/drawingml/2006/main" xmlns:r="http://schemas.openxmlformats.org/officeDocument/2006/relationships" xmlns:p="http://schemas.openxmlformats.org/presentationml/2006/main">
   <p:cSld name="shift">
     <p:bg>
       <p:bgPr>
         <a:solidFill>
           <a:schemeClr val="dk1"/>
         </a:solidFill>
+        <a:effectLst/>
       </p:bgPr>
     </p:bg>
     <p:spTree>
       <p:nvGrpSpPr>
-        <p:cNvPr id="5" name="Shape 5"/>
+        <p:cNvPr id="1" name="Shape 5"/>
         <p:cNvGrpSpPr/>
         <p:nvPr/>
       </p:nvGrpSpPr>
@@ -8322,7 +8277,9 @@
       <p:sp>
         <p:nvSpPr>
           <p:cNvPr id="6" name="Google Shape;6;p1"/>
-          <p:cNvSpPr txBox="1"/>
+          <p:cNvSpPr txBox="1">
+            <a:spLocks noGrp="1"/>
+          </p:cNvSpPr>
           <p:nvPr>
             <p:ph type="title"/>
           </p:nvPr>
@@ -8341,7 +8298,7 @@
           </a:ln>
         </p:spPr>
         <p:txBody>
-          <a:bodyPr anchorCtr="0" anchor="t" bIns="91425" lIns="91425" spcFirstLastPara="1" rIns="91425" wrap="square" tIns="91425">
+          <a:bodyPr spcFirstLastPara="1" wrap="square" lIns="91425" tIns="91425" rIns="91425" bIns="91425" anchor="t" anchorCtr="0">
             <a:normAutofit/>
           </a:bodyPr>
           <a:lstStyle>
@@ -8553,15 +8510,19 @@
               </a:defRPr>
             </a:lvl9pPr>
           </a:lstStyle>
-          <a:p/>
+          <a:p>
+            <a:endParaRPr/>
+          </a:p>
         </p:txBody>
       </p:sp>
       <p:sp>
         <p:nvSpPr>
           <p:cNvPr id="7" name="Google Shape;7;p1"/>
-          <p:cNvSpPr txBox="1"/>
+          <p:cNvSpPr txBox="1">
+            <a:spLocks noGrp="1"/>
+          </p:cNvSpPr>
           <p:nvPr>
-            <p:ph idx="1" type="body"/>
+            <p:ph type="body" idx="1"/>
           </p:nvPr>
         </p:nvSpPr>
         <p:spPr>
@@ -8578,11 +8539,11 @@
           </a:ln>
         </p:spPr>
         <p:txBody>
-          <a:bodyPr anchorCtr="0" anchor="t" bIns="91425" lIns="91425" spcFirstLastPara="1" rIns="91425" wrap="square" tIns="91425">
+          <a:bodyPr spcFirstLastPara="1" wrap="square" lIns="91425" tIns="91425" rIns="91425" bIns="91425" anchor="t" anchorCtr="0">
             <a:normAutofit/>
           </a:bodyPr>
           <a:lstStyle>
-            <a:lvl1pPr indent="-311150" lvl="0" marL="457200">
+            <a:lvl1pPr marL="457200" lvl="0" indent="-311150">
               <a:lnSpc>
                 <a:spcPct val="115000"/>
               </a:lnSpc>
@@ -8608,7 +8569,7 @@
                 <a:sym typeface="Calibri"/>
               </a:defRPr>
             </a:lvl1pPr>
-            <a:lvl2pPr indent="-298450" lvl="1" marL="914400">
+            <a:lvl2pPr marL="914400" lvl="1" indent="-298450">
               <a:lnSpc>
                 <a:spcPct val="115000"/>
               </a:lnSpc>
@@ -8634,7 +8595,7 @@
                 <a:sym typeface="Calibri"/>
               </a:defRPr>
             </a:lvl2pPr>
-            <a:lvl3pPr indent="-298450" lvl="2" marL="1371600">
+            <a:lvl3pPr marL="1371600" lvl="2" indent="-298450">
               <a:lnSpc>
                 <a:spcPct val="115000"/>
               </a:lnSpc>
@@ -8660,7 +8621,7 @@
                 <a:sym typeface="Calibri"/>
               </a:defRPr>
             </a:lvl3pPr>
-            <a:lvl4pPr indent="-298450" lvl="3" marL="1828800">
+            <a:lvl4pPr marL="1828800" lvl="3" indent="-298450">
               <a:lnSpc>
                 <a:spcPct val="115000"/>
               </a:lnSpc>
@@ -8686,7 +8647,7 @@
                 <a:sym typeface="Calibri"/>
               </a:defRPr>
             </a:lvl4pPr>
-            <a:lvl5pPr indent="-298450" lvl="4" marL="2286000">
+            <a:lvl5pPr marL="2286000" lvl="4" indent="-298450">
               <a:lnSpc>
                 <a:spcPct val="115000"/>
               </a:lnSpc>
@@ -8712,7 +8673,7 @@
                 <a:sym typeface="Calibri"/>
               </a:defRPr>
             </a:lvl5pPr>
-            <a:lvl6pPr indent="-298450" lvl="5" marL="2743200">
+            <a:lvl6pPr marL="2743200" lvl="5" indent="-298450">
               <a:lnSpc>
                 <a:spcPct val="115000"/>
               </a:lnSpc>
@@ -8738,7 +8699,7 @@
                 <a:sym typeface="Calibri"/>
               </a:defRPr>
             </a:lvl6pPr>
-            <a:lvl7pPr indent="-298450" lvl="6" marL="3200400">
+            <a:lvl7pPr marL="3200400" lvl="6" indent="-298450">
               <a:lnSpc>
                 <a:spcPct val="115000"/>
               </a:lnSpc>
@@ -8764,7 +8725,7 @@
                 <a:sym typeface="Calibri"/>
               </a:defRPr>
             </a:lvl7pPr>
-            <a:lvl8pPr indent="-298450" lvl="7" marL="3657600">
+            <a:lvl8pPr marL="3657600" lvl="7" indent="-298450">
               <a:lnSpc>
                 <a:spcPct val="115000"/>
               </a:lnSpc>
@@ -8790,7 +8751,7 @@
                 <a:sym typeface="Calibri"/>
               </a:defRPr>
             </a:lvl8pPr>
-            <a:lvl9pPr indent="-298450" lvl="8" marL="4114800">
+            <a:lvl9pPr marL="4114800" lvl="8" indent="-298450">
               <a:lnSpc>
                 <a:spcPct val="115000"/>
               </a:lnSpc>
@@ -8817,15 +8778,19 @@
               </a:defRPr>
             </a:lvl9pPr>
           </a:lstStyle>
-          <a:p/>
+          <a:p>
+            <a:endParaRPr/>
+          </a:p>
         </p:txBody>
       </p:sp>
       <p:sp>
         <p:nvSpPr>
           <p:cNvPr id="8" name="Google Shape;8;p1"/>
-          <p:cNvSpPr txBox="1"/>
+          <p:cNvSpPr txBox="1">
+            <a:spLocks noGrp="1"/>
+          </p:cNvSpPr>
           <p:nvPr>
-            <p:ph idx="12" type="sldNum"/>
+            <p:ph type="sldNum" idx="12"/>
           </p:nvPr>
         </p:nvSpPr>
         <p:spPr>
@@ -8842,7 +8807,7 @@
           </a:ln>
         </p:spPr>
         <p:txBody>
-          <a:bodyPr anchorCtr="0" anchor="ctr" bIns="91425" lIns="91425" spcFirstLastPara="1" rIns="91425" wrap="square" tIns="91425">
+          <a:bodyPr spcFirstLastPara="1" wrap="square" lIns="91425" tIns="91425" rIns="91425" bIns="91425" anchor="ctr" anchorCtr="0">
             <a:normAutofit/>
           </a:bodyPr>
           <a:lstStyle>
@@ -8956,7 +8921,7 @@
             </a:lvl9pPr>
           </a:lstStyle>
           <a:p>
-            <a:pPr indent="0" lvl="0" marL="0" rtl="0" algn="r">
+            <a:pPr marL="0" lvl="0" indent="0" algn="r" rtl="0">
               <a:spcBef>
                 <a:spcPts val="0"/>
               </a:spcBef>
@@ -8967,7 +8932,7 @@
             </a:pPr>
             <a:fld id="{00000000-1234-1234-1234-123412341234}" type="slidenum">
               <a:rPr lang="es"/>
-              <a:t>‹#›</a:t>
+              <a:t>‹Nº›</a:t>
             </a:fld>
             <a:endParaRPr/>
           </a:p>
@@ -8975,7 +8940,7 @@
       </p:sp>
     </p:spTree>
   </p:cSld>
-  <p:clrMap accent1="accent1" accent2="accent2" accent3="accent3" accent4="accent4" accent5="accent5" accent6="accent6" bg1="lt1" bg2="dk2" tx1="dk1" tx2="lt2" folHlink="folHlink" hlink="hlink"/>
+  <p:clrMap bg1="lt1" tx1="dk1" bg2="dk2" tx2="lt2" accent1="accent1" accent2="accent2" accent3="accent3" accent4="accent4" accent5="accent5" accent6="accent6" hlink="hlink" folHlink="folHlink"/>
   <p:sldLayoutIdLst>
     <p:sldLayoutId id="2147483648" r:id="rId1"/>
     <p:sldLayoutId id="2147483649" r:id="rId2"/>
@@ -8989,10 +8954,10 @@
     <p:sldLayoutId id="2147483657" r:id="rId10"/>
     <p:sldLayoutId id="2147483658" r:id="rId11"/>
   </p:sldLayoutIdLst>
-  <p:hf dt="0" ftr="0" hdr="0" sldNum="0"/>
+  <p:hf sldNum="0" hdr="0" ftr="0" dt="0"/>
   <p:txStyles>
     <p:titleStyle>
-      <a:defPPr lvl="0" marR="0" rtl="0" algn="l">
+      <a:defPPr marR="0" lvl="0" algn="l" rtl="0">
         <a:lnSpc>
           <a:spcPct val="100000"/>
         </a:lnSpc>
@@ -9003,7 +8968,7 @@
           <a:spcPts val="0"/>
         </a:spcAft>
       </a:defPPr>
-      <a:lvl1pPr lvl="0" marR="0" rtl="0" algn="l">
+      <a:lvl1pPr marR="0" lvl="0" algn="l" rtl="0">
         <a:lnSpc>
           <a:spcPct val="100000"/>
         </a:lnSpc>
@@ -9017,7 +8982,7 @@
           <a:srgbClr val="000000"/>
         </a:buClr>
         <a:buFont typeface="Arial"/>
-        <a:defRPr b="0" i="0" sz="1400" u="none" cap="none" strike="noStrike">
+        <a:defRPr sz="1400" b="0" i="0" u="none" strike="noStrike" cap="none">
           <a:solidFill>
             <a:srgbClr val="000000"/>
           </a:solidFill>
@@ -9027,7 +8992,7 @@
           <a:sym typeface="Arial"/>
         </a:defRPr>
       </a:lvl1pPr>
-      <a:lvl2pPr lvl="1" marR="0" rtl="0" algn="l">
+      <a:lvl2pPr marR="0" lvl="1" algn="l" rtl="0">
         <a:lnSpc>
           <a:spcPct val="100000"/>
         </a:lnSpc>
@@ -9041,7 +9006,7 @@
           <a:srgbClr val="000000"/>
         </a:buClr>
         <a:buFont typeface="Arial"/>
-        <a:defRPr b="0" i="0" sz="1400" u="none" cap="none" strike="noStrike">
+        <a:defRPr sz="1400" b="0" i="0" u="none" strike="noStrike" cap="none">
           <a:solidFill>
             <a:srgbClr val="000000"/>
           </a:solidFill>
@@ -9051,7 +9016,7 @@
           <a:sym typeface="Arial"/>
         </a:defRPr>
       </a:lvl2pPr>
-      <a:lvl3pPr lvl="2" marR="0" rtl="0" algn="l">
+      <a:lvl3pPr marR="0" lvl="2" algn="l" rtl="0">
         <a:lnSpc>
           <a:spcPct val="100000"/>
         </a:lnSpc>
@@ -9065,7 +9030,7 @@
           <a:srgbClr val="000000"/>
         </a:buClr>
         <a:buFont typeface="Arial"/>
-        <a:defRPr b="0" i="0" sz="1400" u="none" cap="none" strike="noStrike">
+        <a:defRPr sz="1400" b="0" i="0" u="none" strike="noStrike" cap="none">
           <a:solidFill>
             <a:srgbClr val="000000"/>
           </a:solidFill>
@@ -9075,7 +9040,7 @@
           <a:sym typeface="Arial"/>
         </a:defRPr>
       </a:lvl3pPr>
-      <a:lvl4pPr lvl="3" marR="0" rtl="0" algn="l">
+      <a:lvl4pPr marR="0" lvl="3" algn="l" rtl="0">
         <a:lnSpc>
           <a:spcPct val="100000"/>
         </a:lnSpc>
@@ -9089,7 +9054,7 @@
           <a:srgbClr val="000000"/>
         </a:buClr>
         <a:buFont typeface="Arial"/>
-        <a:defRPr b="0" i="0" sz="1400" u="none" cap="none" strike="noStrike">
+        <a:defRPr sz="1400" b="0" i="0" u="none" strike="noStrike" cap="none">
           <a:solidFill>
             <a:srgbClr val="000000"/>
           </a:solidFill>
@@ -9099,7 +9064,7 @@
           <a:sym typeface="Arial"/>
         </a:defRPr>
       </a:lvl4pPr>
-      <a:lvl5pPr lvl="4" marR="0" rtl="0" algn="l">
+      <a:lvl5pPr marR="0" lvl="4" algn="l" rtl="0">
         <a:lnSpc>
           <a:spcPct val="100000"/>
         </a:lnSpc>
@@ -9113,7 +9078,7 @@
           <a:srgbClr val="000000"/>
         </a:buClr>
         <a:buFont typeface="Arial"/>
-        <a:defRPr b="0" i="0" sz="1400" u="none" cap="none" strike="noStrike">
+        <a:defRPr sz="1400" b="0" i="0" u="none" strike="noStrike" cap="none">
           <a:solidFill>
             <a:srgbClr val="000000"/>
           </a:solidFill>
@@ -9123,7 +9088,7 @@
           <a:sym typeface="Arial"/>
         </a:defRPr>
       </a:lvl5pPr>
-      <a:lvl6pPr lvl="5" marR="0" rtl="0" algn="l">
+      <a:lvl6pPr marR="0" lvl="5" algn="l" rtl="0">
         <a:lnSpc>
           <a:spcPct val="100000"/>
         </a:lnSpc>
@@ -9137,7 +9102,7 @@
           <a:srgbClr val="000000"/>
         </a:buClr>
         <a:buFont typeface="Arial"/>
-        <a:defRPr b="0" i="0" sz="1400" u="none" cap="none" strike="noStrike">
+        <a:defRPr sz="1400" b="0" i="0" u="none" strike="noStrike" cap="none">
           <a:solidFill>
             <a:srgbClr val="000000"/>
           </a:solidFill>
@@ -9147,7 +9112,7 @@
           <a:sym typeface="Arial"/>
         </a:defRPr>
       </a:lvl6pPr>
-      <a:lvl7pPr lvl="6" marR="0" rtl="0" algn="l">
+      <a:lvl7pPr marR="0" lvl="6" algn="l" rtl="0">
         <a:lnSpc>
           <a:spcPct val="100000"/>
         </a:lnSpc>
@@ -9161,7 +9126,7 @@
           <a:srgbClr val="000000"/>
         </a:buClr>
         <a:buFont typeface="Arial"/>
-        <a:defRPr b="0" i="0" sz="1400" u="none" cap="none" strike="noStrike">
+        <a:defRPr sz="1400" b="0" i="0" u="none" strike="noStrike" cap="none">
           <a:solidFill>
             <a:srgbClr val="000000"/>
           </a:solidFill>
@@ -9171,7 +9136,7 @@
           <a:sym typeface="Arial"/>
         </a:defRPr>
       </a:lvl7pPr>
-      <a:lvl8pPr lvl="7" marR="0" rtl="0" algn="l">
+      <a:lvl8pPr marR="0" lvl="7" algn="l" rtl="0">
         <a:lnSpc>
           <a:spcPct val="100000"/>
         </a:lnSpc>
@@ -9185,7 +9150,7 @@
           <a:srgbClr val="000000"/>
         </a:buClr>
         <a:buFont typeface="Arial"/>
-        <a:defRPr b="0" i="0" sz="1400" u="none" cap="none" strike="noStrike">
+        <a:defRPr sz="1400" b="0" i="0" u="none" strike="noStrike" cap="none">
           <a:solidFill>
             <a:srgbClr val="000000"/>
           </a:solidFill>
@@ -9195,7 +9160,7 @@
           <a:sym typeface="Arial"/>
         </a:defRPr>
       </a:lvl8pPr>
-      <a:lvl9pPr lvl="8" marR="0" rtl="0" algn="l">
+      <a:lvl9pPr marR="0" lvl="8" algn="l" rtl="0">
         <a:lnSpc>
           <a:spcPct val="100000"/>
         </a:lnSpc>
@@ -9209,7 +9174,7 @@
           <a:srgbClr val="000000"/>
         </a:buClr>
         <a:buFont typeface="Arial"/>
-        <a:defRPr b="0" i="0" sz="1400" u="none" cap="none" strike="noStrike">
+        <a:defRPr sz="1400" b="0" i="0" u="none" strike="noStrike" cap="none">
           <a:solidFill>
             <a:srgbClr val="000000"/>
           </a:solidFill>
@@ -9221,7 +9186,7 @@
       </a:lvl9pPr>
     </p:titleStyle>
     <p:bodyStyle>
-      <a:defPPr lvl="0" marR="0" rtl="0" algn="l">
+      <a:defPPr marR="0" lvl="0" algn="l" rtl="0">
         <a:lnSpc>
           <a:spcPct val="100000"/>
         </a:lnSpc>
@@ -9232,7 +9197,7 @@
           <a:spcPts val="0"/>
         </a:spcAft>
       </a:defPPr>
-      <a:lvl1pPr lvl="0" marR="0" rtl="0" algn="l">
+      <a:lvl1pPr marR="0" lvl="0" algn="l" rtl="0">
         <a:lnSpc>
           <a:spcPct val="100000"/>
         </a:lnSpc>
@@ -9246,7 +9211,7 @@
           <a:srgbClr val="000000"/>
         </a:buClr>
         <a:buFont typeface="Arial"/>
-        <a:defRPr b="0" i="0" sz="1400" u="none" cap="none" strike="noStrike">
+        <a:defRPr sz="1400" b="0" i="0" u="none" strike="noStrike" cap="none">
           <a:solidFill>
             <a:srgbClr val="000000"/>
           </a:solidFill>
@@ -9256,7 +9221,7 @@
           <a:sym typeface="Arial"/>
         </a:defRPr>
       </a:lvl1pPr>
-      <a:lvl2pPr lvl="1" marR="0" rtl="0" algn="l">
+      <a:lvl2pPr marR="0" lvl="1" algn="l" rtl="0">
         <a:lnSpc>
           <a:spcPct val="100000"/>
         </a:lnSpc>
@@ -9270,7 +9235,7 @@
           <a:srgbClr val="000000"/>
         </a:buClr>
         <a:buFont typeface="Arial"/>
-        <a:defRPr b="0" i="0" sz="1400" u="none" cap="none" strike="noStrike">
+        <a:defRPr sz="1400" b="0" i="0" u="none" strike="noStrike" cap="none">
           <a:solidFill>
             <a:srgbClr val="000000"/>
           </a:solidFill>
@@ -9280,7 +9245,7 @@
           <a:sym typeface="Arial"/>
         </a:defRPr>
       </a:lvl2pPr>
-      <a:lvl3pPr lvl="2" marR="0" rtl="0" algn="l">
+      <a:lvl3pPr marR="0" lvl="2" algn="l" rtl="0">
         <a:lnSpc>
           <a:spcPct val="100000"/>
         </a:lnSpc>
@@ -9294,7 +9259,7 @@
           <a:srgbClr val="000000"/>
         </a:buClr>
         <a:buFont typeface="Arial"/>
-        <a:defRPr b="0" i="0" sz="1400" u="none" cap="none" strike="noStrike">
+        <a:defRPr sz="1400" b="0" i="0" u="none" strike="noStrike" cap="none">
           <a:solidFill>
             <a:srgbClr val="000000"/>
           </a:solidFill>
@@ -9304,7 +9269,7 @@
           <a:sym typeface="Arial"/>
         </a:defRPr>
       </a:lvl3pPr>
-      <a:lvl4pPr lvl="3" marR="0" rtl="0" algn="l">
+      <a:lvl4pPr marR="0" lvl="3" algn="l" rtl="0">
         <a:lnSpc>
           <a:spcPct val="100000"/>
         </a:lnSpc>
@@ -9318,7 +9283,7 @@
           <a:srgbClr val="000000"/>
         </a:buClr>
         <a:buFont typeface="Arial"/>
-        <a:defRPr b="0" i="0" sz="1400" u="none" cap="none" strike="noStrike">
+        <a:defRPr sz="1400" b="0" i="0" u="none" strike="noStrike" cap="none">
           <a:solidFill>
             <a:srgbClr val="000000"/>
           </a:solidFill>
@@ -9328,7 +9293,7 @@
           <a:sym typeface="Arial"/>
         </a:defRPr>
       </a:lvl4pPr>
-      <a:lvl5pPr lvl="4" marR="0" rtl="0" algn="l">
+      <a:lvl5pPr marR="0" lvl="4" algn="l" rtl="0">
         <a:lnSpc>
           <a:spcPct val="100000"/>
         </a:lnSpc>
@@ -9342,7 +9307,7 @@
           <a:srgbClr val="000000"/>
         </a:buClr>
         <a:buFont typeface="Arial"/>
-        <a:defRPr b="0" i="0" sz="1400" u="none" cap="none" strike="noStrike">
+        <a:defRPr sz="1400" b="0" i="0" u="none" strike="noStrike" cap="none">
           <a:solidFill>
             <a:srgbClr val="000000"/>
           </a:solidFill>
@@ -9352,7 +9317,7 @@
           <a:sym typeface="Arial"/>
         </a:defRPr>
       </a:lvl5pPr>
-      <a:lvl6pPr lvl="5" marR="0" rtl="0" algn="l">
+      <a:lvl6pPr marR="0" lvl="5" algn="l" rtl="0">
         <a:lnSpc>
           <a:spcPct val="100000"/>
         </a:lnSpc>
@@ -9366,7 +9331,7 @@
           <a:srgbClr val="000000"/>
         </a:buClr>
         <a:buFont typeface="Arial"/>
-        <a:defRPr b="0" i="0" sz="1400" u="none" cap="none" strike="noStrike">
+        <a:defRPr sz="1400" b="0" i="0" u="none" strike="noStrike" cap="none">
           <a:solidFill>
             <a:srgbClr val="000000"/>
           </a:solidFill>
@@ -9376,7 +9341,7 @@
           <a:sym typeface="Arial"/>
         </a:defRPr>
       </a:lvl6pPr>
-      <a:lvl7pPr lvl="6" marR="0" rtl="0" algn="l">
+      <a:lvl7pPr marR="0" lvl="6" algn="l" rtl="0">
         <a:lnSpc>
           <a:spcPct val="100000"/>
         </a:lnSpc>
@@ -9390,7 +9355,7 @@
           <a:srgbClr val="000000"/>
         </a:buClr>
         <a:buFont typeface="Arial"/>
-        <a:defRPr b="0" i="0" sz="1400" u="none" cap="none" strike="noStrike">
+        <a:defRPr sz="1400" b="0" i="0" u="none" strike="noStrike" cap="none">
           <a:solidFill>
             <a:srgbClr val="000000"/>
           </a:solidFill>
@@ -9400,7 +9365,7 @@
           <a:sym typeface="Arial"/>
         </a:defRPr>
       </a:lvl7pPr>
-      <a:lvl8pPr lvl="7" marR="0" rtl="0" algn="l">
+      <a:lvl8pPr marR="0" lvl="7" algn="l" rtl="0">
         <a:lnSpc>
           <a:spcPct val="100000"/>
         </a:lnSpc>
@@ -9414,7 +9379,7 @@
           <a:srgbClr val="000000"/>
         </a:buClr>
         <a:buFont typeface="Arial"/>
-        <a:defRPr b="0" i="0" sz="1400" u="none" cap="none" strike="noStrike">
+        <a:defRPr sz="1400" b="0" i="0" u="none" strike="noStrike" cap="none">
           <a:solidFill>
             <a:srgbClr val="000000"/>
           </a:solidFill>
@@ -9424,7 +9389,7 @@
           <a:sym typeface="Arial"/>
         </a:defRPr>
       </a:lvl8pPr>
-      <a:lvl9pPr lvl="8" marR="0" rtl="0" algn="l">
+      <a:lvl9pPr marR="0" lvl="8" algn="l" rtl="0">
         <a:lnSpc>
           <a:spcPct val="100000"/>
         </a:lnSpc>
@@ -9438,7 +9403,7 @@
           <a:srgbClr val="000000"/>
         </a:buClr>
         <a:buFont typeface="Arial"/>
-        <a:defRPr b="0" i="0" sz="1400" u="none" cap="none" strike="noStrike">
+        <a:defRPr sz="1400" b="0" i="0" u="none" strike="noStrike" cap="none">
           <a:solidFill>
             <a:srgbClr val="000000"/>
           </a:solidFill>
@@ -9450,7 +9415,7 @@
       </a:lvl9pPr>
     </p:bodyStyle>
     <p:otherStyle>
-      <a:defPPr lvl="0" marR="0" rtl="0" algn="l">
+      <a:defPPr marR="0" lvl="0" algn="l" rtl="0">
         <a:lnSpc>
           <a:spcPct val="100000"/>
         </a:lnSpc>
@@ -9461,7 +9426,7 @@
           <a:spcPts val="0"/>
         </a:spcAft>
       </a:defPPr>
-      <a:lvl1pPr lvl="0" marR="0" rtl="0" algn="l">
+      <a:lvl1pPr marR="0" lvl="0" algn="l" rtl="0">
         <a:lnSpc>
           <a:spcPct val="100000"/>
         </a:lnSpc>
@@ -9475,7 +9440,7 @@
           <a:srgbClr val="000000"/>
         </a:buClr>
         <a:buFont typeface="Arial"/>
-        <a:defRPr b="0" i="0" sz="1400" u="none" cap="none" strike="noStrike">
+        <a:defRPr sz="1400" b="0" i="0" u="none" strike="noStrike" cap="none">
           <a:solidFill>
             <a:srgbClr val="000000"/>
           </a:solidFill>
@@ -9485,7 +9450,7 @@
           <a:sym typeface="Arial"/>
         </a:defRPr>
       </a:lvl1pPr>
-      <a:lvl2pPr lvl="1" marR="0" rtl="0" algn="l">
+      <a:lvl2pPr marR="0" lvl="1" algn="l" rtl="0">
         <a:lnSpc>
           <a:spcPct val="100000"/>
         </a:lnSpc>
@@ -9499,7 +9464,7 @@
           <a:srgbClr val="000000"/>
         </a:buClr>
         <a:buFont typeface="Arial"/>
-        <a:defRPr b="0" i="0" sz="1400" u="none" cap="none" strike="noStrike">
+        <a:defRPr sz="1400" b="0" i="0" u="none" strike="noStrike" cap="none">
           <a:solidFill>
             <a:srgbClr val="000000"/>
           </a:solidFill>
@@ -9509,7 +9474,7 @@
           <a:sym typeface="Arial"/>
         </a:defRPr>
       </a:lvl2pPr>
-      <a:lvl3pPr lvl="2" marR="0" rtl="0" algn="l">
+      <a:lvl3pPr marR="0" lvl="2" algn="l" rtl="0">
         <a:lnSpc>
           <a:spcPct val="100000"/>
         </a:lnSpc>
@@ -9523,7 +9488,7 @@
           <a:srgbClr val="000000"/>
         </a:buClr>
         <a:buFont typeface="Arial"/>
-        <a:defRPr b="0" i="0" sz="1400" u="none" cap="none" strike="noStrike">
+        <a:defRPr sz="1400" b="0" i="0" u="none" strike="noStrike" cap="none">
           <a:solidFill>
             <a:srgbClr val="000000"/>
           </a:solidFill>
@@ -9533,7 +9498,7 @@
           <a:sym typeface="Arial"/>
         </a:defRPr>
       </a:lvl3pPr>
-      <a:lvl4pPr lvl="3" marR="0" rtl="0" algn="l">
+      <a:lvl4pPr marR="0" lvl="3" algn="l" rtl="0">
         <a:lnSpc>
           <a:spcPct val="100000"/>
         </a:lnSpc>
@@ -9547,7 +9512,7 @@
           <a:srgbClr val="000000"/>
         </a:buClr>
         <a:buFont typeface="Arial"/>
-        <a:defRPr b="0" i="0" sz="1400" u="none" cap="none" strike="noStrike">
+        <a:defRPr sz="1400" b="0" i="0" u="none" strike="noStrike" cap="none">
           <a:solidFill>
             <a:srgbClr val="000000"/>
           </a:solidFill>
@@ -9557,7 +9522,7 @@
           <a:sym typeface="Arial"/>
         </a:defRPr>
       </a:lvl4pPr>
-      <a:lvl5pPr lvl="4" marR="0" rtl="0" algn="l">
+      <a:lvl5pPr marR="0" lvl="4" algn="l" rtl="0">
         <a:lnSpc>
           <a:spcPct val="100000"/>
         </a:lnSpc>
@@ -9571,7 +9536,7 @@
           <a:srgbClr val="000000"/>
         </a:buClr>
         <a:buFont typeface="Arial"/>
-        <a:defRPr b="0" i="0" sz="1400" u="none" cap="none" strike="noStrike">
+        <a:defRPr sz="1400" b="0" i="0" u="none" strike="noStrike" cap="none">
           <a:solidFill>
             <a:srgbClr val="000000"/>
           </a:solidFill>
@@ -9581,7 +9546,7 @@
           <a:sym typeface="Arial"/>
         </a:defRPr>
       </a:lvl5pPr>
-      <a:lvl6pPr lvl="5" marR="0" rtl="0" algn="l">
+      <a:lvl6pPr marR="0" lvl="5" algn="l" rtl="0">
         <a:lnSpc>
           <a:spcPct val="100000"/>
         </a:lnSpc>
@@ -9595,7 +9560,7 @@
           <a:srgbClr val="000000"/>
         </a:buClr>
         <a:buFont typeface="Arial"/>
-        <a:defRPr b="0" i="0" sz="1400" u="none" cap="none" strike="noStrike">
+        <a:defRPr sz="1400" b="0" i="0" u="none" strike="noStrike" cap="none">
           <a:solidFill>
             <a:srgbClr val="000000"/>
           </a:solidFill>
@@ -9605,7 +9570,7 @@
           <a:sym typeface="Arial"/>
         </a:defRPr>
       </a:lvl6pPr>
-      <a:lvl7pPr lvl="6" marR="0" rtl="0" algn="l">
+      <a:lvl7pPr marR="0" lvl="6" algn="l" rtl="0">
         <a:lnSpc>
           <a:spcPct val="100000"/>
         </a:lnSpc>
@@ -9619,7 +9584,7 @@
           <a:srgbClr val="000000"/>
         </a:buClr>
         <a:buFont typeface="Arial"/>
-        <a:defRPr b="0" i="0" sz="1400" u="none" cap="none" strike="noStrike">
+        <a:defRPr sz="1400" b="0" i="0" u="none" strike="noStrike" cap="none">
           <a:solidFill>
             <a:srgbClr val="000000"/>
           </a:solidFill>
@@ -9629,7 +9594,7 @@
           <a:sym typeface="Arial"/>
         </a:defRPr>
       </a:lvl7pPr>
-      <a:lvl8pPr lvl="7" marR="0" rtl="0" algn="l">
+      <a:lvl8pPr marR="0" lvl="7" algn="l" rtl="0">
         <a:lnSpc>
           <a:spcPct val="100000"/>
         </a:lnSpc>
@@ -9643,7 +9608,7 @@
           <a:srgbClr val="000000"/>
         </a:buClr>
         <a:buFont typeface="Arial"/>
-        <a:defRPr b="0" i="0" sz="1400" u="none" cap="none" strike="noStrike">
+        <a:defRPr sz="1400" b="0" i="0" u="none" strike="noStrike" cap="none">
           <a:solidFill>
             <a:srgbClr val="000000"/>
           </a:solidFill>
@@ -9653,7 +9618,7 @@
           <a:sym typeface="Arial"/>
         </a:defRPr>
       </a:lvl8pPr>
-      <a:lvl9pPr lvl="8" marR="0" rtl="0" algn="l">
+      <a:lvl9pPr marR="0" lvl="8" algn="l" rtl="0">
         <a:lnSpc>
           <a:spcPct val="100000"/>
         </a:lnSpc>
@@ -9667,7 +9632,7 @@
           <a:srgbClr val="000000"/>
         </a:buClr>
         <a:buFont typeface="Arial"/>
-        <a:defRPr b="0" i="0" sz="1400" u="none" cap="none" strike="noStrike">
+        <a:defRPr sz="1400" b="0" i="0" u="none" strike="noStrike" cap="none">
           <a:solidFill>
             <a:srgbClr val="000000"/>
           </a:solidFill>
@@ -9683,11 +9648,11 @@
 </file>
 
 <file path=ppt/slides/slide1.xml><?xml version="1.0" encoding="utf-8"?>
-<p:sld xmlns:a="http://schemas.openxmlformats.org/drawingml/2006/main" xmlns:r="http://schemas.openxmlformats.org/officeDocument/2006/relationships" xmlns:mc="http://schemas.openxmlformats.org/markup-compatibility/2006" xmlns:mv="urn:schemas-microsoft-com:mac:vml" xmlns:p="http://schemas.openxmlformats.org/presentationml/2006/main" xmlns:c="http://schemas.openxmlformats.org/drawingml/2006/chart" xmlns:dgm="http://schemas.openxmlformats.org/drawingml/2006/diagram" xmlns:o="urn:schemas-microsoft-com:office:office" xmlns:v="urn:schemas-microsoft-com:vml" xmlns:pvml="urn:schemas-microsoft-com:office:powerpoint" xmlns:com="http://schemas.openxmlformats.org/drawingml/2006/compatibility" xmlns:p14="http://schemas.microsoft.com/office/powerpoint/2010/main" xmlns:p15="http://schemas.microsoft.com/office/powerpoint/2012/main" xmlns:ahyp="http://schemas.microsoft.com/office/drawing/2018/hyperlinkcolor">
+<p:sld xmlns:a="http://schemas.openxmlformats.org/drawingml/2006/main" xmlns:r="http://schemas.openxmlformats.org/officeDocument/2006/relationships" xmlns:p="http://schemas.openxmlformats.org/presentationml/2006/main">
   <p:cSld>
     <p:spTree>
       <p:nvGrpSpPr>
-        <p:cNvPr id="127" name="Shape 127"/>
+        <p:cNvPr id="1" name="Shape 127"/>
         <p:cNvGrpSpPr/>
         <p:nvPr/>
       </p:nvGrpSpPr>
@@ -9702,9 +9667,11 @@
       <p:sp>
         <p:nvSpPr>
           <p:cNvPr id="128" name="Google Shape;128;p13"/>
-          <p:cNvSpPr txBox="1"/>
+          <p:cNvSpPr txBox="1">
+            <a:spLocks noGrp="1"/>
+          </p:cNvSpPr>
           <p:nvPr>
-            <p:ph idx="1" type="subTitle"/>
+            <p:ph type="subTitle" idx="1"/>
           </p:nvPr>
         </p:nvSpPr>
         <p:spPr>
@@ -9717,12 +9684,12 @@
           </a:prstGeom>
         </p:spPr>
         <p:txBody>
-          <a:bodyPr anchorCtr="0" anchor="t" bIns="91425" lIns="91425" spcFirstLastPara="1" rIns="91425" wrap="square" tIns="91425">
+          <a:bodyPr spcFirstLastPara="1" wrap="square" lIns="91425" tIns="91425" rIns="91425" bIns="91425" anchor="t" anchorCtr="0">
             <a:noAutofit/>
           </a:bodyPr>
           <a:lstStyle/>
           <a:p>
-            <a:pPr indent="0" lvl="0" marL="0" rtl="0" algn="ctr">
+            <a:pPr marL="0" lvl="0" indent="0" algn="ctr" rtl="0">
               <a:lnSpc>
                 <a:spcPct val="80000"/>
               </a:lnSpc>
@@ -9760,11 +9727,11 @@
 </file>
 
 <file path=ppt/slides/slide2.xml><?xml version="1.0" encoding="utf-8"?>
-<p:sld xmlns:a="http://schemas.openxmlformats.org/drawingml/2006/main" xmlns:r="http://schemas.openxmlformats.org/officeDocument/2006/relationships" xmlns:mc="http://schemas.openxmlformats.org/markup-compatibility/2006" xmlns:mv="urn:schemas-microsoft-com:mac:vml" xmlns:p="http://schemas.openxmlformats.org/presentationml/2006/main" xmlns:c="http://schemas.openxmlformats.org/drawingml/2006/chart" xmlns:dgm="http://schemas.openxmlformats.org/drawingml/2006/diagram" xmlns:o="urn:schemas-microsoft-com:office:office" xmlns:v="urn:schemas-microsoft-com:vml" xmlns:pvml="urn:schemas-microsoft-com:office:powerpoint" xmlns:com="http://schemas.openxmlformats.org/drawingml/2006/compatibility" xmlns:p14="http://schemas.microsoft.com/office/powerpoint/2010/main" xmlns:p15="http://schemas.microsoft.com/office/powerpoint/2012/main" xmlns:ahyp="http://schemas.microsoft.com/office/drawing/2018/hyperlinkcolor">
+<p:sld xmlns:a="http://schemas.openxmlformats.org/drawingml/2006/main" xmlns:r="http://schemas.openxmlformats.org/officeDocument/2006/relationships" xmlns:p="http://schemas.openxmlformats.org/presentationml/2006/main">
   <p:cSld>
     <p:spTree>
       <p:nvGrpSpPr>
-        <p:cNvPr id="132" name="Shape 132"/>
+        <p:cNvPr id="1" name="Shape 132"/>
         <p:cNvGrpSpPr/>
         <p:nvPr/>
       </p:nvGrpSpPr>
@@ -9779,7 +9746,9 @@
       <p:sp>
         <p:nvSpPr>
           <p:cNvPr id="133" name="Google Shape;133;p14"/>
-          <p:cNvSpPr txBox="1"/>
+          <p:cNvSpPr txBox="1">
+            <a:spLocks noGrp="1"/>
+          </p:cNvSpPr>
           <p:nvPr>
             <p:ph type="title"/>
           </p:nvPr>
@@ -9794,12 +9763,12 @@
           </a:prstGeom>
         </p:spPr>
         <p:txBody>
-          <a:bodyPr anchorCtr="0" anchor="t" bIns="91425" lIns="91425" spcFirstLastPara="1" rIns="91425" wrap="square" tIns="91425">
+          <a:bodyPr spcFirstLastPara="1" wrap="square" lIns="91425" tIns="91425" rIns="91425" bIns="91425" anchor="t" anchorCtr="0">
             <a:normAutofit/>
           </a:bodyPr>
           <a:lstStyle/>
           <a:p>
-            <a:pPr indent="0" lvl="0" marL="0" rtl="0" algn="l">
+            <a:pPr marL="0" lvl="0" indent="0" algn="l" rtl="0">
               <a:spcBef>
                 <a:spcPts val="0"/>
               </a:spcBef>
@@ -9819,9 +9788,11 @@
       <p:sp>
         <p:nvSpPr>
           <p:cNvPr id="134" name="Google Shape;134;p14"/>
-          <p:cNvSpPr txBox="1"/>
+          <p:cNvSpPr txBox="1">
+            <a:spLocks noGrp="1"/>
+          </p:cNvSpPr>
           <p:nvPr>
-            <p:ph idx="1" type="body"/>
+            <p:ph type="body" idx="1"/>
           </p:nvPr>
         </p:nvSpPr>
         <p:spPr>
@@ -9834,12 +9805,12 @@
           </a:prstGeom>
         </p:spPr>
         <p:txBody>
-          <a:bodyPr anchorCtr="0" anchor="t" bIns="91425" lIns="91425" spcFirstLastPara="1" rIns="91425" wrap="square" tIns="91425">
+          <a:bodyPr spcFirstLastPara="1" wrap="square" lIns="91425" tIns="91425" rIns="91425" bIns="91425" anchor="t" anchorCtr="0">
             <a:normAutofit/>
           </a:bodyPr>
           <a:lstStyle/>
           <a:p>
-            <a:pPr indent="0" lvl="0" marL="0" rtl="0" algn="l">
+            <a:pPr marL="0" lvl="0" indent="0" algn="l" rtl="0">
               <a:spcBef>
                 <a:spcPts val="1200"/>
               </a:spcBef>
@@ -9854,23 +9825,7 @@
                   <a:srgbClr val="111A37"/>
                 </a:solidFill>
               </a:rPr>
-              <a:t>La detección temprana del cáncer a una persona puede ser la gran diferencia entre la vida y la muerte. Teniendo </a:t>
-            </a:r>
-            <a:r>
-              <a:rPr lang="es" sz="1400">
-                <a:solidFill>
-                  <a:srgbClr val="111A37"/>
-                </a:solidFill>
-              </a:rPr>
-              <a:t>en cuenta</a:t>
-            </a:r>
-            <a:r>
-              <a:rPr lang="es" sz="1400">
-                <a:solidFill>
-                  <a:srgbClr val="111A37"/>
-                </a:solidFill>
-              </a:rPr>
-              <a:t> que el cáncer de piel es uno de los más comunes a nivel mundial, es imperativo que reciban un tratamiento a tiempo con el fin de aumentar sus probabilidades de supervivencia. No obstante, los métodos tradicionales de diagnóstico pueden ser ineficientes y necesitar la experiencia de un dermatólogo especialista en el tema debido a que existe un margen de error.</a:t>
+              <a:t>La detección temprana del cáncer a una persona puede ser la gran diferencia entre la vida y la muerte. Teniendo en cuenta que el cáncer de piel es uno de los más comunes a nivel mundial, es imperativo que reciban un tratamiento a tiempo con el fin de aumentar sus probabilidades de supervivencia. No obstante, los métodos tradicionales de diagnóstico pueden ser ineficientes y necesitar la experiencia de un dermatólogo especialista en el tema debido a que existe un margen de error.</a:t>
             </a:r>
             <a:endParaRPr sz="1400">
               <a:solidFill>
@@ -9889,11 +9844,439 @@
 </file>
 
 <file path=ppt/slides/slide3.xml><?xml version="1.0" encoding="utf-8"?>
-<p:sld xmlns:a="http://schemas.openxmlformats.org/drawingml/2006/main" xmlns:r="http://schemas.openxmlformats.org/officeDocument/2006/relationships" xmlns:mc="http://schemas.openxmlformats.org/markup-compatibility/2006" xmlns:mv="urn:schemas-microsoft-com:mac:vml" xmlns:p="http://schemas.openxmlformats.org/presentationml/2006/main" xmlns:c="http://schemas.openxmlformats.org/drawingml/2006/chart" xmlns:dgm="http://schemas.openxmlformats.org/drawingml/2006/diagram" xmlns:o="urn:schemas-microsoft-com:office:office" xmlns:v="urn:schemas-microsoft-com:vml" xmlns:pvml="urn:schemas-microsoft-com:office:powerpoint" xmlns:com="http://schemas.openxmlformats.org/drawingml/2006/compatibility" xmlns:p14="http://schemas.microsoft.com/office/powerpoint/2010/main" xmlns:p15="http://schemas.microsoft.com/office/powerpoint/2012/main" xmlns:ahyp="http://schemas.microsoft.com/office/drawing/2018/hyperlinkcolor">
+<p:sld xmlns:a="http://schemas.openxmlformats.org/drawingml/2006/main" xmlns:r="http://schemas.openxmlformats.org/officeDocument/2006/relationships" xmlns:p="http://schemas.openxmlformats.org/presentationml/2006/main">
   <p:cSld>
     <p:spTree>
       <p:nvGrpSpPr>
-        <p:cNvPr id="138" name="Shape 138"/>
+        <p:cNvPr id="1" name=""/>
+        <p:cNvGrpSpPr/>
+        <p:nvPr/>
+      </p:nvGrpSpPr>
+      <p:grpSpPr>
+        <a:xfrm>
+          <a:off x="0" y="0"/>
+          <a:ext cx="0" cy="0"/>
+          <a:chOff x="0" y="0"/>
+          <a:chExt cx="0" cy="0"/>
+        </a:xfrm>
+      </p:grpSpPr>
+      <p:sp>
+        <p:nvSpPr>
+          <p:cNvPr id="3" name="Marcador de texto 2">
+            <a:extLst>
+              <a:ext uri="{FF2B5EF4-FFF2-40B4-BE49-F238E27FC236}">
+                <a16:creationId xmlns:a16="http://schemas.microsoft.com/office/drawing/2014/main" id="{D454108E-43E4-BC8C-EA36-A377D44EB05B}"/>
+              </a:ext>
+            </a:extLst>
+          </p:cNvPr>
+          <p:cNvSpPr>
+            <a:spLocks noGrp="1"/>
+          </p:cNvSpPr>
+          <p:nvPr>
+            <p:ph type="body" idx="1"/>
+          </p:nvPr>
+        </p:nvSpPr>
+        <p:spPr>
+          <a:xfrm>
+            <a:off x="4711434" y="1282065"/>
+            <a:ext cx="3314700" cy="1141096"/>
+          </a:xfrm>
+        </p:spPr>
+        <p:txBody>
+          <a:bodyPr/>
+          <a:lstStyle/>
+          <a:p>
+            <a:pPr marL="146050" indent="0">
+              <a:buNone/>
+            </a:pPr>
+            <a:r>
+              <a:rPr lang="es-MX" dirty="0"/>
+              <a:t>“en el Perú, hasta el 2020, se han registrado 1,282 nuevos casos de cáncer por melanoma en la piel” </a:t>
+            </a:r>
+          </a:p>
+          <a:p>
+            <a:pPr marL="146050" indent="0" algn="r">
+              <a:buNone/>
+            </a:pPr>
+            <a:r>
+              <a:rPr lang="es-MX" dirty="0"/>
+              <a:t>Global </a:t>
+            </a:r>
+            <a:r>
+              <a:rPr lang="es-MX" dirty="0" err="1"/>
+              <a:t>Cancer</a:t>
+            </a:r>
+            <a:r>
+              <a:rPr lang="es-MX" dirty="0"/>
+              <a:t> </a:t>
+            </a:r>
+            <a:r>
+              <a:rPr lang="es-MX" dirty="0" err="1"/>
+              <a:t>Observatory</a:t>
+            </a:r>
+            <a:r>
+              <a:rPr lang="es-MX" dirty="0"/>
+              <a:t> (</a:t>
+            </a:r>
+            <a:r>
+              <a:rPr lang="es-MX" dirty="0" err="1"/>
+              <a:t>Globocan</a:t>
+            </a:r>
+            <a:r>
+              <a:rPr lang="es-MX" dirty="0"/>
+              <a:t>)</a:t>
+            </a:r>
+            <a:endParaRPr lang="es-PE" dirty="0"/>
+          </a:p>
+        </p:txBody>
+      </p:sp>
+      <p:pic>
+        <p:nvPicPr>
+          <p:cNvPr id="7" name="Imagen 6">
+            <a:extLst>
+              <a:ext uri="{FF2B5EF4-FFF2-40B4-BE49-F238E27FC236}">
+                <a16:creationId xmlns:a16="http://schemas.microsoft.com/office/drawing/2014/main" id="{C5BD18CF-A409-1E97-7F7E-66D5A15FC27A}"/>
+              </a:ext>
+            </a:extLst>
+          </p:cNvPr>
+          <p:cNvPicPr>
+            <a:picLocks noChangeAspect="1"/>
+          </p:cNvPicPr>
+          <p:nvPr/>
+        </p:nvPicPr>
+        <p:blipFill>
+          <a:blip r:embed="rId2"/>
+          <a:stretch>
+            <a:fillRect/>
+          </a:stretch>
+        </p:blipFill>
+        <p:spPr>
+          <a:xfrm>
+            <a:off x="1430286" y="502920"/>
+            <a:ext cx="2601426" cy="4137660"/>
+          </a:xfrm>
+          <a:prstGeom prst="rect">
+            <a:avLst/>
+          </a:prstGeom>
+        </p:spPr>
+      </p:pic>
+      <p:sp>
+        <p:nvSpPr>
+          <p:cNvPr id="8" name="Marcador de texto 2">
+            <a:extLst>
+              <a:ext uri="{FF2B5EF4-FFF2-40B4-BE49-F238E27FC236}">
+                <a16:creationId xmlns:a16="http://schemas.microsoft.com/office/drawing/2014/main" id="{1D041B6B-2D7A-6D39-C3A1-43EC26F0EDCC}"/>
+              </a:ext>
+            </a:extLst>
+          </p:cNvPr>
+          <p:cNvSpPr txBox="1">
+            <a:spLocks/>
+          </p:cNvSpPr>
+          <p:nvPr/>
+        </p:nvSpPr>
+        <p:spPr>
+          <a:xfrm>
+            <a:off x="4711434" y="2922270"/>
+            <a:ext cx="3314700" cy="1141096"/>
+          </a:xfrm>
+          <a:prstGeom prst="rect">
+            <a:avLst/>
+          </a:prstGeom>
+          <a:noFill/>
+          <a:ln>
+            <a:noFill/>
+          </a:ln>
+        </p:spPr>
+        <p:txBody>
+          <a:bodyPr spcFirstLastPara="1" wrap="square" lIns="91425" tIns="91425" rIns="91425" bIns="91425" anchor="t" anchorCtr="0">
+            <a:normAutofit/>
+          </a:bodyPr>
+          <a:lstStyle>
+            <a:defPPr marR="0" lvl="0" algn="l" rtl="0">
+              <a:lnSpc>
+                <a:spcPct val="100000"/>
+              </a:lnSpc>
+              <a:spcBef>
+                <a:spcPts val="0"/>
+              </a:spcBef>
+              <a:spcAft>
+                <a:spcPts val="0"/>
+              </a:spcAft>
+            </a:defPPr>
+            <a:lvl1pPr marL="457200" marR="0" lvl="0" indent="-311150" algn="l" rtl="0">
+              <a:lnSpc>
+                <a:spcPct val="115000"/>
+              </a:lnSpc>
+              <a:spcBef>
+                <a:spcPts val="0"/>
+              </a:spcBef>
+              <a:spcAft>
+                <a:spcPts val="0"/>
+              </a:spcAft>
+              <a:buClr>
+                <a:schemeClr val="dk2"/>
+              </a:buClr>
+              <a:buSzPts val="1300"/>
+              <a:buFont typeface="Calibri"/>
+              <a:buChar char="●"/>
+              <a:defRPr sz="1300" b="0" i="0" u="none" strike="noStrike" cap="none">
+                <a:solidFill>
+                  <a:schemeClr val="dk2"/>
+                </a:solidFill>
+                <a:latin typeface="Calibri"/>
+                <a:ea typeface="Calibri"/>
+                <a:cs typeface="Calibri"/>
+                <a:sym typeface="Calibri"/>
+              </a:defRPr>
+            </a:lvl1pPr>
+            <a:lvl2pPr marL="914400" marR="0" lvl="1" indent="-298450" algn="l" rtl="0">
+              <a:lnSpc>
+                <a:spcPct val="115000"/>
+              </a:lnSpc>
+              <a:spcBef>
+                <a:spcPts val="0"/>
+              </a:spcBef>
+              <a:spcAft>
+                <a:spcPts val="0"/>
+              </a:spcAft>
+              <a:buClr>
+                <a:schemeClr val="dk2"/>
+              </a:buClr>
+              <a:buSzPts val="1100"/>
+              <a:buFont typeface="Calibri"/>
+              <a:buChar char="○"/>
+              <a:defRPr sz="1100" b="0" i="0" u="none" strike="noStrike" cap="none">
+                <a:solidFill>
+                  <a:schemeClr val="dk2"/>
+                </a:solidFill>
+                <a:latin typeface="Calibri"/>
+                <a:ea typeface="Calibri"/>
+                <a:cs typeface="Calibri"/>
+                <a:sym typeface="Calibri"/>
+              </a:defRPr>
+            </a:lvl2pPr>
+            <a:lvl3pPr marL="1371600" marR="0" lvl="2" indent="-298450" algn="l" rtl="0">
+              <a:lnSpc>
+                <a:spcPct val="115000"/>
+              </a:lnSpc>
+              <a:spcBef>
+                <a:spcPts val="0"/>
+              </a:spcBef>
+              <a:spcAft>
+                <a:spcPts val="0"/>
+              </a:spcAft>
+              <a:buClr>
+                <a:schemeClr val="dk2"/>
+              </a:buClr>
+              <a:buSzPts val="1100"/>
+              <a:buFont typeface="Calibri"/>
+              <a:buChar char="■"/>
+              <a:defRPr sz="1100" b="0" i="0" u="none" strike="noStrike" cap="none">
+                <a:solidFill>
+                  <a:schemeClr val="dk2"/>
+                </a:solidFill>
+                <a:latin typeface="Calibri"/>
+                <a:ea typeface="Calibri"/>
+                <a:cs typeface="Calibri"/>
+                <a:sym typeface="Calibri"/>
+              </a:defRPr>
+            </a:lvl3pPr>
+            <a:lvl4pPr marL="1828800" marR="0" lvl="3" indent="-298450" algn="l" rtl="0">
+              <a:lnSpc>
+                <a:spcPct val="115000"/>
+              </a:lnSpc>
+              <a:spcBef>
+                <a:spcPts val="0"/>
+              </a:spcBef>
+              <a:spcAft>
+                <a:spcPts val="0"/>
+              </a:spcAft>
+              <a:buClr>
+                <a:schemeClr val="dk2"/>
+              </a:buClr>
+              <a:buSzPts val="1100"/>
+              <a:buFont typeface="Calibri"/>
+              <a:buChar char="●"/>
+              <a:defRPr sz="1100" b="0" i="0" u="none" strike="noStrike" cap="none">
+                <a:solidFill>
+                  <a:schemeClr val="dk2"/>
+                </a:solidFill>
+                <a:latin typeface="Calibri"/>
+                <a:ea typeface="Calibri"/>
+                <a:cs typeface="Calibri"/>
+                <a:sym typeface="Calibri"/>
+              </a:defRPr>
+            </a:lvl4pPr>
+            <a:lvl5pPr marL="2286000" marR="0" lvl="4" indent="-298450" algn="l" rtl="0">
+              <a:lnSpc>
+                <a:spcPct val="115000"/>
+              </a:lnSpc>
+              <a:spcBef>
+                <a:spcPts val="0"/>
+              </a:spcBef>
+              <a:spcAft>
+                <a:spcPts val="0"/>
+              </a:spcAft>
+              <a:buClr>
+                <a:schemeClr val="dk2"/>
+              </a:buClr>
+              <a:buSzPts val="1100"/>
+              <a:buFont typeface="Calibri"/>
+              <a:buChar char="○"/>
+              <a:defRPr sz="1100" b="0" i="0" u="none" strike="noStrike" cap="none">
+                <a:solidFill>
+                  <a:schemeClr val="dk2"/>
+                </a:solidFill>
+                <a:latin typeface="Calibri"/>
+                <a:ea typeface="Calibri"/>
+                <a:cs typeface="Calibri"/>
+                <a:sym typeface="Calibri"/>
+              </a:defRPr>
+            </a:lvl5pPr>
+            <a:lvl6pPr marL="2743200" marR="0" lvl="5" indent="-298450" algn="l" rtl="0">
+              <a:lnSpc>
+                <a:spcPct val="115000"/>
+              </a:lnSpc>
+              <a:spcBef>
+                <a:spcPts val="0"/>
+              </a:spcBef>
+              <a:spcAft>
+                <a:spcPts val="0"/>
+              </a:spcAft>
+              <a:buClr>
+                <a:schemeClr val="dk2"/>
+              </a:buClr>
+              <a:buSzPts val="1100"/>
+              <a:buFont typeface="Calibri"/>
+              <a:buChar char="■"/>
+              <a:defRPr sz="1100" b="0" i="0" u="none" strike="noStrike" cap="none">
+                <a:solidFill>
+                  <a:schemeClr val="dk2"/>
+                </a:solidFill>
+                <a:latin typeface="Calibri"/>
+                <a:ea typeface="Calibri"/>
+                <a:cs typeface="Calibri"/>
+                <a:sym typeface="Calibri"/>
+              </a:defRPr>
+            </a:lvl6pPr>
+            <a:lvl7pPr marL="3200400" marR="0" lvl="6" indent="-298450" algn="l" rtl="0">
+              <a:lnSpc>
+                <a:spcPct val="115000"/>
+              </a:lnSpc>
+              <a:spcBef>
+                <a:spcPts val="0"/>
+              </a:spcBef>
+              <a:spcAft>
+                <a:spcPts val="0"/>
+              </a:spcAft>
+              <a:buClr>
+                <a:schemeClr val="dk2"/>
+              </a:buClr>
+              <a:buSzPts val="1100"/>
+              <a:buFont typeface="Calibri"/>
+              <a:buChar char="●"/>
+              <a:defRPr sz="1100" b="0" i="0" u="none" strike="noStrike" cap="none">
+                <a:solidFill>
+                  <a:schemeClr val="dk2"/>
+                </a:solidFill>
+                <a:latin typeface="Calibri"/>
+                <a:ea typeface="Calibri"/>
+                <a:cs typeface="Calibri"/>
+                <a:sym typeface="Calibri"/>
+              </a:defRPr>
+            </a:lvl7pPr>
+            <a:lvl8pPr marL="3657600" marR="0" lvl="7" indent="-298450" algn="l" rtl="0">
+              <a:lnSpc>
+                <a:spcPct val="115000"/>
+              </a:lnSpc>
+              <a:spcBef>
+                <a:spcPts val="0"/>
+              </a:spcBef>
+              <a:spcAft>
+                <a:spcPts val="0"/>
+              </a:spcAft>
+              <a:buClr>
+                <a:schemeClr val="dk2"/>
+              </a:buClr>
+              <a:buSzPts val="1100"/>
+              <a:buFont typeface="Calibri"/>
+              <a:buChar char="○"/>
+              <a:defRPr sz="1100" b="0" i="0" u="none" strike="noStrike" cap="none">
+                <a:solidFill>
+                  <a:schemeClr val="dk2"/>
+                </a:solidFill>
+                <a:latin typeface="Calibri"/>
+                <a:ea typeface="Calibri"/>
+                <a:cs typeface="Calibri"/>
+                <a:sym typeface="Calibri"/>
+              </a:defRPr>
+            </a:lvl8pPr>
+            <a:lvl9pPr marL="4114800" marR="0" lvl="8" indent="-298450" algn="l" rtl="0">
+              <a:lnSpc>
+                <a:spcPct val="115000"/>
+              </a:lnSpc>
+              <a:spcBef>
+                <a:spcPts val="0"/>
+              </a:spcBef>
+              <a:spcAft>
+                <a:spcPts val="0"/>
+              </a:spcAft>
+              <a:buClr>
+                <a:schemeClr val="dk2"/>
+              </a:buClr>
+              <a:buSzPts val="1100"/>
+              <a:buFont typeface="Calibri"/>
+              <a:buChar char="■"/>
+              <a:defRPr sz="1100" b="0" i="0" u="none" strike="noStrike" cap="none">
+                <a:solidFill>
+                  <a:schemeClr val="dk2"/>
+                </a:solidFill>
+                <a:latin typeface="Calibri"/>
+                <a:ea typeface="Calibri"/>
+                <a:cs typeface="Calibri"/>
+                <a:sym typeface="Calibri"/>
+              </a:defRPr>
+            </a:lvl9pPr>
+          </a:lstStyle>
+          <a:p>
+            <a:pPr marL="146050" indent="0">
+              <a:buNone/>
+            </a:pPr>
+            <a:r>
+              <a:rPr lang="es-MX" dirty="0"/>
+              <a:t>“registró más de 3500 casos de cáncer de piel del 2021 al 2023”</a:t>
+            </a:r>
+          </a:p>
+          <a:p>
+            <a:pPr marL="146050" indent="0" algn="r">
+              <a:buNone/>
+            </a:pPr>
+            <a:r>
+              <a:rPr lang="es-PE" dirty="0"/>
+              <a:t>Minsa </a:t>
+            </a:r>
+          </a:p>
+        </p:txBody>
+      </p:sp>
+    </p:spTree>
+    <p:extLst>
+      <p:ext uri="{BB962C8B-B14F-4D97-AF65-F5344CB8AC3E}">
+        <p14:creationId xmlns:p14="http://schemas.microsoft.com/office/powerpoint/2010/main" val="840522761"/>
+      </p:ext>
+    </p:extLst>
+  </p:cSld>
+  <p:clrMapOvr>
+    <a:masterClrMapping/>
+  </p:clrMapOvr>
+</p:sld>
+</file>
+
+<file path=ppt/slides/slide4.xml><?xml version="1.0" encoding="utf-8"?>
+<p:sld xmlns:a="http://schemas.openxmlformats.org/drawingml/2006/main" xmlns:r="http://schemas.openxmlformats.org/officeDocument/2006/relationships" xmlns:p="http://schemas.openxmlformats.org/presentationml/2006/main">
+  <p:cSld>
+    <p:spTree>
+      <p:nvGrpSpPr>
+        <p:cNvPr id="1" name="Shape 138"/>
         <p:cNvGrpSpPr/>
         <p:nvPr/>
       </p:nvGrpSpPr>
@@ -9908,7 +10291,9 @@
       <p:sp>
         <p:nvSpPr>
           <p:cNvPr id="139" name="Google Shape;139;p15"/>
-          <p:cNvSpPr txBox="1"/>
+          <p:cNvSpPr txBox="1">
+            <a:spLocks noGrp="1"/>
+          </p:cNvSpPr>
           <p:nvPr>
             <p:ph type="title"/>
           </p:nvPr>
@@ -9923,12 +10308,12 @@
           </a:prstGeom>
         </p:spPr>
         <p:txBody>
-          <a:bodyPr anchorCtr="0" anchor="ctr" bIns="91425" lIns="91425" spcFirstLastPara="1" rIns="91425" wrap="square" tIns="91425">
-            <a:normAutofit/>
+          <a:bodyPr spcFirstLastPara="1" wrap="square" lIns="91425" tIns="91425" rIns="91425" bIns="91425" anchor="ctr" anchorCtr="0">
+            <a:normAutofit fontScale="90000"/>
           </a:bodyPr>
           <a:lstStyle/>
           <a:p>
-            <a:pPr indent="0" lvl="0" marL="0" rtl="0" algn="l">
+            <a:pPr marL="0" lvl="0" indent="0" algn="l" rtl="0">
               <a:lnSpc>
                 <a:spcPct val="115000"/>
               </a:lnSpc>
@@ -9946,7 +10331,7 @@
               <a:buNone/>
             </a:pPr>
             <a:r>
-              <a:rPr lang="es" sz="2300">
+              <a:rPr lang="es" sz="2300" dirty="0">
                 <a:solidFill>
                   <a:srgbClr val="1F1F1F"/>
                 </a:solidFill>
@@ -9957,16 +10342,18 @@
               </a:rPr>
               <a:t>Diagnosis of skin cancer using machine learning techniques</a:t>
             </a:r>
-            <a:endParaRPr/>
+            <a:endParaRPr dirty="0"/>
           </a:p>
         </p:txBody>
       </p:sp>
       <p:sp>
         <p:nvSpPr>
           <p:cNvPr id="140" name="Google Shape;140;p15"/>
-          <p:cNvSpPr txBox="1"/>
+          <p:cNvSpPr txBox="1">
+            <a:spLocks noGrp="1"/>
+          </p:cNvSpPr>
           <p:nvPr>
-            <p:ph idx="1" type="body"/>
+            <p:ph type="body" idx="1"/>
           </p:nvPr>
         </p:nvSpPr>
         <p:spPr>
@@ -9979,12 +10366,12 @@
           </a:prstGeom>
         </p:spPr>
         <p:txBody>
-          <a:bodyPr anchorCtr="0" anchor="t" bIns="91425" lIns="91425" spcFirstLastPara="1" rIns="91425" wrap="square" tIns="91425">
+          <a:bodyPr spcFirstLastPara="1" wrap="square" lIns="91425" tIns="91425" rIns="91425" bIns="91425" anchor="t" anchorCtr="0">
             <a:normAutofit/>
           </a:bodyPr>
           <a:lstStyle/>
           <a:p>
-            <a:pPr indent="0" lvl="0" marL="0" rtl="0" algn="l">
+            <a:pPr marL="0" lvl="0" indent="0" algn="l" rtl="0">
               <a:lnSpc>
                 <a:spcPct val="100000"/>
               </a:lnSpc>
@@ -9997,21 +10384,21 @@
               <a:buNone/>
             </a:pPr>
             <a:r>
-              <a:rPr lang="es" sz="1200">
+              <a:rPr lang="es" sz="1200" dirty="0">
                 <a:solidFill>
                   <a:srgbClr val="1F1F1F"/>
                 </a:solidFill>
               </a:rPr>
               <a:t>Autor: A. Murugan , Dr. S. Anu H Nair, Dr. A. Angelin Peace Preethi, Dr. K. P. Sanal Kumar</a:t>
             </a:r>
-            <a:endParaRPr sz="1200">
+            <a:endParaRPr sz="1200" dirty="0">
               <a:solidFill>
                 <a:srgbClr val="1F1F1F"/>
               </a:solidFill>
             </a:endParaRPr>
           </a:p>
           <a:p>
-            <a:pPr indent="0" lvl="0" marL="0" rtl="0" algn="l">
+            <a:pPr marL="0" lvl="0" indent="0" algn="l" rtl="0">
               <a:lnSpc>
                 <a:spcPct val="100000"/>
               </a:lnSpc>
@@ -10024,21 +10411,21 @@
               <a:buNone/>
             </a:pPr>
             <a:r>
-              <a:rPr lang="es" sz="1200">
+              <a:rPr lang="es" sz="1200" dirty="0">
                 <a:solidFill>
                   <a:srgbClr val="1F1F1F"/>
                 </a:solidFill>
               </a:rPr>
               <a:t>Año: 2021</a:t>
             </a:r>
-            <a:endParaRPr sz="1200">
+            <a:endParaRPr sz="1200" dirty="0">
               <a:solidFill>
                 <a:srgbClr val="1F1F1F"/>
               </a:solidFill>
             </a:endParaRPr>
           </a:p>
           <a:p>
-            <a:pPr indent="0" lvl="0" marL="0" rtl="0" algn="l">
+            <a:pPr marL="0" lvl="0" indent="0" algn="l" rtl="0">
               <a:lnSpc>
                 <a:spcPct val="100000"/>
               </a:lnSpc>
@@ -10051,29 +10438,21 @@
               <a:buNone/>
             </a:pPr>
             <a:r>
-              <a:rPr lang="es" sz="1200">
+              <a:rPr lang="es" sz="1200" dirty="0">
                 <a:solidFill>
                   <a:srgbClr val="1F1F1F"/>
                 </a:solidFill>
               </a:rPr>
-              <a:t>Técnica</a:t>
+              <a:t>Técnica: </a:t>
             </a:r>
-            <a:r>
-              <a:rPr lang="es" sz="1200">
-                <a:solidFill>
-                  <a:srgbClr val="1F1F1F"/>
-                </a:solidFill>
-              </a:rPr>
-              <a:t>: </a:t>
-            </a:r>
-            <a:endParaRPr sz="1200">
+            <a:endParaRPr sz="1200" dirty="0">
               <a:solidFill>
                 <a:srgbClr val="1F1F1F"/>
               </a:solidFill>
             </a:endParaRPr>
           </a:p>
           <a:p>
-            <a:pPr indent="-304800" lvl="0" marL="457200" rtl="0" algn="l">
+            <a:pPr marL="457200" lvl="0" indent="-304800" algn="l" rtl="0">
               <a:lnSpc>
                 <a:spcPct val="100000"/>
               </a:lnSpc>
@@ -10090,21 +10469,21 @@
               <a:buChar char="●"/>
             </a:pPr>
             <a:r>
-              <a:rPr lang="es" sz="1200">
+              <a:rPr lang="es" sz="1200" dirty="0">
                 <a:solidFill>
                   <a:srgbClr val="1F1F1F"/>
                 </a:solidFill>
               </a:rPr>
               <a:t>Preprocesamiento: eliminar el ruido	</a:t>
             </a:r>
-            <a:endParaRPr sz="1200">
+            <a:endParaRPr sz="1200" dirty="0">
               <a:solidFill>
                 <a:srgbClr val="1F1F1F"/>
               </a:solidFill>
             </a:endParaRPr>
           </a:p>
           <a:p>
-            <a:pPr indent="-304800" lvl="0" marL="457200" rtl="0" algn="l">
+            <a:pPr marL="457200" lvl="0" indent="-304800" algn="l" rtl="0">
               <a:lnSpc>
                 <a:spcPct val="100000"/>
               </a:lnSpc>
@@ -10121,21 +10500,21 @@
               <a:buChar char="●"/>
             </a:pPr>
             <a:r>
-              <a:rPr lang="es" sz="1200">
+              <a:rPr lang="es" sz="1200" dirty="0">
                 <a:solidFill>
                   <a:srgbClr val="1F1F1F"/>
                 </a:solidFill>
               </a:rPr>
-              <a:t>Extraccion de caracteristicas usando: GLCM,Moment Invariants and GLRLM</a:t>
+              <a:t>Extraccion de caracteristicas usando: GLCM, Moment Invariants and GLRLM</a:t>
             </a:r>
-            <a:endParaRPr sz="1200">
+            <a:endParaRPr sz="1200" dirty="0">
               <a:solidFill>
                 <a:srgbClr val="1F1F1F"/>
               </a:solidFill>
             </a:endParaRPr>
           </a:p>
           <a:p>
-            <a:pPr indent="-304800" lvl="0" marL="457200" rtl="0" algn="l">
+            <a:pPr marL="457200" lvl="0" indent="-304800" algn="l" rtl="0">
               <a:lnSpc>
                 <a:spcPct val="100000"/>
               </a:lnSpc>
@@ -10152,53 +10531,21 @@
               <a:buChar char="●"/>
             </a:pPr>
             <a:r>
-              <a:rPr lang="es" sz="1200">
+              <a:rPr lang="es" sz="1200" dirty="0">
                 <a:solidFill>
                   <a:srgbClr val="1F1F1F"/>
                 </a:solidFill>
               </a:rPr>
-              <a:t>Clasificadores </a:t>
+              <a:t>Clasificadores usando: PNN, SVM, Random Forest y SVM + RF</a:t>
             </a:r>
-            <a:r>
-              <a:rPr lang="es" sz="1200">
-                <a:solidFill>
-                  <a:srgbClr val="1F1F1F"/>
-                </a:solidFill>
-              </a:rPr>
-              <a:t>usando</a:t>
-            </a:r>
-            <a:r>
-              <a:rPr lang="es" sz="1200">
-                <a:solidFill>
-                  <a:srgbClr val="1F1F1F"/>
-                </a:solidFill>
-              </a:rPr>
-              <a:t>: PNN, SVM, </a:t>
-            </a:r>
-            <a:r>
-              <a:rPr lang="es" sz="1200">
-                <a:solidFill>
-                  <a:srgbClr val="1F1F1F"/>
-                </a:solidFill>
-              </a:rPr>
-              <a:t>Random Forest </a:t>
-            </a:r>
-            <a:r>
-              <a:rPr lang="es" sz="1200">
-                <a:solidFill>
-                  <a:srgbClr val="1F1F1F"/>
-                </a:solidFill>
-              </a:rPr>
-              <a:t>y SVM + RF</a:t>
-            </a:r>
-            <a:endParaRPr sz="1200">
+            <a:endParaRPr sz="1200" dirty="0">
               <a:solidFill>
                 <a:srgbClr val="1F1F1F"/>
               </a:solidFill>
             </a:endParaRPr>
           </a:p>
           <a:p>
-            <a:pPr indent="0" lvl="0" marL="0" rtl="0" algn="l">
+            <a:pPr marL="0" lvl="0" indent="0" algn="l" rtl="0">
               <a:lnSpc>
                 <a:spcPct val="100000"/>
               </a:lnSpc>
@@ -10211,21 +10558,21 @@
               <a:buNone/>
             </a:pPr>
             <a:r>
-              <a:rPr lang="es" sz="1200">
+              <a:rPr lang="es" sz="1200" dirty="0">
                 <a:solidFill>
                   <a:srgbClr val="1F1F1F"/>
                 </a:solidFill>
               </a:rPr>
               <a:t>Base de datos: Compuesta por lesiones benignos y malignas que se almacenan en la base de datos junto con la histopatología</a:t>
             </a:r>
-            <a:endParaRPr sz="1200">
+            <a:endParaRPr sz="1200" dirty="0">
               <a:solidFill>
                 <a:srgbClr val="1F1F1F"/>
               </a:solidFill>
             </a:endParaRPr>
           </a:p>
           <a:p>
-            <a:pPr indent="0" lvl="0" marL="0" rtl="0" algn="l">
+            <a:pPr marL="0" lvl="0" indent="0" algn="l" rtl="0">
               <a:lnSpc>
                 <a:spcPct val="100000"/>
               </a:lnSpc>
@@ -10237,17 +10584,14 @@
               </a:spcAft>
               <a:buNone/>
             </a:pPr>
-            <a:r>
-              <a:t/>
-            </a:r>
-            <a:endParaRPr sz="1200">
+            <a:endParaRPr sz="1200" dirty="0">
               <a:solidFill>
                 <a:srgbClr val="1F1F1F"/>
               </a:solidFill>
             </a:endParaRPr>
           </a:p>
           <a:p>
-            <a:pPr indent="0" lvl="0" marL="0" rtl="0" algn="l">
+            <a:pPr marL="0" lvl="0" indent="0" algn="l" rtl="0">
               <a:lnSpc>
                 <a:spcPct val="100000"/>
               </a:lnSpc>
@@ -10259,17 +10603,14 @@
               </a:spcAft>
               <a:buNone/>
             </a:pPr>
-            <a:r>
-              <a:t/>
-            </a:r>
-            <a:endParaRPr sz="1200">
+            <a:endParaRPr sz="1200" dirty="0">
               <a:solidFill>
                 <a:srgbClr val="1F1F1F"/>
               </a:solidFill>
             </a:endParaRPr>
           </a:p>
           <a:p>
-            <a:pPr indent="0" lvl="0" marL="0" rtl="0" algn="l">
+            <a:pPr marL="0" lvl="0" indent="0" algn="l" rtl="0">
               <a:lnSpc>
                 <a:spcPct val="100000"/>
               </a:lnSpc>
@@ -10281,10 +10622,7 @@
               </a:spcAft>
               <a:buNone/>
             </a:pPr>
-            <a:r>
-              <a:t/>
-            </a:r>
-            <a:endParaRPr sz="1200">
+            <a:endParaRPr sz="1200" dirty="0">
               <a:solidFill>
                 <a:schemeClr val="dk1"/>
               </a:solidFill>
@@ -10295,9 +10633,11 @@
       <p:sp>
         <p:nvSpPr>
           <p:cNvPr id="141" name="Google Shape;141;p15"/>
-          <p:cNvSpPr txBox="1"/>
+          <p:cNvSpPr txBox="1">
+            <a:spLocks noGrp="1"/>
+          </p:cNvSpPr>
           <p:nvPr>
-            <p:ph idx="1" type="body"/>
+            <p:ph type="body" idx="1"/>
           </p:nvPr>
         </p:nvSpPr>
         <p:spPr>
@@ -10310,12 +10650,12 @@
           </a:prstGeom>
         </p:spPr>
         <p:txBody>
-          <a:bodyPr anchorCtr="0" anchor="t" bIns="91425" lIns="91425" spcFirstLastPara="1" rIns="91425" wrap="square" tIns="91425">
+          <a:bodyPr spcFirstLastPara="1" wrap="square" lIns="91425" tIns="91425" rIns="91425" bIns="91425" anchor="t" anchorCtr="0">
             <a:noAutofit/>
           </a:bodyPr>
           <a:lstStyle/>
           <a:p>
-            <a:pPr indent="0" lvl="0" marL="0" rtl="0" algn="l">
+            <a:pPr marL="0" lvl="0" indent="0" algn="l" rtl="0">
               <a:lnSpc>
                 <a:spcPct val="100000"/>
               </a:lnSpc>
@@ -10342,7 +10682,7 @@
             </a:endParaRPr>
           </a:p>
           <a:p>
-            <a:pPr indent="0" lvl="0" marL="0" rtl="0" algn="l">
+            <a:pPr marL="0" lvl="0" indent="0" algn="l" rtl="0">
               <a:spcBef>
                 <a:spcPts val="0"/>
               </a:spcBef>
@@ -10351,9 +10691,6 @@
               </a:spcAft>
               <a:buNone/>
             </a:pPr>
-            <a:r>
-              <a:t/>
-            </a:r>
             <a:endParaRPr sz="1000"/>
           </a:p>
         </p:txBody>
@@ -10422,12 +10759,12 @@
 </p:sld>
 </file>
 
-<file path=ppt/slides/slide4.xml><?xml version="1.0" encoding="utf-8"?>
-<p:sld xmlns:a="http://schemas.openxmlformats.org/drawingml/2006/main" xmlns:r="http://schemas.openxmlformats.org/officeDocument/2006/relationships" xmlns:mc="http://schemas.openxmlformats.org/markup-compatibility/2006" xmlns:mv="urn:schemas-microsoft-com:mac:vml" xmlns:p="http://schemas.openxmlformats.org/presentationml/2006/main" xmlns:c="http://schemas.openxmlformats.org/drawingml/2006/chart" xmlns:dgm="http://schemas.openxmlformats.org/drawingml/2006/diagram" xmlns:o="urn:schemas-microsoft-com:office:office" xmlns:v="urn:schemas-microsoft-com:vml" xmlns:pvml="urn:schemas-microsoft-com:office:powerpoint" xmlns:com="http://schemas.openxmlformats.org/drawingml/2006/compatibility" xmlns:p14="http://schemas.microsoft.com/office/powerpoint/2010/main" xmlns:p15="http://schemas.microsoft.com/office/powerpoint/2012/main" xmlns:ahyp="http://schemas.microsoft.com/office/drawing/2018/hyperlinkcolor">
+<file path=ppt/slides/slide5.xml><?xml version="1.0" encoding="utf-8"?>
+<p:sld xmlns:a="http://schemas.openxmlformats.org/drawingml/2006/main" xmlns:r="http://schemas.openxmlformats.org/officeDocument/2006/relationships" xmlns:p="http://schemas.openxmlformats.org/presentationml/2006/main">
   <p:cSld>
     <p:spTree>
       <p:nvGrpSpPr>
-        <p:cNvPr id="147" name="Shape 147"/>
+        <p:cNvPr id="1" name="Shape 147"/>
         <p:cNvGrpSpPr/>
         <p:nvPr/>
       </p:nvGrpSpPr>
@@ -10442,7 +10779,9 @@
       <p:sp>
         <p:nvSpPr>
           <p:cNvPr id="148" name="Google Shape;148;p16"/>
-          <p:cNvSpPr txBox="1"/>
+          <p:cNvSpPr txBox="1">
+            <a:spLocks noGrp="1"/>
+          </p:cNvSpPr>
           <p:nvPr>
             <p:ph type="title"/>
           </p:nvPr>
@@ -10457,12 +10796,12 @@
           </a:prstGeom>
         </p:spPr>
         <p:txBody>
-          <a:bodyPr anchorCtr="0" anchor="ctr" bIns="91425" lIns="91425" spcFirstLastPara="1" rIns="91425" wrap="square" tIns="91425">
-            <a:normAutofit/>
+          <a:bodyPr spcFirstLastPara="1" wrap="square" lIns="91425" tIns="91425" rIns="91425" bIns="91425" anchor="ctr" anchorCtr="0">
+            <a:normAutofit fontScale="90000"/>
           </a:bodyPr>
           <a:lstStyle/>
           <a:p>
-            <a:pPr indent="0" lvl="0" marL="0" rtl="0" algn="l">
+            <a:pPr marL="0" lvl="0" indent="0" algn="l" rtl="0">
               <a:lnSpc>
                 <a:spcPct val="115000"/>
               </a:lnSpc>
@@ -10480,7 +10819,7 @@
               <a:buNone/>
             </a:pPr>
             <a:r>
-              <a:rPr lang="es" sz="2300">
+              <a:rPr lang="es" sz="2300" dirty="0">
                 <a:solidFill>
                   <a:srgbClr val="1F1F1F"/>
                 </a:solidFill>
@@ -10491,7 +10830,7 @@
               </a:rPr>
               <a:t>Multiclass skin cancer classification using EfficientNets – a first step towards preventing skin cancer</a:t>
             </a:r>
-            <a:endParaRPr sz="2300">
+            <a:endParaRPr sz="2300" dirty="0">
               <a:solidFill>
                 <a:srgbClr val="1F1F1F"/>
               </a:solidFill>
@@ -10506,9 +10845,11 @@
       <p:sp>
         <p:nvSpPr>
           <p:cNvPr id="149" name="Google Shape;149;p16"/>
-          <p:cNvSpPr txBox="1"/>
+          <p:cNvSpPr txBox="1">
+            <a:spLocks noGrp="1"/>
+          </p:cNvSpPr>
           <p:nvPr>
-            <p:ph idx="1" type="body"/>
+            <p:ph type="body" idx="1"/>
           </p:nvPr>
         </p:nvSpPr>
         <p:spPr>
@@ -10521,12 +10862,12 @@
           </a:prstGeom>
         </p:spPr>
         <p:txBody>
-          <a:bodyPr anchorCtr="0" anchor="t" bIns="91425" lIns="91425" spcFirstLastPara="1" rIns="91425" wrap="square" tIns="91425">
+          <a:bodyPr spcFirstLastPara="1" wrap="square" lIns="91425" tIns="91425" rIns="91425" bIns="91425" anchor="t" anchorCtr="0">
             <a:normAutofit/>
           </a:bodyPr>
           <a:lstStyle/>
           <a:p>
-            <a:pPr indent="0" lvl="0" marL="0" rtl="0" algn="l">
+            <a:pPr marL="0" lvl="0" indent="0" algn="l" rtl="0">
               <a:lnSpc>
                 <a:spcPct val="100000"/>
               </a:lnSpc>
@@ -10539,29 +10880,21 @@
               <a:buNone/>
             </a:pPr>
             <a:r>
-              <a:rPr lang="es" sz="1200">
+              <a:rPr lang="es" sz="1200" dirty="0">
                 <a:solidFill>
                   <a:srgbClr val="1F1F1F"/>
                 </a:solidFill>
               </a:rPr>
-              <a:t>Autor:</a:t>
+              <a:t>Autor: Karar Ali, Zaffar Ahmed Shaikh, Abdullah Ayub Khan, Asif Ali Laghari</a:t>
             </a:r>
-            <a:r>
-              <a:rPr lang="es" sz="1200">
-                <a:solidFill>
-                  <a:srgbClr val="1F1F1F"/>
-                </a:solidFill>
-              </a:rPr>
-              <a:t> Karar Ali, Zaffar Ahmed Shaikh, Abdullah Ayub Khan, Asif Ali Laghari</a:t>
-            </a:r>
-            <a:endParaRPr sz="1200">
+            <a:endParaRPr sz="1200" dirty="0">
               <a:solidFill>
                 <a:srgbClr val="1F1F1F"/>
               </a:solidFill>
             </a:endParaRPr>
           </a:p>
           <a:p>
-            <a:pPr indent="0" lvl="0" marL="0" rtl="0" algn="l">
+            <a:pPr marL="0" lvl="0" indent="0" algn="l" rtl="0">
               <a:lnSpc>
                 <a:spcPct val="100000"/>
               </a:lnSpc>
@@ -10574,21 +10907,21 @@
               <a:buNone/>
             </a:pPr>
             <a:r>
-              <a:rPr lang="es" sz="1200">
+              <a:rPr lang="es" sz="1200" dirty="0">
                 <a:solidFill>
                   <a:srgbClr val="1F1F1F"/>
                 </a:solidFill>
               </a:rPr>
               <a:t>Año: 2022</a:t>
             </a:r>
-            <a:endParaRPr sz="1200">
+            <a:endParaRPr sz="1200" dirty="0">
               <a:solidFill>
                 <a:srgbClr val="1F1F1F"/>
               </a:solidFill>
             </a:endParaRPr>
           </a:p>
           <a:p>
-            <a:pPr indent="0" lvl="0" marL="0" rtl="0" algn="l">
+            <a:pPr marL="0" lvl="0" indent="0" algn="l" rtl="0">
               <a:lnSpc>
                 <a:spcPct val="100000"/>
               </a:lnSpc>
@@ -10601,21 +10934,21 @@
               <a:buNone/>
             </a:pPr>
             <a:r>
-              <a:rPr lang="es" sz="1200">
+              <a:rPr lang="es" sz="1200" dirty="0">
                 <a:solidFill>
                   <a:srgbClr val="1F1F1F"/>
                 </a:solidFill>
               </a:rPr>
               <a:t>Técnica: </a:t>
             </a:r>
-            <a:endParaRPr sz="1200">
+            <a:endParaRPr sz="1200" dirty="0">
               <a:solidFill>
                 <a:srgbClr val="1F1F1F"/>
               </a:solidFill>
             </a:endParaRPr>
           </a:p>
           <a:p>
-            <a:pPr indent="-304800" lvl="0" marL="457200" rtl="0" algn="l">
+            <a:pPr marL="457200" lvl="0" indent="-304800" algn="l" rtl="0">
               <a:lnSpc>
                 <a:spcPct val="100000"/>
               </a:lnSpc>
@@ -10632,21 +10965,21 @@
               <a:buChar char="●"/>
             </a:pPr>
             <a:r>
-              <a:rPr lang="es" sz="1200">
+              <a:rPr lang="es" sz="1200" dirty="0">
                 <a:solidFill>
                   <a:srgbClr val="1F1F1F"/>
                 </a:solidFill>
               </a:rPr>
               <a:t>Preprocesamiento (redimensionadas según la variante EfficientNet [24,39])</a:t>
             </a:r>
-            <a:endParaRPr sz="1200">
+            <a:endParaRPr sz="1200" dirty="0">
               <a:solidFill>
                 <a:srgbClr val="1F1F1F"/>
               </a:solidFill>
             </a:endParaRPr>
           </a:p>
           <a:p>
-            <a:pPr indent="-304800" lvl="0" marL="457200" rtl="0" algn="l">
+            <a:pPr marL="457200" lvl="0" indent="-304800" algn="l" rtl="0">
               <a:lnSpc>
                 <a:spcPct val="100000"/>
               </a:lnSpc>
@@ -10663,21 +10996,21 @@
               <a:buChar char="●"/>
             </a:pPr>
             <a:r>
-              <a:rPr lang="es" sz="1200">
+              <a:rPr lang="es" sz="1200" dirty="0">
                 <a:solidFill>
                   <a:srgbClr val="1F1F1F"/>
                 </a:solidFill>
               </a:rPr>
               <a:t>CNN (eliminación del ruido en la imagen)</a:t>
             </a:r>
-            <a:endParaRPr sz="1200">
+            <a:endParaRPr sz="1200" dirty="0">
               <a:solidFill>
                 <a:srgbClr val="1F1F1F"/>
               </a:solidFill>
             </a:endParaRPr>
           </a:p>
           <a:p>
-            <a:pPr indent="-304800" lvl="0" marL="457200" rtl="0" algn="l">
+            <a:pPr marL="457200" lvl="0" indent="-304800" algn="l" rtl="0">
               <a:lnSpc>
                 <a:spcPct val="100000"/>
               </a:lnSpc>
@@ -10694,21 +11027,21 @@
               <a:buChar char="●"/>
             </a:pPr>
             <a:r>
-              <a:rPr lang="es" sz="1200">
+              <a:rPr lang="es" sz="1200" dirty="0">
                 <a:solidFill>
                   <a:srgbClr val="1F1F1F"/>
                 </a:solidFill>
               </a:rPr>
               <a:t>EfficientNets B1-B7 (escalando la red de referencia (EfficientNet B0)</a:t>
             </a:r>
-            <a:endParaRPr sz="1200">
+            <a:endParaRPr sz="1200" dirty="0">
               <a:solidFill>
                 <a:srgbClr val="1F1F1F"/>
               </a:solidFill>
             </a:endParaRPr>
           </a:p>
           <a:p>
-            <a:pPr indent="-304800" lvl="0" marL="457200" rtl="0" algn="l">
+            <a:pPr marL="457200" lvl="0" indent="-304800" algn="l" rtl="0">
               <a:lnSpc>
                 <a:spcPct val="100000"/>
               </a:lnSpc>
@@ -10724,17 +11057,14 @@
               <a:buSzPts val="1200"/>
               <a:buChar char="●"/>
             </a:pPr>
-            <a:r>
-              <a:t/>
-            </a:r>
-            <a:endParaRPr sz="1200">
+            <a:endParaRPr sz="1200" dirty="0">
               <a:solidFill>
                 <a:srgbClr val="1F1F1F"/>
               </a:solidFill>
             </a:endParaRPr>
           </a:p>
           <a:p>
-            <a:pPr indent="0" lvl="0" marL="0" rtl="0" algn="l">
+            <a:pPr marL="0" lvl="0" indent="0" algn="l" rtl="0">
               <a:lnSpc>
                 <a:spcPct val="100000"/>
               </a:lnSpc>
@@ -10747,29 +11077,21 @@
               <a:buNone/>
             </a:pPr>
             <a:r>
-              <a:rPr lang="es" sz="1200">
+              <a:rPr lang="es" sz="1200" dirty="0">
                 <a:solidFill>
                   <a:srgbClr val="1F1F1F"/>
                 </a:solidFill>
               </a:rPr>
-              <a:t>Base de datos: </a:t>
+              <a:t>Base de datos: Conjunto de datos HAM10000, compuesta de 10015 imágenes dermatoscópicas</a:t>
             </a:r>
-            <a:r>
-              <a:rPr lang="es" sz="1200">
-                <a:solidFill>
-                  <a:srgbClr val="1F1F1F"/>
-                </a:solidFill>
-              </a:rPr>
-              <a:t>Conjunto de datos HAM10000, compuesta de 10015 imágenes dermatoscópicas</a:t>
-            </a:r>
-            <a:endParaRPr sz="1200">
+            <a:endParaRPr sz="1200" dirty="0">
               <a:solidFill>
                 <a:srgbClr val="1F1F1F"/>
               </a:solidFill>
             </a:endParaRPr>
           </a:p>
           <a:p>
-            <a:pPr indent="0" lvl="0" marL="0" rtl="0" algn="l">
+            <a:pPr marL="0" lvl="0" indent="0" algn="l" rtl="0">
               <a:lnSpc>
                 <a:spcPct val="100000"/>
               </a:lnSpc>
@@ -10781,10 +11103,7 @@
               </a:spcAft>
               <a:buNone/>
             </a:pPr>
-            <a:r>
-              <a:t/>
-            </a:r>
-            <a:endParaRPr sz="1200">
+            <a:endParaRPr sz="1200" dirty="0">
               <a:solidFill>
                 <a:schemeClr val="dk1"/>
               </a:solidFill>
@@ -10795,9 +11114,11 @@
       <p:sp>
         <p:nvSpPr>
           <p:cNvPr id="150" name="Google Shape;150;p16"/>
-          <p:cNvSpPr txBox="1"/>
+          <p:cNvSpPr txBox="1">
+            <a:spLocks noGrp="1"/>
+          </p:cNvSpPr>
           <p:nvPr>
-            <p:ph idx="1" type="body"/>
+            <p:ph type="body" idx="1"/>
           </p:nvPr>
         </p:nvSpPr>
         <p:spPr>
@@ -10810,12 +11131,12 @@
           </a:prstGeom>
         </p:spPr>
         <p:txBody>
-          <a:bodyPr anchorCtr="0" anchor="t" bIns="91425" lIns="91425" spcFirstLastPara="1" rIns="91425" wrap="square" tIns="91425">
+          <a:bodyPr spcFirstLastPara="1" wrap="square" lIns="91425" tIns="91425" rIns="91425" bIns="91425" anchor="t" anchorCtr="0">
             <a:noAutofit/>
           </a:bodyPr>
           <a:lstStyle/>
           <a:p>
-            <a:pPr indent="0" lvl="0" marL="0" rtl="0" algn="l">
+            <a:pPr marL="0" lvl="0" indent="0" algn="l" rtl="0">
               <a:lnSpc>
                 <a:spcPct val="100000"/>
               </a:lnSpc>
@@ -10842,7 +11163,7 @@
             </a:endParaRPr>
           </a:p>
           <a:p>
-            <a:pPr indent="0" lvl="0" marL="0" rtl="0" algn="l">
+            <a:pPr marL="0" lvl="0" indent="0" algn="l" rtl="0">
               <a:spcBef>
                 <a:spcPts val="0"/>
               </a:spcBef>
@@ -10851,9 +11172,6 @@
               </a:spcAft>
               <a:buNone/>
             </a:pPr>
-            <a:r>
-              <a:t/>
-            </a:r>
             <a:endParaRPr sz="1000"/>
           </a:p>
         </p:txBody>
@@ -10894,12 +11212,12 @@
 </p:sld>
 </file>
 
-<file path=ppt/slides/slide5.xml><?xml version="1.0" encoding="utf-8"?>
-<p:sld xmlns:a="http://schemas.openxmlformats.org/drawingml/2006/main" xmlns:r="http://schemas.openxmlformats.org/officeDocument/2006/relationships" xmlns:mc="http://schemas.openxmlformats.org/markup-compatibility/2006" xmlns:mv="urn:schemas-microsoft-com:mac:vml" xmlns:p="http://schemas.openxmlformats.org/presentationml/2006/main" xmlns:c="http://schemas.openxmlformats.org/drawingml/2006/chart" xmlns:dgm="http://schemas.openxmlformats.org/drawingml/2006/diagram" xmlns:o="urn:schemas-microsoft-com:office:office" xmlns:v="urn:schemas-microsoft-com:vml" xmlns:pvml="urn:schemas-microsoft-com:office:powerpoint" xmlns:com="http://schemas.openxmlformats.org/drawingml/2006/compatibility" xmlns:p14="http://schemas.microsoft.com/office/powerpoint/2010/main" xmlns:p15="http://schemas.microsoft.com/office/powerpoint/2012/main" xmlns:ahyp="http://schemas.microsoft.com/office/drawing/2018/hyperlinkcolor">
+<file path=ppt/slides/slide6.xml><?xml version="1.0" encoding="utf-8"?>
+<p:sld xmlns:a="http://schemas.openxmlformats.org/drawingml/2006/main" xmlns:r="http://schemas.openxmlformats.org/officeDocument/2006/relationships" xmlns:p="http://schemas.openxmlformats.org/presentationml/2006/main">
   <p:cSld>
     <p:spTree>
       <p:nvGrpSpPr>
-        <p:cNvPr id="155" name="Shape 155"/>
+        <p:cNvPr id="1" name="Shape 155"/>
         <p:cNvGrpSpPr/>
         <p:nvPr/>
       </p:nvGrpSpPr>
@@ -10914,7 +11232,9 @@
       <p:sp>
         <p:nvSpPr>
           <p:cNvPr id="156" name="Google Shape;156;p17"/>
-          <p:cNvSpPr txBox="1"/>
+          <p:cNvSpPr txBox="1">
+            <a:spLocks noGrp="1"/>
+          </p:cNvSpPr>
           <p:nvPr>
             <p:ph type="title"/>
           </p:nvPr>
@@ -10929,12 +11249,12 @@
           </a:prstGeom>
         </p:spPr>
         <p:txBody>
-          <a:bodyPr anchorCtr="0" anchor="ctr" bIns="91425" lIns="91425" spcFirstLastPara="1" rIns="91425" wrap="square" tIns="91425">
+          <a:bodyPr spcFirstLastPara="1" wrap="square" lIns="91425" tIns="91425" rIns="91425" bIns="91425" anchor="ctr" anchorCtr="0">
             <a:normAutofit/>
           </a:bodyPr>
           <a:lstStyle/>
           <a:p>
-            <a:pPr indent="0" lvl="0" marL="0" rtl="0" algn="l">
+            <a:pPr marL="0" lvl="0" indent="0" algn="l" rtl="0">
               <a:lnSpc>
                 <a:spcPct val="115000"/>
               </a:lnSpc>
@@ -10961,19 +11281,7 @@
                 <a:cs typeface="Georgia"/>
                 <a:sym typeface="Georgia"/>
               </a:rPr>
-              <a:t>Á</a:t>
-            </a:r>
-            <a:r>
-              <a:rPr lang="es" sz="2300">
-                <a:solidFill>
-                  <a:srgbClr val="1F1F1F"/>
-                </a:solidFill>
-                <a:latin typeface="Georgia"/>
-                <a:ea typeface="Georgia"/>
-                <a:cs typeface="Georgia"/>
-                <a:sym typeface="Georgia"/>
-              </a:rPr>
-              <a:t>rbol de problemas</a:t>
+              <a:t>Árbol de problemas</a:t>
             </a:r>
             <a:endParaRPr sz="2300">
               <a:solidFill>
@@ -11023,12 +11331,12 @@
 </p:sld>
 </file>
 
-<file path=ppt/slides/slide6.xml><?xml version="1.0" encoding="utf-8"?>
-<p:sld xmlns:a="http://schemas.openxmlformats.org/drawingml/2006/main" xmlns:r="http://schemas.openxmlformats.org/officeDocument/2006/relationships" xmlns:mc="http://schemas.openxmlformats.org/markup-compatibility/2006" xmlns:mv="urn:schemas-microsoft-com:mac:vml" xmlns:p="http://schemas.openxmlformats.org/presentationml/2006/main" xmlns:c="http://schemas.openxmlformats.org/drawingml/2006/chart" xmlns:dgm="http://schemas.openxmlformats.org/drawingml/2006/diagram" xmlns:o="urn:schemas-microsoft-com:office:office" xmlns:v="urn:schemas-microsoft-com:vml" xmlns:pvml="urn:schemas-microsoft-com:office:powerpoint" xmlns:com="http://schemas.openxmlformats.org/drawingml/2006/compatibility" xmlns:p14="http://schemas.microsoft.com/office/powerpoint/2010/main" xmlns:p15="http://schemas.microsoft.com/office/powerpoint/2012/main" xmlns:ahyp="http://schemas.microsoft.com/office/drawing/2018/hyperlinkcolor">
+<file path=ppt/slides/slide7.xml><?xml version="1.0" encoding="utf-8"?>
+<p:sld xmlns:a="http://schemas.openxmlformats.org/drawingml/2006/main" xmlns:r="http://schemas.openxmlformats.org/officeDocument/2006/relationships" xmlns:p="http://schemas.openxmlformats.org/presentationml/2006/main">
   <p:cSld>
     <p:spTree>
       <p:nvGrpSpPr>
-        <p:cNvPr id="161" name="Shape 161"/>
+        <p:cNvPr id="1" name="Shape 161"/>
         <p:cNvGrpSpPr/>
         <p:nvPr/>
       </p:nvGrpSpPr>
@@ -11043,9 +11351,11 @@
       <p:sp>
         <p:nvSpPr>
           <p:cNvPr id="162" name="Google Shape;162;p18"/>
-          <p:cNvSpPr txBox="1"/>
+          <p:cNvSpPr txBox="1">
+            <a:spLocks noGrp="1"/>
+          </p:cNvSpPr>
           <p:nvPr>
-            <p:ph idx="2" type="body"/>
+            <p:ph type="body" idx="2"/>
           </p:nvPr>
         </p:nvSpPr>
         <p:spPr>
@@ -11058,12 +11368,12 @@
           </a:prstGeom>
         </p:spPr>
         <p:txBody>
-          <a:bodyPr anchorCtr="0" anchor="t" bIns="91425" lIns="91425" spcFirstLastPara="1" rIns="91425" wrap="square" tIns="91425">
+          <a:bodyPr spcFirstLastPara="1" wrap="square" lIns="91425" tIns="91425" rIns="91425" bIns="91425" anchor="t" anchorCtr="0">
             <a:normAutofit/>
           </a:bodyPr>
           <a:lstStyle/>
           <a:p>
-            <a:pPr indent="0" lvl="0" marL="0" rtl="0" algn="l">
+            <a:pPr marL="0" lvl="0" indent="0" algn="l" rtl="0">
               <a:spcBef>
                 <a:spcPts val="0"/>
               </a:spcBef>
@@ -11074,11 +11384,7 @@
             </a:pPr>
             <a:r>
               <a:rPr lang="es" sz="1200"/>
-              <a:t>Los casos incluyen una colección representativa de todas las categorías diagnósticas importantes en el ámbito de las lesiones pigmentadas. C</a:t>
-            </a:r>
-            <a:r>
-              <a:rPr lang="es" sz="1200"/>
-              <a:t>ontiene más de 10015 imágenes dermatoscópicas.</a:t>
+              <a:t>Los casos incluyen una colección representativa de todas las categorías diagnósticas importantes en el ámbito de las lesiones pigmentadas. Contiene más de 10015 imágenes dermatoscópicas.</a:t>
             </a:r>
             <a:endParaRPr sz="1200"/>
           </a:p>
@@ -11087,7 +11393,9 @@
       <p:sp>
         <p:nvSpPr>
           <p:cNvPr id="163" name="Google Shape;163;p18"/>
-          <p:cNvSpPr txBox="1"/>
+          <p:cNvSpPr txBox="1">
+            <a:spLocks noGrp="1"/>
+          </p:cNvSpPr>
           <p:nvPr>
             <p:ph type="title"/>
           </p:nvPr>
@@ -11102,12 +11410,12 @@
           </a:prstGeom>
         </p:spPr>
         <p:txBody>
-          <a:bodyPr anchorCtr="0" anchor="t" bIns="91425" lIns="91425" spcFirstLastPara="1" rIns="91425" wrap="square" tIns="91425">
+          <a:bodyPr spcFirstLastPara="1" wrap="square" lIns="91425" tIns="91425" rIns="91425" bIns="91425" anchor="t" anchorCtr="0">
             <a:normAutofit/>
           </a:bodyPr>
           <a:lstStyle/>
           <a:p>
-            <a:pPr indent="0" lvl="0" marL="0" rtl="0" algn="l">
+            <a:pPr marL="0" lvl="0" indent="0" algn="l" rtl="0">
               <a:spcBef>
                 <a:spcPts val="0"/>
               </a:spcBef>
@@ -11127,9 +11435,11 @@
       <p:sp>
         <p:nvSpPr>
           <p:cNvPr id="164" name="Google Shape;164;p18"/>
-          <p:cNvSpPr txBox="1"/>
+          <p:cNvSpPr txBox="1">
+            <a:spLocks noGrp="1"/>
+          </p:cNvSpPr>
           <p:nvPr>
-            <p:ph idx="1" type="subTitle"/>
+            <p:ph type="subTitle" idx="1"/>
           </p:nvPr>
         </p:nvSpPr>
         <p:spPr>
@@ -11142,12 +11452,12 @@
           </a:prstGeom>
         </p:spPr>
         <p:txBody>
-          <a:bodyPr anchorCtr="0" anchor="ctr" bIns="91425" lIns="91425" spcFirstLastPara="1" rIns="91425" wrap="square" tIns="91425">
+          <a:bodyPr spcFirstLastPara="1" wrap="square" lIns="91425" tIns="91425" rIns="91425" bIns="91425" anchor="ctr" anchorCtr="0">
             <a:noAutofit/>
           </a:bodyPr>
           <a:lstStyle/>
           <a:p>
-            <a:pPr indent="0" lvl="0" marL="0" rtl="0" algn="l">
+            <a:pPr marL="0" lvl="0" indent="0" algn="l" rtl="0">
               <a:lnSpc>
                 <a:spcPct val="133333"/>
               </a:lnSpc>
@@ -11160,23 +11470,21 @@
               <a:buNone/>
             </a:pPr>
             <a:r>
-              <a:rPr b="1" lang="es" sz="1300"/>
-              <a:t>Skin Cancer MNIST: HAM1000</a:t>
+              <a:rPr lang="es" sz="1300" b="1"/>
+              <a:t>Skin Cancer MNIST: HAM10000</a:t>
             </a:r>
-            <a:r>
-              <a:rPr b="1" lang="es" sz="1300"/>
-              <a:t>0</a:t>
-            </a:r>
-            <a:endParaRPr b="1" sz="1300"/>
+            <a:endParaRPr sz="1300" b="1"/>
           </a:p>
         </p:txBody>
       </p:sp>
       <p:sp>
         <p:nvSpPr>
           <p:cNvPr id="165" name="Google Shape;165;p18"/>
-          <p:cNvSpPr txBox="1"/>
+          <p:cNvSpPr txBox="1">
+            <a:spLocks noGrp="1"/>
+          </p:cNvSpPr>
           <p:nvPr>
-            <p:ph idx="2" type="body"/>
+            <p:ph type="body" idx="2"/>
           </p:nvPr>
         </p:nvSpPr>
         <p:spPr>
@@ -11189,12 +11497,12 @@
           </a:prstGeom>
         </p:spPr>
         <p:txBody>
-          <a:bodyPr anchorCtr="0" anchor="t" bIns="91425" lIns="91425" spcFirstLastPara="1" rIns="91425" wrap="square" tIns="91425">
-            <a:normAutofit lnSpcReduction="10000"/>
+          <a:bodyPr spcFirstLastPara="1" wrap="square" lIns="91425" tIns="91425" rIns="91425" bIns="91425" anchor="t" anchorCtr="0">
+            <a:normAutofit fontScale="70000" lnSpcReduction="20000"/>
           </a:bodyPr>
           <a:lstStyle/>
           <a:p>
-            <a:pPr indent="0" lvl="0" marL="0" rtl="0" algn="l">
+            <a:pPr marL="0" lvl="0" indent="0" algn="l" rtl="0">
               <a:spcBef>
                 <a:spcPts val="0"/>
               </a:spcBef>
@@ -11214,9 +11522,11 @@
       <p:sp>
         <p:nvSpPr>
           <p:cNvPr id="166" name="Google Shape;166;p18"/>
-          <p:cNvSpPr txBox="1"/>
+          <p:cNvSpPr txBox="1">
+            <a:spLocks noGrp="1"/>
+          </p:cNvSpPr>
           <p:nvPr>
-            <p:ph idx="2" type="body"/>
+            <p:ph type="body" idx="2"/>
           </p:nvPr>
         </p:nvSpPr>
         <p:spPr>
@@ -11229,12 +11539,12 @@
           </a:prstGeom>
         </p:spPr>
         <p:txBody>
-          <a:bodyPr anchorCtr="0" anchor="t" bIns="91425" lIns="91425" spcFirstLastPara="1" rIns="91425" wrap="square" tIns="91425">
+          <a:bodyPr spcFirstLastPara="1" wrap="square" lIns="91425" tIns="91425" rIns="91425" bIns="91425" anchor="t" anchorCtr="0">
             <a:normAutofit/>
           </a:bodyPr>
           <a:lstStyle/>
           <a:p>
-            <a:pPr indent="0" lvl="0" marL="0" rtl="0" algn="l">
+            <a:pPr marL="0" lvl="0" indent="0" algn="l" rtl="0">
               <a:spcBef>
                 <a:spcPts val="0"/>
               </a:spcBef>
@@ -11250,7 +11560,7 @@
             <a:endParaRPr sz="1200"/>
           </a:p>
           <a:p>
-            <a:pPr indent="0" lvl="0" marL="0" rtl="0" algn="l">
+            <a:pPr marL="0" lvl="0" indent="0" algn="l" rtl="0">
               <a:spcBef>
                 <a:spcPts val="1200"/>
               </a:spcBef>
@@ -11259,9 +11569,6 @@
               </a:spcAft>
               <a:buNone/>
             </a:pPr>
-            <a:r>
-              <a:t/>
-            </a:r>
             <a:endParaRPr sz="1200"/>
           </a:p>
         </p:txBody>
@@ -11269,9 +11576,11 @@
       <p:sp>
         <p:nvSpPr>
           <p:cNvPr id="167" name="Google Shape;167;p18"/>
-          <p:cNvSpPr txBox="1"/>
+          <p:cNvSpPr txBox="1">
+            <a:spLocks noGrp="1"/>
+          </p:cNvSpPr>
           <p:nvPr>
-            <p:ph idx="1" type="subTitle"/>
+            <p:ph type="subTitle" idx="1"/>
           </p:nvPr>
         </p:nvSpPr>
         <p:spPr>
@@ -11284,12 +11593,12 @@
           </a:prstGeom>
         </p:spPr>
         <p:txBody>
-          <a:bodyPr anchorCtr="0" anchor="t" bIns="91425" lIns="91425" spcFirstLastPara="1" rIns="91425" wrap="square" tIns="91425">
-            <a:normAutofit/>
+          <a:bodyPr spcFirstLastPara="1" wrap="square" lIns="91425" tIns="91425" rIns="91425" bIns="91425" anchor="t" anchorCtr="0">
+            <a:normAutofit fontScale="92500" lnSpcReduction="20000"/>
           </a:bodyPr>
           <a:lstStyle/>
           <a:p>
-            <a:pPr indent="0" lvl="0" marL="0" rtl="0" algn="l">
+            <a:pPr marL="0" lvl="0" indent="0" algn="l" rtl="0">
               <a:lnSpc>
                 <a:spcPct val="133333"/>
               </a:lnSpc>
@@ -11302,19 +11611,21 @@
               <a:buNone/>
             </a:pPr>
             <a:r>
-              <a:rPr b="1" lang="es" sz="1300"/>
+              <a:rPr lang="es" sz="1300" b="1"/>
               <a:t>Dataset ISIC - 2019</a:t>
             </a:r>
-            <a:endParaRPr b="1" sz="1300"/>
+            <a:endParaRPr sz="1300" b="1"/>
           </a:p>
         </p:txBody>
       </p:sp>
       <p:sp>
         <p:nvSpPr>
           <p:cNvPr id="168" name="Google Shape;168;p18"/>
-          <p:cNvSpPr txBox="1"/>
+          <p:cNvSpPr txBox="1">
+            <a:spLocks noGrp="1"/>
+          </p:cNvSpPr>
           <p:nvPr>
-            <p:ph idx="2" type="body"/>
+            <p:ph type="body" idx="2"/>
           </p:nvPr>
         </p:nvSpPr>
         <p:spPr>
@@ -11327,12 +11638,12 @@
           </a:prstGeom>
         </p:spPr>
         <p:txBody>
-          <a:bodyPr anchorCtr="0" anchor="t" bIns="91425" lIns="91425" spcFirstLastPara="1" rIns="91425" wrap="square" tIns="91425">
-            <a:normAutofit lnSpcReduction="10000"/>
+          <a:bodyPr spcFirstLastPara="1" wrap="square" lIns="91425" tIns="91425" rIns="91425" bIns="91425" anchor="t" anchorCtr="0">
+            <a:normAutofit fontScale="77500" lnSpcReduction="20000"/>
           </a:bodyPr>
           <a:lstStyle/>
           <a:p>
-            <a:pPr indent="0" lvl="0" marL="0" rtl="0" algn="l">
+            <a:pPr marL="0" lvl="0" indent="0" algn="l" rtl="0">
               <a:spcBef>
                 <a:spcPts val="0"/>
               </a:spcBef>
@@ -11359,7 +11670,7 @@
           <a:blip r:embed="rId3">
             <a:alphaModFix/>
           </a:blip>
-          <a:srcRect b="0" l="70756" r="0" t="42558"/>
+          <a:srcRect l="70756" t="42558"/>
           <a:stretch/>
         </p:blipFill>
         <p:spPr>
@@ -11413,7 +11724,288 @@
 </file>
 
 <file path=ppt/theme/theme1.xml><?xml version="1.0" encoding="utf-8"?>
-<a:theme xmlns:a="http://schemas.openxmlformats.org/drawingml/2006/main" xmlns:r="http://schemas.openxmlformats.org/officeDocument/2006/relationships">
+<a:theme xmlns:a="http://schemas.openxmlformats.org/drawingml/2006/main" name="Shift">
+  <a:themeElements>
+    <a:clrScheme name="Shift">
+      <a:dk1>
+        <a:srgbClr val="FFFFFF"/>
+      </a:dk1>
+      <a:lt1>
+        <a:srgbClr val="AF7B51"/>
+      </a:lt1>
+      <a:dk2>
+        <a:srgbClr val="233A44"/>
+      </a:dk2>
+      <a:lt2>
+        <a:srgbClr val="D9D9D9"/>
+      </a:lt2>
+      <a:accent1>
+        <a:srgbClr val="00796B"/>
+      </a:accent1>
+      <a:accent2>
+        <a:srgbClr val="D9563F"/>
+      </a:accent2>
+      <a:accent3>
+        <a:srgbClr val="C4A15A"/>
+      </a:accent3>
+      <a:accent4>
+        <a:srgbClr val="14F597"/>
+      </a:accent4>
+      <a:accent5>
+        <a:srgbClr val="3D4594"/>
+      </a:accent5>
+      <a:accent6>
+        <a:srgbClr val="163EF5"/>
+      </a:accent6>
+      <a:hlink>
+        <a:srgbClr val="3D4594"/>
+      </a:hlink>
+      <a:folHlink>
+        <a:srgbClr val="3D4594"/>
+      </a:folHlink>
+    </a:clrScheme>
+    <a:fontScheme name="Office">
+      <a:majorFont>
+        <a:latin typeface="Arial"/>
+        <a:ea typeface=""/>
+        <a:cs typeface=""/>
+        <a:font script="Jpan" typeface="ＭＳ Ｐゴシック"/>
+        <a:font script="Hang" typeface="맑은 고딕"/>
+        <a:font script="Hans" typeface="宋体"/>
+        <a:font script="Hant" typeface="新細明體"/>
+        <a:font script="Arab" typeface="Times New Roman"/>
+        <a:font script="Hebr" typeface="Times New Roman"/>
+        <a:font script="Thai" typeface="Angsana New"/>
+        <a:font script="Ethi" typeface="Nyala"/>
+        <a:font script="Beng" typeface="Vrinda"/>
+        <a:font script="Gujr" typeface="Shruti"/>
+        <a:font script="Khmr" typeface="MoolBoran"/>
+        <a:font script="Knda" typeface="Tunga"/>
+        <a:font script="Guru" typeface="Raavi"/>
+        <a:font script="Cans" typeface="Euphemia"/>
+        <a:font script="Cher" typeface="Plantagenet Cherokee"/>
+        <a:font script="Yiii" typeface="Microsoft Yi Baiti"/>
+        <a:font script="Tibt" typeface="Microsoft Himalaya"/>
+        <a:font script="Thaa" typeface="MV Boli"/>
+        <a:font script="Deva" typeface="Mangal"/>
+        <a:font script="Telu" typeface="Gautami"/>
+        <a:font script="Taml" typeface="Latha"/>
+        <a:font script="Syrc" typeface="Estrangelo Edessa"/>
+        <a:font script="Orya" typeface="Kalinga"/>
+        <a:font script="Mlym" typeface="Kartika"/>
+        <a:font script="Laoo" typeface="DokChampa"/>
+        <a:font script="Sinh" typeface="Iskoola Pota"/>
+        <a:font script="Mong" typeface="Mongolian Baiti"/>
+        <a:font script="Viet" typeface="Times New Roman"/>
+        <a:font script="Uigh" typeface="Microsoft Uighur"/>
+        <a:font script="Geor" typeface="Sylfaen"/>
+      </a:majorFont>
+      <a:minorFont>
+        <a:latin typeface="Arial"/>
+        <a:ea typeface=""/>
+        <a:cs typeface=""/>
+        <a:font script="Jpan" typeface="ＭＳ Ｐゴシック"/>
+        <a:font script="Hang" typeface="맑은 고딕"/>
+        <a:font script="Hans" typeface="宋体"/>
+        <a:font script="Hant" typeface="新細明體"/>
+        <a:font script="Arab" typeface="Arial"/>
+        <a:font script="Hebr" typeface="Arial"/>
+        <a:font script="Thai" typeface="Cordia New"/>
+        <a:font script="Ethi" typeface="Nyala"/>
+        <a:font script="Beng" typeface="Vrinda"/>
+        <a:font script="Gujr" typeface="Shruti"/>
+        <a:font script="Khmr" typeface="DaunPenh"/>
+        <a:font script="Knda" typeface="Tunga"/>
+        <a:font script="Guru" typeface="Raavi"/>
+        <a:font script="Cans" typeface="Euphemia"/>
+        <a:font script="Cher" typeface="Plantagenet Cherokee"/>
+        <a:font script="Yiii" typeface="Microsoft Yi Baiti"/>
+        <a:font script="Tibt" typeface="Microsoft Himalaya"/>
+        <a:font script="Thaa" typeface="MV Boli"/>
+        <a:font script="Deva" typeface="Mangal"/>
+        <a:font script="Telu" typeface="Gautami"/>
+        <a:font script="Taml" typeface="Latha"/>
+        <a:font script="Syrc" typeface="Estrangelo Edessa"/>
+        <a:font script="Orya" typeface="Kalinga"/>
+        <a:font script="Mlym" typeface="Kartika"/>
+        <a:font script="Laoo" typeface="DokChampa"/>
+        <a:font script="Sinh" typeface="Iskoola Pota"/>
+        <a:font script="Mong" typeface="Mongolian Baiti"/>
+        <a:font script="Viet" typeface="Arial"/>
+        <a:font script="Uigh" typeface="Microsoft Uighur"/>
+        <a:font script="Geor" typeface="Sylfaen"/>
+      </a:minorFont>
+    </a:fontScheme>
+    <a:fmtScheme name="Office">
+      <a:fillStyleLst>
+        <a:solidFill>
+          <a:schemeClr val="phClr"/>
+        </a:solidFill>
+        <a:gradFill rotWithShape="1">
+          <a:gsLst>
+            <a:gs pos="0">
+              <a:schemeClr val="phClr">
+                <a:tint val="50000"/>
+                <a:satMod val="300000"/>
+              </a:schemeClr>
+            </a:gs>
+            <a:gs pos="35000">
+              <a:schemeClr val="phClr">
+                <a:tint val="37000"/>
+                <a:satMod val="300000"/>
+              </a:schemeClr>
+            </a:gs>
+            <a:gs pos="100000">
+              <a:schemeClr val="phClr">
+                <a:tint val="15000"/>
+                <a:satMod val="350000"/>
+              </a:schemeClr>
+            </a:gs>
+          </a:gsLst>
+          <a:lin ang="16200000" scaled="1"/>
+        </a:gradFill>
+        <a:gradFill rotWithShape="1">
+          <a:gsLst>
+            <a:gs pos="0">
+              <a:schemeClr val="phClr">
+                <a:tint val="100000"/>
+                <a:shade val="100000"/>
+                <a:satMod val="130000"/>
+              </a:schemeClr>
+            </a:gs>
+            <a:gs pos="100000">
+              <a:schemeClr val="phClr">
+                <a:tint val="50000"/>
+                <a:shade val="100000"/>
+                <a:satMod val="350000"/>
+              </a:schemeClr>
+            </a:gs>
+          </a:gsLst>
+          <a:lin ang="16200000" scaled="0"/>
+        </a:gradFill>
+      </a:fillStyleLst>
+      <a:lnStyleLst>
+        <a:ln w="9525" cap="flat" cmpd="sng" algn="ctr">
+          <a:solidFill>
+            <a:schemeClr val="phClr">
+              <a:shade val="95000"/>
+              <a:satMod val="105000"/>
+            </a:schemeClr>
+          </a:solidFill>
+          <a:prstDash val="solid"/>
+        </a:ln>
+        <a:ln w="25400" cap="flat" cmpd="sng" algn="ctr">
+          <a:solidFill>
+            <a:schemeClr val="phClr"/>
+          </a:solidFill>
+          <a:prstDash val="solid"/>
+        </a:ln>
+        <a:ln w="38100" cap="flat" cmpd="sng" algn="ctr">
+          <a:solidFill>
+            <a:schemeClr val="phClr"/>
+          </a:solidFill>
+          <a:prstDash val="solid"/>
+        </a:ln>
+      </a:lnStyleLst>
+      <a:effectStyleLst>
+        <a:effectStyle>
+          <a:effectLst>
+            <a:outerShdw blurRad="40000" dist="20000" dir="5400000" rotWithShape="0">
+              <a:srgbClr val="000000">
+                <a:alpha val="38000"/>
+              </a:srgbClr>
+            </a:outerShdw>
+          </a:effectLst>
+        </a:effectStyle>
+        <a:effectStyle>
+          <a:effectLst>
+            <a:outerShdw blurRad="40000" dist="23000" dir="5400000" rotWithShape="0">
+              <a:srgbClr val="000000">
+                <a:alpha val="35000"/>
+              </a:srgbClr>
+            </a:outerShdw>
+          </a:effectLst>
+        </a:effectStyle>
+        <a:effectStyle>
+          <a:effectLst>
+            <a:outerShdw blurRad="40000" dist="23000" dir="5400000" rotWithShape="0">
+              <a:srgbClr val="000000">
+                <a:alpha val="35000"/>
+              </a:srgbClr>
+            </a:outerShdw>
+          </a:effectLst>
+          <a:scene3d>
+            <a:camera prst="orthographicFront">
+              <a:rot lat="0" lon="0" rev="0"/>
+            </a:camera>
+            <a:lightRig rig="threePt" dir="t">
+              <a:rot lat="0" lon="0" rev="1200000"/>
+            </a:lightRig>
+          </a:scene3d>
+          <a:sp3d>
+            <a:bevelT w="63500" h="25400"/>
+          </a:sp3d>
+        </a:effectStyle>
+      </a:effectStyleLst>
+      <a:bgFillStyleLst>
+        <a:solidFill>
+          <a:schemeClr val="phClr"/>
+        </a:solidFill>
+        <a:gradFill rotWithShape="1">
+          <a:gsLst>
+            <a:gs pos="0">
+              <a:schemeClr val="phClr">
+                <a:tint val="40000"/>
+                <a:satMod val="350000"/>
+              </a:schemeClr>
+            </a:gs>
+            <a:gs pos="40000">
+              <a:schemeClr val="phClr">
+                <a:tint val="45000"/>
+                <a:shade val="99000"/>
+                <a:satMod val="350000"/>
+              </a:schemeClr>
+            </a:gs>
+            <a:gs pos="100000">
+              <a:schemeClr val="phClr">
+                <a:shade val="20000"/>
+                <a:satMod val="255000"/>
+              </a:schemeClr>
+            </a:gs>
+          </a:gsLst>
+          <a:path path="circle">
+            <a:fillToRect l="50000" t="-80000" r="50000" b="180000"/>
+          </a:path>
+        </a:gradFill>
+        <a:gradFill rotWithShape="1">
+          <a:gsLst>
+            <a:gs pos="0">
+              <a:schemeClr val="phClr">
+                <a:tint val="80000"/>
+                <a:satMod val="300000"/>
+              </a:schemeClr>
+            </a:gs>
+            <a:gs pos="100000">
+              <a:schemeClr val="phClr">
+                <a:shade val="30000"/>
+                <a:satMod val="200000"/>
+              </a:schemeClr>
+            </a:gs>
+          </a:gsLst>
+          <a:path path="circle">
+            <a:fillToRect l="50000" t="50000" r="50000" b="50000"/>
+          </a:path>
+        </a:gradFill>
+      </a:bgFillStyleLst>
+    </a:fmtScheme>
+  </a:themeElements>
+  <a:objectDefaults/>
+  <a:extraClrSchemeLst/>
+</a:theme>
+</file>
+
+<file path=ppt/theme/theme2.xml><?xml version="1.0" encoding="utf-8"?>
+<a:theme xmlns:a="http://schemas.openxmlformats.org/drawingml/2006/main">
   <a:themeElements>
     <a:clrScheme name="Default">
       <a:dk1>
@@ -11688,284 +12280,7 @@
       </a:bgFillStyleLst>
     </a:fmtScheme>
   </a:themeElements>
-</a:theme>
-</file>
-
-<file path=ppt/theme/theme2.xml><?xml version="1.0" encoding="utf-8"?>
-<a:theme xmlns:a="http://schemas.openxmlformats.org/drawingml/2006/main" xmlns:r="http://schemas.openxmlformats.org/officeDocument/2006/relationships" name="Shift">
-  <a:themeElements>
-    <a:clrScheme name="Shift">
-      <a:dk1>
-        <a:srgbClr val="FFFFFF"/>
-      </a:dk1>
-      <a:lt1>
-        <a:srgbClr val="AF7B51"/>
-      </a:lt1>
-      <a:dk2>
-        <a:srgbClr val="233A44"/>
-      </a:dk2>
-      <a:lt2>
-        <a:srgbClr val="D9D9D9"/>
-      </a:lt2>
-      <a:accent1>
-        <a:srgbClr val="00796B"/>
-      </a:accent1>
-      <a:accent2>
-        <a:srgbClr val="D9563F"/>
-      </a:accent2>
-      <a:accent3>
-        <a:srgbClr val="C4A15A"/>
-      </a:accent3>
-      <a:accent4>
-        <a:srgbClr val="14F597"/>
-      </a:accent4>
-      <a:accent5>
-        <a:srgbClr val="3D4594"/>
-      </a:accent5>
-      <a:accent6>
-        <a:srgbClr val="163EF5"/>
-      </a:accent6>
-      <a:hlink>
-        <a:srgbClr val="3D4594"/>
-      </a:hlink>
-      <a:folHlink>
-        <a:srgbClr val="3D4594"/>
-      </a:folHlink>
-    </a:clrScheme>
-    <a:fontScheme name="Office">
-      <a:majorFont>
-        <a:latin typeface="Arial"/>
-        <a:ea typeface=""/>
-        <a:cs typeface=""/>
-        <a:font script="Jpan" typeface="ＭＳ Ｐゴシック"/>
-        <a:font script="Hang" typeface="맑은 고딕"/>
-        <a:font script="Hans" typeface="宋体"/>
-        <a:font script="Hant" typeface="新細明體"/>
-        <a:font script="Arab" typeface="Times New Roman"/>
-        <a:font script="Hebr" typeface="Times New Roman"/>
-        <a:font script="Thai" typeface="Angsana New"/>
-        <a:font script="Ethi" typeface="Nyala"/>
-        <a:font script="Beng" typeface="Vrinda"/>
-        <a:font script="Gujr" typeface="Shruti"/>
-        <a:font script="Khmr" typeface="MoolBoran"/>
-        <a:font script="Knda" typeface="Tunga"/>
-        <a:font script="Guru" typeface="Raavi"/>
-        <a:font script="Cans" typeface="Euphemia"/>
-        <a:font script="Cher" typeface="Plantagenet Cherokee"/>
-        <a:font script="Yiii" typeface="Microsoft Yi Baiti"/>
-        <a:font script="Tibt" typeface="Microsoft Himalaya"/>
-        <a:font script="Thaa" typeface="MV Boli"/>
-        <a:font script="Deva" typeface="Mangal"/>
-        <a:font script="Telu" typeface="Gautami"/>
-        <a:font script="Taml" typeface="Latha"/>
-        <a:font script="Syrc" typeface="Estrangelo Edessa"/>
-        <a:font script="Orya" typeface="Kalinga"/>
-        <a:font script="Mlym" typeface="Kartika"/>
-        <a:font script="Laoo" typeface="DokChampa"/>
-        <a:font script="Sinh" typeface="Iskoola Pota"/>
-        <a:font script="Mong" typeface="Mongolian Baiti"/>
-        <a:font script="Viet" typeface="Times New Roman"/>
-        <a:font script="Uigh" typeface="Microsoft Uighur"/>
-        <a:font script="Geor" typeface="Sylfaen"/>
-      </a:majorFont>
-      <a:minorFont>
-        <a:latin typeface="Arial"/>
-        <a:ea typeface=""/>
-        <a:cs typeface=""/>
-        <a:font script="Jpan" typeface="ＭＳ Ｐゴシック"/>
-        <a:font script="Hang" typeface="맑은 고딕"/>
-        <a:font script="Hans" typeface="宋体"/>
-        <a:font script="Hant" typeface="新細明體"/>
-        <a:font script="Arab" typeface="Arial"/>
-        <a:font script="Hebr" typeface="Arial"/>
-        <a:font script="Thai" typeface="Cordia New"/>
-        <a:font script="Ethi" typeface="Nyala"/>
-        <a:font script="Beng" typeface="Vrinda"/>
-        <a:font script="Gujr" typeface="Shruti"/>
-        <a:font script="Khmr" typeface="DaunPenh"/>
-        <a:font script="Knda" typeface="Tunga"/>
-        <a:font script="Guru" typeface="Raavi"/>
-        <a:font script="Cans" typeface="Euphemia"/>
-        <a:font script="Cher" typeface="Plantagenet Cherokee"/>
-        <a:font script="Yiii" typeface="Microsoft Yi Baiti"/>
-        <a:font script="Tibt" typeface="Microsoft Himalaya"/>
-        <a:font script="Thaa" typeface="MV Boli"/>
-        <a:font script="Deva" typeface="Mangal"/>
-        <a:font script="Telu" typeface="Gautami"/>
-        <a:font script="Taml" typeface="Latha"/>
-        <a:font script="Syrc" typeface="Estrangelo Edessa"/>
-        <a:font script="Orya" typeface="Kalinga"/>
-        <a:font script="Mlym" typeface="Kartika"/>
-        <a:font script="Laoo" typeface="DokChampa"/>
-        <a:font script="Sinh" typeface="Iskoola Pota"/>
-        <a:font script="Mong" typeface="Mongolian Baiti"/>
-        <a:font script="Viet" typeface="Arial"/>
-        <a:font script="Uigh" typeface="Microsoft Uighur"/>
-        <a:font script="Geor" typeface="Sylfaen"/>
-      </a:minorFont>
-    </a:fontScheme>
-    <a:fmtScheme name="Office">
-      <a:fillStyleLst>
-        <a:solidFill>
-          <a:schemeClr val="phClr"/>
-        </a:solidFill>
-        <a:gradFill rotWithShape="1">
-          <a:gsLst>
-            <a:gs pos="0">
-              <a:schemeClr val="phClr">
-                <a:tint val="50000"/>
-                <a:satMod val="300000"/>
-              </a:schemeClr>
-            </a:gs>
-            <a:gs pos="35000">
-              <a:schemeClr val="phClr">
-                <a:tint val="37000"/>
-                <a:satMod val="300000"/>
-              </a:schemeClr>
-            </a:gs>
-            <a:gs pos="100000">
-              <a:schemeClr val="phClr">
-                <a:tint val="15000"/>
-                <a:satMod val="350000"/>
-              </a:schemeClr>
-            </a:gs>
-          </a:gsLst>
-          <a:lin ang="16200000" scaled="1"/>
-        </a:gradFill>
-        <a:gradFill rotWithShape="1">
-          <a:gsLst>
-            <a:gs pos="0">
-              <a:schemeClr val="phClr">
-                <a:tint val="100000"/>
-                <a:shade val="100000"/>
-                <a:satMod val="130000"/>
-              </a:schemeClr>
-            </a:gs>
-            <a:gs pos="100000">
-              <a:schemeClr val="phClr">
-                <a:tint val="50000"/>
-                <a:shade val="100000"/>
-                <a:satMod val="350000"/>
-              </a:schemeClr>
-            </a:gs>
-          </a:gsLst>
-          <a:lin ang="16200000" scaled="0"/>
-        </a:gradFill>
-      </a:fillStyleLst>
-      <a:lnStyleLst>
-        <a:ln w="9525" cap="flat" cmpd="sng" algn="ctr">
-          <a:solidFill>
-            <a:schemeClr val="phClr">
-              <a:shade val="95000"/>
-              <a:satMod val="105000"/>
-            </a:schemeClr>
-          </a:solidFill>
-          <a:prstDash val="solid"/>
-        </a:ln>
-        <a:ln w="25400" cap="flat" cmpd="sng" algn="ctr">
-          <a:solidFill>
-            <a:schemeClr val="phClr"/>
-          </a:solidFill>
-          <a:prstDash val="solid"/>
-        </a:ln>
-        <a:ln w="38100" cap="flat" cmpd="sng" algn="ctr">
-          <a:solidFill>
-            <a:schemeClr val="phClr"/>
-          </a:solidFill>
-          <a:prstDash val="solid"/>
-        </a:ln>
-      </a:lnStyleLst>
-      <a:effectStyleLst>
-        <a:effectStyle>
-          <a:effectLst>
-            <a:outerShdw blurRad="40000" dist="20000" dir="5400000" rotWithShape="0">
-              <a:srgbClr val="000000">
-                <a:alpha val="38000"/>
-              </a:srgbClr>
-            </a:outerShdw>
-          </a:effectLst>
-        </a:effectStyle>
-        <a:effectStyle>
-          <a:effectLst>
-            <a:outerShdw blurRad="40000" dist="23000" dir="5400000" rotWithShape="0">
-              <a:srgbClr val="000000">
-                <a:alpha val="35000"/>
-              </a:srgbClr>
-            </a:outerShdw>
-          </a:effectLst>
-        </a:effectStyle>
-        <a:effectStyle>
-          <a:effectLst>
-            <a:outerShdw blurRad="40000" dist="23000" dir="5400000" rotWithShape="0">
-              <a:srgbClr val="000000">
-                <a:alpha val="35000"/>
-              </a:srgbClr>
-            </a:outerShdw>
-          </a:effectLst>
-          <a:scene3d>
-            <a:camera prst="orthographicFront">
-              <a:rot lat="0" lon="0" rev="0"/>
-            </a:camera>
-            <a:lightRig rig="threePt" dir="t">
-              <a:rot lat="0" lon="0" rev="1200000"/>
-            </a:lightRig>
-          </a:scene3d>
-          <a:sp3d>
-            <a:bevelT w="63500" h="25400"/>
-          </a:sp3d>
-        </a:effectStyle>
-      </a:effectStyleLst>
-      <a:bgFillStyleLst>
-        <a:solidFill>
-          <a:schemeClr val="phClr"/>
-        </a:solidFill>
-        <a:gradFill rotWithShape="1">
-          <a:gsLst>
-            <a:gs pos="0">
-              <a:schemeClr val="phClr">
-                <a:tint val="40000"/>
-                <a:satMod val="350000"/>
-              </a:schemeClr>
-            </a:gs>
-            <a:gs pos="40000">
-              <a:schemeClr val="phClr">
-                <a:tint val="45000"/>
-                <a:shade val="99000"/>
-                <a:satMod val="350000"/>
-              </a:schemeClr>
-            </a:gs>
-            <a:gs pos="100000">
-              <a:schemeClr val="phClr">
-                <a:shade val="20000"/>
-                <a:satMod val="255000"/>
-              </a:schemeClr>
-            </a:gs>
-          </a:gsLst>
-          <a:path path="circle">
-            <a:fillToRect l="50000" t="-80000" r="50000" b="180000"/>
-          </a:path>
-        </a:gradFill>
-        <a:gradFill rotWithShape="1">
-          <a:gsLst>
-            <a:gs pos="0">
-              <a:schemeClr val="phClr">
-                <a:tint val="80000"/>
-                <a:satMod val="300000"/>
-              </a:schemeClr>
-            </a:gs>
-            <a:gs pos="100000">
-              <a:schemeClr val="phClr">
-                <a:shade val="30000"/>
-                <a:satMod val="200000"/>
-              </a:schemeClr>
-            </a:gs>
-          </a:gsLst>
-          <a:path path="circle">
-            <a:fillToRect l="50000" t="50000" r="50000" b="50000"/>
-          </a:path>
-        </a:gradFill>
-      </a:bgFillStyleLst>
-    </a:fmtScheme>
-  </a:themeElements>
+  <a:objectDefaults/>
+  <a:extraClrSchemeLst/>
 </a:theme>
 </file>
--- a/Tesis.pptx
+++ b/Tesis.pptx
@@ -5,7 +5,7 @@
     <p:sldMasterId id="2147483659" r:id="rId1"/>
   </p:sldMasterIdLst>
   <p:notesMasterIdLst>
-    <p:notesMasterId r:id="rId9"/>
+    <p:notesMasterId r:id="rId10"/>
   </p:notesMasterIdLst>
   <p:sldIdLst>
     <p:sldId id="256" r:id="rId2"/>
@@ -13,25 +13,26 @@
     <p:sldId id="262" r:id="rId4"/>
     <p:sldId id="258" r:id="rId5"/>
     <p:sldId id="259" r:id="rId6"/>
-    <p:sldId id="260" r:id="rId7"/>
-    <p:sldId id="261" r:id="rId8"/>
+    <p:sldId id="263" r:id="rId7"/>
+    <p:sldId id="260" r:id="rId8"/>
+    <p:sldId id="261" r:id="rId9"/>
   </p:sldIdLst>
   <p:sldSz cx="9144000" cy="5143500" type="screen16x9"/>
   <p:notesSz cx="6858000" cy="9144000"/>
   <p:embeddedFontLst>
     <p:embeddedFont>
       <p:font typeface="Georgia" panose="02040502050405020303" pitchFamily="18" charset="0"/>
-      <p:regular r:id="rId10"/>
-      <p:bold r:id="rId11"/>
-      <p:italic r:id="rId12"/>
-      <p:boldItalic r:id="rId13"/>
+      <p:regular r:id="rId11"/>
+      <p:bold r:id="rId12"/>
+      <p:italic r:id="rId13"/>
+      <p:boldItalic r:id="rId14"/>
     </p:embeddedFont>
     <p:embeddedFont>
       <p:font typeface="Nunito" pitchFamily="2" charset="0"/>
-      <p:regular r:id="rId14"/>
-      <p:bold r:id="rId15"/>
-      <p:italic r:id="rId16"/>
-      <p:boldItalic r:id="rId17"/>
+      <p:regular r:id="rId15"/>
+      <p:bold r:id="rId16"/>
+      <p:italic r:id="rId17"/>
+      <p:boldItalic r:id="rId18"/>
     </p:embeddedFont>
   </p:embeddedFontLst>
   <p:defaultTextStyle>
@@ -1259,6 +1260,219 @@
   <p:cSld>
     <p:spTree>
       <p:nvGrpSpPr>
+        <p:cNvPr id="1" name="Shape 144"/>
+        <p:cNvGrpSpPr/>
+        <p:nvPr/>
+      </p:nvGrpSpPr>
+      <p:grpSpPr>
+        <a:xfrm>
+          <a:off x="0" y="0"/>
+          <a:ext cx="0" cy="0"/>
+          <a:chOff x="0" y="0"/>
+          <a:chExt cx="0" cy="0"/>
+        </a:xfrm>
+      </p:grpSpPr>
+      <p:sp>
+        <p:nvSpPr>
+          <p:cNvPr id="145" name="Google Shape;145;g2cc393615ad_0_121:notes"/>
+          <p:cNvSpPr>
+            <a:spLocks noGrp="1" noRot="1" noChangeAspect="1"/>
+          </p:cNvSpPr>
+          <p:nvPr>
+            <p:ph type="sldImg" idx="2"/>
+          </p:nvPr>
+        </p:nvSpPr>
+        <p:spPr>
+          <a:xfrm>
+            <a:off x="381000" y="685800"/>
+            <a:ext cx="6096000" cy="3429000"/>
+          </a:xfrm>
+          <a:custGeom>
+            <a:avLst/>
+            <a:gdLst/>
+            <a:ahLst/>
+            <a:cxnLst/>
+            <a:rect l="l" t="t" r="r" b="b"/>
+            <a:pathLst>
+              <a:path w="120000" h="120000" extrusionOk="0">
+                <a:moveTo>
+                  <a:pt x="0" y="0"/>
+                </a:moveTo>
+                <a:lnTo>
+                  <a:pt x="120000" y="0"/>
+                </a:lnTo>
+                <a:lnTo>
+                  <a:pt x="120000" y="120000"/>
+                </a:lnTo>
+                <a:lnTo>
+                  <a:pt x="0" y="120000"/>
+                </a:lnTo>
+                <a:close/>
+              </a:path>
+            </a:pathLst>
+          </a:custGeom>
+        </p:spPr>
+      </p:sp>
+      <p:sp>
+        <p:nvSpPr>
+          <p:cNvPr id="146" name="Google Shape;146;g2cc393615ad_0_121:notes"/>
+          <p:cNvSpPr txBox="1">
+            <a:spLocks noGrp="1"/>
+          </p:cNvSpPr>
+          <p:nvPr>
+            <p:ph type="body" idx="1"/>
+          </p:nvPr>
+        </p:nvSpPr>
+        <p:spPr>
+          <a:xfrm>
+            <a:off x="685800" y="4343400"/>
+            <a:ext cx="5486400" cy="4114800"/>
+          </a:xfrm>
+          <a:prstGeom prst="rect">
+            <a:avLst/>
+          </a:prstGeom>
+        </p:spPr>
+        <p:txBody>
+          <a:bodyPr spcFirstLastPara="1" wrap="square" lIns="91425" tIns="91425" rIns="91425" bIns="91425" anchor="t" anchorCtr="0">
+            <a:noAutofit/>
+          </a:bodyPr>
+          <a:lstStyle/>
+          <a:p>
+            <a:pPr marL="0" lvl="0" indent="0" algn="l" rtl="0">
+              <a:spcBef>
+                <a:spcPts val="0"/>
+              </a:spcBef>
+              <a:spcAft>
+                <a:spcPts val="0"/>
+              </a:spcAft>
+              <a:buNone/>
+            </a:pPr>
+            <a:r>
+              <a:rPr lang="es-PE" sz="1200" u="sng" dirty="0">
+                <a:solidFill>
+                  <a:schemeClr val="hlink"/>
+                </a:solidFill>
+              </a:rPr>
+              <a:t>https://www.sciencedirect.com/science/article/pii/S266730532300100X</a:t>
+            </a:r>
+            <a:br>
+              <a:rPr lang="es-PE" sz="1200" u="sng" dirty="0">
+                <a:solidFill>
+                  <a:schemeClr val="hlink"/>
+                </a:solidFill>
+              </a:rPr>
+            </a:br>
+            <a:br>
+              <a:rPr lang="es-PE" sz="1200" u="sng" dirty="0">
+                <a:solidFill>
+                  <a:schemeClr val="hlink"/>
+                </a:solidFill>
+              </a:rPr>
+            </a:br>
+            <a:r>
+              <a:rPr lang="es-PE" sz="1200" u="none" dirty="0">
+                <a:solidFill>
+                  <a:schemeClr val="hlink"/>
+                </a:solidFill>
+              </a:rPr>
+              <a:t>Base de datos:  200 imágenes(resolución de 768 × 560) </a:t>
+            </a:r>
+          </a:p>
+          <a:p>
+            <a:pPr marL="0" lvl="0" indent="0" algn="l" rtl="0">
+              <a:spcBef>
+                <a:spcPts val="0"/>
+              </a:spcBef>
+              <a:spcAft>
+                <a:spcPts val="0"/>
+              </a:spcAft>
+              <a:buNone/>
+            </a:pPr>
+            <a:r>
+              <a:rPr lang="es-PE" sz="1200" u="none" dirty="0">
+                <a:solidFill>
+                  <a:schemeClr val="hlink"/>
+                </a:solidFill>
+              </a:rPr>
+              <a:t>Características: </a:t>
+            </a:r>
+            <a:r>
+              <a:rPr lang="es-PE" sz="1200" u="none" dirty="0">
+                <a:solidFill>
+                  <a:schemeClr val="hlink"/>
+                </a:solidFill>
+                <a:latin typeface="Calibri"/>
+                <a:ea typeface="Calibri"/>
+                <a:cs typeface="Calibri"/>
+                <a:sym typeface="Calibri"/>
+              </a:rPr>
+              <a:t>Asimetría, red de pigmeo(</a:t>
+            </a:r>
+            <a:r>
+              <a:rPr lang="es-PE" sz="1200" u="none" dirty="0" err="1">
+                <a:solidFill>
+                  <a:schemeClr val="hlink"/>
+                </a:solidFill>
+                <a:latin typeface="Calibri"/>
+                <a:ea typeface="Calibri"/>
+                <a:cs typeface="Calibri"/>
+                <a:sym typeface="Calibri"/>
+              </a:rPr>
+              <a:t>coloracion</a:t>
+            </a:r>
+            <a:r>
+              <a:rPr lang="es-PE" sz="1200" u="none" dirty="0">
+                <a:solidFill>
+                  <a:schemeClr val="hlink"/>
+                </a:solidFill>
+                <a:latin typeface="Calibri"/>
+                <a:ea typeface="Calibri"/>
+                <a:cs typeface="Calibri"/>
+                <a:sym typeface="Calibri"/>
+              </a:rPr>
+              <a:t> y pelos), puntos/glóbulos, estrías, </a:t>
+            </a:r>
+          </a:p>
+          <a:p>
+            <a:pPr marL="0" lvl="0" indent="0" algn="l" rtl="0">
+              <a:spcBef>
+                <a:spcPts val="0"/>
+              </a:spcBef>
+              <a:spcAft>
+                <a:spcPts val="0"/>
+              </a:spcAft>
+              <a:buNone/>
+            </a:pPr>
+            <a:endParaRPr sz="1200" u="none" dirty="0">
+              <a:solidFill>
+                <a:srgbClr val="1F1F1F"/>
+              </a:solidFill>
+              <a:latin typeface="Calibri"/>
+              <a:ea typeface="Calibri"/>
+              <a:cs typeface="Calibri"/>
+              <a:sym typeface="Calibri"/>
+            </a:endParaRPr>
+          </a:p>
+        </p:txBody>
+      </p:sp>
+    </p:spTree>
+    <p:extLst>
+      <p:ext uri="{BB962C8B-B14F-4D97-AF65-F5344CB8AC3E}">
+        <p14:creationId xmlns:p14="http://schemas.microsoft.com/office/powerpoint/2010/main" val="2775075397"/>
+      </p:ext>
+    </p:extLst>
+  </p:cSld>
+  <p:clrMapOvr>
+    <a:masterClrMapping/>
+  </p:clrMapOvr>
+</p:notes>
+</file>
+
+<file path=ppt/notesSlides/notesSlide6.xml><?xml version="1.0" encoding="utf-8"?>
+<p:notes xmlns:a="http://schemas.openxmlformats.org/drawingml/2006/main" xmlns:r="http://schemas.openxmlformats.org/officeDocument/2006/relationships" xmlns:p="http://schemas.openxmlformats.org/presentationml/2006/main" showMasterSp="0" showMasterPhAnim="0">
+  <p:cSld>
+    <p:spTree>
+      <p:nvGrpSpPr>
         <p:cNvPr id="1" name="Shape 152"/>
         <p:cNvGrpSpPr/>
         <p:nvPr/>
@@ -1358,7 +1572,7 @@
 </p:notes>
 </file>
 
-<file path=ppt/notesSlides/notesSlide6.xml><?xml version="1.0" encoding="utf-8"?>
+<file path=ppt/notesSlides/notesSlide7.xml><?xml version="1.0" encoding="utf-8"?>
 <p:notes xmlns:a="http://schemas.openxmlformats.org/drawingml/2006/main" xmlns:r="http://schemas.openxmlformats.org/officeDocument/2006/relationships" xmlns:p="http://schemas.openxmlformats.org/presentationml/2006/main" showMasterSp="0" showMasterPhAnim="0">
   <p:cSld>
     <p:spTree>
@@ -11217,6 +11431,528 @@
   <p:cSld>
     <p:spTree>
       <p:nvGrpSpPr>
+        <p:cNvPr id="1" name="Shape 147"/>
+        <p:cNvGrpSpPr/>
+        <p:nvPr/>
+      </p:nvGrpSpPr>
+      <p:grpSpPr>
+        <a:xfrm>
+          <a:off x="0" y="0"/>
+          <a:ext cx="0" cy="0"/>
+          <a:chOff x="0" y="0"/>
+          <a:chExt cx="0" cy="0"/>
+        </a:xfrm>
+      </p:grpSpPr>
+      <p:sp>
+        <p:nvSpPr>
+          <p:cNvPr id="148" name="Google Shape;148;p16"/>
+          <p:cNvSpPr txBox="1">
+            <a:spLocks noGrp="1"/>
+          </p:cNvSpPr>
+          <p:nvPr>
+            <p:ph type="title"/>
+          </p:nvPr>
+        </p:nvSpPr>
+        <p:spPr>
+          <a:xfrm>
+            <a:off x="668425" y="543225"/>
+            <a:ext cx="7505700" cy="954600"/>
+          </a:xfrm>
+          <a:prstGeom prst="rect">
+            <a:avLst/>
+          </a:prstGeom>
+        </p:spPr>
+        <p:txBody>
+          <a:bodyPr spcFirstLastPara="1" wrap="square" lIns="91425" tIns="91425" rIns="91425" bIns="91425" anchor="ctr" anchorCtr="0">
+            <a:noAutofit/>
+          </a:bodyPr>
+          <a:lstStyle/>
+          <a:p>
+            <a:pPr>
+              <a:lnSpc>
+                <a:spcPct val="115000"/>
+              </a:lnSpc>
+              <a:spcBef>
+                <a:spcPts val="1200"/>
+              </a:spcBef>
+              <a:spcAft>
+                <a:spcPts val="1200"/>
+              </a:spcAft>
+              <a:buClr>
+                <a:schemeClr val="dk1"/>
+              </a:buClr>
+              <a:buSzPts val="1100"/>
+            </a:pPr>
+            <a:r>
+              <a:rPr lang="en-US" sz="2100" dirty="0">
+                <a:solidFill>
+                  <a:srgbClr val="1F1F1F"/>
+                </a:solidFill>
+                <a:latin typeface="Georgia"/>
+              </a:rPr>
+              <a:t>Skin cancer classification using explainable artificial intelligence on pre-extracted image features</a:t>
+            </a:r>
+            <a:endParaRPr lang="en-US" sz="2100" dirty="0">
+              <a:solidFill>
+                <a:srgbClr val="1F1F1F"/>
+              </a:solidFill>
+              <a:latin typeface="Georgia"/>
+              <a:sym typeface="Georgia"/>
+            </a:endParaRPr>
+          </a:p>
+        </p:txBody>
+      </p:sp>
+      <p:sp>
+        <p:nvSpPr>
+          <p:cNvPr id="149" name="Google Shape;149;p16"/>
+          <p:cNvSpPr txBox="1">
+            <a:spLocks noGrp="1"/>
+          </p:cNvSpPr>
+          <p:nvPr>
+            <p:ph type="body" idx="1"/>
+          </p:nvPr>
+        </p:nvSpPr>
+        <p:spPr>
+          <a:xfrm>
+            <a:off x="464100" y="1497825"/>
+            <a:ext cx="4260300" cy="3301200"/>
+          </a:xfrm>
+          <a:prstGeom prst="rect">
+            <a:avLst/>
+          </a:prstGeom>
+        </p:spPr>
+        <p:txBody>
+          <a:bodyPr spcFirstLastPara="1" wrap="square" lIns="91425" tIns="91425" rIns="91425" bIns="91425" anchor="t" anchorCtr="0">
+            <a:normAutofit/>
+          </a:bodyPr>
+          <a:lstStyle/>
+          <a:p>
+            <a:pPr marL="0" lvl="0" indent="0" algn="l" rtl="0">
+              <a:lnSpc>
+                <a:spcPct val="100000"/>
+              </a:lnSpc>
+              <a:spcBef>
+                <a:spcPts val="0"/>
+              </a:spcBef>
+              <a:spcAft>
+                <a:spcPts val="0"/>
+              </a:spcAft>
+              <a:buNone/>
+            </a:pPr>
+            <a:r>
+              <a:rPr lang="es" sz="1200" dirty="0">
+                <a:solidFill>
+                  <a:srgbClr val="1F1F1F"/>
+                </a:solidFill>
+              </a:rPr>
+              <a:t>Autor: </a:t>
+            </a:r>
+            <a:r>
+              <a:rPr lang="es-PE" sz="1200" dirty="0" err="1">
+                <a:solidFill>
+                  <a:srgbClr val="1F1F1F"/>
+                </a:solidFill>
+              </a:rPr>
+              <a:t>Tarek</a:t>
+            </a:r>
+            <a:r>
+              <a:rPr lang="es-PE" sz="1200" dirty="0">
+                <a:solidFill>
+                  <a:srgbClr val="1F1F1F"/>
+                </a:solidFill>
+              </a:rPr>
+              <a:t> </a:t>
+            </a:r>
+            <a:r>
+              <a:rPr lang="es-PE" sz="1200" dirty="0" err="1">
+                <a:solidFill>
+                  <a:srgbClr val="1F1F1F"/>
+                </a:solidFill>
+              </a:rPr>
+              <a:t>Khater</a:t>
+            </a:r>
+            <a:r>
+              <a:rPr lang="es-PE" sz="1200" dirty="0">
+                <a:solidFill>
+                  <a:srgbClr val="1F1F1F"/>
+                </a:solidFill>
+              </a:rPr>
+              <a:t>, Sam Ansari, </a:t>
+            </a:r>
+            <a:r>
+              <a:rPr lang="es-PE" sz="1200" dirty="0" err="1">
+                <a:solidFill>
+                  <a:srgbClr val="1F1F1F"/>
+                </a:solidFill>
+              </a:rPr>
+              <a:t>Soliman</a:t>
+            </a:r>
+            <a:r>
+              <a:rPr lang="es-PE" sz="1200" dirty="0">
+                <a:solidFill>
+                  <a:srgbClr val="1F1F1F"/>
+                </a:solidFill>
+              </a:rPr>
+              <a:t> </a:t>
+            </a:r>
+            <a:r>
+              <a:rPr lang="es-PE" sz="1200" dirty="0" err="1">
+                <a:solidFill>
+                  <a:srgbClr val="1F1F1F"/>
+                </a:solidFill>
+              </a:rPr>
+              <a:t>Mahmoud</a:t>
+            </a:r>
+            <a:r>
+              <a:rPr lang="es-PE" sz="1200" dirty="0">
+                <a:solidFill>
+                  <a:srgbClr val="1F1F1F"/>
+                </a:solidFill>
+              </a:rPr>
+              <a:t>, </a:t>
+            </a:r>
+            <a:r>
+              <a:rPr lang="es-PE" sz="1200" dirty="0" err="1">
+                <a:solidFill>
+                  <a:srgbClr val="1F1F1F"/>
+                </a:solidFill>
+              </a:rPr>
+              <a:t>Abir</a:t>
+            </a:r>
+            <a:r>
+              <a:rPr lang="es-PE" sz="1200" dirty="0">
+                <a:solidFill>
+                  <a:srgbClr val="1F1F1F"/>
+                </a:solidFill>
+              </a:rPr>
+              <a:t> </a:t>
+            </a:r>
+            <a:r>
+              <a:rPr lang="es-PE" sz="1200" dirty="0" err="1">
+                <a:solidFill>
+                  <a:srgbClr val="1F1F1F"/>
+                </a:solidFill>
+              </a:rPr>
+              <a:t>Hussain</a:t>
+            </a:r>
+            <a:r>
+              <a:rPr lang="es-PE" sz="1200" dirty="0">
+                <a:solidFill>
+                  <a:srgbClr val="1F1F1F"/>
+                </a:solidFill>
+              </a:rPr>
+              <a:t>, </a:t>
+            </a:r>
+            <a:r>
+              <a:rPr lang="es-PE" sz="1200" dirty="0" err="1">
+                <a:solidFill>
+                  <a:srgbClr val="1F1F1F"/>
+                </a:solidFill>
+              </a:rPr>
+              <a:t>Hissam</a:t>
+            </a:r>
+            <a:r>
+              <a:rPr lang="es-PE" sz="1200" dirty="0">
+                <a:solidFill>
+                  <a:srgbClr val="1F1F1F"/>
+                </a:solidFill>
+              </a:rPr>
+              <a:t> Tawfik</a:t>
+            </a:r>
+            <a:endParaRPr sz="1200" dirty="0">
+              <a:solidFill>
+                <a:srgbClr val="1F1F1F"/>
+              </a:solidFill>
+            </a:endParaRPr>
+          </a:p>
+          <a:p>
+            <a:pPr marL="0" lvl="0" indent="0" algn="l" rtl="0">
+              <a:lnSpc>
+                <a:spcPct val="100000"/>
+              </a:lnSpc>
+              <a:spcBef>
+                <a:spcPts val="0"/>
+              </a:spcBef>
+              <a:spcAft>
+                <a:spcPts val="0"/>
+              </a:spcAft>
+              <a:buNone/>
+            </a:pPr>
+            <a:r>
+              <a:rPr lang="es" sz="1200" dirty="0">
+                <a:solidFill>
+                  <a:srgbClr val="1F1F1F"/>
+                </a:solidFill>
+              </a:rPr>
+              <a:t>Año: 2023</a:t>
+            </a:r>
+          </a:p>
+          <a:p>
+            <a:pPr marL="0" lvl="0" indent="0" algn="l" rtl="0">
+              <a:lnSpc>
+                <a:spcPct val="100000"/>
+              </a:lnSpc>
+              <a:spcBef>
+                <a:spcPts val="0"/>
+              </a:spcBef>
+              <a:spcAft>
+                <a:spcPts val="0"/>
+              </a:spcAft>
+              <a:buNone/>
+            </a:pPr>
+            <a:r>
+              <a:rPr lang="es" sz="1200" dirty="0">
+                <a:solidFill>
+                  <a:srgbClr val="1F1F1F"/>
+                </a:solidFill>
+              </a:rPr>
+              <a:t>Técnica: </a:t>
+            </a:r>
+            <a:endParaRPr sz="1200" dirty="0">
+              <a:solidFill>
+                <a:srgbClr val="1F1F1F"/>
+              </a:solidFill>
+            </a:endParaRPr>
+          </a:p>
+          <a:p>
+            <a:pPr marL="457200" lvl="0" indent="-304800" algn="l" rtl="0">
+              <a:lnSpc>
+                <a:spcPct val="100000"/>
+              </a:lnSpc>
+              <a:spcBef>
+                <a:spcPts val="0"/>
+              </a:spcBef>
+              <a:spcAft>
+                <a:spcPts val="0"/>
+              </a:spcAft>
+              <a:buClr>
+                <a:srgbClr val="1F1F1F"/>
+              </a:buClr>
+              <a:buSzPts val="1200"/>
+              <a:buChar char="●"/>
+            </a:pPr>
+            <a:r>
+              <a:rPr lang="es" sz="1200" dirty="0">
+                <a:solidFill>
+                  <a:srgbClr val="1F1F1F"/>
+                </a:solidFill>
+              </a:rPr>
+              <a:t>Preprocesamiento de la base de datos</a:t>
+            </a:r>
+          </a:p>
+          <a:p>
+            <a:pPr marL="457200" lvl="0" indent="-304800" algn="l" rtl="0">
+              <a:lnSpc>
+                <a:spcPct val="100000"/>
+              </a:lnSpc>
+              <a:spcBef>
+                <a:spcPts val="0"/>
+              </a:spcBef>
+              <a:spcAft>
+                <a:spcPts val="0"/>
+              </a:spcAft>
+              <a:buClr>
+                <a:srgbClr val="1F1F1F"/>
+              </a:buClr>
+              <a:buSzPts val="1200"/>
+              <a:buChar char="●"/>
+            </a:pPr>
+            <a:r>
+              <a:rPr lang="es" sz="1200" dirty="0">
+                <a:solidFill>
+                  <a:srgbClr val="1F1F1F"/>
+                </a:solidFill>
+              </a:rPr>
+              <a:t>Clasificacion según caracteristicas de las imagenes</a:t>
+            </a:r>
+          </a:p>
+          <a:p>
+            <a:pPr marL="457200" lvl="0" indent="-304800" algn="l" rtl="0">
+              <a:lnSpc>
+                <a:spcPct val="100000"/>
+              </a:lnSpc>
+              <a:spcBef>
+                <a:spcPts val="0"/>
+              </a:spcBef>
+              <a:spcAft>
+                <a:spcPts val="0"/>
+              </a:spcAft>
+              <a:buClr>
+                <a:srgbClr val="1F1F1F"/>
+              </a:buClr>
+              <a:buSzPts val="1200"/>
+              <a:buChar char="●"/>
+            </a:pPr>
+            <a:r>
+              <a:rPr lang="es" sz="1200" dirty="0">
+                <a:solidFill>
+                  <a:srgbClr val="1F1F1F"/>
+                </a:solidFill>
+              </a:rPr>
+              <a:t>Modelo ML: Entrenamiento del modelo aciendo uso de  XGBoost, decision tree, random forest y KNN</a:t>
+            </a:r>
+            <a:endParaRPr lang="es-MX" sz="1200" dirty="0">
+              <a:solidFill>
+                <a:srgbClr val="1F1F1F"/>
+              </a:solidFill>
+            </a:endParaRPr>
+          </a:p>
+          <a:p>
+            <a:pPr marL="0" lvl="0" indent="0" algn="l" rtl="0">
+              <a:lnSpc>
+                <a:spcPct val="100000"/>
+              </a:lnSpc>
+              <a:spcBef>
+                <a:spcPts val="0"/>
+              </a:spcBef>
+              <a:spcAft>
+                <a:spcPts val="0"/>
+              </a:spcAft>
+              <a:buNone/>
+            </a:pPr>
+            <a:r>
+              <a:rPr lang="es-MX" sz="1200" dirty="0">
+                <a:solidFill>
+                  <a:srgbClr val="1F1F1F"/>
+                </a:solidFill>
+              </a:rPr>
+              <a:t>Base de datos: Conjunto de datos PH2(recopilación de datos en el departamento de dermatología del Hospital Pedro Hispano)</a:t>
+            </a:r>
+          </a:p>
+          <a:p>
+            <a:pPr marL="0" lvl="0" indent="0" algn="l" rtl="0">
+              <a:lnSpc>
+                <a:spcPct val="100000"/>
+              </a:lnSpc>
+              <a:spcBef>
+                <a:spcPts val="0"/>
+              </a:spcBef>
+              <a:spcAft>
+                <a:spcPts val="0"/>
+              </a:spcAft>
+              <a:buNone/>
+            </a:pPr>
+            <a:endParaRPr sz="1200" dirty="0">
+              <a:solidFill>
+                <a:schemeClr val="dk1"/>
+              </a:solidFill>
+            </a:endParaRPr>
+          </a:p>
+        </p:txBody>
+      </p:sp>
+      <p:sp>
+        <p:nvSpPr>
+          <p:cNvPr id="150" name="Google Shape;150;p16"/>
+          <p:cNvSpPr txBox="1">
+            <a:spLocks noGrp="1"/>
+          </p:cNvSpPr>
+          <p:nvPr>
+            <p:ph type="body" idx="1"/>
+          </p:nvPr>
+        </p:nvSpPr>
+        <p:spPr>
+          <a:xfrm>
+            <a:off x="311700" y="4695225"/>
+            <a:ext cx="8520600" cy="369600"/>
+          </a:xfrm>
+          <a:prstGeom prst="rect">
+            <a:avLst/>
+          </a:prstGeom>
+        </p:spPr>
+        <p:txBody>
+          <a:bodyPr spcFirstLastPara="1" wrap="square" lIns="91425" tIns="91425" rIns="91425" bIns="91425" anchor="t" anchorCtr="0">
+            <a:noAutofit/>
+          </a:bodyPr>
+          <a:lstStyle/>
+          <a:p>
+            <a:pPr marL="0" lvl="0" indent="0" algn="l" rtl="0">
+              <a:lnSpc>
+                <a:spcPct val="100000"/>
+              </a:lnSpc>
+              <a:spcBef>
+                <a:spcPts val="0"/>
+              </a:spcBef>
+              <a:spcAft>
+                <a:spcPts val="0"/>
+              </a:spcAft>
+              <a:buNone/>
+            </a:pPr>
+            <a:r>
+              <a:rPr lang="es" sz="1000">
+                <a:solidFill>
+                  <a:schemeClr val="dk1"/>
+                </a:solidFill>
+              </a:rPr>
+              <a:t>https://www.sciencedirect.com/science/article/pii/S0141933120308723</a:t>
+            </a:r>
+            <a:endParaRPr sz="1000">
+              <a:solidFill>
+                <a:srgbClr val="111A37"/>
+              </a:solidFill>
+            </a:endParaRPr>
+          </a:p>
+          <a:p>
+            <a:pPr marL="0" lvl="0" indent="0" algn="l" rtl="0">
+              <a:spcBef>
+                <a:spcPts val="0"/>
+              </a:spcBef>
+              <a:spcAft>
+                <a:spcPts val="1200"/>
+              </a:spcAft>
+              <a:buNone/>
+            </a:pPr>
+            <a:endParaRPr sz="1000"/>
+          </a:p>
+        </p:txBody>
+      </p:sp>
+      <p:pic>
+        <p:nvPicPr>
+          <p:cNvPr id="3" name="Imagen 2">
+            <a:extLst>
+              <a:ext uri="{FF2B5EF4-FFF2-40B4-BE49-F238E27FC236}">
+                <a16:creationId xmlns:a16="http://schemas.microsoft.com/office/drawing/2014/main" id="{96A25884-5AD0-406D-0C8E-3CD05795AA81}"/>
+              </a:ext>
+            </a:extLst>
+          </p:cNvPr>
+          <p:cNvPicPr>
+            <a:picLocks noChangeAspect="1"/>
+          </p:cNvPicPr>
+          <p:nvPr/>
+        </p:nvPicPr>
+        <p:blipFill>
+          <a:blip r:embed="rId3"/>
+          <a:stretch>
+            <a:fillRect/>
+          </a:stretch>
+        </p:blipFill>
+        <p:spPr>
+          <a:xfrm>
+            <a:off x="5046562" y="1937208"/>
+            <a:ext cx="3662776" cy="2451983"/>
+          </a:xfrm>
+          <a:prstGeom prst="rect">
+            <a:avLst/>
+          </a:prstGeom>
+        </p:spPr>
+      </p:pic>
+    </p:spTree>
+    <p:extLst>
+      <p:ext uri="{BB962C8B-B14F-4D97-AF65-F5344CB8AC3E}">
+        <p14:creationId xmlns:p14="http://schemas.microsoft.com/office/powerpoint/2010/main" val="4089727907"/>
+      </p:ext>
+    </p:extLst>
+  </p:cSld>
+  <p:clrMapOvr>
+    <a:masterClrMapping/>
+  </p:clrMapOvr>
+</p:sld>
+</file>
+
+<file path=ppt/slides/slide7.xml><?xml version="1.0" encoding="utf-8"?>
+<p:sld xmlns:a="http://schemas.openxmlformats.org/drawingml/2006/main" xmlns:r="http://schemas.openxmlformats.org/officeDocument/2006/relationships" xmlns:p="http://schemas.openxmlformats.org/presentationml/2006/main">
+  <p:cSld>
+    <p:spTree>
+      <p:nvGrpSpPr>
         <p:cNvPr id="1" name="Shape 155"/>
         <p:cNvGrpSpPr/>
         <p:nvPr/>
@@ -11331,7 +12067,7 @@
 </p:sld>
 </file>
 
-<file path=ppt/slides/slide7.xml><?xml version="1.0" encoding="utf-8"?>
+<file path=ppt/slides/slide8.xml><?xml version="1.0" encoding="utf-8"?>
 <p:sld xmlns:a="http://schemas.openxmlformats.org/drawingml/2006/main" xmlns:r="http://schemas.openxmlformats.org/officeDocument/2006/relationships" xmlns:p="http://schemas.openxmlformats.org/presentationml/2006/main">
   <p:cSld>
     <p:spTree>

--- a/Tesis.pptx
+++ b/Tesis.pptx
@@ -5,7 +5,7 @@
     <p:sldMasterId id="2147483659" r:id="rId1"/>
   </p:sldMasterIdLst>
   <p:notesMasterIdLst>
-    <p:notesMasterId r:id="rId20"/>
+    <p:notesMasterId r:id="rId19"/>
   </p:notesMasterIdLst>
   <p:sldIdLst>
     <p:sldId id="256" r:id="rId2"/>
@@ -15,34 +15,33 @@
     <p:sldId id="280" r:id="rId6"/>
     <p:sldId id="281" r:id="rId7"/>
     <p:sldId id="277" r:id="rId8"/>
-    <p:sldId id="257" r:id="rId9"/>
-    <p:sldId id="278" r:id="rId10"/>
-    <p:sldId id="258" r:id="rId11"/>
-    <p:sldId id="259" r:id="rId12"/>
-    <p:sldId id="263" r:id="rId13"/>
-    <p:sldId id="265" r:id="rId14"/>
-    <p:sldId id="264" r:id="rId15"/>
-    <p:sldId id="266" r:id="rId16"/>
-    <p:sldId id="267" r:id="rId17"/>
-    <p:sldId id="268" r:id="rId18"/>
-    <p:sldId id="261" r:id="rId19"/>
+    <p:sldId id="278" r:id="rId9"/>
+    <p:sldId id="258" r:id="rId10"/>
+    <p:sldId id="259" r:id="rId11"/>
+    <p:sldId id="263" r:id="rId12"/>
+    <p:sldId id="265" r:id="rId13"/>
+    <p:sldId id="264" r:id="rId14"/>
+    <p:sldId id="266" r:id="rId15"/>
+    <p:sldId id="267" r:id="rId16"/>
+    <p:sldId id="268" r:id="rId17"/>
+    <p:sldId id="261" r:id="rId18"/>
   </p:sldIdLst>
   <p:sldSz cx="9144000" cy="5143500" type="screen16x9"/>
   <p:notesSz cx="6858000" cy="9144000"/>
   <p:embeddedFontLst>
     <p:embeddedFont>
       <p:font typeface="Georgia" panose="02040502050405020303" pitchFamily="18" charset="0"/>
-      <p:regular r:id="rId21"/>
-      <p:bold r:id="rId22"/>
-      <p:italic r:id="rId23"/>
-      <p:boldItalic r:id="rId24"/>
+      <p:regular r:id="rId20"/>
+      <p:bold r:id="rId21"/>
+      <p:italic r:id="rId22"/>
+      <p:boldItalic r:id="rId23"/>
     </p:embeddedFont>
     <p:embeddedFont>
       <p:font typeface="Nunito" pitchFamily="2" charset="0"/>
-      <p:regular r:id="rId25"/>
-      <p:bold r:id="rId26"/>
-      <p:italic r:id="rId27"/>
-      <p:boldItalic r:id="rId28"/>
+      <p:regular r:id="rId24"/>
+      <p:bold r:id="rId25"/>
+      <p:italic r:id="rId26"/>
+      <p:boldItalic r:id="rId27"/>
     </p:embeddedFont>
   </p:embeddedFontLst>
   <p:defaultTextStyle>
@@ -941,7 +940,7 @@
     </p:spTree>
     <p:extLst>
       <p:ext uri="{BB962C8B-B14F-4D97-AF65-F5344CB8AC3E}">
-        <p14:creationId xmlns:p14="http://schemas.microsoft.com/office/powerpoint/2010/main" val="3069778938"/>
+        <p14:creationId xmlns:p14="http://schemas.microsoft.com/office/powerpoint/2010/main" val="3277510414"/>
       </p:ext>
     </p:extLst>
   </p:cSld>
@@ -1054,7 +1053,7 @@
     </p:spTree>
     <p:extLst>
       <p:ext uri="{BB962C8B-B14F-4D97-AF65-F5344CB8AC3E}">
-        <p14:creationId xmlns:p14="http://schemas.microsoft.com/office/powerpoint/2010/main" val="3277510414"/>
+        <p14:creationId xmlns:p14="http://schemas.microsoft.com/office/powerpoint/2010/main" val="488740546"/>
       </p:ext>
     </p:extLst>
   </p:cSld>
@@ -1065,6 +1064,490 @@
 </file>
 
 <file path=ppt/notesSlides/notesSlide12.xml><?xml version="1.0" encoding="utf-8"?>
+<p:notes xmlns:a="http://schemas.openxmlformats.org/drawingml/2006/main" xmlns:r="http://schemas.openxmlformats.org/officeDocument/2006/relationships" xmlns:p="http://schemas.openxmlformats.org/presentationml/2006/main" showMasterSp="0" showMasterPhAnim="0">
+  <p:cSld>
+    <p:spTree>
+      <p:nvGrpSpPr>
+        <p:cNvPr id="1" name="Shape 158"/>
+        <p:cNvGrpSpPr/>
+        <p:nvPr/>
+      </p:nvGrpSpPr>
+      <p:grpSpPr>
+        <a:xfrm>
+          <a:off x="0" y="0"/>
+          <a:ext cx="0" cy="0"/>
+          <a:chOff x="0" y="0"/>
+          <a:chExt cx="0" cy="0"/>
+        </a:xfrm>
+      </p:grpSpPr>
+      <p:sp>
+        <p:nvSpPr>
+          <p:cNvPr id="159" name="Google Shape;159;g2cc7645822e_0_11:notes"/>
+          <p:cNvSpPr>
+            <a:spLocks noGrp="1" noRot="1" noChangeAspect="1"/>
+          </p:cNvSpPr>
+          <p:nvPr>
+            <p:ph type="sldImg" idx="2"/>
+          </p:nvPr>
+        </p:nvSpPr>
+        <p:spPr>
+          <a:xfrm>
+            <a:off x="381000" y="685800"/>
+            <a:ext cx="6096000" cy="3429000"/>
+          </a:xfrm>
+          <a:custGeom>
+            <a:avLst/>
+            <a:gdLst/>
+            <a:ahLst/>
+            <a:cxnLst/>
+            <a:rect l="l" t="t" r="r" b="b"/>
+            <a:pathLst>
+              <a:path w="120000" h="120000" extrusionOk="0">
+                <a:moveTo>
+                  <a:pt x="0" y="0"/>
+                </a:moveTo>
+                <a:lnTo>
+                  <a:pt x="120000" y="0"/>
+                </a:lnTo>
+                <a:lnTo>
+                  <a:pt x="120000" y="120000"/>
+                </a:lnTo>
+                <a:lnTo>
+                  <a:pt x="0" y="120000"/>
+                </a:lnTo>
+                <a:close/>
+              </a:path>
+            </a:pathLst>
+          </a:custGeom>
+        </p:spPr>
+      </p:sp>
+      <p:sp>
+        <p:nvSpPr>
+          <p:cNvPr id="160" name="Google Shape;160;g2cc7645822e_0_11:notes"/>
+          <p:cNvSpPr txBox="1">
+            <a:spLocks noGrp="1"/>
+          </p:cNvSpPr>
+          <p:nvPr>
+            <p:ph type="body" idx="1"/>
+          </p:nvPr>
+        </p:nvSpPr>
+        <p:spPr>
+          <a:xfrm>
+            <a:off x="685800" y="4343400"/>
+            <a:ext cx="5486400" cy="4114800"/>
+          </a:xfrm>
+          <a:prstGeom prst="rect">
+            <a:avLst/>
+          </a:prstGeom>
+        </p:spPr>
+        <p:txBody>
+          <a:bodyPr spcFirstLastPara="1" wrap="square" lIns="91425" tIns="91425" rIns="91425" bIns="91425" anchor="t" anchorCtr="0">
+            <a:noAutofit/>
+          </a:bodyPr>
+          <a:lstStyle/>
+          <a:p>
+            <a:pPr marL="0" lvl="0" indent="0" algn="l" rtl="0">
+              <a:spcBef>
+                <a:spcPts val="0"/>
+              </a:spcBef>
+              <a:spcAft>
+                <a:spcPts val="0"/>
+              </a:spcAft>
+              <a:buNone/>
+            </a:pPr>
+            <a:r>
+              <a:rPr lang="es" u="sng">
+                <a:solidFill>
+                  <a:schemeClr val="hlink"/>
+                </a:solidFill>
+                <a:hlinkClick r:id="rId3"/>
+              </a:rPr>
+              <a:t>https://www.kaggle.com/datasets/wanderdust/skin-lesion-analysis-toward-melanoma-detection</a:t>
+            </a:r>
+            <a:endParaRPr/>
+          </a:p>
+          <a:p>
+            <a:pPr marL="0" lvl="0" indent="0" algn="l" rtl="0">
+              <a:spcBef>
+                <a:spcPts val="0"/>
+              </a:spcBef>
+              <a:spcAft>
+                <a:spcPts val="0"/>
+              </a:spcAft>
+              <a:buNone/>
+            </a:pPr>
+            <a:endParaRPr/>
+          </a:p>
+          <a:p>
+            <a:pPr marL="0" lvl="0" indent="0" algn="l" rtl="0">
+              <a:lnSpc>
+                <a:spcPct val="115000"/>
+              </a:lnSpc>
+              <a:spcBef>
+                <a:spcPts val="0"/>
+              </a:spcBef>
+              <a:spcAft>
+                <a:spcPts val="0"/>
+              </a:spcAft>
+              <a:buNone/>
+            </a:pPr>
+            <a:r>
+              <a:rPr lang="es" sz="1300" u="sng">
+                <a:solidFill>
+                  <a:schemeClr val="hlink"/>
+                </a:solidFill>
+                <a:latin typeface="Calibri"/>
+                <a:ea typeface="Calibri"/>
+                <a:cs typeface="Calibri"/>
+                <a:sym typeface="Calibri"/>
+                <a:hlinkClick r:id="rId4"/>
+              </a:rPr>
+              <a:t>https://www.kaggle.com/datasets/bhanuprasanna/isic-2019</a:t>
+            </a:r>
+            <a:endParaRPr sz="1300">
+              <a:solidFill>
+                <a:srgbClr val="233A44"/>
+              </a:solidFill>
+              <a:latin typeface="Calibri"/>
+              <a:ea typeface="Calibri"/>
+              <a:cs typeface="Calibri"/>
+              <a:sym typeface="Calibri"/>
+            </a:endParaRPr>
+          </a:p>
+          <a:p>
+            <a:pPr marL="0" lvl="0" indent="0" algn="l" rtl="0">
+              <a:lnSpc>
+                <a:spcPct val="115000"/>
+              </a:lnSpc>
+              <a:spcBef>
+                <a:spcPts val="1200"/>
+              </a:spcBef>
+              <a:spcAft>
+                <a:spcPts val="0"/>
+              </a:spcAft>
+              <a:buNone/>
+            </a:pPr>
+            <a:r>
+              <a:rPr lang="es" sz="1300">
+                <a:solidFill>
+                  <a:srgbClr val="233A44"/>
+                </a:solidFill>
+                <a:latin typeface="Calibri"/>
+                <a:ea typeface="Calibri"/>
+                <a:cs typeface="Calibri"/>
+                <a:sym typeface="Calibri"/>
+              </a:rPr>
+              <a:t>https://www.kaggle.com/datasets/kmader/skin-cancer-mnist-ham10000/data</a:t>
+            </a:r>
+            <a:endParaRPr sz="1300">
+              <a:solidFill>
+                <a:srgbClr val="233A44"/>
+              </a:solidFill>
+              <a:latin typeface="Calibri"/>
+              <a:ea typeface="Calibri"/>
+              <a:cs typeface="Calibri"/>
+              <a:sym typeface="Calibri"/>
+            </a:endParaRPr>
+          </a:p>
+          <a:p>
+            <a:pPr marL="0" lvl="0" indent="0" algn="l" rtl="0">
+              <a:lnSpc>
+                <a:spcPct val="115000"/>
+              </a:lnSpc>
+              <a:spcBef>
+                <a:spcPts val="1200"/>
+              </a:spcBef>
+              <a:spcAft>
+                <a:spcPts val="0"/>
+              </a:spcAft>
+              <a:buNone/>
+            </a:pPr>
+            <a:endParaRPr sz="1300">
+              <a:solidFill>
+                <a:srgbClr val="233A44"/>
+              </a:solidFill>
+              <a:latin typeface="Calibri"/>
+              <a:ea typeface="Calibri"/>
+              <a:cs typeface="Calibri"/>
+              <a:sym typeface="Calibri"/>
+            </a:endParaRPr>
+          </a:p>
+          <a:p>
+            <a:pPr marL="0" lvl="0" indent="0" algn="l" rtl="0">
+              <a:lnSpc>
+                <a:spcPct val="115000"/>
+              </a:lnSpc>
+              <a:spcBef>
+                <a:spcPts val="1200"/>
+              </a:spcBef>
+              <a:spcAft>
+                <a:spcPts val="0"/>
+              </a:spcAft>
+              <a:buNone/>
+            </a:pPr>
+            <a:endParaRPr sz="1300">
+              <a:solidFill>
+                <a:srgbClr val="233A44"/>
+              </a:solidFill>
+              <a:latin typeface="Calibri"/>
+              <a:ea typeface="Calibri"/>
+              <a:cs typeface="Calibri"/>
+              <a:sym typeface="Calibri"/>
+            </a:endParaRPr>
+          </a:p>
+          <a:p>
+            <a:pPr marL="0" lvl="0" indent="0" algn="l" rtl="0">
+              <a:lnSpc>
+                <a:spcPct val="115000"/>
+              </a:lnSpc>
+              <a:spcBef>
+                <a:spcPts val="1200"/>
+              </a:spcBef>
+              <a:spcAft>
+                <a:spcPts val="0"/>
+              </a:spcAft>
+              <a:buClr>
+                <a:schemeClr val="dk1"/>
+              </a:buClr>
+              <a:buSzPts val="1100"/>
+              <a:buFont typeface="Arial"/>
+              <a:buNone/>
+            </a:pPr>
+            <a:endParaRPr sz="1300">
+              <a:solidFill>
+                <a:srgbClr val="233A44"/>
+              </a:solidFill>
+              <a:latin typeface="Calibri"/>
+              <a:ea typeface="Calibri"/>
+              <a:cs typeface="Calibri"/>
+              <a:sym typeface="Calibri"/>
+            </a:endParaRPr>
+          </a:p>
+          <a:p>
+            <a:pPr marL="0" lvl="0" indent="0" algn="l" rtl="0">
+              <a:spcBef>
+                <a:spcPts val="1200"/>
+              </a:spcBef>
+              <a:spcAft>
+                <a:spcPts val="0"/>
+              </a:spcAft>
+              <a:buNone/>
+            </a:pPr>
+            <a:endParaRPr/>
+          </a:p>
+          <a:p>
+            <a:pPr marL="0" lvl="0" indent="0" algn="l" rtl="0">
+              <a:spcBef>
+                <a:spcPts val="0"/>
+              </a:spcBef>
+              <a:spcAft>
+                <a:spcPts val="0"/>
+              </a:spcAft>
+              <a:buNone/>
+            </a:pPr>
+            <a:endParaRPr/>
+          </a:p>
+        </p:txBody>
+      </p:sp>
+    </p:spTree>
+  </p:cSld>
+  <p:clrMapOvr>
+    <a:masterClrMapping/>
+  </p:clrMapOvr>
+</p:notes>
+</file>
+
+<file path=ppt/notesSlides/notesSlide2.xml><?xml version="1.0" encoding="utf-8"?>
+<p:notes xmlns:a="http://schemas.openxmlformats.org/drawingml/2006/main" xmlns:r="http://schemas.openxmlformats.org/officeDocument/2006/relationships" xmlns:p="http://schemas.openxmlformats.org/presentationml/2006/main">
+  <p:cSld>
+    <p:spTree>
+      <p:nvGrpSpPr>
+        <p:cNvPr id="1" name=""/>
+        <p:cNvGrpSpPr/>
+        <p:nvPr/>
+      </p:nvGrpSpPr>
+      <p:grpSpPr>
+        <a:xfrm>
+          <a:off x="0" y="0"/>
+          <a:ext cx="0" cy="0"/>
+          <a:chOff x="0" y="0"/>
+          <a:chExt cx="0" cy="0"/>
+        </a:xfrm>
+      </p:grpSpPr>
+      <p:sp>
+        <p:nvSpPr>
+          <p:cNvPr id="2" name="Marcador de imagen de diapositiva 1"/>
+          <p:cNvSpPr>
+            <a:spLocks noGrp="1" noRot="1" noChangeAspect="1"/>
+          </p:cNvSpPr>
+          <p:nvPr>
+            <p:ph type="sldImg"/>
+          </p:nvPr>
+        </p:nvSpPr>
+        <p:spPr>
+          <a:xfrm>
+            <a:off x="381000" y="685800"/>
+            <a:ext cx="6096000" cy="3429000"/>
+          </a:xfrm>
+        </p:spPr>
+      </p:sp>
+      <p:sp>
+        <p:nvSpPr>
+          <p:cNvPr id="3" name="Marcador de notas 2"/>
+          <p:cNvSpPr>
+            <a:spLocks noGrp="1"/>
+          </p:cNvSpPr>
+          <p:nvPr>
+            <p:ph type="body" idx="1"/>
+          </p:nvPr>
+        </p:nvSpPr>
+        <p:spPr/>
+        <p:txBody>
+          <a:bodyPr/>
+          <a:lstStyle/>
+          <a:p>
+            <a:r>
+              <a:rPr lang="es-MX" b="0" i="0" dirty="0">
+                <a:solidFill>
+                  <a:srgbClr val="0D0D0D"/>
+                </a:solidFill>
+                <a:effectLst/>
+                <a:highlight>
+                  <a:srgbClr val="FFFFFF"/>
+                </a:highlight>
+                <a:latin typeface="Söhne"/>
+              </a:rPr>
+              <a:t>¿Cómo dificulta la falta de especialistas dermatológicos en la detección temprana del cáncer de piel en el Perú?</a:t>
+            </a:r>
+          </a:p>
+          <a:p>
+            <a:r>
+              <a:rPr lang="es-MX" sz="1100" dirty="0"/>
+              <a:t>Dificultad de detección temprana de cáncer de piel en el Perú debido a la falta de especialistas en esa área </a:t>
+            </a:r>
+            <a:endParaRPr lang="es-PE" dirty="0"/>
+          </a:p>
+        </p:txBody>
+      </p:sp>
+    </p:spTree>
+    <p:extLst>
+      <p:ext uri="{BB962C8B-B14F-4D97-AF65-F5344CB8AC3E}">
+        <p14:creationId xmlns:p14="http://schemas.microsoft.com/office/powerpoint/2010/main" val="353710687"/>
+      </p:ext>
+    </p:extLst>
+  </p:cSld>
+  <p:clrMapOvr>
+    <a:masterClrMapping/>
+  </p:clrMapOvr>
+</p:notes>
+</file>
+
+<file path=ppt/notesSlides/notesSlide3.xml><?xml version="1.0" encoding="utf-8"?>
+<p:notes xmlns:a="http://schemas.openxmlformats.org/drawingml/2006/main" xmlns:r="http://schemas.openxmlformats.org/officeDocument/2006/relationships" xmlns:p="http://schemas.openxmlformats.org/presentationml/2006/main">
+  <p:cSld>
+    <p:spTree>
+      <p:nvGrpSpPr>
+        <p:cNvPr id="1" name=""/>
+        <p:cNvGrpSpPr/>
+        <p:nvPr/>
+      </p:nvGrpSpPr>
+      <p:grpSpPr>
+        <a:xfrm>
+          <a:off x="0" y="0"/>
+          <a:ext cx="0" cy="0"/>
+          <a:chOff x="0" y="0"/>
+          <a:chExt cx="0" cy="0"/>
+        </a:xfrm>
+      </p:grpSpPr>
+      <p:sp>
+        <p:nvSpPr>
+          <p:cNvPr id="2" name="Marcador de imagen de diapositiva 1"/>
+          <p:cNvSpPr>
+            <a:spLocks noGrp="1" noRot="1" noChangeAspect="1"/>
+          </p:cNvSpPr>
+          <p:nvPr>
+            <p:ph type="sldImg"/>
+          </p:nvPr>
+        </p:nvSpPr>
+        <p:spPr>
+          <a:xfrm>
+            <a:off x="381000" y="685800"/>
+            <a:ext cx="6096000" cy="3429000"/>
+          </a:xfrm>
+        </p:spPr>
+      </p:sp>
+      <p:sp>
+        <p:nvSpPr>
+          <p:cNvPr id="3" name="Marcador de notas 2"/>
+          <p:cNvSpPr>
+            <a:spLocks noGrp="1"/>
+          </p:cNvSpPr>
+          <p:nvPr>
+            <p:ph type="body" idx="1"/>
+          </p:nvPr>
+        </p:nvSpPr>
+        <p:spPr/>
+        <p:txBody>
+          <a:bodyPr/>
+          <a:lstStyle/>
+          <a:p>
+            <a:r>
+              <a:rPr lang="es-MX" b="0" i="0" dirty="0">
+                <a:solidFill>
+                  <a:srgbClr val="0D0D0D"/>
+                </a:solidFill>
+                <a:effectLst/>
+                <a:highlight>
+                  <a:srgbClr val="FFFFFF"/>
+                </a:highlight>
+                <a:latin typeface="Söhne"/>
+              </a:rPr>
+              <a:t>Desarrollar un sistema de detección de cáncer de piel mediante el uso de técnicas de Deep Learning y visión por computadora que permita identificar lesiones a partir de imágenes </a:t>
+            </a:r>
+            <a:r>
+              <a:rPr lang="es-MX" b="0" i="0" dirty="0" err="1">
+                <a:solidFill>
+                  <a:srgbClr val="0D0D0D"/>
+                </a:solidFill>
+                <a:effectLst/>
+                <a:highlight>
+                  <a:srgbClr val="FFFFFF"/>
+                </a:highlight>
+                <a:latin typeface="Söhne"/>
+              </a:rPr>
+              <a:t>dermatoscópicas</a:t>
+            </a:r>
+            <a:r>
+              <a:rPr lang="es-MX" b="0" i="0" dirty="0">
+                <a:solidFill>
+                  <a:srgbClr val="0D0D0D"/>
+                </a:solidFill>
+                <a:effectLst/>
+                <a:highlight>
+                  <a:srgbClr val="FFFFFF"/>
+                </a:highlight>
+                <a:latin typeface="Söhne"/>
+              </a:rPr>
+              <a:t>, para realizar una detección temprana.</a:t>
+            </a:r>
+            <a:endParaRPr lang="es-PE" dirty="0"/>
+          </a:p>
+        </p:txBody>
+      </p:sp>
+    </p:spTree>
+    <p:extLst>
+      <p:ext uri="{BB962C8B-B14F-4D97-AF65-F5344CB8AC3E}">
+        <p14:creationId xmlns:p14="http://schemas.microsoft.com/office/powerpoint/2010/main" val="2427502995"/>
+      </p:ext>
+    </p:extLst>
+  </p:cSld>
+  <p:clrMapOvr>
+    <a:masterClrMapping/>
+  </p:clrMapOvr>
+</p:notes>
+</file>
+
+<file path=ppt/notesSlides/notesSlide4.xml><?xml version="1.0" encoding="utf-8"?>
 <p:notes xmlns:a="http://schemas.openxmlformats.org/drawingml/2006/main" xmlns:r="http://schemas.openxmlformats.org/officeDocument/2006/relationships" xmlns:p="http://schemas.openxmlformats.org/presentationml/2006/main" showMasterSp="0" showMasterPhAnim="0">
   <p:cSld>
     <p:spTree>
@@ -1165,11 +1648,6 @@
         </p:txBody>
       </p:sp>
     </p:spTree>
-    <p:extLst>
-      <p:ext uri="{BB962C8B-B14F-4D97-AF65-F5344CB8AC3E}">
-        <p14:creationId xmlns:p14="http://schemas.microsoft.com/office/powerpoint/2010/main" val="488740546"/>
-      </p:ext>
-    </p:extLst>
   </p:cSld>
   <p:clrMapOvr>
     <a:masterClrMapping/>
@@ -1177,12 +1655,12 @@
 </p:notes>
 </file>
 
-<file path=ppt/notesSlides/notesSlide13.xml><?xml version="1.0" encoding="utf-8"?>
+<file path=ppt/notesSlides/notesSlide5.xml><?xml version="1.0" encoding="utf-8"?>
 <p:notes xmlns:a="http://schemas.openxmlformats.org/drawingml/2006/main" xmlns:r="http://schemas.openxmlformats.org/officeDocument/2006/relationships" xmlns:p="http://schemas.openxmlformats.org/presentationml/2006/main" showMasterSp="0" showMasterPhAnim="0">
   <p:cSld>
     <p:spTree>
       <p:nvGrpSpPr>
-        <p:cNvPr id="1" name="Shape 158"/>
+        <p:cNvPr id="1" name="Shape 144"/>
         <p:cNvGrpSpPr/>
         <p:nvPr/>
       </p:nvGrpSpPr>
@@ -1196,7 +1674,7 @@
       </p:grpSpPr>
       <p:sp>
         <p:nvSpPr>
-          <p:cNvPr id="159" name="Google Shape;159;g2cc7645822e_0_11:notes"/>
+          <p:cNvPr id="145" name="Google Shape;145;g2cc393615ad_0_121:notes"/>
           <p:cNvSpPr>
             <a:spLocks noGrp="1" noRot="1" noChangeAspect="1"/>
           </p:cNvSpPr>
@@ -1237,7 +1715,7 @@
       </p:sp>
       <p:sp>
         <p:nvSpPr>
-          <p:cNvPr id="160" name="Google Shape;160;g2cc7645822e_0_11:notes"/>
+          <p:cNvPr id="146" name="Google Shape;146;g2cc393615ad_0_121:notes"/>
           <p:cNvSpPr txBox="1">
             <a:spLocks noGrp="1"/>
           </p:cNvSpPr>
@@ -1270,15 +1748,15 @@
               <a:buNone/>
             </a:pPr>
             <a:r>
-              <a:rPr lang="es" u="sng">
+              <a:rPr lang="es" sz="1200" u="sng">
                 <a:solidFill>
                   <a:schemeClr val="hlink"/>
                 </a:solidFill>
                 <a:hlinkClick r:id="rId3"/>
               </a:rPr>
-              <a:t>https://www.kaggle.com/datasets/wanderdust/skin-lesion-analysis-toward-melanoma-detection</a:t>
+              <a:t>https://www.sciencedirect.com/science/article/pii/S2772528621000340</a:t>
             </a:r>
-            <a:endParaRPr/>
+            <a:endParaRPr sz="1200"/>
           </a:p>
           <a:p>
             <a:pPr marL="0" lvl="0" indent="0" algn="l" rtl="0">
@@ -1290,37 +1768,38 @@
               </a:spcAft>
               <a:buNone/>
             </a:pPr>
-            <a:endParaRPr/>
-          </a:p>
-          <a:p>
-            <a:pPr marL="0" lvl="0" indent="0" algn="l" rtl="0">
-              <a:lnSpc>
-                <a:spcPct val="115000"/>
-              </a:lnSpc>
-              <a:spcBef>
-                <a:spcPts val="0"/>
-              </a:spcBef>
-              <a:spcAft>
-                <a:spcPts val="0"/>
-              </a:spcAft>
-              <a:buNone/>
+            <a:endParaRPr sz="1200"/>
+          </a:p>
+          <a:p>
+            <a:pPr marL="457200" lvl="0" indent="-304800" algn="l" rtl="0">
+              <a:spcBef>
+                <a:spcPts val="0"/>
+              </a:spcBef>
+              <a:spcAft>
+                <a:spcPts val="0"/>
+              </a:spcAft>
+              <a:buClr>
+                <a:srgbClr val="1F1F1F"/>
+              </a:buClr>
+              <a:buSzPts val="1200"/>
+              <a:buFont typeface="Calibri"/>
+              <a:buChar char="●"/>
             </a:pPr>
             <a:r>
-              <a:rPr lang="es" sz="1300" u="sng">
-                <a:solidFill>
-                  <a:schemeClr val="hlink"/>
+              <a:rPr lang="es" sz="1200">
+                <a:solidFill>
+                  <a:srgbClr val="1F1F1F"/>
                 </a:solidFill>
                 <a:latin typeface="Calibri"/>
                 <a:ea typeface="Calibri"/>
                 <a:cs typeface="Calibri"/>
                 <a:sym typeface="Calibri"/>
-                <a:hlinkClick r:id="rId4"/>
               </a:rPr>
-              <a:t>https://www.kaggle.com/datasets/bhanuprasanna/isic-2019</a:t>
+              <a:t> ruido en la imagen) pelitos que aparece alrededor de la herida</a:t>
             </a:r>
-            <a:endParaRPr sz="1300">
+            <a:endParaRPr sz="1200">
               <a:solidFill>
-                <a:srgbClr val="233A44"/>
+                <a:srgbClr val="1F1F1F"/>
               </a:solidFill>
               <a:latin typeface="Calibri"/>
               <a:ea typeface="Calibri"/>
@@ -1330,11 +1809,8 @@
           </a:p>
           <a:p>
             <a:pPr marL="0" lvl="0" indent="0" algn="l" rtl="0">
-              <a:lnSpc>
-                <a:spcPct val="115000"/>
-              </a:lnSpc>
-              <a:spcBef>
-                <a:spcPts val="1200"/>
+              <a:spcBef>
+                <a:spcPts val="0"/>
               </a:spcBef>
               <a:spcAft>
                 <a:spcPts val="0"/>
@@ -1342,526 +1818,47 @@
               <a:buNone/>
             </a:pPr>
             <a:r>
-              <a:rPr lang="es" sz="1300">
-                <a:solidFill>
-                  <a:srgbClr val="233A44"/>
-                </a:solidFill>
-                <a:latin typeface="Calibri"/>
-                <a:ea typeface="Calibri"/>
-                <a:cs typeface="Calibri"/>
-                <a:sym typeface="Calibri"/>
+              <a:rPr lang="es" sz="1200">
+                <a:solidFill>
+                  <a:srgbClr val="1F1F1F"/>
+                </a:solidFill>
+                <a:highlight>
+                  <a:srgbClr val="FFFFFF"/>
+                </a:highlight>
               </a:rPr>
-              <a:t>https://www.kaggle.com/datasets/kmader/skin-cancer-mnist-ham10000/data</a:t>
+              <a:t>EfficientNet-b0 es una </a:t>
             </a:r>
-            <a:endParaRPr sz="1300">
+            <a:r>
+              <a:rPr lang="es" sz="1200">
+                <a:solidFill>
+                  <a:srgbClr val="040C28"/>
+                </a:solidFill>
+                <a:highlight>
+                  <a:srgbClr val="FFFFFF"/>
+                </a:highlight>
+              </a:rPr>
+              <a:t>red neuronal convolucional que está entrenada con más de un millón de imágenes de la base de datos de ImageNet</a:t>
+            </a:r>
+            <a:r>
+              <a:rPr lang="es" sz="1200">
+                <a:solidFill>
+                  <a:srgbClr val="1F1F1F"/>
+                </a:solidFill>
+                <a:highlight>
+                  <a:srgbClr val="FFFFFF"/>
+                </a:highlight>
+              </a:rPr>
+              <a:t> [1]. Esta red puede clasificar imágenes en 1000 categorías de objetos (por ejemplo, teclado, ratón, lápiz y muchos animales).</a:t>
+            </a:r>
+            <a:endParaRPr sz="1200">
               <a:solidFill>
-                <a:srgbClr val="233A44"/>
+                <a:srgbClr val="1F1F1F"/>
               </a:solidFill>
               <a:latin typeface="Calibri"/>
               <a:ea typeface="Calibri"/>
               <a:cs typeface="Calibri"/>
               <a:sym typeface="Calibri"/>
             </a:endParaRPr>
-          </a:p>
-          <a:p>
-            <a:pPr marL="0" lvl="0" indent="0" algn="l" rtl="0">
-              <a:lnSpc>
-                <a:spcPct val="115000"/>
-              </a:lnSpc>
-              <a:spcBef>
-                <a:spcPts val="1200"/>
-              </a:spcBef>
-              <a:spcAft>
-                <a:spcPts val="0"/>
-              </a:spcAft>
-              <a:buNone/>
-            </a:pPr>
-            <a:endParaRPr sz="1300">
-              <a:solidFill>
-                <a:srgbClr val="233A44"/>
-              </a:solidFill>
-              <a:latin typeface="Calibri"/>
-              <a:ea typeface="Calibri"/>
-              <a:cs typeface="Calibri"/>
-              <a:sym typeface="Calibri"/>
-            </a:endParaRPr>
-          </a:p>
-          <a:p>
-            <a:pPr marL="0" lvl="0" indent="0" algn="l" rtl="0">
-              <a:lnSpc>
-                <a:spcPct val="115000"/>
-              </a:lnSpc>
-              <a:spcBef>
-                <a:spcPts val="1200"/>
-              </a:spcBef>
-              <a:spcAft>
-                <a:spcPts val="0"/>
-              </a:spcAft>
-              <a:buNone/>
-            </a:pPr>
-            <a:endParaRPr sz="1300">
-              <a:solidFill>
-                <a:srgbClr val="233A44"/>
-              </a:solidFill>
-              <a:latin typeface="Calibri"/>
-              <a:ea typeface="Calibri"/>
-              <a:cs typeface="Calibri"/>
-              <a:sym typeface="Calibri"/>
-            </a:endParaRPr>
-          </a:p>
-          <a:p>
-            <a:pPr marL="0" lvl="0" indent="0" algn="l" rtl="0">
-              <a:lnSpc>
-                <a:spcPct val="115000"/>
-              </a:lnSpc>
-              <a:spcBef>
-                <a:spcPts val="1200"/>
-              </a:spcBef>
-              <a:spcAft>
-                <a:spcPts val="0"/>
-              </a:spcAft>
-              <a:buClr>
-                <a:schemeClr val="dk1"/>
-              </a:buClr>
-              <a:buSzPts val="1100"/>
-              <a:buFont typeface="Arial"/>
-              <a:buNone/>
-            </a:pPr>
-            <a:endParaRPr sz="1300">
-              <a:solidFill>
-                <a:srgbClr val="233A44"/>
-              </a:solidFill>
-              <a:latin typeface="Calibri"/>
-              <a:ea typeface="Calibri"/>
-              <a:cs typeface="Calibri"/>
-              <a:sym typeface="Calibri"/>
-            </a:endParaRPr>
-          </a:p>
-          <a:p>
-            <a:pPr marL="0" lvl="0" indent="0" algn="l" rtl="0">
-              <a:spcBef>
-                <a:spcPts val="1200"/>
-              </a:spcBef>
-              <a:spcAft>
-                <a:spcPts val="0"/>
-              </a:spcAft>
-              <a:buNone/>
-            </a:pPr>
-            <a:endParaRPr/>
-          </a:p>
-          <a:p>
-            <a:pPr marL="0" lvl="0" indent="0" algn="l" rtl="0">
-              <a:spcBef>
-                <a:spcPts val="0"/>
-              </a:spcBef>
-              <a:spcAft>
-                <a:spcPts val="0"/>
-              </a:spcAft>
-              <a:buNone/>
-            </a:pPr>
-            <a:endParaRPr/>
-          </a:p>
-        </p:txBody>
-      </p:sp>
-    </p:spTree>
-  </p:cSld>
-  <p:clrMapOvr>
-    <a:masterClrMapping/>
-  </p:clrMapOvr>
-</p:notes>
-</file>
-
-<file path=ppt/notesSlides/notesSlide2.xml><?xml version="1.0" encoding="utf-8"?>
-<p:notes xmlns:a="http://schemas.openxmlformats.org/drawingml/2006/main" xmlns:r="http://schemas.openxmlformats.org/officeDocument/2006/relationships" xmlns:p="http://schemas.openxmlformats.org/presentationml/2006/main">
-  <p:cSld>
-    <p:spTree>
-      <p:nvGrpSpPr>
-        <p:cNvPr id="1" name=""/>
-        <p:cNvGrpSpPr/>
-        <p:nvPr/>
-      </p:nvGrpSpPr>
-      <p:grpSpPr>
-        <a:xfrm>
-          <a:off x="0" y="0"/>
-          <a:ext cx="0" cy="0"/>
-          <a:chOff x="0" y="0"/>
-          <a:chExt cx="0" cy="0"/>
-        </a:xfrm>
-      </p:grpSpPr>
-      <p:sp>
-        <p:nvSpPr>
-          <p:cNvPr id="2" name="Marcador de imagen de diapositiva 1"/>
-          <p:cNvSpPr>
-            <a:spLocks noGrp="1" noRot="1" noChangeAspect="1"/>
-          </p:cNvSpPr>
-          <p:nvPr>
-            <p:ph type="sldImg"/>
-          </p:nvPr>
-        </p:nvSpPr>
-        <p:spPr>
-          <a:xfrm>
-            <a:off x="381000" y="685800"/>
-            <a:ext cx="6096000" cy="3429000"/>
-          </a:xfrm>
-        </p:spPr>
-      </p:sp>
-      <p:sp>
-        <p:nvSpPr>
-          <p:cNvPr id="3" name="Marcador de notas 2"/>
-          <p:cNvSpPr>
-            <a:spLocks noGrp="1"/>
-          </p:cNvSpPr>
-          <p:nvPr>
-            <p:ph type="body" idx="1"/>
-          </p:nvPr>
-        </p:nvSpPr>
-        <p:spPr/>
-        <p:txBody>
-          <a:bodyPr/>
-          <a:lstStyle/>
-          <a:p>
-            <a:r>
-              <a:rPr lang="es-MX" b="0" i="0" dirty="0">
-                <a:solidFill>
-                  <a:srgbClr val="0D0D0D"/>
-                </a:solidFill>
-                <a:effectLst/>
-                <a:highlight>
-                  <a:srgbClr val="FFFFFF"/>
-                </a:highlight>
-                <a:latin typeface="Söhne"/>
-              </a:rPr>
-              <a:t>¿Cómo dificulta la falta de especialistas dermatológicos en la detección temprana del cáncer de piel en el Perú?</a:t>
-            </a:r>
-          </a:p>
-          <a:p>
-            <a:r>
-              <a:rPr lang="es-MX" sz="1100" dirty="0"/>
-              <a:t>Dificultad de detección temprana de cáncer de piel en el Perú debido a la falta de especialistas en esa área </a:t>
-            </a:r>
-            <a:endParaRPr lang="es-PE" dirty="0"/>
-          </a:p>
-        </p:txBody>
-      </p:sp>
-    </p:spTree>
-    <p:extLst>
-      <p:ext uri="{BB962C8B-B14F-4D97-AF65-F5344CB8AC3E}">
-        <p14:creationId xmlns:p14="http://schemas.microsoft.com/office/powerpoint/2010/main" val="353710687"/>
-      </p:ext>
-    </p:extLst>
-  </p:cSld>
-  <p:clrMapOvr>
-    <a:masterClrMapping/>
-  </p:clrMapOvr>
-</p:notes>
-</file>
-
-<file path=ppt/notesSlides/notesSlide3.xml><?xml version="1.0" encoding="utf-8"?>
-<p:notes xmlns:a="http://schemas.openxmlformats.org/drawingml/2006/main" xmlns:r="http://schemas.openxmlformats.org/officeDocument/2006/relationships" xmlns:p="http://schemas.openxmlformats.org/presentationml/2006/main">
-  <p:cSld>
-    <p:spTree>
-      <p:nvGrpSpPr>
-        <p:cNvPr id="1" name=""/>
-        <p:cNvGrpSpPr/>
-        <p:nvPr/>
-      </p:nvGrpSpPr>
-      <p:grpSpPr>
-        <a:xfrm>
-          <a:off x="0" y="0"/>
-          <a:ext cx="0" cy="0"/>
-          <a:chOff x="0" y="0"/>
-          <a:chExt cx="0" cy="0"/>
-        </a:xfrm>
-      </p:grpSpPr>
-      <p:sp>
-        <p:nvSpPr>
-          <p:cNvPr id="2" name="Marcador de imagen de diapositiva 1"/>
-          <p:cNvSpPr>
-            <a:spLocks noGrp="1" noRot="1" noChangeAspect="1"/>
-          </p:cNvSpPr>
-          <p:nvPr>
-            <p:ph type="sldImg"/>
-          </p:nvPr>
-        </p:nvSpPr>
-        <p:spPr>
-          <a:xfrm>
-            <a:off x="381000" y="685800"/>
-            <a:ext cx="6096000" cy="3429000"/>
-          </a:xfrm>
-        </p:spPr>
-      </p:sp>
-      <p:sp>
-        <p:nvSpPr>
-          <p:cNvPr id="3" name="Marcador de notas 2"/>
-          <p:cNvSpPr>
-            <a:spLocks noGrp="1"/>
-          </p:cNvSpPr>
-          <p:nvPr>
-            <p:ph type="body" idx="1"/>
-          </p:nvPr>
-        </p:nvSpPr>
-        <p:spPr/>
-        <p:txBody>
-          <a:bodyPr/>
-          <a:lstStyle/>
-          <a:p>
-            <a:r>
-              <a:rPr lang="es-MX" b="0" i="0" dirty="0">
-                <a:solidFill>
-                  <a:srgbClr val="0D0D0D"/>
-                </a:solidFill>
-                <a:effectLst/>
-                <a:highlight>
-                  <a:srgbClr val="FFFFFF"/>
-                </a:highlight>
-                <a:latin typeface="Söhne"/>
-              </a:rPr>
-              <a:t>Desarrollar un sistema de detección de cáncer de piel mediante el uso de técnicas de Deep Learning y visión por computadora que permita identificar lesiones a partir de imágenes </a:t>
-            </a:r>
-            <a:r>
-              <a:rPr lang="es-MX" b="0" i="0" dirty="0" err="1">
-                <a:solidFill>
-                  <a:srgbClr val="0D0D0D"/>
-                </a:solidFill>
-                <a:effectLst/>
-                <a:highlight>
-                  <a:srgbClr val="FFFFFF"/>
-                </a:highlight>
-                <a:latin typeface="Söhne"/>
-              </a:rPr>
-              <a:t>dermatoscópicas</a:t>
-            </a:r>
-            <a:r>
-              <a:rPr lang="es-MX" b="0" i="0" dirty="0">
-                <a:solidFill>
-                  <a:srgbClr val="0D0D0D"/>
-                </a:solidFill>
-                <a:effectLst/>
-                <a:highlight>
-                  <a:srgbClr val="FFFFFF"/>
-                </a:highlight>
-                <a:latin typeface="Söhne"/>
-              </a:rPr>
-              <a:t>, para realizar una detección temprana.</a:t>
-            </a:r>
-            <a:endParaRPr lang="es-PE" dirty="0"/>
-          </a:p>
-        </p:txBody>
-      </p:sp>
-    </p:spTree>
-    <p:extLst>
-      <p:ext uri="{BB962C8B-B14F-4D97-AF65-F5344CB8AC3E}">
-        <p14:creationId xmlns:p14="http://schemas.microsoft.com/office/powerpoint/2010/main" val="2427502995"/>
-      </p:ext>
-    </p:extLst>
-  </p:cSld>
-  <p:clrMapOvr>
-    <a:masterClrMapping/>
-  </p:clrMapOvr>
-</p:notes>
-</file>
-
-<file path=ppt/notesSlides/notesSlide4.xml><?xml version="1.0" encoding="utf-8"?>
-<p:notes xmlns:a="http://schemas.openxmlformats.org/drawingml/2006/main" xmlns:r="http://schemas.openxmlformats.org/officeDocument/2006/relationships" xmlns:p="http://schemas.openxmlformats.org/presentationml/2006/main" showMasterSp="0" showMasterPhAnim="0">
-  <p:cSld>
-    <p:spTree>
-      <p:nvGrpSpPr>
-        <p:cNvPr id="1" name="Shape 129"/>
-        <p:cNvGrpSpPr/>
-        <p:nvPr/>
-      </p:nvGrpSpPr>
-      <p:grpSpPr>
-        <a:xfrm>
-          <a:off x="0" y="0"/>
-          <a:ext cx="0" cy="0"/>
-          <a:chOff x="0" y="0"/>
-          <a:chExt cx="0" cy="0"/>
-        </a:xfrm>
-      </p:grpSpPr>
-      <p:sp>
-        <p:nvSpPr>
-          <p:cNvPr id="130" name="Google Shape;130;g2ca28a8f128_0_0:notes"/>
-          <p:cNvSpPr>
-            <a:spLocks noGrp="1" noRot="1" noChangeAspect="1"/>
-          </p:cNvSpPr>
-          <p:nvPr>
-            <p:ph type="sldImg" idx="2"/>
-          </p:nvPr>
-        </p:nvSpPr>
-        <p:spPr>
-          <a:xfrm>
-            <a:off x="381000" y="685800"/>
-            <a:ext cx="6096000" cy="3429000"/>
-          </a:xfrm>
-          <a:custGeom>
-            <a:avLst/>
-            <a:gdLst/>
-            <a:ahLst/>
-            <a:cxnLst/>
-            <a:rect l="l" t="t" r="r" b="b"/>
-            <a:pathLst>
-              <a:path w="120000" h="120000" extrusionOk="0">
-                <a:moveTo>
-                  <a:pt x="0" y="0"/>
-                </a:moveTo>
-                <a:lnTo>
-                  <a:pt x="120000" y="0"/>
-                </a:lnTo>
-                <a:lnTo>
-                  <a:pt x="120000" y="120000"/>
-                </a:lnTo>
-                <a:lnTo>
-                  <a:pt x="0" y="120000"/>
-                </a:lnTo>
-                <a:close/>
-              </a:path>
-            </a:pathLst>
-          </a:custGeom>
-        </p:spPr>
-      </p:sp>
-      <p:sp>
-        <p:nvSpPr>
-          <p:cNvPr id="131" name="Google Shape;131;g2ca28a8f128_0_0:notes"/>
-          <p:cNvSpPr txBox="1">
-            <a:spLocks noGrp="1"/>
-          </p:cNvSpPr>
-          <p:nvPr>
-            <p:ph type="body" idx="1"/>
-          </p:nvPr>
-        </p:nvSpPr>
-        <p:spPr>
-          <a:xfrm>
-            <a:off x="685800" y="4343400"/>
-            <a:ext cx="5486400" cy="4114800"/>
-          </a:xfrm>
-          <a:prstGeom prst="rect">
-            <a:avLst/>
-          </a:prstGeom>
-        </p:spPr>
-        <p:txBody>
-          <a:bodyPr spcFirstLastPara="1" wrap="square" lIns="91425" tIns="91425" rIns="91425" bIns="91425" anchor="t" anchorCtr="0">
-            <a:noAutofit/>
-          </a:bodyPr>
-          <a:lstStyle/>
-          <a:p>
-            <a:pPr marL="0" lvl="0" indent="0" algn="l" rtl="0">
-              <a:spcBef>
-                <a:spcPts val="0"/>
-              </a:spcBef>
-              <a:spcAft>
-                <a:spcPts val="0"/>
-              </a:spcAft>
-              <a:buNone/>
-            </a:pPr>
-            <a:endParaRPr/>
-          </a:p>
-        </p:txBody>
-      </p:sp>
-    </p:spTree>
-  </p:cSld>
-  <p:clrMapOvr>
-    <a:masterClrMapping/>
-  </p:clrMapOvr>
-</p:notes>
-</file>
-
-<file path=ppt/notesSlides/notesSlide5.xml><?xml version="1.0" encoding="utf-8"?>
-<p:notes xmlns:a="http://schemas.openxmlformats.org/drawingml/2006/main" xmlns:r="http://schemas.openxmlformats.org/officeDocument/2006/relationships" xmlns:p="http://schemas.openxmlformats.org/presentationml/2006/main" showMasterSp="0" showMasterPhAnim="0">
-  <p:cSld>
-    <p:spTree>
-      <p:nvGrpSpPr>
-        <p:cNvPr id="1" name="Shape 135"/>
-        <p:cNvGrpSpPr/>
-        <p:nvPr/>
-      </p:nvGrpSpPr>
-      <p:grpSpPr>
-        <a:xfrm>
-          <a:off x="0" y="0"/>
-          <a:ext cx="0" cy="0"/>
-          <a:chOff x="0" y="0"/>
-          <a:chExt cx="0" cy="0"/>
-        </a:xfrm>
-      </p:grpSpPr>
-      <p:sp>
-        <p:nvSpPr>
-          <p:cNvPr id="136" name="Google Shape;136;g2ca28a8f128_0_8:notes"/>
-          <p:cNvSpPr>
-            <a:spLocks noGrp="1" noRot="1" noChangeAspect="1"/>
-          </p:cNvSpPr>
-          <p:nvPr>
-            <p:ph type="sldImg" idx="2"/>
-          </p:nvPr>
-        </p:nvSpPr>
-        <p:spPr>
-          <a:xfrm>
-            <a:off x="381000" y="685800"/>
-            <a:ext cx="6096000" cy="3429000"/>
-          </a:xfrm>
-          <a:custGeom>
-            <a:avLst/>
-            <a:gdLst/>
-            <a:ahLst/>
-            <a:cxnLst/>
-            <a:rect l="l" t="t" r="r" b="b"/>
-            <a:pathLst>
-              <a:path w="120000" h="120000" extrusionOk="0">
-                <a:moveTo>
-                  <a:pt x="0" y="0"/>
-                </a:moveTo>
-                <a:lnTo>
-                  <a:pt x="120000" y="0"/>
-                </a:lnTo>
-                <a:lnTo>
-                  <a:pt x="120000" y="120000"/>
-                </a:lnTo>
-                <a:lnTo>
-                  <a:pt x="0" y="120000"/>
-                </a:lnTo>
-                <a:close/>
-              </a:path>
-            </a:pathLst>
-          </a:custGeom>
-        </p:spPr>
-      </p:sp>
-      <p:sp>
-        <p:nvSpPr>
-          <p:cNvPr id="137" name="Google Shape;137;g2ca28a8f128_0_8:notes"/>
-          <p:cNvSpPr txBox="1">
-            <a:spLocks noGrp="1"/>
-          </p:cNvSpPr>
-          <p:nvPr>
-            <p:ph type="body" idx="1"/>
-          </p:nvPr>
-        </p:nvSpPr>
-        <p:spPr>
-          <a:xfrm>
-            <a:off x="685800" y="4343400"/>
-            <a:ext cx="5486400" cy="4114800"/>
-          </a:xfrm>
-          <a:prstGeom prst="rect">
-            <a:avLst/>
-          </a:prstGeom>
-        </p:spPr>
-        <p:txBody>
-          <a:bodyPr spcFirstLastPara="1" wrap="square" lIns="91425" tIns="91425" rIns="91425" bIns="91425" anchor="t" anchorCtr="0">
-            <a:noAutofit/>
-          </a:bodyPr>
-          <a:lstStyle/>
-          <a:p>
-            <a:pPr marL="0" lvl="0" indent="0" algn="l" rtl="0">
-              <a:spcBef>
-                <a:spcPts val="0"/>
-              </a:spcBef>
-              <a:spcAft>
-                <a:spcPts val="0"/>
-              </a:spcAft>
-              <a:buNone/>
-            </a:pPr>
-            <a:r>
-              <a:rPr lang="es" dirty="0"/>
-              <a:t>https://www.sciencedirect.com/science/article/pii/S0141933120308723</a:t>
-            </a:r>
-            <a:endParaRPr dirty="0"/>
           </a:p>
         </p:txBody>
       </p:sp>
@@ -1966,15 +1963,35 @@
               <a:buNone/>
             </a:pPr>
             <a:r>
-              <a:rPr lang="es" sz="1200" u="sng">
+              <a:rPr lang="es-PE" sz="1200" u="sng" dirty="0">
                 <a:solidFill>
                   <a:schemeClr val="hlink"/>
                 </a:solidFill>
-                <a:hlinkClick r:id="rId3"/>
               </a:rPr>
-              <a:t>https://www.sciencedirect.com/science/article/pii/S2772528621000340</a:t>
+              <a:t>https://www.sciencedirect.com/science/article/pii/S266730532300100X</a:t>
             </a:r>
-            <a:endParaRPr sz="1200"/>
+            <a:br>
+              <a:rPr lang="es-PE" sz="1200" u="sng" dirty="0">
+                <a:solidFill>
+                  <a:schemeClr val="hlink"/>
+                </a:solidFill>
+              </a:rPr>
+            </a:br>
+            <a:br>
+              <a:rPr lang="es-PE" sz="1200" u="sng" dirty="0">
+                <a:solidFill>
+                  <a:schemeClr val="hlink"/>
+                </a:solidFill>
+              </a:rPr>
+            </a:br>
+            <a:r>
+              <a:rPr lang="es-PE" sz="1200" u="none" dirty="0">
+                <a:solidFill>
+                  <a:schemeClr val="hlink"/>
+                </a:solidFill>
+              </a:rPr>
+              <a:t>Base de datos:  200 imágenes(resolución de 768 × 560) </a:t>
+            </a:r>
           </a:p>
           <a:p>
             <a:pPr marL="0" lvl="0" indent="0" algn="l" rtl="0">
@@ -1985,37 +2002,63 @@
                 <a:spcPts val="0"/>
               </a:spcAft>
               <a:buNone/>
-            </a:pPr>
-            <a:endParaRPr sz="1200"/>
-          </a:p>
-          <a:p>
-            <a:pPr marL="457200" lvl="0" indent="-304800" algn="l" rtl="0">
-              <a:spcBef>
-                <a:spcPts val="0"/>
-              </a:spcBef>
-              <a:spcAft>
-                <a:spcPts val="0"/>
-              </a:spcAft>
-              <a:buClr>
-                <a:srgbClr val="1F1F1F"/>
-              </a:buClr>
-              <a:buSzPts val="1200"/>
-              <a:buFont typeface="Calibri"/>
-              <a:buChar char="●"/>
             </a:pPr>
             <a:r>
-              <a:rPr lang="es" sz="1200">
-                <a:solidFill>
-                  <a:srgbClr val="1F1F1F"/>
+              <a:rPr lang="es-PE" sz="1200" u="none" dirty="0">
+                <a:solidFill>
+                  <a:schemeClr val="hlink"/>
+                </a:solidFill>
+              </a:rPr>
+              <a:t>Características: </a:t>
+            </a:r>
+            <a:r>
+              <a:rPr lang="es-PE" sz="1200" u="none" dirty="0">
+                <a:solidFill>
+                  <a:schemeClr val="hlink"/>
                 </a:solidFill>
                 <a:latin typeface="Calibri"/>
                 <a:ea typeface="Calibri"/>
                 <a:cs typeface="Calibri"/>
                 <a:sym typeface="Calibri"/>
               </a:rPr>
-              <a:t> ruido en la imagen) pelitos que aparece alrededor de la herida</a:t>
+              <a:t>Asimetría, red de pigmeo(</a:t>
             </a:r>
-            <a:endParaRPr sz="1200">
+            <a:r>
+              <a:rPr lang="es-PE" sz="1200" u="none" dirty="0" err="1">
+                <a:solidFill>
+                  <a:schemeClr val="hlink"/>
+                </a:solidFill>
+                <a:latin typeface="Calibri"/>
+                <a:ea typeface="Calibri"/>
+                <a:cs typeface="Calibri"/>
+                <a:sym typeface="Calibri"/>
+              </a:rPr>
+              <a:t>coloracion</a:t>
+            </a:r>
+            <a:r>
+              <a:rPr lang="es-PE" sz="1200" u="none" dirty="0">
+                <a:solidFill>
+                  <a:schemeClr val="hlink"/>
+                </a:solidFill>
+                <a:latin typeface="Calibri"/>
+                <a:ea typeface="Calibri"/>
+                <a:cs typeface="Calibri"/>
+                <a:sym typeface="Calibri"/>
+              </a:rPr>
+              <a:t> y pelos), puntos/glóbulos, estrías, </a:t>
+            </a:r>
+          </a:p>
+          <a:p>
+            <a:pPr marL="0" lvl="0" indent="0" algn="l" rtl="0">
+              <a:spcBef>
+                <a:spcPts val="0"/>
+              </a:spcBef>
+              <a:spcAft>
+                <a:spcPts val="0"/>
+              </a:spcAft>
+              <a:buNone/>
+            </a:pPr>
+            <a:endParaRPr sz="1200" u="none" dirty="0">
               <a:solidFill>
                 <a:srgbClr val="1F1F1F"/>
               </a:solidFill>
@@ -2025,62 +2068,14 @@
               <a:sym typeface="Calibri"/>
             </a:endParaRPr>
           </a:p>
-          <a:p>
-            <a:pPr marL="0" lvl="0" indent="0" algn="l" rtl="0">
-              <a:spcBef>
-                <a:spcPts val="0"/>
-              </a:spcBef>
-              <a:spcAft>
-                <a:spcPts val="0"/>
-              </a:spcAft>
-              <a:buNone/>
-            </a:pPr>
-            <a:r>
-              <a:rPr lang="es" sz="1200">
-                <a:solidFill>
-                  <a:srgbClr val="1F1F1F"/>
-                </a:solidFill>
-                <a:highlight>
-                  <a:srgbClr val="FFFFFF"/>
-                </a:highlight>
-              </a:rPr>
-              <a:t>EfficientNet-b0 es una </a:t>
-            </a:r>
-            <a:r>
-              <a:rPr lang="es" sz="1200">
-                <a:solidFill>
-                  <a:srgbClr val="040C28"/>
-                </a:solidFill>
-                <a:highlight>
-                  <a:srgbClr val="FFFFFF"/>
-                </a:highlight>
-              </a:rPr>
-              <a:t>red neuronal convolucional que está entrenada con más de un millón de imágenes de la base de datos de ImageNet</a:t>
-            </a:r>
-            <a:r>
-              <a:rPr lang="es" sz="1200">
-                <a:solidFill>
-                  <a:srgbClr val="1F1F1F"/>
-                </a:solidFill>
-                <a:highlight>
-                  <a:srgbClr val="FFFFFF"/>
-                </a:highlight>
-              </a:rPr>
-              <a:t> [1]. Esta red puede clasificar imágenes en 1000 categorías de objetos (por ejemplo, teclado, ratón, lápiz y muchos animales).</a:t>
-            </a:r>
-            <a:endParaRPr sz="1200">
-              <a:solidFill>
-                <a:srgbClr val="1F1F1F"/>
-              </a:solidFill>
-              <a:latin typeface="Calibri"/>
-              <a:ea typeface="Calibri"/>
-              <a:cs typeface="Calibri"/>
-              <a:sym typeface="Calibri"/>
-            </a:endParaRPr>
-          </a:p>
         </p:txBody>
       </p:sp>
     </p:spTree>
+    <p:extLst>
+      <p:ext uri="{BB962C8B-B14F-4D97-AF65-F5344CB8AC3E}">
+        <p14:creationId xmlns:p14="http://schemas.microsoft.com/office/powerpoint/2010/main" val="2775075397"/>
+      </p:ext>
+    </p:extLst>
   </p:cSld>
   <p:clrMapOvr>
     <a:masterClrMapping/>
@@ -2093,7 +2088,7 @@
   <p:cSld>
     <p:spTree>
       <p:nvGrpSpPr>
-        <p:cNvPr id="1" name="Shape 144"/>
+        <p:cNvPr id="1" name="Shape 135"/>
         <p:cNvGrpSpPr/>
         <p:nvPr/>
       </p:nvGrpSpPr>
@@ -2107,7 +2102,7 @@
       </p:grpSpPr>
       <p:sp>
         <p:nvSpPr>
-          <p:cNvPr id="145" name="Google Shape;145;g2cc393615ad_0_121:notes"/>
+          <p:cNvPr id="136" name="Google Shape;136;g2ca28a8f128_0_8:notes"/>
           <p:cNvSpPr>
             <a:spLocks noGrp="1" noRot="1" noChangeAspect="1"/>
           </p:cNvSpPr>
@@ -2148,7 +2143,7 @@
       </p:sp>
       <p:sp>
         <p:nvSpPr>
-          <p:cNvPr id="146" name="Google Shape;146;g2cc393615ad_0_121:notes"/>
+          <p:cNvPr id="137" name="Google Shape;137;g2ca28a8f128_0_8:notes"/>
           <p:cNvSpPr txBox="1">
             <a:spLocks noGrp="1"/>
           </p:cNvSpPr>
@@ -2181,117 +2176,17 @@
               <a:buNone/>
             </a:pPr>
             <a:r>
-              <a:rPr lang="es-PE" sz="1200" u="sng" dirty="0">
-                <a:solidFill>
-                  <a:schemeClr val="hlink"/>
-                </a:solidFill>
-              </a:rPr>
-              <a:t>https://www.sciencedirect.com/science/article/pii/S266730532300100X</a:t>
+              <a:rPr lang="es" dirty="0"/>
+              <a:t>https://www.sciencedirect.com/science/article/pii/S0141933120308723</a:t>
             </a:r>
-            <a:br>
-              <a:rPr lang="es-PE" sz="1200" u="sng" dirty="0">
-                <a:solidFill>
-                  <a:schemeClr val="hlink"/>
-                </a:solidFill>
-              </a:rPr>
-            </a:br>
-            <a:br>
-              <a:rPr lang="es-PE" sz="1200" u="sng" dirty="0">
-                <a:solidFill>
-                  <a:schemeClr val="hlink"/>
-                </a:solidFill>
-              </a:rPr>
-            </a:br>
-            <a:r>
-              <a:rPr lang="es-PE" sz="1200" u="none" dirty="0">
-                <a:solidFill>
-                  <a:schemeClr val="hlink"/>
-                </a:solidFill>
-              </a:rPr>
-              <a:t>Base de datos:  200 imágenes(resolución de 768 × 560) </a:t>
-            </a:r>
-          </a:p>
-          <a:p>
-            <a:pPr marL="0" lvl="0" indent="0" algn="l" rtl="0">
-              <a:spcBef>
-                <a:spcPts val="0"/>
-              </a:spcBef>
-              <a:spcAft>
-                <a:spcPts val="0"/>
-              </a:spcAft>
-              <a:buNone/>
-            </a:pPr>
-            <a:r>
-              <a:rPr lang="es-PE" sz="1200" u="none" dirty="0">
-                <a:solidFill>
-                  <a:schemeClr val="hlink"/>
-                </a:solidFill>
-              </a:rPr>
-              <a:t>Características: </a:t>
-            </a:r>
-            <a:r>
-              <a:rPr lang="es-PE" sz="1200" u="none" dirty="0">
-                <a:solidFill>
-                  <a:schemeClr val="hlink"/>
-                </a:solidFill>
-                <a:latin typeface="Calibri"/>
-                <a:ea typeface="Calibri"/>
-                <a:cs typeface="Calibri"/>
-                <a:sym typeface="Calibri"/>
-              </a:rPr>
-              <a:t>Asimetría, red de pigmeo(</a:t>
-            </a:r>
-            <a:r>
-              <a:rPr lang="es-PE" sz="1200" u="none" dirty="0" err="1">
-                <a:solidFill>
-                  <a:schemeClr val="hlink"/>
-                </a:solidFill>
-                <a:latin typeface="Calibri"/>
-                <a:ea typeface="Calibri"/>
-                <a:cs typeface="Calibri"/>
-                <a:sym typeface="Calibri"/>
-              </a:rPr>
-              <a:t>coloracion</a:t>
-            </a:r>
-            <a:r>
-              <a:rPr lang="es-PE" sz="1200" u="none" dirty="0">
-                <a:solidFill>
-                  <a:schemeClr val="hlink"/>
-                </a:solidFill>
-                <a:latin typeface="Calibri"/>
-                <a:ea typeface="Calibri"/>
-                <a:cs typeface="Calibri"/>
-                <a:sym typeface="Calibri"/>
-              </a:rPr>
-              <a:t> y pelos), puntos/glóbulos, estrías, </a:t>
-            </a:r>
-          </a:p>
-          <a:p>
-            <a:pPr marL="0" lvl="0" indent="0" algn="l" rtl="0">
-              <a:spcBef>
-                <a:spcPts val="0"/>
-              </a:spcBef>
-              <a:spcAft>
-                <a:spcPts val="0"/>
-              </a:spcAft>
-              <a:buNone/>
-            </a:pPr>
-            <a:endParaRPr sz="1200" u="none" dirty="0">
-              <a:solidFill>
-                <a:srgbClr val="1F1F1F"/>
-              </a:solidFill>
-              <a:latin typeface="Calibri"/>
-              <a:ea typeface="Calibri"/>
-              <a:cs typeface="Calibri"/>
-              <a:sym typeface="Calibri"/>
-            </a:endParaRPr>
+            <a:endParaRPr dirty="0"/>
           </a:p>
         </p:txBody>
       </p:sp>
     </p:spTree>
     <p:extLst>
       <p:ext uri="{BB962C8B-B14F-4D97-AF65-F5344CB8AC3E}">
-        <p14:creationId xmlns:p14="http://schemas.microsoft.com/office/powerpoint/2010/main" val="2775075397"/>
+        <p14:creationId xmlns:p14="http://schemas.microsoft.com/office/powerpoint/2010/main" val="398046649"/>
       </p:ext>
     </p:extLst>
   </p:cSld>
@@ -2404,7 +2299,7 @@
     </p:spTree>
     <p:extLst>
       <p:ext uri="{BB962C8B-B14F-4D97-AF65-F5344CB8AC3E}">
-        <p14:creationId xmlns:p14="http://schemas.microsoft.com/office/powerpoint/2010/main" val="398046649"/>
+        <p14:creationId xmlns:p14="http://schemas.microsoft.com/office/powerpoint/2010/main" val="4244057296"/>
       </p:ext>
     </p:extLst>
   </p:cSld>
@@ -2517,7 +2412,7 @@
     </p:spTree>
     <p:extLst>
       <p:ext uri="{BB962C8B-B14F-4D97-AF65-F5344CB8AC3E}">
-        <p14:creationId xmlns:p14="http://schemas.microsoft.com/office/powerpoint/2010/main" val="4244057296"/>
+        <p14:creationId xmlns:p14="http://schemas.microsoft.com/office/powerpoint/2010/main" val="3069778938"/>
       </p:ext>
     </p:extLst>
   </p:cSld>
@@ -9979,7 +9874,7 @@
   <p:cSld>
     <p:spTree>
       <p:nvGrpSpPr>
-        <p:cNvPr id="1" name="Shape 138"/>
+        <p:cNvPr id="1" name="Shape 147"/>
         <p:cNvGrpSpPr/>
         <p:nvPr/>
       </p:nvGrpSpPr>
@@ -9993,7 +9888,7 @@
       </p:grpSpPr>
       <p:sp>
         <p:nvSpPr>
-          <p:cNvPr id="139" name="Google Shape;139;p15"/>
+          <p:cNvPr id="148" name="Google Shape;148;p16"/>
           <p:cNvSpPr txBox="1">
             <a:spLocks noGrp="1"/>
           </p:cNvSpPr>
@@ -10043,15 +9938,23 @@
                 <a:cs typeface="Georgia"/>
                 <a:sym typeface="Georgia"/>
               </a:rPr>
-              <a:t>Diagnosis of skin cancer using machine learning techniques</a:t>
+              <a:t>Multiclass skin cancer classification using EfficientNets – a first step towards preventing skin cancer</a:t>
             </a:r>
-            <a:endParaRPr dirty="0"/>
+            <a:endParaRPr sz="2300" dirty="0">
+              <a:solidFill>
+                <a:srgbClr val="1F1F1F"/>
+              </a:solidFill>
+              <a:latin typeface="Georgia"/>
+              <a:ea typeface="Georgia"/>
+              <a:cs typeface="Georgia"/>
+              <a:sym typeface="Georgia"/>
+            </a:endParaRPr>
           </a:p>
         </p:txBody>
       </p:sp>
       <p:sp>
         <p:nvSpPr>
-          <p:cNvPr id="140" name="Google Shape;140;p15"/>
+          <p:cNvPr id="149" name="Google Shape;149;p16"/>
           <p:cNvSpPr txBox="1">
             <a:spLocks noGrp="1"/>
           </p:cNvSpPr>
@@ -10092,7 +9995,7 @@
                   <a:srgbClr val="1F1F1F"/>
                 </a:solidFill>
               </a:rPr>
-              <a:t>Autor: A. Murugan , Dr. S. Anu H Nair, Dr. A. Angelin Peace Preethi, Dr. K. P. Sanal Kumar</a:t>
+              <a:t>Autor: Karar Ali, Zaffar Ahmed Shaikh, Abdullah Ayub Khan, Asif Ali Laghari</a:t>
             </a:r>
             <a:endParaRPr sz="1200" dirty="0">
               <a:solidFill>
@@ -10119,7 +10022,7 @@
                   <a:srgbClr val="1F1F1F"/>
                 </a:solidFill>
               </a:rPr>
-              <a:t>Año: 2021</a:t>
+              <a:t>Año: 2022</a:t>
             </a:r>
             <a:endParaRPr sz="1200" dirty="0">
               <a:solidFill>
@@ -10177,7 +10080,7 @@
                   <a:srgbClr val="1F1F1F"/>
                 </a:solidFill>
               </a:rPr>
-              <a:t>Preprocesamiento: eliminar el ruido	</a:t>
+              <a:t>Preprocesamiento (redimensionadas según la variante EfficientNet [24,39])</a:t>
             </a:r>
             <a:endParaRPr sz="1200" dirty="0">
               <a:solidFill>
@@ -10208,7 +10111,7 @@
                   <a:srgbClr val="1F1F1F"/>
                 </a:solidFill>
               </a:rPr>
-              <a:t>Extraccion de caracteristicas usando: GLCM, Moment Invariants and GLRLM</a:t>
+              <a:t>CNN (eliminación del ruido en la imagen)</a:t>
             </a:r>
             <a:endParaRPr sz="1200" dirty="0">
               <a:solidFill>
@@ -10239,7 +10142,7 @@
                   <a:srgbClr val="1F1F1F"/>
                 </a:solidFill>
               </a:rPr>
-              <a:t>Clasificadores usando: PNN, SVM, Random Forest y SVM + RF</a:t>
+              <a:t>EfficientNets B1-B7 (escalando la red de referencia (EfficientNet B0)</a:t>
             </a:r>
             <a:endParaRPr sz="1200" dirty="0">
               <a:solidFill>
@@ -10248,6 +10151,29 @@
             </a:endParaRPr>
           </a:p>
           <a:p>
+            <a:pPr marL="457200" lvl="0" indent="-304800" algn="l" rtl="0">
+              <a:lnSpc>
+                <a:spcPct val="100000"/>
+              </a:lnSpc>
+              <a:spcBef>
+                <a:spcPts val="0"/>
+              </a:spcBef>
+              <a:spcAft>
+                <a:spcPts val="0"/>
+              </a:spcAft>
+              <a:buClr>
+                <a:srgbClr val="1F1F1F"/>
+              </a:buClr>
+              <a:buSzPts val="1200"/>
+              <a:buChar char="●"/>
+            </a:pPr>
+            <a:endParaRPr sz="1200" dirty="0">
+              <a:solidFill>
+                <a:srgbClr val="1F1F1F"/>
+              </a:solidFill>
+            </a:endParaRPr>
+          </a:p>
+          <a:p>
             <a:pPr marL="0" lvl="0" indent="0" algn="l" rtl="0">
               <a:lnSpc>
                 <a:spcPct val="100000"/>
@@ -10266,7 +10192,7 @@
                   <a:srgbClr val="1F1F1F"/>
                 </a:solidFill>
               </a:rPr>
-              <a:t>Base de datos: Compuesta por lesiones benignos y malignas que se almacenan en la base de datos junto con la histopatología</a:t>
+              <a:t>Base de datos: Conjunto de datos HAM10000, compuesta de 10015 imágenes dermatoscópicas</a:t>
             </a:r>
             <a:endParaRPr sz="1200" dirty="0">
               <a:solidFill>
@@ -10289,44 +10215,6 @@
             </a:pPr>
             <a:endParaRPr sz="1200" dirty="0">
               <a:solidFill>
-                <a:srgbClr val="1F1F1F"/>
-              </a:solidFill>
-            </a:endParaRPr>
-          </a:p>
-          <a:p>
-            <a:pPr marL="0" lvl="0" indent="0" algn="l" rtl="0">
-              <a:lnSpc>
-                <a:spcPct val="100000"/>
-              </a:lnSpc>
-              <a:spcBef>
-                <a:spcPts val="0"/>
-              </a:spcBef>
-              <a:spcAft>
-                <a:spcPts val="0"/>
-              </a:spcAft>
-              <a:buNone/>
-            </a:pPr>
-            <a:endParaRPr sz="1200" dirty="0">
-              <a:solidFill>
-                <a:srgbClr val="1F1F1F"/>
-              </a:solidFill>
-            </a:endParaRPr>
-          </a:p>
-          <a:p>
-            <a:pPr marL="0" lvl="0" indent="0" algn="l" rtl="0">
-              <a:lnSpc>
-                <a:spcPct val="100000"/>
-              </a:lnSpc>
-              <a:spcBef>
-                <a:spcPts val="0"/>
-              </a:spcBef>
-              <a:spcAft>
-                <a:spcPts val="0"/>
-              </a:spcAft>
-              <a:buNone/>
-            </a:pPr>
-            <a:endParaRPr sz="1200" dirty="0">
-              <a:solidFill>
                 <a:schemeClr val="dk1"/>
               </a:solidFill>
             </a:endParaRPr>
@@ -10335,7 +10223,7 @@
       </p:sp>
       <p:sp>
         <p:nvSpPr>
-          <p:cNvPr id="141" name="Google Shape;141;p15"/>
+          <p:cNvPr id="150" name="Google Shape;150;p16"/>
           <p:cNvSpPr txBox="1">
             <a:spLocks noGrp="1"/>
           </p:cNvSpPr>
@@ -10400,7 +10288,7 @@
       </p:sp>
       <p:pic>
         <p:nvPicPr>
-          <p:cNvPr id="142" name="Google Shape;142;p15"/>
+          <p:cNvPr id="151" name="Google Shape;151;p16"/>
           <p:cNvPicPr preferRelativeResize="0"/>
           <p:nvPr/>
         </p:nvPicPr>
@@ -10414,36 +10302,8 @@
         </p:blipFill>
         <p:spPr>
           <a:xfrm>
-            <a:off x="4448638" y="1322513"/>
-            <a:ext cx="4267200" cy="1150604"/>
-          </a:xfrm>
-          <a:prstGeom prst="rect">
-            <a:avLst/>
-          </a:prstGeom>
-          <a:noFill/>
-          <a:ln>
-            <a:noFill/>
-          </a:ln>
-        </p:spPr>
-      </p:pic>
-      <p:pic>
-        <p:nvPicPr>
-          <p:cNvPr id="143" name="Google Shape;143;p15"/>
-          <p:cNvPicPr preferRelativeResize="0"/>
-          <p:nvPr/>
-        </p:nvPicPr>
-        <p:blipFill>
-          <a:blip r:embed="rId4">
-            <a:alphaModFix/>
-          </a:blip>
-          <a:stretch>
-            <a:fillRect/>
-          </a:stretch>
-        </p:blipFill>
-        <p:spPr>
-          <a:xfrm>
-            <a:off x="4873975" y="2473129"/>
-            <a:ext cx="3715675" cy="2069696"/>
+            <a:off x="4470575" y="2043300"/>
+            <a:ext cx="4099001" cy="1758700"/>
           </a:xfrm>
           <a:prstGeom prst="rect">
             <a:avLst/>
@@ -10500,459 +10360,6 @@
         </p:spPr>
         <p:txBody>
           <a:bodyPr spcFirstLastPara="1" wrap="square" lIns="91425" tIns="91425" rIns="91425" bIns="91425" anchor="ctr" anchorCtr="0">
-            <a:normAutofit fontScale="90000"/>
-          </a:bodyPr>
-          <a:lstStyle/>
-          <a:p>
-            <a:pPr marL="0" lvl="0" indent="0" algn="l" rtl="0">
-              <a:lnSpc>
-                <a:spcPct val="115000"/>
-              </a:lnSpc>
-              <a:spcBef>
-                <a:spcPts val="1200"/>
-              </a:spcBef>
-              <a:spcAft>
-                <a:spcPts val="1200"/>
-              </a:spcAft>
-              <a:buClr>
-                <a:schemeClr val="dk1"/>
-              </a:buClr>
-              <a:buSzPts val="1100"/>
-              <a:buFont typeface="Arial"/>
-              <a:buNone/>
-            </a:pPr>
-            <a:r>
-              <a:rPr lang="es" sz="2300" dirty="0">
-                <a:solidFill>
-                  <a:srgbClr val="1F1F1F"/>
-                </a:solidFill>
-                <a:latin typeface="Georgia"/>
-                <a:ea typeface="Georgia"/>
-                <a:cs typeface="Georgia"/>
-                <a:sym typeface="Georgia"/>
-              </a:rPr>
-              <a:t>Multiclass skin cancer classification using EfficientNets – a first step towards preventing skin cancer</a:t>
-            </a:r>
-            <a:endParaRPr sz="2300" dirty="0">
-              <a:solidFill>
-                <a:srgbClr val="1F1F1F"/>
-              </a:solidFill>
-              <a:latin typeface="Georgia"/>
-              <a:ea typeface="Georgia"/>
-              <a:cs typeface="Georgia"/>
-              <a:sym typeface="Georgia"/>
-            </a:endParaRPr>
-          </a:p>
-        </p:txBody>
-      </p:sp>
-      <p:sp>
-        <p:nvSpPr>
-          <p:cNvPr id="149" name="Google Shape;149;p16"/>
-          <p:cNvSpPr txBox="1">
-            <a:spLocks noGrp="1"/>
-          </p:cNvSpPr>
-          <p:nvPr>
-            <p:ph type="body" idx="1"/>
-          </p:nvPr>
-        </p:nvSpPr>
-        <p:spPr>
-          <a:xfrm>
-            <a:off x="464100" y="1497825"/>
-            <a:ext cx="4260300" cy="3301200"/>
-          </a:xfrm>
-          <a:prstGeom prst="rect">
-            <a:avLst/>
-          </a:prstGeom>
-        </p:spPr>
-        <p:txBody>
-          <a:bodyPr spcFirstLastPara="1" wrap="square" lIns="91425" tIns="91425" rIns="91425" bIns="91425" anchor="t" anchorCtr="0">
-            <a:normAutofit/>
-          </a:bodyPr>
-          <a:lstStyle/>
-          <a:p>
-            <a:pPr marL="0" lvl="0" indent="0" algn="l" rtl="0">
-              <a:lnSpc>
-                <a:spcPct val="100000"/>
-              </a:lnSpc>
-              <a:spcBef>
-                <a:spcPts val="0"/>
-              </a:spcBef>
-              <a:spcAft>
-                <a:spcPts val="0"/>
-              </a:spcAft>
-              <a:buNone/>
-            </a:pPr>
-            <a:r>
-              <a:rPr lang="es" sz="1200" dirty="0">
-                <a:solidFill>
-                  <a:srgbClr val="1F1F1F"/>
-                </a:solidFill>
-              </a:rPr>
-              <a:t>Autor: Karar Ali, Zaffar Ahmed Shaikh, Abdullah Ayub Khan, Asif Ali Laghari</a:t>
-            </a:r>
-            <a:endParaRPr sz="1200" dirty="0">
-              <a:solidFill>
-                <a:srgbClr val="1F1F1F"/>
-              </a:solidFill>
-            </a:endParaRPr>
-          </a:p>
-          <a:p>
-            <a:pPr marL="0" lvl="0" indent="0" algn="l" rtl="0">
-              <a:lnSpc>
-                <a:spcPct val="100000"/>
-              </a:lnSpc>
-              <a:spcBef>
-                <a:spcPts val="0"/>
-              </a:spcBef>
-              <a:spcAft>
-                <a:spcPts val="0"/>
-              </a:spcAft>
-              <a:buNone/>
-            </a:pPr>
-            <a:r>
-              <a:rPr lang="es" sz="1200" dirty="0">
-                <a:solidFill>
-                  <a:srgbClr val="1F1F1F"/>
-                </a:solidFill>
-              </a:rPr>
-              <a:t>Año: 2022</a:t>
-            </a:r>
-            <a:endParaRPr sz="1200" dirty="0">
-              <a:solidFill>
-                <a:srgbClr val="1F1F1F"/>
-              </a:solidFill>
-            </a:endParaRPr>
-          </a:p>
-          <a:p>
-            <a:pPr marL="0" lvl="0" indent="0" algn="l" rtl="0">
-              <a:lnSpc>
-                <a:spcPct val="100000"/>
-              </a:lnSpc>
-              <a:spcBef>
-                <a:spcPts val="0"/>
-              </a:spcBef>
-              <a:spcAft>
-                <a:spcPts val="0"/>
-              </a:spcAft>
-              <a:buNone/>
-            </a:pPr>
-            <a:r>
-              <a:rPr lang="es" sz="1200" dirty="0">
-                <a:solidFill>
-                  <a:srgbClr val="1F1F1F"/>
-                </a:solidFill>
-              </a:rPr>
-              <a:t>Técnica: </a:t>
-            </a:r>
-            <a:endParaRPr sz="1200" dirty="0">
-              <a:solidFill>
-                <a:srgbClr val="1F1F1F"/>
-              </a:solidFill>
-            </a:endParaRPr>
-          </a:p>
-          <a:p>
-            <a:pPr marL="457200" lvl="0" indent="-304800" algn="l" rtl="0">
-              <a:lnSpc>
-                <a:spcPct val="100000"/>
-              </a:lnSpc>
-              <a:spcBef>
-                <a:spcPts val="0"/>
-              </a:spcBef>
-              <a:spcAft>
-                <a:spcPts val="0"/>
-              </a:spcAft>
-              <a:buClr>
-                <a:srgbClr val="1F1F1F"/>
-              </a:buClr>
-              <a:buSzPts val="1200"/>
-              <a:buChar char="●"/>
-            </a:pPr>
-            <a:r>
-              <a:rPr lang="es" sz="1200" dirty="0">
-                <a:solidFill>
-                  <a:srgbClr val="1F1F1F"/>
-                </a:solidFill>
-              </a:rPr>
-              <a:t>Preprocesamiento (redimensionadas según la variante EfficientNet [24,39])</a:t>
-            </a:r>
-            <a:endParaRPr sz="1200" dirty="0">
-              <a:solidFill>
-                <a:srgbClr val="1F1F1F"/>
-              </a:solidFill>
-            </a:endParaRPr>
-          </a:p>
-          <a:p>
-            <a:pPr marL="457200" lvl="0" indent="-304800" algn="l" rtl="0">
-              <a:lnSpc>
-                <a:spcPct val="100000"/>
-              </a:lnSpc>
-              <a:spcBef>
-                <a:spcPts val="0"/>
-              </a:spcBef>
-              <a:spcAft>
-                <a:spcPts val="0"/>
-              </a:spcAft>
-              <a:buClr>
-                <a:srgbClr val="1F1F1F"/>
-              </a:buClr>
-              <a:buSzPts val="1200"/>
-              <a:buChar char="●"/>
-            </a:pPr>
-            <a:r>
-              <a:rPr lang="es" sz="1200" dirty="0">
-                <a:solidFill>
-                  <a:srgbClr val="1F1F1F"/>
-                </a:solidFill>
-              </a:rPr>
-              <a:t>CNN (eliminación del ruido en la imagen)</a:t>
-            </a:r>
-            <a:endParaRPr sz="1200" dirty="0">
-              <a:solidFill>
-                <a:srgbClr val="1F1F1F"/>
-              </a:solidFill>
-            </a:endParaRPr>
-          </a:p>
-          <a:p>
-            <a:pPr marL="457200" lvl="0" indent="-304800" algn="l" rtl="0">
-              <a:lnSpc>
-                <a:spcPct val="100000"/>
-              </a:lnSpc>
-              <a:spcBef>
-                <a:spcPts val="0"/>
-              </a:spcBef>
-              <a:spcAft>
-                <a:spcPts val="0"/>
-              </a:spcAft>
-              <a:buClr>
-                <a:srgbClr val="1F1F1F"/>
-              </a:buClr>
-              <a:buSzPts val="1200"/>
-              <a:buChar char="●"/>
-            </a:pPr>
-            <a:r>
-              <a:rPr lang="es" sz="1200" dirty="0">
-                <a:solidFill>
-                  <a:srgbClr val="1F1F1F"/>
-                </a:solidFill>
-              </a:rPr>
-              <a:t>EfficientNets B1-B7 (escalando la red de referencia (EfficientNet B0)</a:t>
-            </a:r>
-            <a:endParaRPr sz="1200" dirty="0">
-              <a:solidFill>
-                <a:srgbClr val="1F1F1F"/>
-              </a:solidFill>
-            </a:endParaRPr>
-          </a:p>
-          <a:p>
-            <a:pPr marL="457200" lvl="0" indent="-304800" algn="l" rtl="0">
-              <a:lnSpc>
-                <a:spcPct val="100000"/>
-              </a:lnSpc>
-              <a:spcBef>
-                <a:spcPts val="0"/>
-              </a:spcBef>
-              <a:spcAft>
-                <a:spcPts val="0"/>
-              </a:spcAft>
-              <a:buClr>
-                <a:srgbClr val="1F1F1F"/>
-              </a:buClr>
-              <a:buSzPts val="1200"/>
-              <a:buChar char="●"/>
-            </a:pPr>
-            <a:endParaRPr sz="1200" dirty="0">
-              <a:solidFill>
-                <a:srgbClr val="1F1F1F"/>
-              </a:solidFill>
-            </a:endParaRPr>
-          </a:p>
-          <a:p>
-            <a:pPr marL="0" lvl="0" indent="0" algn="l" rtl="0">
-              <a:lnSpc>
-                <a:spcPct val="100000"/>
-              </a:lnSpc>
-              <a:spcBef>
-                <a:spcPts val="0"/>
-              </a:spcBef>
-              <a:spcAft>
-                <a:spcPts val="0"/>
-              </a:spcAft>
-              <a:buNone/>
-            </a:pPr>
-            <a:r>
-              <a:rPr lang="es" sz="1200" dirty="0">
-                <a:solidFill>
-                  <a:srgbClr val="1F1F1F"/>
-                </a:solidFill>
-              </a:rPr>
-              <a:t>Base de datos: Conjunto de datos HAM10000, compuesta de 10015 imágenes dermatoscópicas</a:t>
-            </a:r>
-            <a:endParaRPr sz="1200" dirty="0">
-              <a:solidFill>
-                <a:srgbClr val="1F1F1F"/>
-              </a:solidFill>
-            </a:endParaRPr>
-          </a:p>
-          <a:p>
-            <a:pPr marL="0" lvl="0" indent="0" algn="l" rtl="0">
-              <a:lnSpc>
-                <a:spcPct val="100000"/>
-              </a:lnSpc>
-              <a:spcBef>
-                <a:spcPts val="0"/>
-              </a:spcBef>
-              <a:spcAft>
-                <a:spcPts val="0"/>
-              </a:spcAft>
-              <a:buNone/>
-            </a:pPr>
-            <a:endParaRPr sz="1200" dirty="0">
-              <a:solidFill>
-                <a:schemeClr val="dk1"/>
-              </a:solidFill>
-            </a:endParaRPr>
-          </a:p>
-        </p:txBody>
-      </p:sp>
-      <p:sp>
-        <p:nvSpPr>
-          <p:cNvPr id="150" name="Google Shape;150;p16"/>
-          <p:cNvSpPr txBox="1">
-            <a:spLocks noGrp="1"/>
-          </p:cNvSpPr>
-          <p:nvPr>
-            <p:ph type="body" idx="1"/>
-          </p:nvPr>
-        </p:nvSpPr>
-        <p:spPr>
-          <a:xfrm>
-            <a:off x="311700" y="4695225"/>
-            <a:ext cx="8520600" cy="369600"/>
-          </a:xfrm>
-          <a:prstGeom prst="rect">
-            <a:avLst/>
-          </a:prstGeom>
-        </p:spPr>
-        <p:txBody>
-          <a:bodyPr spcFirstLastPara="1" wrap="square" lIns="91425" tIns="91425" rIns="91425" bIns="91425" anchor="t" anchorCtr="0">
-            <a:noAutofit/>
-          </a:bodyPr>
-          <a:lstStyle/>
-          <a:p>
-            <a:pPr marL="0" lvl="0" indent="0" algn="l" rtl="0">
-              <a:lnSpc>
-                <a:spcPct val="100000"/>
-              </a:lnSpc>
-              <a:spcBef>
-                <a:spcPts val="0"/>
-              </a:spcBef>
-              <a:spcAft>
-                <a:spcPts val="0"/>
-              </a:spcAft>
-              <a:buNone/>
-            </a:pPr>
-            <a:r>
-              <a:rPr lang="es" sz="1000">
-                <a:solidFill>
-                  <a:schemeClr val="dk1"/>
-                </a:solidFill>
-              </a:rPr>
-              <a:t>https://www.sciencedirect.com/science/article/pii/S0141933120308723</a:t>
-            </a:r>
-            <a:endParaRPr sz="1000">
-              <a:solidFill>
-                <a:srgbClr val="111A37"/>
-              </a:solidFill>
-            </a:endParaRPr>
-          </a:p>
-          <a:p>
-            <a:pPr marL="0" lvl="0" indent="0" algn="l" rtl="0">
-              <a:spcBef>
-                <a:spcPts val="0"/>
-              </a:spcBef>
-              <a:spcAft>
-                <a:spcPts val="1200"/>
-              </a:spcAft>
-              <a:buNone/>
-            </a:pPr>
-            <a:endParaRPr sz="1000"/>
-          </a:p>
-        </p:txBody>
-      </p:sp>
-      <p:pic>
-        <p:nvPicPr>
-          <p:cNvPr id="151" name="Google Shape;151;p16"/>
-          <p:cNvPicPr preferRelativeResize="0"/>
-          <p:nvPr/>
-        </p:nvPicPr>
-        <p:blipFill>
-          <a:blip r:embed="rId3">
-            <a:alphaModFix/>
-          </a:blip>
-          <a:stretch>
-            <a:fillRect/>
-          </a:stretch>
-        </p:blipFill>
-        <p:spPr>
-          <a:xfrm>
-            <a:off x="4470575" y="2043300"/>
-            <a:ext cx="4099001" cy="1758700"/>
-          </a:xfrm>
-          <a:prstGeom prst="rect">
-            <a:avLst/>
-          </a:prstGeom>
-          <a:noFill/>
-          <a:ln>
-            <a:noFill/>
-          </a:ln>
-        </p:spPr>
-      </p:pic>
-    </p:spTree>
-  </p:cSld>
-  <p:clrMapOvr>
-    <a:masterClrMapping/>
-  </p:clrMapOvr>
-</p:sld>
-</file>
-
-<file path=ppt/slides/slide12.xml><?xml version="1.0" encoding="utf-8"?>
-<p:sld xmlns:a="http://schemas.openxmlformats.org/drawingml/2006/main" xmlns:r="http://schemas.openxmlformats.org/officeDocument/2006/relationships" xmlns:p="http://schemas.openxmlformats.org/presentationml/2006/main">
-  <p:cSld>
-    <p:spTree>
-      <p:nvGrpSpPr>
-        <p:cNvPr id="1" name="Shape 147"/>
-        <p:cNvGrpSpPr/>
-        <p:nvPr/>
-      </p:nvGrpSpPr>
-      <p:grpSpPr>
-        <a:xfrm>
-          <a:off x="0" y="0"/>
-          <a:ext cx="0" cy="0"/>
-          <a:chOff x="0" y="0"/>
-          <a:chExt cx="0" cy="0"/>
-        </a:xfrm>
-      </p:grpSpPr>
-      <p:sp>
-        <p:nvSpPr>
-          <p:cNvPr id="148" name="Google Shape;148;p16"/>
-          <p:cNvSpPr txBox="1">
-            <a:spLocks noGrp="1"/>
-          </p:cNvSpPr>
-          <p:nvPr>
-            <p:ph type="title"/>
-          </p:nvPr>
-        </p:nvSpPr>
-        <p:spPr>
-          <a:xfrm>
-            <a:off x="668425" y="543225"/>
-            <a:ext cx="7505700" cy="954600"/>
-          </a:xfrm>
-          <a:prstGeom prst="rect">
-            <a:avLst/>
-          </a:prstGeom>
-        </p:spPr>
-        <p:txBody>
-          <a:bodyPr spcFirstLastPara="1" wrap="square" lIns="91425" tIns="91425" rIns="91425" bIns="91425" anchor="ctr" anchorCtr="0">
             <a:noAutofit/>
           </a:bodyPr>
           <a:lstStyle/>
@@ -11428,6 +10835,340 @@
     <p:extLst>
       <p:ext uri="{BB962C8B-B14F-4D97-AF65-F5344CB8AC3E}">
         <p14:creationId xmlns:p14="http://schemas.microsoft.com/office/powerpoint/2010/main" val="4089727907"/>
+      </p:ext>
+    </p:extLst>
+  </p:cSld>
+  <p:clrMapOvr>
+    <a:masterClrMapping/>
+  </p:clrMapOvr>
+</p:sld>
+</file>
+
+<file path=ppt/slides/slide12.xml><?xml version="1.0" encoding="utf-8"?>
+<p:sld xmlns:a="http://schemas.openxmlformats.org/drawingml/2006/main" xmlns:r="http://schemas.openxmlformats.org/officeDocument/2006/relationships" xmlns:p="http://schemas.openxmlformats.org/presentationml/2006/main">
+  <p:cSld>
+    <p:spTree>
+      <p:nvGrpSpPr>
+        <p:cNvPr id="1" name="Shape 138"/>
+        <p:cNvGrpSpPr/>
+        <p:nvPr/>
+      </p:nvGrpSpPr>
+      <p:grpSpPr>
+        <a:xfrm>
+          <a:off x="0" y="0"/>
+          <a:ext cx="0" cy="0"/>
+          <a:chOff x="0" y="0"/>
+          <a:chExt cx="0" cy="0"/>
+        </a:xfrm>
+      </p:grpSpPr>
+      <p:sp>
+        <p:nvSpPr>
+          <p:cNvPr id="139" name="Google Shape;139;p15"/>
+          <p:cNvSpPr txBox="1">
+            <a:spLocks noGrp="1"/>
+          </p:cNvSpPr>
+          <p:nvPr>
+            <p:ph type="title"/>
+          </p:nvPr>
+        </p:nvSpPr>
+        <p:spPr>
+          <a:xfrm>
+            <a:off x="668425" y="543225"/>
+            <a:ext cx="7505700" cy="954600"/>
+          </a:xfrm>
+          <a:prstGeom prst="rect">
+            <a:avLst/>
+          </a:prstGeom>
+        </p:spPr>
+        <p:txBody>
+          <a:bodyPr spcFirstLastPara="1" wrap="square" lIns="91425" tIns="91425" rIns="91425" bIns="91425" anchor="ctr" anchorCtr="0">
+            <a:normAutofit fontScale="90000"/>
+          </a:bodyPr>
+          <a:lstStyle/>
+          <a:p>
+            <a:pPr marL="0" lvl="0" indent="0" algn="l" rtl="0">
+              <a:lnSpc>
+                <a:spcPct val="115000"/>
+              </a:lnSpc>
+              <a:spcBef>
+                <a:spcPts val="1200"/>
+              </a:spcBef>
+              <a:spcAft>
+                <a:spcPts val="1200"/>
+              </a:spcAft>
+              <a:buClr>
+                <a:schemeClr val="dk1"/>
+              </a:buClr>
+              <a:buSzPts val="1100"/>
+              <a:buFont typeface="Arial"/>
+              <a:buNone/>
+            </a:pPr>
+            <a:r>
+              <a:rPr lang="es" sz="2300" dirty="0">
+                <a:solidFill>
+                  <a:srgbClr val="1F1F1F"/>
+                </a:solidFill>
+                <a:latin typeface="Georgia"/>
+                <a:ea typeface="Georgia"/>
+                <a:cs typeface="Georgia"/>
+                <a:sym typeface="Georgia"/>
+              </a:rPr>
+              <a:t>Diagnosis of skin cancer using machine learning techniques</a:t>
+            </a:r>
+            <a:endParaRPr dirty="0"/>
+          </a:p>
+        </p:txBody>
+      </p:sp>
+      <p:sp>
+        <p:nvSpPr>
+          <p:cNvPr id="140" name="Google Shape;140;p15"/>
+          <p:cNvSpPr txBox="1">
+            <a:spLocks noGrp="1"/>
+          </p:cNvSpPr>
+          <p:nvPr>
+            <p:ph type="body" idx="1"/>
+          </p:nvPr>
+        </p:nvSpPr>
+        <p:spPr>
+          <a:xfrm>
+            <a:off x="464100" y="1497825"/>
+            <a:ext cx="4260300" cy="3301200"/>
+          </a:xfrm>
+          <a:prstGeom prst="rect">
+            <a:avLst/>
+          </a:prstGeom>
+        </p:spPr>
+        <p:txBody>
+          <a:bodyPr spcFirstLastPara="1" wrap="square" lIns="91425" tIns="91425" rIns="91425" bIns="91425" anchor="t" anchorCtr="0">
+            <a:normAutofit/>
+          </a:bodyPr>
+          <a:lstStyle/>
+          <a:p>
+            <a:pPr marL="0" lvl="0" indent="0" algn="l" rtl="0">
+              <a:lnSpc>
+                <a:spcPct val="100000"/>
+              </a:lnSpc>
+              <a:spcBef>
+                <a:spcPts val="0"/>
+              </a:spcBef>
+              <a:spcAft>
+                <a:spcPts val="0"/>
+              </a:spcAft>
+              <a:buNone/>
+            </a:pPr>
+            <a:r>
+              <a:rPr lang="es" sz="1200" dirty="0">
+                <a:solidFill>
+                  <a:srgbClr val="1F1F1F"/>
+                </a:solidFill>
+              </a:rPr>
+              <a:t>Autor: </a:t>
+            </a:r>
+          </a:p>
+          <a:p>
+            <a:pPr marL="0" lvl="0" indent="0" algn="l" rtl="0">
+              <a:lnSpc>
+                <a:spcPct val="100000"/>
+              </a:lnSpc>
+              <a:spcBef>
+                <a:spcPts val="0"/>
+              </a:spcBef>
+              <a:spcAft>
+                <a:spcPts val="0"/>
+              </a:spcAft>
+              <a:buNone/>
+            </a:pPr>
+            <a:r>
+              <a:rPr lang="es" sz="1200" dirty="0">
+                <a:solidFill>
+                  <a:srgbClr val="1F1F1F"/>
+                </a:solidFill>
+              </a:rPr>
+              <a:t>Año:</a:t>
+            </a:r>
+            <a:endParaRPr sz="1200" dirty="0">
+              <a:solidFill>
+                <a:srgbClr val="1F1F1F"/>
+              </a:solidFill>
+            </a:endParaRPr>
+          </a:p>
+          <a:p>
+            <a:pPr marL="0" lvl="0" indent="0" algn="l" rtl="0">
+              <a:lnSpc>
+                <a:spcPct val="100000"/>
+              </a:lnSpc>
+              <a:spcBef>
+                <a:spcPts val="0"/>
+              </a:spcBef>
+              <a:spcAft>
+                <a:spcPts val="0"/>
+              </a:spcAft>
+              <a:buNone/>
+            </a:pPr>
+            <a:r>
+              <a:rPr lang="es" sz="1200" dirty="0">
+                <a:solidFill>
+                  <a:srgbClr val="1F1F1F"/>
+                </a:solidFill>
+              </a:rPr>
+              <a:t>Técnica: </a:t>
+            </a:r>
+          </a:p>
+          <a:p>
+            <a:pPr marL="0" lvl="0" indent="0" algn="l" rtl="0">
+              <a:lnSpc>
+                <a:spcPct val="100000"/>
+              </a:lnSpc>
+              <a:spcBef>
+                <a:spcPts val="0"/>
+              </a:spcBef>
+              <a:spcAft>
+                <a:spcPts val="0"/>
+              </a:spcAft>
+              <a:buNone/>
+            </a:pPr>
+            <a:endParaRPr sz="1200" dirty="0">
+              <a:solidFill>
+                <a:srgbClr val="1F1F1F"/>
+              </a:solidFill>
+            </a:endParaRPr>
+          </a:p>
+          <a:p>
+            <a:pPr marL="0" lvl="0" indent="0" algn="l" rtl="0">
+              <a:lnSpc>
+                <a:spcPct val="100000"/>
+              </a:lnSpc>
+              <a:spcBef>
+                <a:spcPts val="0"/>
+              </a:spcBef>
+              <a:spcAft>
+                <a:spcPts val="0"/>
+              </a:spcAft>
+              <a:buNone/>
+            </a:pPr>
+            <a:r>
+              <a:rPr lang="es" sz="1200" dirty="0">
+                <a:solidFill>
+                  <a:srgbClr val="1F1F1F"/>
+                </a:solidFill>
+              </a:rPr>
+              <a:t>Base de datos:</a:t>
+            </a:r>
+            <a:endParaRPr sz="1200" dirty="0">
+              <a:solidFill>
+                <a:srgbClr val="1F1F1F"/>
+              </a:solidFill>
+            </a:endParaRPr>
+          </a:p>
+          <a:p>
+            <a:pPr marL="0" lvl="0" indent="0" algn="l" rtl="0">
+              <a:lnSpc>
+                <a:spcPct val="100000"/>
+              </a:lnSpc>
+              <a:spcBef>
+                <a:spcPts val="0"/>
+              </a:spcBef>
+              <a:spcAft>
+                <a:spcPts val="0"/>
+              </a:spcAft>
+              <a:buNone/>
+            </a:pPr>
+            <a:endParaRPr sz="1200" dirty="0">
+              <a:solidFill>
+                <a:srgbClr val="1F1F1F"/>
+              </a:solidFill>
+            </a:endParaRPr>
+          </a:p>
+          <a:p>
+            <a:pPr marL="0" lvl="0" indent="0" algn="l" rtl="0">
+              <a:lnSpc>
+                <a:spcPct val="100000"/>
+              </a:lnSpc>
+              <a:spcBef>
+                <a:spcPts val="0"/>
+              </a:spcBef>
+              <a:spcAft>
+                <a:spcPts val="0"/>
+              </a:spcAft>
+              <a:buNone/>
+            </a:pPr>
+            <a:endParaRPr sz="1200" dirty="0">
+              <a:solidFill>
+                <a:schemeClr val="dk1"/>
+              </a:solidFill>
+            </a:endParaRPr>
+          </a:p>
+        </p:txBody>
+      </p:sp>
+      <p:sp>
+        <p:nvSpPr>
+          <p:cNvPr id="141" name="Google Shape;141;p15"/>
+          <p:cNvSpPr txBox="1">
+            <a:spLocks noGrp="1"/>
+          </p:cNvSpPr>
+          <p:nvPr>
+            <p:ph type="body" idx="1"/>
+          </p:nvPr>
+        </p:nvSpPr>
+        <p:spPr>
+          <a:xfrm>
+            <a:off x="311700" y="4695225"/>
+            <a:ext cx="8520600" cy="369600"/>
+          </a:xfrm>
+          <a:prstGeom prst="rect">
+            <a:avLst/>
+          </a:prstGeom>
+        </p:spPr>
+        <p:txBody>
+          <a:bodyPr spcFirstLastPara="1" wrap="square" lIns="91425" tIns="91425" rIns="91425" bIns="91425" anchor="t" anchorCtr="0">
+            <a:noAutofit/>
+          </a:bodyPr>
+          <a:lstStyle/>
+          <a:p>
+            <a:pPr marL="0" lvl="0" indent="0" algn="l" rtl="0">
+              <a:lnSpc>
+                <a:spcPct val="100000"/>
+              </a:lnSpc>
+              <a:spcBef>
+                <a:spcPts val="0"/>
+              </a:spcBef>
+              <a:spcAft>
+                <a:spcPts val="0"/>
+              </a:spcAft>
+              <a:buNone/>
+            </a:pPr>
+            <a:r>
+              <a:rPr lang="es" sz="1000">
+                <a:solidFill>
+                  <a:schemeClr val="dk1"/>
+                </a:solidFill>
+              </a:rPr>
+              <a:t>https://www.sciencedirect.com/science/article/pii/S0141933120308723</a:t>
+            </a:r>
+            <a:endParaRPr sz="1000">
+              <a:solidFill>
+                <a:srgbClr val="111A37"/>
+              </a:solidFill>
+            </a:endParaRPr>
+          </a:p>
+          <a:p>
+            <a:pPr marL="0" lvl="0" indent="0" algn="l" rtl="0">
+              <a:spcBef>
+                <a:spcPts val="0"/>
+              </a:spcBef>
+              <a:spcAft>
+                <a:spcPts val="1200"/>
+              </a:spcAft>
+              <a:buNone/>
+            </a:pPr>
+            <a:endParaRPr sz="1000"/>
+          </a:p>
+        </p:txBody>
+      </p:sp>
+    </p:spTree>
+    <p:extLst>
+      <p:ext uri="{BB962C8B-B14F-4D97-AF65-F5344CB8AC3E}">
+        <p14:creationId xmlns:p14="http://schemas.microsoft.com/office/powerpoint/2010/main" val="2865977556"/>
       </p:ext>
     </p:extLst>
   </p:cSld>
@@ -11550,7 +11291,7 @@
               <a:buNone/>
             </a:pPr>
             <a:r>
-              <a:rPr lang="es" sz="1200" dirty="0">
+              <a:rPr lang="es-MX" sz="1200" dirty="0">
                 <a:solidFill>
                   <a:srgbClr val="1F1F1F"/>
                 </a:solidFill>
@@ -11572,14 +11313,50 @@
               <a:buNone/>
             </a:pPr>
             <a:r>
-              <a:rPr lang="es" sz="1200" dirty="0">
+              <a:rPr lang="es-MX" sz="1200" dirty="0">
                 <a:solidFill>
                   <a:srgbClr val="1F1F1F"/>
                 </a:solidFill>
               </a:rPr>
               <a:t>Año:</a:t>
             </a:r>
-            <a:endParaRPr sz="1200" dirty="0">
+          </a:p>
+          <a:p>
+            <a:pPr marL="0" lvl="0" indent="0" algn="l" rtl="0">
+              <a:lnSpc>
+                <a:spcPct val="100000"/>
+              </a:lnSpc>
+              <a:spcBef>
+                <a:spcPts val="0"/>
+              </a:spcBef>
+              <a:spcAft>
+                <a:spcPts val="0"/>
+              </a:spcAft>
+              <a:buNone/>
+            </a:pPr>
+            <a:r>
+              <a:rPr lang="es-MX" sz="1200" dirty="0">
+                <a:solidFill>
+                  <a:srgbClr val="1F1F1F"/>
+                </a:solidFill>
+              </a:rPr>
+              <a:t>Técnica: </a:t>
+            </a:r>
+          </a:p>
+          <a:p>
+            <a:pPr marL="0" lvl="0" indent="0" algn="l" rtl="0">
+              <a:lnSpc>
+                <a:spcPct val="100000"/>
+              </a:lnSpc>
+              <a:spcBef>
+                <a:spcPts val="0"/>
+              </a:spcBef>
+              <a:spcAft>
+                <a:spcPts val="0"/>
+              </a:spcAft>
+              <a:buNone/>
+            </a:pPr>
+            <a:endParaRPr lang="es-MX" sz="1200" dirty="0">
               <a:solidFill>
                 <a:srgbClr val="1F1F1F"/>
               </a:solidFill>
@@ -11599,78 +11376,13 @@
               <a:buNone/>
             </a:pPr>
             <a:r>
-              <a:rPr lang="es" sz="1200" dirty="0">
-                <a:solidFill>
-                  <a:srgbClr val="1F1F1F"/>
-                </a:solidFill>
-              </a:rPr>
-              <a:t>Técnica: </a:t>
-            </a:r>
-          </a:p>
-          <a:p>
-            <a:pPr marL="0" lvl="0" indent="0" algn="l" rtl="0">
-              <a:lnSpc>
-                <a:spcPct val="100000"/>
-              </a:lnSpc>
-              <a:spcBef>
-                <a:spcPts val="0"/>
-              </a:spcBef>
-              <a:spcAft>
-                <a:spcPts val="0"/>
-              </a:spcAft>
-              <a:buNone/>
-            </a:pPr>
-            <a:endParaRPr sz="1200" dirty="0">
-              <a:solidFill>
-                <a:srgbClr val="1F1F1F"/>
-              </a:solidFill>
-            </a:endParaRPr>
-          </a:p>
-          <a:p>
-            <a:pPr marL="0" lvl="0" indent="0" algn="l" rtl="0">
-              <a:lnSpc>
-                <a:spcPct val="100000"/>
-              </a:lnSpc>
-              <a:spcBef>
-                <a:spcPts val="0"/>
-              </a:spcBef>
-              <a:spcAft>
-                <a:spcPts val="0"/>
-              </a:spcAft>
-              <a:buNone/>
-            </a:pPr>
-            <a:r>
-              <a:rPr lang="es" sz="1200" dirty="0">
+              <a:rPr lang="es-MX" sz="1200" dirty="0">
                 <a:solidFill>
                   <a:srgbClr val="1F1F1F"/>
                 </a:solidFill>
               </a:rPr>
               <a:t>Base de datos:</a:t>
             </a:r>
-            <a:endParaRPr sz="1200" dirty="0">
-              <a:solidFill>
-                <a:srgbClr val="1F1F1F"/>
-              </a:solidFill>
-            </a:endParaRPr>
-          </a:p>
-          <a:p>
-            <a:pPr marL="0" lvl="0" indent="0" algn="l" rtl="0">
-              <a:lnSpc>
-                <a:spcPct val="100000"/>
-              </a:lnSpc>
-              <a:spcBef>
-                <a:spcPts val="0"/>
-              </a:spcBef>
-              <a:spcAft>
-                <a:spcPts val="0"/>
-              </a:spcAft>
-              <a:buNone/>
-            </a:pPr>
-            <a:endParaRPr sz="1200" dirty="0">
-              <a:solidFill>
-                <a:srgbClr val="1F1F1F"/>
-              </a:solidFill>
-            </a:endParaRPr>
           </a:p>
           <a:p>
             <a:pPr marL="0" lvl="0" indent="0" algn="l" rtl="0">
@@ -11761,7 +11473,7 @@
     </p:spTree>
     <p:extLst>
       <p:ext uri="{BB962C8B-B14F-4D97-AF65-F5344CB8AC3E}">
-        <p14:creationId xmlns:p14="http://schemas.microsoft.com/office/powerpoint/2010/main" val="2865977556"/>
+        <p14:creationId xmlns:p14="http://schemas.microsoft.com/office/powerpoint/2010/main" val="2592495460"/>
       </p:ext>
     </p:extLst>
   </p:cSld>
@@ -12066,7 +11778,7 @@
     </p:spTree>
     <p:extLst>
       <p:ext uri="{BB962C8B-B14F-4D97-AF65-F5344CB8AC3E}">
-        <p14:creationId xmlns:p14="http://schemas.microsoft.com/office/powerpoint/2010/main" val="2592495460"/>
+        <p14:creationId xmlns:p14="http://schemas.microsoft.com/office/powerpoint/2010/main" val="2700049383"/>
       </p:ext>
     </p:extLst>
   </p:cSld>
@@ -12371,7 +12083,7 @@
     </p:spTree>
     <p:extLst>
       <p:ext uri="{BB962C8B-B14F-4D97-AF65-F5344CB8AC3E}">
-        <p14:creationId xmlns:p14="http://schemas.microsoft.com/office/powerpoint/2010/main" val="2700049383"/>
+        <p14:creationId xmlns:p14="http://schemas.microsoft.com/office/powerpoint/2010/main" val="515083505"/>
       </p:ext>
     </p:extLst>
   </p:cSld>
@@ -12676,7 +12388,7 @@
     </p:spTree>
     <p:extLst>
       <p:ext uri="{BB962C8B-B14F-4D97-AF65-F5344CB8AC3E}">
-        <p14:creationId xmlns:p14="http://schemas.microsoft.com/office/powerpoint/2010/main" val="515083505"/>
+        <p14:creationId xmlns:p14="http://schemas.microsoft.com/office/powerpoint/2010/main" val="3264631333"/>
       </p:ext>
     </p:extLst>
   </p:cSld>
@@ -12687,311 +12399,6 @@
 </file>
 
 <file path=ppt/slides/slide17.xml><?xml version="1.0" encoding="utf-8"?>
-<p:sld xmlns:a="http://schemas.openxmlformats.org/drawingml/2006/main" xmlns:r="http://schemas.openxmlformats.org/officeDocument/2006/relationships" xmlns:p="http://schemas.openxmlformats.org/presentationml/2006/main">
-  <p:cSld>
-    <p:spTree>
-      <p:nvGrpSpPr>
-        <p:cNvPr id="1" name="Shape 138"/>
-        <p:cNvGrpSpPr/>
-        <p:nvPr/>
-      </p:nvGrpSpPr>
-      <p:grpSpPr>
-        <a:xfrm>
-          <a:off x="0" y="0"/>
-          <a:ext cx="0" cy="0"/>
-          <a:chOff x="0" y="0"/>
-          <a:chExt cx="0" cy="0"/>
-        </a:xfrm>
-      </p:grpSpPr>
-      <p:sp>
-        <p:nvSpPr>
-          <p:cNvPr id="139" name="Google Shape;139;p15"/>
-          <p:cNvSpPr txBox="1">
-            <a:spLocks noGrp="1"/>
-          </p:cNvSpPr>
-          <p:nvPr>
-            <p:ph type="title"/>
-          </p:nvPr>
-        </p:nvSpPr>
-        <p:spPr>
-          <a:xfrm>
-            <a:off x="668425" y="543225"/>
-            <a:ext cx="7505700" cy="954600"/>
-          </a:xfrm>
-          <a:prstGeom prst="rect">
-            <a:avLst/>
-          </a:prstGeom>
-        </p:spPr>
-        <p:txBody>
-          <a:bodyPr spcFirstLastPara="1" wrap="square" lIns="91425" tIns="91425" rIns="91425" bIns="91425" anchor="ctr" anchorCtr="0">
-            <a:normAutofit fontScale="90000"/>
-          </a:bodyPr>
-          <a:lstStyle/>
-          <a:p>
-            <a:pPr marL="0" lvl="0" indent="0" algn="l" rtl="0">
-              <a:lnSpc>
-                <a:spcPct val="115000"/>
-              </a:lnSpc>
-              <a:spcBef>
-                <a:spcPts val="1200"/>
-              </a:spcBef>
-              <a:spcAft>
-                <a:spcPts val="1200"/>
-              </a:spcAft>
-              <a:buClr>
-                <a:schemeClr val="dk1"/>
-              </a:buClr>
-              <a:buSzPts val="1100"/>
-              <a:buFont typeface="Arial"/>
-              <a:buNone/>
-            </a:pPr>
-            <a:r>
-              <a:rPr lang="es" sz="2300" dirty="0">
-                <a:solidFill>
-                  <a:srgbClr val="1F1F1F"/>
-                </a:solidFill>
-                <a:latin typeface="Georgia"/>
-                <a:ea typeface="Georgia"/>
-                <a:cs typeface="Georgia"/>
-                <a:sym typeface="Georgia"/>
-              </a:rPr>
-              <a:t>Diagnosis of skin cancer using machine learning techniques</a:t>
-            </a:r>
-            <a:endParaRPr dirty="0"/>
-          </a:p>
-        </p:txBody>
-      </p:sp>
-      <p:sp>
-        <p:nvSpPr>
-          <p:cNvPr id="140" name="Google Shape;140;p15"/>
-          <p:cNvSpPr txBox="1">
-            <a:spLocks noGrp="1"/>
-          </p:cNvSpPr>
-          <p:nvPr>
-            <p:ph type="body" idx="1"/>
-          </p:nvPr>
-        </p:nvSpPr>
-        <p:spPr>
-          <a:xfrm>
-            <a:off x="464100" y="1497825"/>
-            <a:ext cx="4260300" cy="3301200"/>
-          </a:xfrm>
-          <a:prstGeom prst="rect">
-            <a:avLst/>
-          </a:prstGeom>
-        </p:spPr>
-        <p:txBody>
-          <a:bodyPr spcFirstLastPara="1" wrap="square" lIns="91425" tIns="91425" rIns="91425" bIns="91425" anchor="t" anchorCtr="0">
-            <a:normAutofit/>
-          </a:bodyPr>
-          <a:lstStyle/>
-          <a:p>
-            <a:pPr marL="0" lvl="0" indent="0" algn="l" rtl="0">
-              <a:lnSpc>
-                <a:spcPct val="100000"/>
-              </a:lnSpc>
-              <a:spcBef>
-                <a:spcPts val="0"/>
-              </a:spcBef>
-              <a:spcAft>
-                <a:spcPts val="0"/>
-              </a:spcAft>
-              <a:buNone/>
-            </a:pPr>
-            <a:r>
-              <a:rPr lang="es-MX" sz="1200" dirty="0">
-                <a:solidFill>
-                  <a:srgbClr val="1F1F1F"/>
-                </a:solidFill>
-              </a:rPr>
-              <a:t>Autor: </a:t>
-            </a:r>
-          </a:p>
-          <a:p>
-            <a:pPr marL="0" lvl="0" indent="0" algn="l" rtl="0">
-              <a:lnSpc>
-                <a:spcPct val="100000"/>
-              </a:lnSpc>
-              <a:spcBef>
-                <a:spcPts val="0"/>
-              </a:spcBef>
-              <a:spcAft>
-                <a:spcPts val="0"/>
-              </a:spcAft>
-              <a:buNone/>
-            </a:pPr>
-            <a:r>
-              <a:rPr lang="es-MX" sz="1200" dirty="0">
-                <a:solidFill>
-                  <a:srgbClr val="1F1F1F"/>
-                </a:solidFill>
-              </a:rPr>
-              <a:t>Año:</a:t>
-            </a:r>
-          </a:p>
-          <a:p>
-            <a:pPr marL="0" lvl="0" indent="0" algn="l" rtl="0">
-              <a:lnSpc>
-                <a:spcPct val="100000"/>
-              </a:lnSpc>
-              <a:spcBef>
-                <a:spcPts val="0"/>
-              </a:spcBef>
-              <a:spcAft>
-                <a:spcPts val="0"/>
-              </a:spcAft>
-              <a:buNone/>
-            </a:pPr>
-            <a:r>
-              <a:rPr lang="es-MX" sz="1200" dirty="0">
-                <a:solidFill>
-                  <a:srgbClr val="1F1F1F"/>
-                </a:solidFill>
-              </a:rPr>
-              <a:t>Técnica: </a:t>
-            </a:r>
-          </a:p>
-          <a:p>
-            <a:pPr marL="0" lvl="0" indent="0" algn="l" rtl="0">
-              <a:lnSpc>
-                <a:spcPct val="100000"/>
-              </a:lnSpc>
-              <a:spcBef>
-                <a:spcPts val="0"/>
-              </a:spcBef>
-              <a:spcAft>
-                <a:spcPts val="0"/>
-              </a:spcAft>
-              <a:buNone/>
-            </a:pPr>
-            <a:endParaRPr lang="es-MX" sz="1200" dirty="0">
-              <a:solidFill>
-                <a:srgbClr val="1F1F1F"/>
-              </a:solidFill>
-            </a:endParaRPr>
-          </a:p>
-          <a:p>
-            <a:pPr marL="0" lvl="0" indent="0" algn="l" rtl="0">
-              <a:lnSpc>
-                <a:spcPct val="100000"/>
-              </a:lnSpc>
-              <a:spcBef>
-                <a:spcPts val="0"/>
-              </a:spcBef>
-              <a:spcAft>
-                <a:spcPts val="0"/>
-              </a:spcAft>
-              <a:buNone/>
-            </a:pPr>
-            <a:r>
-              <a:rPr lang="es-MX" sz="1200" dirty="0">
-                <a:solidFill>
-                  <a:srgbClr val="1F1F1F"/>
-                </a:solidFill>
-              </a:rPr>
-              <a:t>Base de datos:</a:t>
-            </a:r>
-          </a:p>
-          <a:p>
-            <a:pPr marL="0" lvl="0" indent="0" algn="l" rtl="0">
-              <a:lnSpc>
-                <a:spcPct val="100000"/>
-              </a:lnSpc>
-              <a:spcBef>
-                <a:spcPts val="0"/>
-              </a:spcBef>
-              <a:spcAft>
-                <a:spcPts val="0"/>
-              </a:spcAft>
-              <a:buNone/>
-            </a:pPr>
-            <a:endParaRPr sz="1200" dirty="0">
-              <a:solidFill>
-                <a:schemeClr val="dk1"/>
-              </a:solidFill>
-            </a:endParaRPr>
-          </a:p>
-        </p:txBody>
-      </p:sp>
-      <p:sp>
-        <p:nvSpPr>
-          <p:cNvPr id="141" name="Google Shape;141;p15"/>
-          <p:cNvSpPr txBox="1">
-            <a:spLocks noGrp="1"/>
-          </p:cNvSpPr>
-          <p:nvPr>
-            <p:ph type="body" idx="1"/>
-          </p:nvPr>
-        </p:nvSpPr>
-        <p:spPr>
-          <a:xfrm>
-            <a:off x="311700" y="4695225"/>
-            <a:ext cx="8520600" cy="369600"/>
-          </a:xfrm>
-          <a:prstGeom prst="rect">
-            <a:avLst/>
-          </a:prstGeom>
-        </p:spPr>
-        <p:txBody>
-          <a:bodyPr spcFirstLastPara="1" wrap="square" lIns="91425" tIns="91425" rIns="91425" bIns="91425" anchor="t" anchorCtr="0">
-            <a:noAutofit/>
-          </a:bodyPr>
-          <a:lstStyle/>
-          <a:p>
-            <a:pPr marL="0" lvl="0" indent="0" algn="l" rtl="0">
-              <a:lnSpc>
-                <a:spcPct val="100000"/>
-              </a:lnSpc>
-              <a:spcBef>
-                <a:spcPts val="0"/>
-              </a:spcBef>
-              <a:spcAft>
-                <a:spcPts val="0"/>
-              </a:spcAft>
-              <a:buNone/>
-            </a:pPr>
-            <a:r>
-              <a:rPr lang="es" sz="1000">
-                <a:solidFill>
-                  <a:schemeClr val="dk1"/>
-                </a:solidFill>
-              </a:rPr>
-              <a:t>https://www.sciencedirect.com/science/article/pii/S0141933120308723</a:t>
-            </a:r>
-            <a:endParaRPr sz="1000">
-              <a:solidFill>
-                <a:srgbClr val="111A37"/>
-              </a:solidFill>
-            </a:endParaRPr>
-          </a:p>
-          <a:p>
-            <a:pPr marL="0" lvl="0" indent="0" algn="l" rtl="0">
-              <a:spcBef>
-                <a:spcPts val="0"/>
-              </a:spcBef>
-              <a:spcAft>
-                <a:spcPts val="1200"/>
-              </a:spcAft>
-              <a:buNone/>
-            </a:pPr>
-            <a:endParaRPr sz="1000"/>
-          </a:p>
-        </p:txBody>
-      </p:sp>
-    </p:spTree>
-    <p:extLst>
-      <p:ext uri="{BB962C8B-B14F-4D97-AF65-F5344CB8AC3E}">
-        <p14:creationId xmlns:p14="http://schemas.microsoft.com/office/powerpoint/2010/main" val="3264631333"/>
-      </p:ext>
-    </p:extLst>
-  </p:cSld>
-  <p:clrMapOvr>
-    <a:masterClrMapping/>
-  </p:clrMapOvr>
-</p:sld>
-</file>
-
-<file path=ppt/slides/slide18.xml><?xml version="1.0" encoding="utf-8"?>
 <p:sld xmlns:a="http://schemas.openxmlformats.org/drawingml/2006/main" xmlns:r="http://schemas.openxmlformats.org/officeDocument/2006/relationships" xmlns:p="http://schemas.openxmlformats.org/presentationml/2006/main">
   <p:cSld>
     <p:spTree>
@@ -18927,123 +18334,6 @@
   <p:cSld>
     <p:spTree>
       <p:nvGrpSpPr>
-        <p:cNvPr id="1" name="Shape 132"/>
-        <p:cNvGrpSpPr/>
-        <p:nvPr/>
-      </p:nvGrpSpPr>
-      <p:grpSpPr>
-        <a:xfrm>
-          <a:off x="0" y="0"/>
-          <a:ext cx="0" cy="0"/>
-          <a:chOff x="0" y="0"/>
-          <a:chExt cx="0" cy="0"/>
-        </a:xfrm>
-      </p:grpSpPr>
-      <p:sp>
-        <p:nvSpPr>
-          <p:cNvPr id="133" name="Google Shape;133;p14"/>
-          <p:cNvSpPr txBox="1">
-            <a:spLocks noGrp="1"/>
-          </p:cNvSpPr>
-          <p:nvPr>
-            <p:ph type="title"/>
-          </p:nvPr>
-        </p:nvSpPr>
-        <p:spPr>
-          <a:xfrm>
-            <a:off x="819150" y="845600"/>
-            <a:ext cx="7505700" cy="954600"/>
-          </a:xfrm>
-          <a:prstGeom prst="rect">
-            <a:avLst/>
-          </a:prstGeom>
-        </p:spPr>
-        <p:txBody>
-          <a:bodyPr spcFirstLastPara="1" wrap="square" lIns="91425" tIns="91425" rIns="91425" bIns="91425" anchor="t" anchorCtr="0">
-            <a:normAutofit/>
-          </a:bodyPr>
-          <a:lstStyle/>
-          <a:p>
-            <a:pPr marL="0" lvl="0" indent="0" algn="l" rtl="0">
-              <a:spcBef>
-                <a:spcPts val="0"/>
-              </a:spcBef>
-              <a:spcAft>
-                <a:spcPts val="0"/>
-              </a:spcAft>
-              <a:buNone/>
-            </a:pPr>
-            <a:r>
-              <a:rPr lang="es"/>
-              <a:t>Problema</a:t>
-            </a:r>
-            <a:endParaRPr/>
-          </a:p>
-        </p:txBody>
-      </p:sp>
-      <p:sp>
-        <p:nvSpPr>
-          <p:cNvPr id="134" name="Google Shape;134;p14"/>
-          <p:cNvSpPr txBox="1">
-            <a:spLocks noGrp="1"/>
-          </p:cNvSpPr>
-          <p:nvPr>
-            <p:ph type="body" idx="1"/>
-          </p:nvPr>
-        </p:nvSpPr>
-        <p:spPr>
-          <a:xfrm>
-            <a:off x="819150" y="1990725"/>
-            <a:ext cx="7505700" cy="2448000"/>
-          </a:xfrm>
-          <a:prstGeom prst="rect">
-            <a:avLst/>
-          </a:prstGeom>
-        </p:spPr>
-        <p:txBody>
-          <a:bodyPr spcFirstLastPara="1" wrap="square" lIns="91425" tIns="91425" rIns="91425" bIns="91425" anchor="t" anchorCtr="0">
-            <a:normAutofit/>
-          </a:bodyPr>
-          <a:lstStyle/>
-          <a:p>
-            <a:pPr marL="0" lvl="0" indent="0" algn="l" rtl="0">
-              <a:spcBef>
-                <a:spcPts val="1200"/>
-              </a:spcBef>
-              <a:spcAft>
-                <a:spcPts val="1200"/>
-              </a:spcAft>
-              <a:buNone/>
-            </a:pPr>
-            <a:r>
-              <a:rPr lang="es" sz="1400">
-                <a:solidFill>
-                  <a:srgbClr val="111A37"/>
-                </a:solidFill>
-              </a:rPr>
-              <a:t>La detección temprana del cáncer a una persona puede ser la gran diferencia entre la vida y la muerte. Teniendo en cuenta que el cáncer de piel es uno de los más comunes a nivel mundial, es imperativo que reciban un tratamiento a tiempo con el fin de aumentar sus probabilidades de supervivencia. No obstante, los métodos tradicionales de diagnóstico pueden ser ineficientes y necesitar la experiencia de un dermatólogo especialista en el tema debido a que existe un margen de error.</a:t>
-            </a:r>
-            <a:endParaRPr sz="1400">
-              <a:solidFill>
-                <a:srgbClr val="111A37"/>
-              </a:solidFill>
-            </a:endParaRPr>
-          </a:p>
-        </p:txBody>
-      </p:sp>
-    </p:spTree>
-  </p:cSld>
-  <p:clrMapOvr>
-    <a:masterClrMapping/>
-  </p:clrMapOvr>
-</p:sld>
-</file>
-
-<file path=ppt/slides/slide9.xml><?xml version="1.0" encoding="utf-8"?>
-<p:sld xmlns:a="http://schemas.openxmlformats.org/drawingml/2006/main" xmlns:r="http://schemas.openxmlformats.org/officeDocument/2006/relationships" xmlns:p="http://schemas.openxmlformats.org/presentationml/2006/main">
-  <p:cSld>
-    <p:spTree>
-      <p:nvGrpSpPr>
         <p:cNvPr id="1" name=""/>
         <p:cNvGrpSpPr/>
         <p:nvPr/>
@@ -19097,6 +18387,494 @@
         <p14:creationId xmlns:p14="http://schemas.microsoft.com/office/powerpoint/2010/main" val="4048659295"/>
       </p:ext>
     </p:extLst>
+  </p:cSld>
+  <p:clrMapOvr>
+    <a:masterClrMapping/>
+  </p:clrMapOvr>
+</p:sld>
+</file>
+
+<file path=ppt/slides/slide9.xml><?xml version="1.0" encoding="utf-8"?>
+<p:sld xmlns:a="http://schemas.openxmlformats.org/drawingml/2006/main" xmlns:r="http://schemas.openxmlformats.org/officeDocument/2006/relationships" xmlns:p="http://schemas.openxmlformats.org/presentationml/2006/main">
+  <p:cSld>
+    <p:spTree>
+      <p:nvGrpSpPr>
+        <p:cNvPr id="1" name="Shape 138"/>
+        <p:cNvGrpSpPr/>
+        <p:nvPr/>
+      </p:nvGrpSpPr>
+      <p:grpSpPr>
+        <a:xfrm>
+          <a:off x="0" y="0"/>
+          <a:ext cx="0" cy="0"/>
+          <a:chOff x="0" y="0"/>
+          <a:chExt cx="0" cy="0"/>
+        </a:xfrm>
+      </p:grpSpPr>
+      <p:sp>
+        <p:nvSpPr>
+          <p:cNvPr id="139" name="Google Shape;139;p15"/>
+          <p:cNvSpPr txBox="1">
+            <a:spLocks noGrp="1"/>
+          </p:cNvSpPr>
+          <p:nvPr>
+            <p:ph type="title"/>
+          </p:nvPr>
+        </p:nvSpPr>
+        <p:spPr>
+          <a:xfrm>
+            <a:off x="668425" y="543225"/>
+            <a:ext cx="7505700" cy="954600"/>
+          </a:xfrm>
+          <a:prstGeom prst="rect">
+            <a:avLst/>
+          </a:prstGeom>
+        </p:spPr>
+        <p:txBody>
+          <a:bodyPr spcFirstLastPara="1" wrap="square" lIns="91425" tIns="91425" rIns="91425" bIns="91425" anchor="ctr" anchorCtr="0">
+            <a:normAutofit fontScale="90000"/>
+          </a:bodyPr>
+          <a:lstStyle/>
+          <a:p>
+            <a:pPr marL="0" lvl="0" indent="0" algn="l" rtl="0">
+              <a:lnSpc>
+                <a:spcPct val="115000"/>
+              </a:lnSpc>
+              <a:spcBef>
+                <a:spcPts val="1200"/>
+              </a:spcBef>
+              <a:spcAft>
+                <a:spcPts val="1200"/>
+              </a:spcAft>
+              <a:buClr>
+                <a:schemeClr val="dk1"/>
+              </a:buClr>
+              <a:buSzPts val="1100"/>
+              <a:buFont typeface="Arial"/>
+              <a:buNone/>
+            </a:pPr>
+            <a:r>
+              <a:rPr lang="es" sz="2300" dirty="0">
+                <a:solidFill>
+                  <a:srgbClr val="1F1F1F"/>
+                </a:solidFill>
+                <a:latin typeface="Georgia"/>
+                <a:ea typeface="Georgia"/>
+                <a:cs typeface="Georgia"/>
+                <a:sym typeface="Georgia"/>
+              </a:rPr>
+              <a:t>Diagnosis of skin cancer using machine learning techniques</a:t>
+            </a:r>
+            <a:endParaRPr dirty="0"/>
+          </a:p>
+        </p:txBody>
+      </p:sp>
+      <p:sp>
+        <p:nvSpPr>
+          <p:cNvPr id="140" name="Google Shape;140;p15"/>
+          <p:cNvSpPr txBox="1">
+            <a:spLocks noGrp="1"/>
+          </p:cNvSpPr>
+          <p:nvPr>
+            <p:ph type="body" idx="1"/>
+          </p:nvPr>
+        </p:nvSpPr>
+        <p:spPr>
+          <a:xfrm>
+            <a:off x="464100" y="1497825"/>
+            <a:ext cx="4260300" cy="3301200"/>
+          </a:xfrm>
+          <a:prstGeom prst="rect">
+            <a:avLst/>
+          </a:prstGeom>
+        </p:spPr>
+        <p:txBody>
+          <a:bodyPr spcFirstLastPara="1" wrap="square" lIns="91425" tIns="91425" rIns="91425" bIns="91425" anchor="t" anchorCtr="0">
+            <a:normAutofit/>
+          </a:bodyPr>
+          <a:lstStyle/>
+          <a:p>
+            <a:pPr marL="0" lvl="0" indent="0" algn="l" rtl="0">
+              <a:lnSpc>
+                <a:spcPct val="100000"/>
+              </a:lnSpc>
+              <a:spcBef>
+                <a:spcPts val="0"/>
+              </a:spcBef>
+              <a:spcAft>
+                <a:spcPts val="0"/>
+              </a:spcAft>
+              <a:buNone/>
+            </a:pPr>
+            <a:r>
+              <a:rPr lang="es" sz="1200" dirty="0">
+                <a:solidFill>
+                  <a:srgbClr val="1F1F1F"/>
+                </a:solidFill>
+              </a:rPr>
+              <a:t>Autor: A. Murugan , Dr. S. Anu H Nair, Dr. A. Angelin Peace Preethi, Dr. K. P. Sanal Kumar</a:t>
+            </a:r>
+            <a:endParaRPr sz="1200" dirty="0">
+              <a:solidFill>
+                <a:srgbClr val="1F1F1F"/>
+              </a:solidFill>
+            </a:endParaRPr>
+          </a:p>
+          <a:p>
+            <a:pPr marL="0" lvl="0" indent="0" algn="l" rtl="0">
+              <a:lnSpc>
+                <a:spcPct val="100000"/>
+              </a:lnSpc>
+              <a:spcBef>
+                <a:spcPts val="0"/>
+              </a:spcBef>
+              <a:spcAft>
+                <a:spcPts val="0"/>
+              </a:spcAft>
+              <a:buNone/>
+            </a:pPr>
+            <a:r>
+              <a:rPr lang="es" sz="1200" dirty="0">
+                <a:solidFill>
+                  <a:srgbClr val="1F1F1F"/>
+                </a:solidFill>
+              </a:rPr>
+              <a:t>Año: 2021</a:t>
+            </a:r>
+            <a:endParaRPr sz="1200" dirty="0">
+              <a:solidFill>
+                <a:srgbClr val="1F1F1F"/>
+              </a:solidFill>
+            </a:endParaRPr>
+          </a:p>
+          <a:p>
+            <a:pPr marL="0" lvl="0" indent="0" algn="l" rtl="0">
+              <a:lnSpc>
+                <a:spcPct val="100000"/>
+              </a:lnSpc>
+              <a:spcBef>
+                <a:spcPts val="0"/>
+              </a:spcBef>
+              <a:spcAft>
+                <a:spcPts val="0"/>
+              </a:spcAft>
+              <a:buNone/>
+            </a:pPr>
+            <a:r>
+              <a:rPr lang="es" sz="1200" dirty="0">
+                <a:solidFill>
+                  <a:srgbClr val="1F1F1F"/>
+                </a:solidFill>
+              </a:rPr>
+              <a:t>Técnica: </a:t>
+            </a:r>
+            <a:endParaRPr sz="1200" dirty="0">
+              <a:solidFill>
+                <a:srgbClr val="1F1F1F"/>
+              </a:solidFill>
+            </a:endParaRPr>
+          </a:p>
+          <a:p>
+            <a:pPr marL="457200" lvl="0" indent="-304800" algn="l" rtl="0">
+              <a:lnSpc>
+                <a:spcPct val="100000"/>
+              </a:lnSpc>
+              <a:spcBef>
+                <a:spcPts val="0"/>
+              </a:spcBef>
+              <a:spcAft>
+                <a:spcPts val="0"/>
+              </a:spcAft>
+              <a:buClr>
+                <a:srgbClr val="1F1F1F"/>
+              </a:buClr>
+              <a:buSzPts val="1200"/>
+              <a:buChar char="●"/>
+            </a:pPr>
+            <a:r>
+              <a:rPr lang="es" sz="1200" dirty="0">
+                <a:solidFill>
+                  <a:srgbClr val="1F1F1F"/>
+                </a:solidFill>
+              </a:rPr>
+              <a:t>Preprocesamiento: eliminar el ruido	</a:t>
+            </a:r>
+            <a:endParaRPr sz="1200" dirty="0">
+              <a:solidFill>
+                <a:srgbClr val="1F1F1F"/>
+              </a:solidFill>
+            </a:endParaRPr>
+          </a:p>
+          <a:p>
+            <a:pPr marL="457200" lvl="0" indent="-304800" algn="l" rtl="0">
+              <a:lnSpc>
+                <a:spcPct val="100000"/>
+              </a:lnSpc>
+              <a:spcBef>
+                <a:spcPts val="0"/>
+              </a:spcBef>
+              <a:spcAft>
+                <a:spcPts val="0"/>
+              </a:spcAft>
+              <a:buClr>
+                <a:srgbClr val="1F1F1F"/>
+              </a:buClr>
+              <a:buSzPts val="1200"/>
+              <a:buChar char="●"/>
+            </a:pPr>
+            <a:r>
+              <a:rPr lang="es" sz="1200" dirty="0">
+                <a:solidFill>
+                  <a:srgbClr val="1F1F1F"/>
+                </a:solidFill>
+              </a:rPr>
+              <a:t>Extraccion de caracteristicas usando: GLCM, Moment Invariants and GLRLM</a:t>
+            </a:r>
+            <a:endParaRPr sz="1200" dirty="0">
+              <a:solidFill>
+                <a:srgbClr val="1F1F1F"/>
+              </a:solidFill>
+            </a:endParaRPr>
+          </a:p>
+          <a:p>
+            <a:pPr marL="457200" lvl="0" indent="-304800" algn="l" rtl="0">
+              <a:lnSpc>
+                <a:spcPct val="100000"/>
+              </a:lnSpc>
+              <a:spcBef>
+                <a:spcPts val="0"/>
+              </a:spcBef>
+              <a:spcAft>
+                <a:spcPts val="0"/>
+              </a:spcAft>
+              <a:buClr>
+                <a:srgbClr val="1F1F1F"/>
+              </a:buClr>
+              <a:buSzPts val="1200"/>
+              <a:buChar char="●"/>
+            </a:pPr>
+            <a:r>
+              <a:rPr lang="es" sz="1200" dirty="0">
+                <a:solidFill>
+                  <a:srgbClr val="1F1F1F"/>
+                </a:solidFill>
+              </a:rPr>
+              <a:t>Clasificadores usando: PNN, SVM, Random Forest y SVM + RF</a:t>
+            </a:r>
+            <a:endParaRPr sz="1200" dirty="0">
+              <a:solidFill>
+                <a:srgbClr val="1F1F1F"/>
+              </a:solidFill>
+            </a:endParaRPr>
+          </a:p>
+          <a:p>
+            <a:pPr marL="0" lvl="0" indent="0" algn="l" rtl="0">
+              <a:lnSpc>
+                <a:spcPct val="100000"/>
+              </a:lnSpc>
+              <a:spcBef>
+                <a:spcPts val="0"/>
+              </a:spcBef>
+              <a:spcAft>
+                <a:spcPts val="0"/>
+              </a:spcAft>
+              <a:buNone/>
+            </a:pPr>
+            <a:r>
+              <a:rPr lang="es" sz="1200" dirty="0">
+                <a:solidFill>
+                  <a:srgbClr val="1F1F1F"/>
+                </a:solidFill>
+              </a:rPr>
+              <a:t>Base de datos: Compuesta por lesiones benignos y malignas que se almacenan en la base de datos junto con la histopatología</a:t>
+            </a:r>
+            <a:endParaRPr sz="1200" dirty="0">
+              <a:solidFill>
+                <a:srgbClr val="1F1F1F"/>
+              </a:solidFill>
+            </a:endParaRPr>
+          </a:p>
+          <a:p>
+            <a:pPr marL="0" lvl="0" indent="0" algn="l" rtl="0">
+              <a:lnSpc>
+                <a:spcPct val="100000"/>
+              </a:lnSpc>
+              <a:spcBef>
+                <a:spcPts val="0"/>
+              </a:spcBef>
+              <a:spcAft>
+                <a:spcPts val="0"/>
+              </a:spcAft>
+              <a:buNone/>
+            </a:pPr>
+            <a:endParaRPr sz="1200" dirty="0">
+              <a:solidFill>
+                <a:srgbClr val="1F1F1F"/>
+              </a:solidFill>
+            </a:endParaRPr>
+          </a:p>
+          <a:p>
+            <a:pPr marL="0" lvl="0" indent="0" algn="l" rtl="0">
+              <a:lnSpc>
+                <a:spcPct val="100000"/>
+              </a:lnSpc>
+              <a:spcBef>
+                <a:spcPts val="0"/>
+              </a:spcBef>
+              <a:spcAft>
+                <a:spcPts val="0"/>
+              </a:spcAft>
+              <a:buNone/>
+            </a:pPr>
+            <a:endParaRPr sz="1200" dirty="0">
+              <a:solidFill>
+                <a:srgbClr val="1F1F1F"/>
+              </a:solidFill>
+            </a:endParaRPr>
+          </a:p>
+          <a:p>
+            <a:pPr marL="0" lvl="0" indent="0" algn="l" rtl="0">
+              <a:lnSpc>
+                <a:spcPct val="100000"/>
+              </a:lnSpc>
+              <a:spcBef>
+                <a:spcPts val="0"/>
+              </a:spcBef>
+              <a:spcAft>
+                <a:spcPts val="0"/>
+              </a:spcAft>
+              <a:buNone/>
+            </a:pPr>
+            <a:endParaRPr sz="1200" dirty="0">
+              <a:solidFill>
+                <a:schemeClr val="dk1"/>
+              </a:solidFill>
+            </a:endParaRPr>
+          </a:p>
+        </p:txBody>
+      </p:sp>
+      <p:sp>
+        <p:nvSpPr>
+          <p:cNvPr id="141" name="Google Shape;141;p15"/>
+          <p:cNvSpPr txBox="1">
+            <a:spLocks noGrp="1"/>
+          </p:cNvSpPr>
+          <p:nvPr>
+            <p:ph type="body" idx="1"/>
+          </p:nvPr>
+        </p:nvSpPr>
+        <p:spPr>
+          <a:xfrm>
+            <a:off x="311700" y="4695225"/>
+            <a:ext cx="8520600" cy="369600"/>
+          </a:xfrm>
+          <a:prstGeom prst="rect">
+            <a:avLst/>
+          </a:prstGeom>
+        </p:spPr>
+        <p:txBody>
+          <a:bodyPr spcFirstLastPara="1" wrap="square" lIns="91425" tIns="91425" rIns="91425" bIns="91425" anchor="t" anchorCtr="0">
+            <a:noAutofit/>
+          </a:bodyPr>
+          <a:lstStyle/>
+          <a:p>
+            <a:pPr marL="0" lvl="0" indent="0" algn="l" rtl="0">
+              <a:lnSpc>
+                <a:spcPct val="100000"/>
+              </a:lnSpc>
+              <a:spcBef>
+                <a:spcPts val="0"/>
+              </a:spcBef>
+              <a:spcAft>
+                <a:spcPts val="0"/>
+              </a:spcAft>
+              <a:buNone/>
+            </a:pPr>
+            <a:r>
+              <a:rPr lang="es" sz="1000">
+                <a:solidFill>
+                  <a:schemeClr val="dk1"/>
+                </a:solidFill>
+              </a:rPr>
+              <a:t>https://www.sciencedirect.com/science/article/pii/S0141933120308723</a:t>
+            </a:r>
+            <a:endParaRPr sz="1000">
+              <a:solidFill>
+                <a:srgbClr val="111A37"/>
+              </a:solidFill>
+            </a:endParaRPr>
+          </a:p>
+          <a:p>
+            <a:pPr marL="0" lvl="0" indent="0" algn="l" rtl="0">
+              <a:spcBef>
+                <a:spcPts val="0"/>
+              </a:spcBef>
+              <a:spcAft>
+                <a:spcPts val="1200"/>
+              </a:spcAft>
+              <a:buNone/>
+            </a:pPr>
+            <a:endParaRPr sz="1000"/>
+          </a:p>
+        </p:txBody>
+      </p:sp>
+      <p:pic>
+        <p:nvPicPr>
+          <p:cNvPr id="142" name="Google Shape;142;p15"/>
+          <p:cNvPicPr preferRelativeResize="0"/>
+          <p:nvPr/>
+        </p:nvPicPr>
+        <p:blipFill>
+          <a:blip r:embed="rId3">
+            <a:alphaModFix/>
+          </a:blip>
+          <a:stretch>
+            <a:fillRect/>
+          </a:stretch>
+        </p:blipFill>
+        <p:spPr>
+          <a:xfrm>
+            <a:off x="4448638" y="1322513"/>
+            <a:ext cx="4267200" cy="1150604"/>
+          </a:xfrm>
+          <a:prstGeom prst="rect">
+            <a:avLst/>
+          </a:prstGeom>
+          <a:noFill/>
+          <a:ln>
+            <a:noFill/>
+          </a:ln>
+        </p:spPr>
+      </p:pic>
+      <p:pic>
+        <p:nvPicPr>
+          <p:cNvPr id="143" name="Google Shape;143;p15"/>
+          <p:cNvPicPr preferRelativeResize="0"/>
+          <p:nvPr/>
+        </p:nvPicPr>
+        <p:blipFill>
+          <a:blip r:embed="rId4">
+            <a:alphaModFix/>
+          </a:blip>
+          <a:stretch>
+            <a:fillRect/>
+          </a:stretch>
+        </p:blipFill>
+        <p:spPr>
+          <a:xfrm>
+            <a:off x="4873975" y="2473129"/>
+            <a:ext cx="3715675" cy="2069696"/>
+          </a:xfrm>
+          <a:prstGeom prst="rect">
+            <a:avLst/>
+          </a:prstGeom>
+          <a:noFill/>
+          <a:ln>
+            <a:noFill/>
+          </a:ln>
+        </p:spPr>
+      </p:pic>
+    </p:spTree>
   </p:cSld>
   <p:clrMapOvr>
     <a:masterClrMapping/>

--- a/Tesis.pptx
+++ b/Tesis.pptx
@@ -877,46 +877,481 @@
           <a:bodyPr/>
           <a:lstStyle/>
           <a:p>
+            <a:pPr marL="158750" indent="0">
+              <a:buNone/>
+            </a:pPr>
             <a:r>
-              <a:rPr lang="es-MX" b="0" i="0" dirty="0">
-                <a:solidFill>
-                  <a:srgbClr val="0D0D0D"/>
-                </a:solidFill>
-                <a:effectLst/>
-                <a:highlight>
-                  <a:srgbClr val="FFFFFF"/>
-                </a:highlight>
-                <a:latin typeface="Söhne"/>
+              <a:rPr lang="es-PE" dirty="0"/>
+              <a:t>*agregar 2 o 3 problemas específicos</a:t>
+            </a:r>
+          </a:p>
+        </p:txBody>
+      </p:sp>
+    </p:spTree>
+    <p:extLst>
+      <p:ext uri="{BB962C8B-B14F-4D97-AF65-F5344CB8AC3E}">
+        <p14:creationId xmlns:p14="http://schemas.microsoft.com/office/powerpoint/2010/main" val="1322279423"/>
+      </p:ext>
+    </p:extLst>
+  </p:cSld>
+  <p:clrMapOvr>
+    <a:masterClrMapping/>
+  </p:clrMapOvr>
+</p:notes>
+</file>
+
+<file path=ppt/notesSlides/notesSlide3.xml><?xml version="1.0" encoding="utf-8"?>
+<p:notes xmlns:a="http://schemas.openxmlformats.org/drawingml/2006/main" xmlns:r="http://schemas.openxmlformats.org/officeDocument/2006/relationships" xmlns:p="http://schemas.openxmlformats.org/presentationml/2006/main">
+  <p:cSld>
+    <p:spTree>
+      <p:nvGrpSpPr>
+        <p:cNvPr id="1" name=""/>
+        <p:cNvGrpSpPr/>
+        <p:nvPr/>
+      </p:nvGrpSpPr>
+      <p:grpSpPr>
+        <a:xfrm>
+          <a:off x="0" y="0"/>
+          <a:ext cx="0" cy="0"/>
+          <a:chOff x="0" y="0"/>
+          <a:chExt cx="0" cy="0"/>
+        </a:xfrm>
+      </p:grpSpPr>
+      <p:sp>
+        <p:nvSpPr>
+          <p:cNvPr id="2" name="Marcador de imagen de diapositiva 1"/>
+          <p:cNvSpPr>
+            <a:spLocks noGrp="1" noRot="1" noChangeAspect="1"/>
+          </p:cNvSpPr>
+          <p:nvPr>
+            <p:ph type="sldImg"/>
+          </p:nvPr>
+        </p:nvSpPr>
+        <p:spPr>
+          <a:xfrm>
+            <a:off x="381000" y="685800"/>
+            <a:ext cx="6096000" cy="3429000"/>
+          </a:xfrm>
+        </p:spPr>
+      </p:sp>
+      <p:sp>
+        <p:nvSpPr>
+          <p:cNvPr id="3" name="Marcador de notas 2"/>
+          <p:cNvSpPr>
+            <a:spLocks noGrp="1"/>
+          </p:cNvSpPr>
+          <p:nvPr>
+            <p:ph type="body" idx="1"/>
+          </p:nvPr>
+        </p:nvSpPr>
+        <p:spPr/>
+        <p:txBody>
+          <a:bodyPr/>
+          <a:lstStyle/>
+          <a:p>
+            <a:pPr marL="146050" indent="0">
+              <a:buNone/>
+            </a:pPr>
+            <a:r>
+              <a:rPr lang="es-MX" dirty="0">
+                <a:latin typeface="Calibri" panose="020F0502020204030204" pitchFamily="34" charset="0"/>
+                <a:cs typeface="Calibri" panose="020F0502020204030204" pitchFamily="34" charset="0"/>
               </a:rPr>
-              <a:t>Desarrollar un sistema de detección de cáncer de piel mediante el uso de técnicas de Deep Learning y visión por computadora que permita identificar lesiones a partir de imágenes </a:t>
+              <a:t>¿Es posible realizar una detección temprana de cáncer de piel en el Perú  haciendo uso de técnicas de Deep Learning y </a:t>
             </a:r>
             <a:r>
-              <a:rPr lang="es-MX" b="0" i="0" dirty="0" err="1">
-                <a:solidFill>
-                  <a:srgbClr val="0D0D0D"/>
-                </a:solidFill>
-                <a:effectLst/>
-                <a:highlight>
-                  <a:srgbClr val="FFFFFF"/>
-                </a:highlight>
-                <a:latin typeface="Söhne"/>
+              <a:rPr lang="es-MX" dirty="0" err="1">
+                <a:latin typeface="Calibri" panose="020F0502020204030204" pitchFamily="34" charset="0"/>
+                <a:cs typeface="Calibri" panose="020F0502020204030204" pitchFamily="34" charset="0"/>
               </a:rPr>
-              <a:t>dermatoscópicas</a:t>
+              <a:t>computer</a:t>
             </a:r>
             <a:r>
-              <a:rPr lang="es-MX" b="0" i="0" dirty="0">
-                <a:solidFill>
-                  <a:srgbClr val="0D0D0D"/>
-                </a:solidFill>
-                <a:effectLst/>
-                <a:highlight>
-                  <a:srgbClr val="FFFFFF"/>
-                </a:highlight>
-                <a:latin typeface="Söhne"/>
+              <a:rPr lang="es-MX" dirty="0">
+                <a:latin typeface="Calibri" panose="020F0502020204030204" pitchFamily="34" charset="0"/>
+                <a:cs typeface="Calibri" panose="020F0502020204030204" pitchFamily="34" charset="0"/>
+              </a:rPr>
+              <a:t> </a:t>
+            </a:r>
+            <a:r>
+              <a:rPr lang="es-MX" dirty="0" err="1">
+                <a:latin typeface="Calibri" panose="020F0502020204030204" pitchFamily="34" charset="0"/>
+                <a:cs typeface="Calibri" panose="020F0502020204030204" pitchFamily="34" charset="0"/>
+              </a:rPr>
+              <a:t>vision</a:t>
+            </a:r>
+            <a:r>
+              <a:rPr lang="es-MX" dirty="0">
+                <a:latin typeface="Calibri" panose="020F0502020204030204" pitchFamily="34" charset="0"/>
+                <a:cs typeface="Calibri" panose="020F0502020204030204" pitchFamily="34" charset="0"/>
+              </a:rPr>
+              <a:t> que identifique Cáncer de Piel de tipo melanoma partir de imágenes?</a:t>
+            </a:r>
+          </a:p>
+          <a:p>
+            <a:pPr marL="146050" indent="0">
+              <a:buNone/>
+            </a:pPr>
+            <a:endParaRPr lang="es-MX" dirty="0">
+              <a:latin typeface="Calibri" panose="020F0502020204030204" pitchFamily="34" charset="0"/>
+              <a:cs typeface="Calibri" panose="020F0502020204030204" pitchFamily="34" charset="0"/>
+            </a:endParaRPr>
+          </a:p>
+          <a:p>
+            <a:pPr marL="146050" marR="0" lvl="0" indent="0" algn="l" defTabSz="914400" rtl="0" eaLnBrk="1" fontAlgn="auto" latinLnBrk="0" hangingPunct="1">
+              <a:lnSpc>
+                <a:spcPct val="100000"/>
+              </a:lnSpc>
+              <a:spcBef>
+                <a:spcPts val="0"/>
+              </a:spcBef>
+              <a:spcAft>
+                <a:spcPts val="0"/>
+              </a:spcAft>
+              <a:buClr>
+                <a:srgbClr val="000000"/>
+              </a:buClr>
+              <a:buSzPts val="1100"/>
+              <a:buFont typeface="Arial"/>
+              <a:buNone/>
+              <a:tabLst/>
+              <a:defRPr/>
+            </a:pPr>
+            <a:r>
+              <a:rPr lang="es-MX" dirty="0">
+                <a:latin typeface="Calibri" panose="020F0502020204030204" pitchFamily="34" charset="0"/>
+                <a:cs typeface="Calibri" panose="020F0502020204030204" pitchFamily="34" charset="0"/>
+              </a:rPr>
+              <a:t>Anterior: </a:t>
+            </a:r>
+            <a:r>
+              <a:rPr lang="es-MX" sz="1100" dirty="0">
+                <a:latin typeface="Calibri" panose="020F0502020204030204" pitchFamily="34" charset="0"/>
+                <a:cs typeface="Calibri" panose="020F0502020204030204" pitchFamily="34" charset="0"/>
+              </a:rPr>
+              <a:t>Desarrollar un sistema de detección de cáncer de piel mediante el uso de técnicas de Deep Learning y visión por computadora que permita identificar lesiones dermatológicas a partir de imágenes, para realizar una detección temprana.</a:t>
+            </a:r>
+            <a:endParaRPr lang="es-PE" sz="1100" dirty="0">
+              <a:latin typeface="Calibri" panose="020F0502020204030204" pitchFamily="34" charset="0"/>
+              <a:cs typeface="Calibri" panose="020F0502020204030204" pitchFamily="34" charset="0"/>
+            </a:endParaRPr>
+          </a:p>
+          <a:p>
+            <a:pPr marL="146050" indent="0">
+              <a:buNone/>
+            </a:pPr>
+            <a:endParaRPr lang="es-MX" dirty="0">
+              <a:latin typeface="Calibri" panose="020F0502020204030204" pitchFamily="34" charset="0"/>
+              <a:cs typeface="Calibri" panose="020F0502020204030204" pitchFamily="34" charset="0"/>
+            </a:endParaRPr>
+          </a:p>
+          <a:p>
+            <a:pPr marL="146050" indent="0">
+              <a:buNone/>
+            </a:pPr>
+            <a:endParaRPr lang="es-MX" dirty="0">
+              <a:latin typeface="Calibri" panose="020F0502020204030204" pitchFamily="34" charset="0"/>
+              <a:cs typeface="Calibri" panose="020F0502020204030204" pitchFamily="34" charset="0"/>
+            </a:endParaRPr>
+          </a:p>
+          <a:p>
+            <a:pPr marL="146050" marR="0" lvl="0" indent="0" algn="l" defTabSz="914400" rtl="0" eaLnBrk="1" fontAlgn="auto" latinLnBrk="0" hangingPunct="1">
+              <a:lnSpc>
+                <a:spcPct val="100000"/>
+              </a:lnSpc>
+              <a:spcBef>
+                <a:spcPts val="0"/>
+              </a:spcBef>
+              <a:spcAft>
+                <a:spcPts val="0"/>
+              </a:spcAft>
+              <a:buClr>
+                <a:srgbClr val="000000"/>
+              </a:buClr>
+              <a:buSzPts val="1100"/>
+              <a:buFont typeface="Arial"/>
+              <a:buNone/>
+              <a:tabLst/>
+              <a:defRPr/>
+            </a:pPr>
+            <a:r>
+              <a:rPr lang="es-MX" sz="1100" dirty="0">
+                <a:latin typeface="Calibri" panose="020F0502020204030204" pitchFamily="34" charset="0"/>
+                <a:cs typeface="Calibri" panose="020F0502020204030204" pitchFamily="34" charset="0"/>
+              </a:rPr>
+              <a:t>Nuevo: Desarrollar un sistema que identifique el cáncer de piel </a:t>
+            </a:r>
+            <a:r>
+              <a:rPr lang="es-MX" dirty="0">
+                <a:latin typeface="Calibri" panose="020F0502020204030204" pitchFamily="34" charset="0"/>
+                <a:cs typeface="Calibri" panose="020F0502020204030204" pitchFamily="34" charset="0"/>
+              </a:rPr>
+              <a:t>de tipo melanoma a partir de imágenes </a:t>
+            </a:r>
+            <a:r>
+              <a:rPr lang="es-MX" sz="1100" dirty="0">
+                <a:latin typeface="Calibri" panose="020F0502020204030204" pitchFamily="34" charset="0"/>
+                <a:cs typeface="Calibri" panose="020F0502020204030204" pitchFamily="34" charset="0"/>
+              </a:rPr>
+              <a:t>mediante el uso de técnicas de Deep Learning y </a:t>
+            </a:r>
+            <a:r>
+              <a:rPr lang="es-MX" dirty="0" err="1">
+                <a:latin typeface="Calibri" panose="020F0502020204030204" pitchFamily="34" charset="0"/>
+                <a:cs typeface="Calibri" panose="020F0502020204030204" pitchFamily="34" charset="0"/>
+              </a:rPr>
+              <a:t>computer</a:t>
+            </a:r>
+            <a:r>
+              <a:rPr lang="es-MX" dirty="0">
+                <a:latin typeface="Calibri" panose="020F0502020204030204" pitchFamily="34" charset="0"/>
+                <a:cs typeface="Calibri" panose="020F0502020204030204" pitchFamily="34" charset="0"/>
+              </a:rPr>
+              <a:t> </a:t>
+            </a:r>
+            <a:r>
+              <a:rPr lang="es-MX" dirty="0" err="1">
+                <a:latin typeface="Calibri" panose="020F0502020204030204" pitchFamily="34" charset="0"/>
+                <a:cs typeface="Calibri" panose="020F0502020204030204" pitchFamily="34" charset="0"/>
+              </a:rPr>
+              <a:t>vision</a:t>
+            </a:r>
+            <a:r>
+              <a:rPr lang="es-MX" sz="1100" dirty="0">
+                <a:latin typeface="Calibri" panose="020F0502020204030204" pitchFamily="34" charset="0"/>
+                <a:cs typeface="Calibri" panose="020F0502020204030204" pitchFamily="34" charset="0"/>
               </a:rPr>
               <a:t>, para realizar una detección temprana.</a:t>
             </a:r>
-            <a:endParaRPr lang="es-PE" dirty="0"/>
+          </a:p>
+          <a:p>
+            <a:pPr marL="146050" marR="0" lvl="0" indent="0" algn="l" defTabSz="914400" rtl="0" eaLnBrk="1" fontAlgn="auto" latinLnBrk="0" hangingPunct="1">
+              <a:lnSpc>
+                <a:spcPct val="100000"/>
+              </a:lnSpc>
+              <a:spcBef>
+                <a:spcPts val="0"/>
+              </a:spcBef>
+              <a:spcAft>
+                <a:spcPts val="0"/>
+              </a:spcAft>
+              <a:buClr>
+                <a:srgbClr val="000000"/>
+              </a:buClr>
+              <a:buSzPts val="1100"/>
+              <a:buFont typeface="Arial"/>
+              <a:buNone/>
+              <a:tabLst/>
+              <a:defRPr/>
+            </a:pPr>
+            <a:endParaRPr lang="es-MX" sz="1100" dirty="0">
+              <a:latin typeface="Calibri" panose="020F0502020204030204" pitchFamily="34" charset="0"/>
+              <a:cs typeface="Calibri" panose="020F0502020204030204" pitchFamily="34" charset="0"/>
+            </a:endParaRPr>
+          </a:p>
+          <a:p>
+            <a:pPr marL="146050" marR="0" lvl="0" indent="0" algn="l" defTabSz="914400" rtl="0" eaLnBrk="1" fontAlgn="auto" latinLnBrk="0" hangingPunct="1">
+              <a:lnSpc>
+                <a:spcPct val="100000"/>
+              </a:lnSpc>
+              <a:spcBef>
+                <a:spcPts val="0"/>
+              </a:spcBef>
+              <a:spcAft>
+                <a:spcPts val="0"/>
+              </a:spcAft>
+              <a:buClr>
+                <a:srgbClr val="000000"/>
+              </a:buClr>
+              <a:buSzPts val="1100"/>
+              <a:buFont typeface="Arial"/>
+              <a:buNone/>
+              <a:tabLst/>
+              <a:defRPr/>
+            </a:pPr>
+            <a:endParaRPr lang="es-MX" sz="1100" dirty="0">
+              <a:latin typeface="Calibri" panose="020F0502020204030204" pitchFamily="34" charset="0"/>
+              <a:cs typeface="Calibri" panose="020F0502020204030204" pitchFamily="34" charset="0"/>
+            </a:endParaRPr>
+          </a:p>
+          <a:p>
+            <a:pPr marL="146050" marR="0" lvl="0" indent="0" algn="l" defTabSz="914400" rtl="0" eaLnBrk="1" fontAlgn="auto" latinLnBrk="0" hangingPunct="1">
+              <a:lnSpc>
+                <a:spcPct val="100000"/>
+              </a:lnSpc>
+              <a:spcBef>
+                <a:spcPts val="0"/>
+              </a:spcBef>
+              <a:spcAft>
+                <a:spcPts val="0"/>
+              </a:spcAft>
+              <a:buClr>
+                <a:srgbClr val="000000"/>
+              </a:buClr>
+              <a:buSzPts val="1100"/>
+              <a:buFont typeface="Arial"/>
+              <a:buNone/>
+              <a:tabLst/>
+              <a:defRPr/>
+            </a:pPr>
+            <a:endParaRPr lang="es-MX" sz="1100" dirty="0">
+              <a:latin typeface="Calibri" panose="020F0502020204030204" pitchFamily="34" charset="0"/>
+              <a:cs typeface="Calibri" panose="020F0502020204030204" pitchFamily="34" charset="0"/>
+            </a:endParaRPr>
+          </a:p>
+          <a:p>
+            <a:pPr marL="146050" marR="0" lvl="0" indent="0" algn="l" defTabSz="914400" rtl="0" eaLnBrk="1" fontAlgn="auto" latinLnBrk="0" hangingPunct="1">
+              <a:lnSpc>
+                <a:spcPct val="100000"/>
+              </a:lnSpc>
+              <a:spcBef>
+                <a:spcPts val="0"/>
+              </a:spcBef>
+              <a:spcAft>
+                <a:spcPts val="0"/>
+              </a:spcAft>
+              <a:buClr>
+                <a:srgbClr val="000000"/>
+              </a:buClr>
+              <a:buSzPts val="1100"/>
+              <a:buFont typeface="Arial"/>
+              <a:buNone/>
+              <a:tabLst/>
+              <a:defRPr/>
+            </a:pPr>
+            <a:endParaRPr lang="es-MX" sz="1100" dirty="0">
+              <a:latin typeface="Calibri" panose="020F0502020204030204" pitchFamily="34" charset="0"/>
+              <a:cs typeface="Calibri" panose="020F0502020204030204" pitchFamily="34" charset="0"/>
+            </a:endParaRPr>
+          </a:p>
+          <a:p>
+            <a:pPr marL="146050" marR="0" lvl="0" indent="0" algn="l" defTabSz="914400" rtl="0" eaLnBrk="1" fontAlgn="auto" latinLnBrk="0" hangingPunct="1">
+              <a:lnSpc>
+                <a:spcPct val="100000"/>
+              </a:lnSpc>
+              <a:spcBef>
+                <a:spcPts val="0"/>
+              </a:spcBef>
+              <a:spcAft>
+                <a:spcPts val="0"/>
+              </a:spcAft>
+              <a:buClr>
+                <a:srgbClr val="000000"/>
+              </a:buClr>
+              <a:buSzPts val="1100"/>
+              <a:buFont typeface="Arial"/>
+              <a:buNone/>
+              <a:tabLst/>
+              <a:defRPr/>
+            </a:pPr>
+            <a:endParaRPr lang="es-MX" sz="1100" dirty="0">
+              <a:latin typeface="Calibri" panose="020F0502020204030204" pitchFamily="34" charset="0"/>
+              <a:cs typeface="Calibri" panose="020F0502020204030204" pitchFamily="34" charset="0"/>
+            </a:endParaRPr>
+          </a:p>
+          <a:p>
+            <a:pPr marL="146050" marR="0" lvl="0" indent="0" algn="l" defTabSz="914400" rtl="0" eaLnBrk="1" fontAlgn="auto" latinLnBrk="0" hangingPunct="1">
+              <a:lnSpc>
+                <a:spcPct val="100000"/>
+              </a:lnSpc>
+              <a:spcBef>
+                <a:spcPts val="0"/>
+              </a:spcBef>
+              <a:spcAft>
+                <a:spcPts val="0"/>
+              </a:spcAft>
+              <a:buClr>
+                <a:srgbClr val="000000"/>
+              </a:buClr>
+              <a:buSzPts val="1100"/>
+              <a:buFont typeface="Arial"/>
+              <a:buNone/>
+              <a:tabLst/>
+              <a:defRPr/>
+            </a:pPr>
+            <a:r>
+              <a:rPr lang="es-MX" sz="1100" dirty="0">
+                <a:latin typeface="Calibri" panose="020F0502020204030204" pitchFamily="34" charset="0"/>
+                <a:cs typeface="Calibri" panose="020F0502020204030204" pitchFamily="34" charset="0"/>
+              </a:rPr>
+              <a:t>Objetivos específicos</a:t>
+            </a:r>
+          </a:p>
+          <a:p>
+            <a:pPr marL="146050" marR="0" lvl="0" indent="0" algn="l" defTabSz="914400" rtl="0" eaLnBrk="1" fontAlgn="auto" latinLnBrk="0" hangingPunct="1">
+              <a:lnSpc>
+                <a:spcPct val="100000"/>
+              </a:lnSpc>
+              <a:spcBef>
+                <a:spcPts val="0"/>
+              </a:spcBef>
+              <a:spcAft>
+                <a:spcPts val="0"/>
+              </a:spcAft>
+              <a:buClr>
+                <a:srgbClr val="000000"/>
+              </a:buClr>
+              <a:buSzPts val="1100"/>
+              <a:buFont typeface="Arial"/>
+              <a:buNone/>
+              <a:tabLst/>
+              <a:defRPr/>
+            </a:pPr>
+            <a:r>
+              <a:rPr lang="es-MX" sz="1100" dirty="0">
+                <a:latin typeface="Calibri" panose="020F0502020204030204" pitchFamily="34" charset="0"/>
+                <a:cs typeface="Calibri" panose="020F0502020204030204" pitchFamily="34" charset="0"/>
+              </a:rPr>
+              <a:t>2.-como precisión, sensibilidad, especificidad, valor predictivo positivo(VPP), </a:t>
+            </a:r>
+            <a:r>
+              <a:rPr lang="es-MX" sz="1100" dirty="0" err="1">
+                <a:latin typeface="Calibri" panose="020F0502020204030204" pitchFamily="34" charset="0"/>
+                <a:cs typeface="Calibri" panose="020F0502020204030204" pitchFamily="34" charset="0"/>
+              </a:rPr>
+              <a:t>acurancy</a:t>
+            </a:r>
+            <a:r>
+              <a:rPr lang="es-MX" sz="1100" dirty="0">
+                <a:latin typeface="Calibri" panose="020F0502020204030204" pitchFamily="34" charset="0"/>
+                <a:cs typeface="Calibri" panose="020F0502020204030204" pitchFamily="34" charset="0"/>
+              </a:rPr>
+              <a:t> y curvas ROC, con la finalidad de evaluar el rendimiento de los modelos de Deep Learning en la detección de melanoma y no melanoma de pacientes del Perú.</a:t>
+            </a:r>
+          </a:p>
+          <a:p>
+            <a:pPr marL="146050" marR="0" lvl="0" indent="0" algn="l" defTabSz="914400" rtl="0" eaLnBrk="1" fontAlgn="auto" latinLnBrk="0" hangingPunct="1">
+              <a:lnSpc>
+                <a:spcPct val="100000"/>
+              </a:lnSpc>
+              <a:spcBef>
+                <a:spcPts val="0"/>
+              </a:spcBef>
+              <a:spcAft>
+                <a:spcPts val="0"/>
+              </a:spcAft>
+              <a:buClr>
+                <a:srgbClr val="000000"/>
+              </a:buClr>
+              <a:buSzPts val="1100"/>
+              <a:buFont typeface="Arial"/>
+              <a:buNone/>
+              <a:tabLst/>
+              <a:defRPr/>
+            </a:pPr>
+            <a:endParaRPr lang="es-PE" sz="1100" dirty="0">
+              <a:latin typeface="Calibri" panose="020F0502020204030204" pitchFamily="34" charset="0"/>
+              <a:cs typeface="Calibri" panose="020F0502020204030204" pitchFamily="34" charset="0"/>
+            </a:endParaRPr>
+          </a:p>
+          <a:p>
+            <a:pPr marL="146050" indent="0">
+              <a:buNone/>
+            </a:pPr>
+            <a:endParaRPr lang="es-PE" dirty="0">
+              <a:latin typeface="Calibri" panose="020F0502020204030204" pitchFamily="34" charset="0"/>
+              <a:cs typeface="Calibri" panose="020F0502020204030204" pitchFamily="34" charset="0"/>
+            </a:endParaRPr>
           </a:p>
         </p:txBody>
       </p:sp>
@@ -933,7 +1368,7 @@
 </p:notes>
 </file>
 
-<file path=ppt/notesSlides/notesSlide3.xml><?xml version="1.0" encoding="utf-8"?>
+<file path=ppt/notesSlides/notesSlide4.xml><?xml version="1.0" encoding="utf-8"?>
 <p:notes xmlns:a="http://schemas.openxmlformats.org/drawingml/2006/main" xmlns:r="http://schemas.openxmlformats.org/officeDocument/2006/relationships" xmlns:p="http://schemas.openxmlformats.org/presentationml/2006/main" showMasterSp="0" showMasterPhAnim="0">
   <p:cSld>
     <p:spTree>
@@ -1057,7 +1492,7 @@
 </p:notes>
 </file>
 
-<file path=ppt/notesSlides/notesSlide4.xml><?xml version="1.0" encoding="utf-8"?>
+<file path=ppt/notesSlides/notesSlide5.xml><?xml version="1.0" encoding="utf-8"?>
 <p:notes xmlns:a="http://schemas.openxmlformats.org/drawingml/2006/main" xmlns:r="http://schemas.openxmlformats.org/officeDocument/2006/relationships" xmlns:p="http://schemas.openxmlformats.org/presentationml/2006/main" showMasterSp="0" showMasterPhAnim="0">
   <p:cSld>
     <p:spTree>
@@ -8022,7 +8457,39 @@
                   <a:srgbClr val="111A37"/>
                 </a:solidFill>
               </a:rPr>
-              <a:t>Desarrollo de un sistema de detección haciendo uso de Deep Learning y visión por computadora para el Diagnóstico del Cáncer de Piel melanoma</a:t>
+              <a:t>Desarrollo de un sistema de detección haciendo uso de Deep Learning y </a:t>
+            </a:r>
+            <a:r>
+              <a:rPr lang="es-MX" sz="2800" dirty="0" err="1">
+                <a:solidFill>
+                  <a:srgbClr val="111A37"/>
+                </a:solidFill>
+              </a:rPr>
+              <a:t>computer</a:t>
+            </a:r>
+            <a:r>
+              <a:rPr lang="es-MX" sz="2800" dirty="0">
+                <a:solidFill>
+                  <a:srgbClr val="111A37"/>
+                </a:solidFill>
+              </a:rPr>
+              <a:t> </a:t>
+            </a:r>
+            <a:r>
+              <a:rPr lang="es-MX" sz="2800" dirty="0" err="1">
+                <a:solidFill>
+                  <a:srgbClr val="111A37"/>
+                </a:solidFill>
+              </a:rPr>
+              <a:t>vision</a:t>
+            </a:r>
+            <a:r>
+              <a:rPr lang="es-MX" sz="2800" dirty="0">
+                <a:solidFill>
+                  <a:srgbClr val="111A37"/>
+                </a:solidFill>
+              </a:rPr>
+              <a:t> para el Diagnóstico del Cáncer de Piel melanoma</a:t>
             </a:r>
             <a:endParaRPr sz="2800" dirty="0">
               <a:solidFill>
@@ -8301,7 +8768,35 @@
                 <a:latin typeface="Calibri" panose="020F0502020204030204" pitchFamily="34" charset="0"/>
                 <a:cs typeface="Calibri" panose="020F0502020204030204" pitchFamily="34" charset="0"/>
               </a:rPr>
-              <a:t>¿Es posible realizar una detección temprana de cáncer de piel en el Perú  haciendo uso de técnicas de Deep Learning y visión por computadora que permita identificar lesiones dermatológicas a partir de imágenes?</a:t>
+              <a:t>¿Es posible realizar una detección temprana de cáncer de piel en el Perú  haciendo uso de técnicas de Deep Learning y </a:t>
+            </a:r>
+            <a:r>
+              <a:rPr lang="es-MX" dirty="0" err="1">
+                <a:latin typeface="Calibri" panose="020F0502020204030204" pitchFamily="34" charset="0"/>
+                <a:cs typeface="Calibri" panose="020F0502020204030204" pitchFamily="34" charset="0"/>
+              </a:rPr>
+              <a:t>computer</a:t>
+            </a:r>
+            <a:r>
+              <a:rPr lang="es-MX" dirty="0">
+                <a:latin typeface="Calibri" panose="020F0502020204030204" pitchFamily="34" charset="0"/>
+                <a:cs typeface="Calibri" panose="020F0502020204030204" pitchFamily="34" charset="0"/>
+              </a:rPr>
+              <a:t> </a:t>
+            </a:r>
+            <a:r>
+              <a:rPr lang="es-MX" dirty="0" err="1">
+                <a:latin typeface="Calibri" panose="020F0502020204030204" pitchFamily="34" charset="0"/>
+                <a:cs typeface="Calibri" panose="020F0502020204030204" pitchFamily="34" charset="0"/>
+              </a:rPr>
+              <a:t>vision</a:t>
+            </a:r>
+            <a:r>
+              <a:rPr lang="es-MX" dirty="0">
+                <a:latin typeface="Calibri" panose="020F0502020204030204" pitchFamily="34" charset="0"/>
+                <a:cs typeface="Calibri" panose="020F0502020204030204" pitchFamily="34" charset="0"/>
+              </a:rPr>
+              <a:t> que identifique Cáncer de Piel de tipo melanoma partir de imágenes?</a:t>
             </a:r>
             <a:endParaRPr lang="es-PE" dirty="0">
               <a:latin typeface="Calibri" panose="020F0502020204030204" pitchFamily="34" charset="0"/>
@@ -9199,7 +9694,7 @@
         </p:spPr>
         <p:txBody>
           <a:bodyPr spcFirstLastPara="1" wrap="square" lIns="91425" tIns="91425" rIns="91425" bIns="91425" anchor="t" anchorCtr="0">
-            <a:normAutofit fontScale="92500" lnSpcReduction="20000"/>
+            <a:normAutofit fontScale="92500"/>
           </a:bodyPr>
           <a:lstStyle>
             <a:defPPr marR="0" lvl="0" algn="l" rtl="0">
@@ -9458,7 +9953,7 @@
                 <a:latin typeface="Calibri" panose="020F0502020204030204" pitchFamily="34" charset="0"/>
                 <a:cs typeface="Calibri" panose="020F0502020204030204" pitchFamily="34" charset="0"/>
               </a:rPr>
-              <a:t>¿Cuáles son los algoritmos de Deep Learning que pueden clasificar con precisión los melanomas y no melanomas entre pacientes peruanos?</a:t>
+              <a:t>¿Cuáles son los algoritmos de Deep Learning que pueden clasificar con precisión los melanomas entre pacientes peruanos?</a:t>
             </a:r>
           </a:p>
           <a:p>
@@ -9471,7 +9966,7 @@
                 <a:latin typeface="Calibri" panose="020F0502020204030204" pitchFamily="34" charset="0"/>
                 <a:cs typeface="Calibri" panose="020F0502020204030204" pitchFamily="34" charset="0"/>
               </a:rPr>
-              <a:t>¿Cómo evaluar y medir la precisión de los modelos de Deep Learning en la detección de cáncer de piel de tipo melanomas y no melanomas entre pacientes peruanos? </a:t>
+              <a:t>¿Cómo evaluar y medir la precisión de los modelos de Deep Learning en la detección de cáncer de piel de tipo melanomas entre pacientes peruanos? </a:t>
             </a:r>
           </a:p>
           <a:p>
@@ -9497,20 +9992,7 @@
                 <a:latin typeface="Calibri" panose="020F0502020204030204" pitchFamily="34" charset="0"/>
                 <a:cs typeface="Calibri" panose="020F0502020204030204" pitchFamily="34" charset="0"/>
               </a:rPr>
-              <a:t>¿ Qué alternativas se proponen en los trabajos previos para seleccionar características y desarrollar el marco de trabajo de la investigación?</a:t>
-            </a:r>
-          </a:p>
-          <a:p>
-            <a:pPr marL="488950" indent="-342900">
-              <a:buFont typeface="+mj-lt"/>
-              <a:buAutoNum type="arabicPeriod"/>
-            </a:pPr>
-            <a:r>
-              <a:rPr lang="es-MX" dirty="0">
-                <a:latin typeface="Calibri" panose="020F0502020204030204" pitchFamily="34" charset="0"/>
-                <a:cs typeface="Calibri" panose="020F0502020204030204" pitchFamily="34" charset="0"/>
-              </a:rPr>
-              <a:t>¿Cuál es la influencia de las condiciones ambientales y geográficas específicas de Perú en el tratamiento del cáncer de piel?</a:t>
+              <a:t>¿Qué alternativas se proponen en los trabajos previos para seleccionar características y desarrollar el marco de trabajo de la investigación?</a:t>
             </a:r>
           </a:p>
         </p:txBody>
@@ -9608,15 +10090,73 @@
           </a:bodyPr>
           <a:lstStyle/>
           <a:p>
-            <a:pPr marL="146050" indent="0">
-              <a:buNone/>
+            <a:pPr marL="146050" marR="0" lvl="0" indent="0" algn="l" defTabSz="914400" rtl="0" eaLnBrk="1" fontAlgn="auto" latinLnBrk="0" hangingPunct="1">
+              <a:lnSpc>
+                <a:spcPct val="100000"/>
+              </a:lnSpc>
+              <a:spcBef>
+                <a:spcPts val="0"/>
+              </a:spcBef>
+              <a:spcAft>
+                <a:spcPts val="0"/>
+              </a:spcAft>
+              <a:buClr>
+                <a:srgbClr val="000000"/>
+              </a:buClr>
+              <a:buSzPts val="1100"/>
+              <a:buFont typeface="Arial"/>
+              <a:buNone/>
+              <a:tabLst/>
+              <a:defRPr/>
             </a:pPr>
             <a:r>
               <a:rPr lang="es-MX" sz="1200" dirty="0">
                 <a:latin typeface="Calibri" panose="020F0502020204030204" pitchFamily="34" charset="0"/>
                 <a:cs typeface="Calibri" panose="020F0502020204030204" pitchFamily="34" charset="0"/>
               </a:rPr>
-              <a:t>Desarrollar un sistema de detección de cáncer de piel mediante el uso de técnicas de Deep Learning y visión por computadora que permita identificar lesiones dermatológicas a partir de imágenes, para realizar una detección temprana.</a:t>
+              <a:t>Desarrollar un sistema que identifique el cáncer de piel </a:t>
+            </a:r>
+            <a:r>
+              <a:rPr lang="es-MX" sz="1050" dirty="0">
+                <a:latin typeface="Calibri" panose="020F0502020204030204" pitchFamily="34" charset="0"/>
+                <a:cs typeface="Calibri" panose="020F0502020204030204" pitchFamily="34" charset="0"/>
+              </a:rPr>
+              <a:t>de tipo melanoma a partir de imágenes </a:t>
+            </a:r>
+            <a:r>
+              <a:rPr lang="es-MX" sz="1200" dirty="0">
+                <a:latin typeface="Calibri" panose="020F0502020204030204" pitchFamily="34" charset="0"/>
+                <a:cs typeface="Calibri" panose="020F0502020204030204" pitchFamily="34" charset="0"/>
+              </a:rPr>
+              <a:t>mediante el uso de técnicas de Deep Learning y </a:t>
+            </a:r>
+            <a:r>
+              <a:rPr lang="es-MX" sz="1050" dirty="0" err="1">
+                <a:latin typeface="Calibri" panose="020F0502020204030204" pitchFamily="34" charset="0"/>
+                <a:cs typeface="Calibri" panose="020F0502020204030204" pitchFamily="34" charset="0"/>
+              </a:rPr>
+              <a:t>computer</a:t>
+            </a:r>
+            <a:r>
+              <a:rPr lang="es-MX" sz="1050" dirty="0">
+                <a:latin typeface="Calibri" panose="020F0502020204030204" pitchFamily="34" charset="0"/>
+                <a:cs typeface="Calibri" panose="020F0502020204030204" pitchFamily="34" charset="0"/>
+              </a:rPr>
+              <a:t> </a:t>
+            </a:r>
+            <a:r>
+              <a:rPr lang="es-MX" sz="1050" dirty="0" err="1">
+                <a:latin typeface="Calibri" panose="020F0502020204030204" pitchFamily="34" charset="0"/>
+                <a:cs typeface="Calibri" panose="020F0502020204030204" pitchFamily="34" charset="0"/>
+              </a:rPr>
+              <a:t>vision</a:t>
+            </a:r>
+            <a:r>
+              <a:rPr lang="es-MX" sz="1200" dirty="0">
+                <a:latin typeface="Calibri" panose="020F0502020204030204" pitchFamily="34" charset="0"/>
+                <a:cs typeface="Calibri" panose="020F0502020204030204" pitchFamily="34" charset="0"/>
+              </a:rPr>
+              <a:t>, para realizar una detección temprana.</a:t>
             </a:r>
             <a:endParaRPr lang="es-PE" sz="1200" dirty="0">
               <a:latin typeface="Calibri" panose="020F0502020204030204" pitchFamily="34" charset="0"/>
@@ -10514,7 +11054,7 @@
         </p:spPr>
         <p:txBody>
           <a:bodyPr spcFirstLastPara="1" wrap="square" lIns="91425" tIns="91425" rIns="91425" bIns="91425" anchor="t" anchorCtr="0">
-            <a:normAutofit fontScale="92500" lnSpcReduction="10000"/>
+            <a:normAutofit lnSpcReduction="10000"/>
           </a:bodyPr>
           <a:lstStyle>
             <a:defPPr marR="0" lvl="0" algn="l" rtl="0">
@@ -10776,21 +11316,7 @@
                 <a:latin typeface="Calibri" panose="020F0502020204030204" pitchFamily="34" charset="0"/>
                 <a:cs typeface="Calibri" panose="020F0502020204030204" pitchFamily="34" charset="0"/>
               </a:rPr>
-              <a:t>Identificar y comparar los algoritmos de Deep Learning más adecuados para la clasificación de melanomas y no melanomas en imágenes </a:t>
-            </a:r>
-            <a:r>
-              <a:rPr lang="es-MX" sz="1200" dirty="0" err="1">
-                <a:latin typeface="Calibri" panose="020F0502020204030204" pitchFamily="34" charset="0"/>
-                <a:cs typeface="Calibri" panose="020F0502020204030204" pitchFamily="34" charset="0"/>
-              </a:rPr>
-              <a:t>dermatoscópicas</a:t>
-            </a:r>
-            <a:r>
-              <a:rPr lang="es-MX" sz="1200" dirty="0">
-                <a:latin typeface="Calibri" panose="020F0502020204030204" pitchFamily="34" charset="0"/>
-                <a:cs typeface="Calibri" panose="020F0502020204030204" pitchFamily="34" charset="0"/>
-              </a:rPr>
-              <a:t> de pacientes del Perú.</a:t>
+              <a:t>Identificar y comparar los algoritmos de Deep Learning más adecuados para la clasificación de melanomas en imágenes dermatoscópicas de pacientes del Perú.</a:t>
             </a:r>
           </a:p>
           <a:p>
@@ -10806,21 +11332,7 @@
                 <a:latin typeface="Calibri" panose="020F0502020204030204" pitchFamily="34" charset="0"/>
                 <a:cs typeface="Calibri" panose="020F0502020204030204" pitchFamily="34" charset="0"/>
               </a:rPr>
-              <a:t>Desarrollar un marco de evaluación que incluya métricas como precisión, sensibilidad, especificidad, valor predictivo positivo(VPP), </a:t>
-            </a:r>
-            <a:r>
-              <a:rPr lang="es-MX" sz="1200" dirty="0" err="1">
-                <a:latin typeface="Calibri" panose="020F0502020204030204" pitchFamily="34" charset="0"/>
-                <a:cs typeface="Calibri" panose="020F0502020204030204" pitchFamily="34" charset="0"/>
-              </a:rPr>
-              <a:t>acurancy</a:t>
-            </a:r>
-            <a:r>
-              <a:rPr lang="es-MX" sz="1200" dirty="0">
-                <a:latin typeface="Calibri" panose="020F0502020204030204" pitchFamily="34" charset="0"/>
-                <a:cs typeface="Calibri" panose="020F0502020204030204" pitchFamily="34" charset="0"/>
-              </a:rPr>
-              <a:t> y curvas ROC, con la finalidad de evaluar el rendimiento de los modelos de Deep Learning en la detección de melanoma y no melanoma de pacientes del Perú.</a:t>
+              <a:t>Desarrollar un marco de evaluación que incluya métricas para evaluar el rendimiento de los modelos de Deep Learning en la detección del cáncer de piel de tipo melanoma de pacientes del Perú.</a:t>
             </a:r>
           </a:p>
           <a:p>
@@ -10836,7 +11348,7 @@
                 <a:latin typeface="Calibri" panose="020F0502020204030204" pitchFamily="34" charset="0"/>
                 <a:cs typeface="Calibri" panose="020F0502020204030204" pitchFamily="34" charset="0"/>
               </a:rPr>
-              <a:t>Identificar y evaluar el impacto de estos ruidos en la precisión de la clasificación de melanomas y no melanomas de pacientes del Perú.</a:t>
+              <a:t>Identificar y evaluar que preprocesamiento reduce el impacto de los diferentes tipos de ruidos encontrados en las imágenes dermatoscópicas de cáncer de piel de tipo melanoma de pacientes del Perú.</a:t>
             </a:r>
           </a:p>
           <a:p>
@@ -10853,22 +11365,6 @@
                 <a:cs typeface="Calibri" panose="020F0502020204030204" pitchFamily="34" charset="0"/>
               </a:rPr>
               <a:t>Analizar los diferentes enfoques utilizados en investigaciones anteriores con la finalidad de desarrollar marcos de trabajo efectivos para la clasificación de melanomas y no melanomas de pacientes del Perú.</a:t>
-            </a:r>
-          </a:p>
-          <a:p>
-            <a:pPr marL="546100" indent="-400050">
-              <a:lnSpc>
-                <a:spcPct val="110000"/>
-              </a:lnSpc>
-              <a:buFont typeface="+mj-lt"/>
-              <a:buAutoNum type="arabicPeriod"/>
-            </a:pPr>
-            <a:r>
-              <a:rPr lang="es-MX" sz="1200" dirty="0">
-                <a:latin typeface="Calibri" panose="020F0502020204030204" pitchFamily="34" charset="0"/>
-                <a:cs typeface="Calibri" panose="020F0502020204030204" pitchFamily="34" charset="0"/>
-              </a:rPr>
-              <a:t>Analizar cómo las condiciones ambientales y geográficas pueden afectar los melanomas y no melanomas de pacientes del Perú.</a:t>
             </a:r>
           </a:p>
         </p:txBody>
@@ -10971,15 +11467,7 @@
             </a:pPr>
             <a:r>
               <a:rPr lang="es-MX" dirty="0"/>
-              <a:t>La aplicación de técnicas de Deep Learning en el análisis de imágenes </a:t>
-            </a:r>
-            <a:r>
-              <a:rPr lang="es-MX" dirty="0" err="1"/>
-              <a:t>dermatoscópicas</a:t>
-            </a:r>
-            <a:r>
-              <a:rPr lang="es-MX" dirty="0"/>
-              <a:t> permitirá entrenar un modelo capaz de identificar características específicas asociadas con el cáncer de piel con una precisión igual o superior a la de los dermatólogos especializados, facilitando la detección temprana de esta enfermedad</a:t>
+              <a:t>La aplicación de técnicas de Deep Learning en el análisis de imágenes dermatoscópicas permitirá entrenar un sistema capaz de identificar características específicas asociadas con el cáncer de piel con una precisión igual o superior a la de los dermatólogos especializados, facilitando la detección temprana de esta enfermedad</a:t>
             </a:r>
             <a:endParaRPr lang="es-PE" sz="1200" dirty="0"/>
           </a:p>
@@ -11874,7 +12362,7 @@
         </p:spPr>
         <p:txBody>
           <a:bodyPr spcFirstLastPara="1" wrap="square" lIns="91425" tIns="91425" rIns="91425" bIns="91425" anchor="t" anchorCtr="0">
-            <a:normAutofit lnSpcReduction="10000"/>
+            <a:normAutofit/>
           </a:bodyPr>
           <a:lstStyle>
             <a:defPPr marR="0" lvl="0" algn="l" rtl="0">
@@ -12162,6 +12650,16 @@
               <a:buFont typeface="+mj-lt"/>
               <a:buAutoNum type="romanUcPeriod"/>
             </a:pPr>
+            <a:endParaRPr lang="es-MX" sz="1200" dirty="0"/>
+          </a:p>
+          <a:p>
+            <a:pPr marL="546100" indent="-400050">
+              <a:lnSpc>
+                <a:spcPct val="110000"/>
+              </a:lnSpc>
+              <a:buFont typeface="+mj-lt"/>
+              <a:buAutoNum type="romanUcPeriod"/>
+            </a:pPr>
             <a:r>
               <a:rPr lang="es-MX" sz="1200" dirty="0"/>
               <a:t>Identificar los tipos de ruidos en las imágenes dermatológicas permitirá tener un modelo con mayor precisión</a:t>
@@ -12178,19 +12676,6 @@
             <a:r>
               <a:rPr lang="es-MX" sz="1200" dirty="0"/>
               <a:t>Análisis de trabajos previos para el desarrollo de métodos efectivos con la finalidad de mejorar la eficiencia de los modelos.</a:t>
-            </a:r>
-          </a:p>
-          <a:p>
-            <a:pPr marL="546100" indent="-400050">
-              <a:lnSpc>
-                <a:spcPct val="110000"/>
-              </a:lnSpc>
-              <a:buFont typeface="+mj-lt"/>
-              <a:buAutoNum type="romanUcPeriod"/>
-            </a:pPr>
-            <a:r>
-              <a:rPr lang="es-MX" sz="1200" dirty="0"/>
-              <a:t>Influencia de las condiciones ambientales y geográficas influye en el cáncer de tipo melanomas y no melanomas de pacientes del Perú.</a:t>
             </a:r>
           </a:p>
         </p:txBody>
@@ -12258,66 +12743,6 @@
           </a:p>
         </p:txBody>
       </p:sp>
-      <p:pic>
-        <p:nvPicPr>
-          <p:cNvPr id="20" name="Imagen 19">
-            <a:extLst>
-              <a:ext uri="{FF2B5EF4-FFF2-40B4-BE49-F238E27FC236}">
-                <a16:creationId xmlns:a16="http://schemas.microsoft.com/office/drawing/2014/main" id="{912E8D5A-4763-C622-F4BF-75F92A26D05F}"/>
-              </a:ext>
-            </a:extLst>
-          </p:cNvPr>
-          <p:cNvPicPr>
-            <a:picLocks noChangeAspect="1"/>
-          </p:cNvPicPr>
-          <p:nvPr/>
-        </p:nvPicPr>
-        <p:blipFill>
-          <a:blip r:embed="rId3"/>
-          <a:stretch>
-            <a:fillRect/>
-          </a:stretch>
-        </p:blipFill>
-        <p:spPr>
-          <a:xfrm>
-            <a:off x="0" y="178691"/>
-            <a:ext cx="9144000" cy="2875755"/>
-          </a:xfrm>
-          <a:prstGeom prst="rect">
-            <a:avLst/>
-          </a:prstGeom>
-        </p:spPr>
-      </p:pic>
-      <p:pic>
-        <p:nvPicPr>
-          <p:cNvPr id="23" name="Imagen 22">
-            <a:extLst>
-              <a:ext uri="{FF2B5EF4-FFF2-40B4-BE49-F238E27FC236}">
-                <a16:creationId xmlns:a16="http://schemas.microsoft.com/office/drawing/2014/main" id="{C1897F8F-0D48-813B-47BE-9EEB23F69BBA}"/>
-              </a:ext>
-            </a:extLst>
-          </p:cNvPr>
-          <p:cNvPicPr>
-            <a:picLocks noChangeAspect="1"/>
-          </p:cNvPicPr>
-          <p:nvPr/>
-        </p:nvPicPr>
-        <p:blipFill>
-          <a:blip r:embed="rId4"/>
-          <a:stretch>
-            <a:fillRect/>
-          </a:stretch>
-        </p:blipFill>
-        <p:spPr>
-          <a:xfrm>
-            <a:off x="-8313" y="3054446"/>
-            <a:ext cx="9144000" cy="1319116"/>
-          </a:xfrm>
-          <a:prstGeom prst="rect">
-            <a:avLst/>
-          </a:prstGeom>
-        </p:spPr>
-      </p:pic>
     </p:spTree>
     <p:extLst>
       <p:ext uri="{BB962C8B-B14F-4D97-AF65-F5344CB8AC3E}">

--- a/Tesis.pptx
+++ b/Tesis.pptx
@@ -816,7 +816,7 @@
               </a:spcAft>
               <a:buNone/>
             </a:pPr>
-            <a:endParaRPr/>
+            <a:endParaRPr dirty="0"/>
           </a:p>
         </p:txBody>
       </p:sp>
@@ -1369,6 +1369,159 @@
 </file>
 
 <file path=ppt/notesSlides/notesSlide4.xml><?xml version="1.0" encoding="utf-8"?>
+<p:notes xmlns:a="http://schemas.openxmlformats.org/drawingml/2006/main" xmlns:r="http://schemas.openxmlformats.org/officeDocument/2006/relationships" xmlns:p="http://schemas.openxmlformats.org/presentationml/2006/main">
+  <p:cSld>
+    <p:spTree>
+      <p:nvGrpSpPr>
+        <p:cNvPr id="1" name=""/>
+        <p:cNvGrpSpPr/>
+        <p:nvPr/>
+      </p:nvGrpSpPr>
+      <p:grpSpPr>
+        <a:xfrm>
+          <a:off x="0" y="0"/>
+          <a:ext cx="0" cy="0"/>
+          <a:chOff x="0" y="0"/>
+          <a:chExt cx="0" cy="0"/>
+        </a:xfrm>
+      </p:grpSpPr>
+      <p:sp>
+        <p:nvSpPr>
+          <p:cNvPr id="2" name="Marcador de imagen de diapositiva 1"/>
+          <p:cNvSpPr>
+            <a:spLocks noGrp="1" noRot="1" noChangeAspect="1"/>
+          </p:cNvSpPr>
+          <p:nvPr>
+            <p:ph type="sldImg"/>
+          </p:nvPr>
+        </p:nvSpPr>
+        <p:spPr>
+          <a:xfrm>
+            <a:off x="381000" y="685800"/>
+            <a:ext cx="6096000" cy="3429000"/>
+          </a:xfrm>
+        </p:spPr>
+      </p:sp>
+      <p:sp>
+        <p:nvSpPr>
+          <p:cNvPr id="3" name="Marcador de notas 2"/>
+          <p:cNvSpPr>
+            <a:spLocks noGrp="1"/>
+          </p:cNvSpPr>
+          <p:nvPr>
+            <p:ph type="body" idx="1"/>
+          </p:nvPr>
+        </p:nvSpPr>
+        <p:spPr/>
+        <p:txBody>
+          <a:bodyPr/>
+          <a:lstStyle/>
+          <a:p>
+            <a:r>
+              <a:rPr lang="es-MX" dirty="0"/>
+              <a:t>La aplicación de técnicas de Deep </a:t>
+            </a:r>
+            <a:r>
+              <a:rPr lang="es-MX" dirty="0" err="1"/>
+              <a:t>Learning</a:t>
+            </a:r>
+            <a:r>
+              <a:rPr lang="es-MX" dirty="0"/>
+              <a:t> en el análisis de imágenes </a:t>
+            </a:r>
+            <a:r>
+              <a:rPr lang="es-MX" dirty="0" err="1"/>
+              <a:t>dermatoscópicas</a:t>
+            </a:r>
+            <a:r>
+              <a:rPr lang="es-MX" dirty="0"/>
+              <a:t> permite entrenar un sistema capaz de realizar un pre diagnostico identificando características específicas asociadas con el cáncer de piel de tipo melanoma</a:t>
+            </a:r>
+          </a:p>
+          <a:p>
+            <a:r>
+              <a:rPr lang="es-MX" b="0" i="0" dirty="0">
+                <a:solidFill>
+                  <a:srgbClr val="0D0D0D"/>
+                </a:solidFill>
+                <a:effectLst/>
+                <a:highlight>
+                  <a:srgbClr val="FFFFFF"/>
+                </a:highlight>
+                <a:latin typeface="Söhne"/>
+              </a:rPr>
+              <a:t>La aplicación de técnicas de Deep </a:t>
+            </a:r>
+            <a:r>
+              <a:rPr lang="es-MX" b="0" i="0" dirty="0" err="1">
+                <a:solidFill>
+                  <a:srgbClr val="0D0D0D"/>
+                </a:solidFill>
+                <a:effectLst/>
+                <a:highlight>
+                  <a:srgbClr val="FFFFFF"/>
+                </a:highlight>
+                <a:latin typeface="Söhne"/>
+              </a:rPr>
+              <a:t>Learning</a:t>
+            </a:r>
+            <a:r>
+              <a:rPr lang="es-MX" b="0" i="0" dirty="0">
+                <a:solidFill>
+                  <a:srgbClr val="0D0D0D"/>
+                </a:solidFill>
+                <a:effectLst/>
+                <a:highlight>
+                  <a:srgbClr val="FFFFFF"/>
+                </a:highlight>
+                <a:latin typeface="Söhne"/>
+              </a:rPr>
+              <a:t> en el análisis de imágenes </a:t>
+            </a:r>
+            <a:r>
+              <a:rPr lang="es-MX" b="0" i="0" dirty="0" err="1">
+                <a:solidFill>
+                  <a:srgbClr val="0D0D0D"/>
+                </a:solidFill>
+                <a:effectLst/>
+                <a:highlight>
+                  <a:srgbClr val="FFFFFF"/>
+                </a:highlight>
+                <a:latin typeface="Söhne"/>
+              </a:rPr>
+              <a:t>dermatoscópicas</a:t>
+            </a:r>
+            <a:r>
+              <a:rPr lang="es-MX" b="0" i="0" dirty="0">
+                <a:solidFill>
+                  <a:srgbClr val="0D0D0D"/>
+                </a:solidFill>
+                <a:effectLst/>
+                <a:highlight>
+                  <a:srgbClr val="FFFFFF"/>
+                </a:highlight>
+                <a:latin typeface="Söhne"/>
+              </a:rPr>
+              <a:t> permite entrenar un sistema capaz de realizar un prediagnóstico identificando características específicas asociadas con el cáncer de piel de tipo melanoma.</a:t>
+            </a:r>
+            <a:endParaRPr lang="es-PE" dirty="0"/>
+          </a:p>
+        </p:txBody>
+      </p:sp>
+    </p:spTree>
+    <p:extLst>
+      <p:ext uri="{BB962C8B-B14F-4D97-AF65-F5344CB8AC3E}">
+        <p14:creationId xmlns:p14="http://schemas.microsoft.com/office/powerpoint/2010/main" val="3619860268"/>
+      </p:ext>
+    </p:extLst>
+  </p:cSld>
+  <p:clrMapOvr>
+    <a:masterClrMapping/>
+  </p:clrMapOvr>
+</p:notes>
+</file>
+
+<file path=ppt/notesSlides/notesSlide5.xml><?xml version="1.0" encoding="utf-8"?>
 <p:notes xmlns:a="http://schemas.openxmlformats.org/drawingml/2006/main" xmlns:r="http://schemas.openxmlformats.org/officeDocument/2006/relationships" xmlns:p="http://schemas.openxmlformats.org/presentationml/2006/main" showMasterSp="0" showMasterPhAnim="0">
   <p:cSld>
     <p:spTree>
@@ -1492,7 +1645,7 @@
 </p:notes>
 </file>
 
-<file path=ppt/notesSlides/notesSlide5.xml><?xml version="1.0" encoding="utf-8"?>
+<file path=ppt/notesSlides/notesSlide6.xml><?xml version="1.0" encoding="utf-8"?>
 <p:notes xmlns:a="http://schemas.openxmlformats.org/drawingml/2006/main" xmlns:r="http://schemas.openxmlformats.org/officeDocument/2006/relationships" xmlns:p="http://schemas.openxmlformats.org/presentationml/2006/main" showMasterSp="0" showMasterPhAnim="0">
   <p:cSld>
     <p:spTree>
@@ -8489,7 +8642,23 @@
                   <a:srgbClr val="111A37"/>
                 </a:solidFill>
               </a:rPr>
-              <a:t> para el Diagnóstico del Cáncer de Piel melanoma</a:t>
+              <a:t> para el </a:t>
+            </a:r>
+            <a:r>
+              <a:rPr lang="es-MX" sz="2800" dirty="0" err="1">
+                <a:solidFill>
+                  <a:srgbClr val="111A37"/>
+                </a:solidFill>
+              </a:rPr>
+              <a:t>pre-diagnóstico</a:t>
+            </a:r>
+            <a:r>
+              <a:rPr lang="es-MX" sz="2800" dirty="0">
+                <a:solidFill>
+                  <a:srgbClr val="111A37"/>
+                </a:solidFill>
+              </a:rPr>
+              <a:t> del Cáncer de Piel melanoma</a:t>
             </a:r>
             <a:endParaRPr sz="2800" dirty="0">
               <a:solidFill>
@@ -8768,7 +8937,35 @@
                 <a:latin typeface="Calibri" panose="020F0502020204030204" pitchFamily="34" charset="0"/>
                 <a:cs typeface="Calibri" panose="020F0502020204030204" pitchFamily="34" charset="0"/>
               </a:rPr>
-              <a:t>¿Es posible realizar una detección temprana de cáncer de piel en el Perú  haciendo uso de técnicas de Deep Learning y </a:t>
+              <a:t>¿Es posible realizar un </a:t>
+            </a:r>
+            <a:r>
+              <a:rPr lang="es-MX" dirty="0" err="1">
+                <a:latin typeface="Calibri" panose="020F0502020204030204" pitchFamily="34" charset="0"/>
+                <a:cs typeface="Calibri" panose="020F0502020204030204" pitchFamily="34" charset="0"/>
+              </a:rPr>
+              <a:t>pre-diagnostico</a:t>
+            </a:r>
+            <a:r>
+              <a:rPr lang="es-MX" dirty="0">
+                <a:latin typeface="Calibri" panose="020F0502020204030204" pitchFamily="34" charset="0"/>
+                <a:cs typeface="Calibri" panose="020F0502020204030204" pitchFamily="34" charset="0"/>
+              </a:rPr>
+              <a:t> de cáncer de piel en el Perú  haciendo uso de técnicas de Deep </a:t>
+            </a:r>
+            <a:r>
+              <a:rPr lang="es-MX" dirty="0" err="1">
+                <a:latin typeface="Calibri" panose="020F0502020204030204" pitchFamily="34" charset="0"/>
+                <a:cs typeface="Calibri" panose="020F0502020204030204" pitchFamily="34" charset="0"/>
+              </a:rPr>
+              <a:t>Learning</a:t>
+            </a:r>
+            <a:r>
+              <a:rPr lang="es-MX" dirty="0">
+                <a:latin typeface="Calibri" panose="020F0502020204030204" pitchFamily="34" charset="0"/>
+                <a:cs typeface="Calibri" panose="020F0502020204030204" pitchFamily="34" charset="0"/>
+              </a:rPr>
+              <a:t> y </a:t>
             </a:r>
             <a:r>
               <a:rPr lang="es-MX" dirty="0" err="1">
@@ -8796,7 +8993,7 @@
                 <a:latin typeface="Calibri" panose="020F0502020204030204" pitchFamily="34" charset="0"/>
                 <a:cs typeface="Calibri" panose="020F0502020204030204" pitchFamily="34" charset="0"/>
               </a:rPr>
-              <a:t> que identifique Cáncer de Piel de tipo melanoma partir de imágenes?</a:t>
+              <a:t> que identifique el Cáncer de Piel de tipo melanoma partir de imágenes?</a:t>
             </a:r>
             <a:endParaRPr lang="es-PE" dirty="0">
               <a:latin typeface="Calibri" panose="020F0502020204030204" pitchFamily="34" charset="0"/>
